--- a/Infomation/03-实验三 抗碰撞哈希函数.pptx
+++ b/Infomation/03-实验三 抗碰撞哈希函数.pptx
@@ -8,7 +8,6 @@
     <p:notesMasterId r:id="rId15"/>
   </p:notesMasterIdLst>
   <p:sldIdLst>
-    <p:sldId id="302" r:id="rId2"/>
     <p:sldId id="820" r:id="rId3"/>
     <p:sldId id="1058" r:id="rId4"/>
     <p:sldId id="1059" r:id="rId5"/>
@@ -119,11 +118,6 @@
       </a:defRPr>
     </a:lvl9pPr>
   </p:defaultTextStyle>
-  <p:extLst>
-    <p:ext uri="{EFAFB233-063F-42B5-8137-9DF3F51BA10A}">
-      <p15:sldGuideLst xmlns:p15="http://schemas.microsoft.com/office/powerpoint/2012/main"/>
-    </p:ext>
-  </p:extLst>
 </p:presentation>
 </file>
 
@@ -209,7 +203,6 @@
           <a:p>
             <a:fld id="{D7625DF9-4F9C-496A-85AE-54AE27EF2F77}" type="datetimeFigureOut">
               <a:rPr lang="zh-CN" altLang="en-US" smtClean="0"/>
-              <a:t>2025/5/14</a:t>
             </a:fld>
             <a:endParaRPr lang="zh-CN" altLang="en-US"/>
           </a:p>
@@ -276,6 +269,7 @@
               <a:rPr lang="zh-CN" altLang="en-US"/>
               <a:t>单击此处编辑母版文本样式</a:t>
             </a:r>
+            <a:endParaRPr lang="zh-CN" altLang="en-US"/>
           </a:p>
           <a:p>
             <a:pPr lvl="1"/>
@@ -283,6 +277,7 @@
               <a:rPr lang="zh-CN" altLang="en-US"/>
               <a:t>二级</a:t>
             </a:r>
+            <a:endParaRPr lang="zh-CN" altLang="en-US"/>
           </a:p>
           <a:p>
             <a:pPr lvl="2"/>
@@ -290,6 +285,7 @@
               <a:rPr lang="zh-CN" altLang="en-US"/>
               <a:t>三级</a:t>
             </a:r>
+            <a:endParaRPr lang="zh-CN" altLang="en-US"/>
           </a:p>
           <a:p>
             <a:pPr lvl="3"/>
@@ -297,6 +293,7 @@
               <a:rPr lang="zh-CN" altLang="en-US"/>
               <a:t>四级</a:t>
             </a:r>
+            <a:endParaRPr lang="zh-CN" altLang="en-US"/>
           </a:p>
           <a:p>
             <a:pPr lvl="4"/>
@@ -304,6 +301,7 @@
               <a:rPr lang="zh-CN" altLang="en-US"/>
               <a:t>五级</a:t>
             </a:r>
+            <a:endParaRPr lang="zh-CN" altLang="en-US"/>
           </a:p>
         </p:txBody>
       </p:sp>
@@ -367,7 +365,6 @@
           <a:p>
             <a:fld id="{A58C7A66-EA7B-4BF5-9B0A-C1BB8A9E91EE}" type="slidenum">
               <a:rPr lang="zh-CN" altLang="en-US" smtClean="0"/>
-              <a:t>‹#›</a:t>
             </a:fld>
             <a:endParaRPr lang="zh-CN" altLang="en-US"/>
           </a:p>
@@ -602,7 +599,6 @@
           <a:p>
             <a:fld id="{FC40320B-963F-486A-9D71-2B422E455E82}" type="datetimeFigureOut">
               <a:rPr lang="zh-CN" altLang="en-US" smtClean="0"/>
-              <a:t>2025/5/14</a:t>
             </a:fld>
             <a:endParaRPr lang="zh-CN" altLang="en-US"/>
           </a:p>
@@ -644,7 +640,6 @@
           <a:p>
             <a:fld id="{A6CE31B6-BCCB-4E22-B4C3-EC07A1F94DB7}" type="slidenum">
               <a:rPr lang="zh-CN" altLang="en-US" smtClean="0"/>
-              <a:t>‹#›</a:t>
             </a:fld>
             <a:endParaRPr lang="zh-CN" altLang="en-US"/>
           </a:p>
@@ -718,6 +713,7 @@
               <a:rPr lang="zh-CN" altLang="en-US"/>
               <a:t>单击此处编辑母版文本样式</a:t>
             </a:r>
+            <a:endParaRPr lang="zh-CN" altLang="en-US"/>
           </a:p>
           <a:p>
             <a:pPr lvl="1"/>
@@ -725,6 +721,7 @@
               <a:rPr lang="zh-CN" altLang="en-US"/>
               <a:t>二级</a:t>
             </a:r>
+            <a:endParaRPr lang="zh-CN" altLang="en-US"/>
           </a:p>
           <a:p>
             <a:pPr lvl="2"/>
@@ -732,6 +729,7 @@
               <a:rPr lang="zh-CN" altLang="en-US"/>
               <a:t>三级</a:t>
             </a:r>
+            <a:endParaRPr lang="zh-CN" altLang="en-US"/>
           </a:p>
           <a:p>
             <a:pPr lvl="3"/>
@@ -739,6 +737,7 @@
               <a:rPr lang="zh-CN" altLang="en-US"/>
               <a:t>四级</a:t>
             </a:r>
+            <a:endParaRPr lang="zh-CN" altLang="en-US"/>
           </a:p>
           <a:p>
             <a:pPr lvl="4"/>
@@ -767,7 +766,6 @@
           <a:p>
             <a:fld id="{FC40320B-963F-486A-9D71-2B422E455E82}" type="datetimeFigureOut">
               <a:rPr lang="zh-CN" altLang="en-US" smtClean="0"/>
-              <a:t>2025/5/14</a:t>
             </a:fld>
             <a:endParaRPr lang="zh-CN" altLang="en-US"/>
           </a:p>
@@ -809,7 +807,6 @@
           <a:p>
             <a:fld id="{A6CE31B6-BCCB-4E22-B4C3-EC07A1F94DB7}" type="slidenum">
               <a:rPr lang="zh-CN" altLang="en-US" smtClean="0"/>
-              <a:t>‹#›</a:t>
             </a:fld>
             <a:endParaRPr lang="zh-CN" altLang="en-US"/>
           </a:p>
@@ -893,6 +890,7 @@
               <a:rPr lang="zh-CN" altLang="en-US"/>
               <a:t>单击此处编辑母版文本样式</a:t>
             </a:r>
+            <a:endParaRPr lang="zh-CN" altLang="en-US"/>
           </a:p>
           <a:p>
             <a:pPr lvl="1"/>
@@ -900,6 +898,7 @@
               <a:rPr lang="zh-CN" altLang="en-US"/>
               <a:t>二级</a:t>
             </a:r>
+            <a:endParaRPr lang="zh-CN" altLang="en-US"/>
           </a:p>
           <a:p>
             <a:pPr lvl="2"/>
@@ -907,6 +906,7 @@
               <a:rPr lang="zh-CN" altLang="en-US"/>
               <a:t>三级</a:t>
             </a:r>
+            <a:endParaRPr lang="zh-CN" altLang="en-US"/>
           </a:p>
           <a:p>
             <a:pPr lvl="3"/>
@@ -914,6 +914,7 @@
               <a:rPr lang="zh-CN" altLang="en-US"/>
               <a:t>四级</a:t>
             </a:r>
+            <a:endParaRPr lang="zh-CN" altLang="en-US"/>
           </a:p>
           <a:p>
             <a:pPr lvl="4"/>
@@ -942,7 +943,6 @@
           <a:p>
             <a:fld id="{FC40320B-963F-486A-9D71-2B422E455E82}" type="datetimeFigureOut">
               <a:rPr lang="zh-CN" altLang="en-US" smtClean="0"/>
-              <a:t>2025/5/14</a:t>
             </a:fld>
             <a:endParaRPr lang="zh-CN" altLang="en-US"/>
           </a:p>
@@ -984,7 +984,6 @@
           <a:p>
             <a:fld id="{A6CE31B6-BCCB-4E22-B4C3-EC07A1F94DB7}" type="slidenum">
               <a:rPr lang="zh-CN" altLang="en-US" smtClean="0"/>
-              <a:t>‹#›</a:t>
             </a:fld>
             <a:endParaRPr lang="zh-CN" altLang="en-US"/>
           </a:p>
@@ -1087,6 +1086,7 @@
               <a:rPr lang="zh-CN" altLang="en-US"/>
               <a:t>单击此处编辑母版文本样式</a:t>
             </a:r>
+            <a:endParaRPr lang="zh-CN" altLang="en-US"/>
           </a:p>
           <a:p>
             <a:pPr lvl="1"/>
@@ -1094,6 +1094,7 @@
               <a:rPr lang="zh-CN" altLang="en-US"/>
               <a:t>二级</a:t>
             </a:r>
+            <a:endParaRPr lang="zh-CN" altLang="en-US"/>
           </a:p>
           <a:p>
             <a:pPr lvl="2"/>
@@ -1101,6 +1102,7 @@
               <a:rPr lang="zh-CN" altLang="en-US"/>
               <a:t>三级</a:t>
             </a:r>
+            <a:endParaRPr lang="zh-CN" altLang="en-US"/>
           </a:p>
           <a:p>
             <a:pPr lvl="3"/>
@@ -1108,6 +1110,7 @@
               <a:rPr lang="zh-CN" altLang="en-US"/>
               <a:t>四级</a:t>
             </a:r>
+            <a:endParaRPr lang="zh-CN" altLang="en-US"/>
           </a:p>
           <a:p>
             <a:pPr lvl="4"/>
@@ -1136,7 +1139,6 @@
           <a:p>
             <a:fld id="{FC40320B-963F-486A-9D71-2B422E455E82}" type="datetimeFigureOut">
               <a:rPr lang="zh-CN" altLang="en-US" smtClean="0"/>
-              <a:t>2025/5/14</a:t>
             </a:fld>
             <a:endParaRPr lang="zh-CN" altLang="en-US"/>
           </a:p>
@@ -1178,7 +1180,6 @@
           <a:p>
             <a:fld id="{A6CE31B6-BCCB-4E22-B4C3-EC07A1F94DB7}" type="slidenum">
               <a:rPr lang="zh-CN" altLang="en-US" smtClean="0"/>
-              <a:t>‹#›</a:t>
             </a:fld>
             <a:endParaRPr lang="zh-CN" altLang="en-US"/>
           </a:p>
@@ -1357,6 +1358,7 @@
               <a:rPr lang="zh-CN" altLang="en-US"/>
               <a:t>单击此处编辑母版文本样式</a:t>
             </a:r>
+            <a:endParaRPr lang="zh-CN" altLang="en-US"/>
           </a:p>
         </p:txBody>
       </p:sp>
@@ -1377,7 +1379,6 @@
           <a:p>
             <a:fld id="{FC40320B-963F-486A-9D71-2B422E455E82}" type="datetimeFigureOut">
               <a:rPr lang="zh-CN" altLang="en-US" smtClean="0"/>
-              <a:t>2025/5/14</a:t>
             </a:fld>
             <a:endParaRPr lang="zh-CN" altLang="en-US"/>
           </a:p>
@@ -1419,7 +1420,6 @@
           <a:p>
             <a:fld id="{A6CE31B6-BCCB-4E22-B4C3-EC07A1F94DB7}" type="slidenum">
               <a:rPr lang="zh-CN" altLang="en-US" smtClean="0"/>
-              <a:t>‹#›</a:t>
             </a:fld>
             <a:endParaRPr lang="zh-CN" altLang="en-US"/>
           </a:p>
@@ -1498,6 +1498,7 @@
               <a:rPr lang="zh-CN" altLang="en-US"/>
               <a:t>单击此处编辑母版文本样式</a:t>
             </a:r>
+            <a:endParaRPr lang="zh-CN" altLang="en-US"/>
           </a:p>
           <a:p>
             <a:pPr lvl="1"/>
@@ -1505,6 +1506,7 @@
               <a:rPr lang="zh-CN" altLang="en-US"/>
               <a:t>二级</a:t>
             </a:r>
+            <a:endParaRPr lang="zh-CN" altLang="en-US"/>
           </a:p>
           <a:p>
             <a:pPr lvl="2"/>
@@ -1512,6 +1514,7 @@
               <a:rPr lang="zh-CN" altLang="en-US"/>
               <a:t>三级</a:t>
             </a:r>
+            <a:endParaRPr lang="zh-CN" altLang="en-US"/>
           </a:p>
           <a:p>
             <a:pPr lvl="3"/>
@@ -1519,6 +1522,7 @@
               <a:rPr lang="zh-CN" altLang="en-US"/>
               <a:t>四级</a:t>
             </a:r>
+            <a:endParaRPr lang="zh-CN" altLang="en-US"/>
           </a:p>
           <a:p>
             <a:pPr lvl="4"/>
@@ -1555,6 +1559,7 @@
               <a:rPr lang="zh-CN" altLang="en-US"/>
               <a:t>单击此处编辑母版文本样式</a:t>
             </a:r>
+            <a:endParaRPr lang="zh-CN" altLang="en-US"/>
           </a:p>
           <a:p>
             <a:pPr lvl="1"/>
@@ -1562,6 +1567,7 @@
               <a:rPr lang="zh-CN" altLang="en-US"/>
               <a:t>二级</a:t>
             </a:r>
+            <a:endParaRPr lang="zh-CN" altLang="en-US"/>
           </a:p>
           <a:p>
             <a:pPr lvl="2"/>
@@ -1569,6 +1575,7 @@
               <a:rPr lang="zh-CN" altLang="en-US"/>
               <a:t>三级</a:t>
             </a:r>
+            <a:endParaRPr lang="zh-CN" altLang="en-US"/>
           </a:p>
           <a:p>
             <a:pPr lvl="3"/>
@@ -1576,6 +1583,7 @@
               <a:rPr lang="zh-CN" altLang="en-US"/>
               <a:t>四级</a:t>
             </a:r>
+            <a:endParaRPr lang="zh-CN" altLang="en-US"/>
           </a:p>
           <a:p>
             <a:pPr lvl="4"/>
@@ -1604,7 +1612,6 @@
           <a:p>
             <a:fld id="{FC40320B-963F-486A-9D71-2B422E455E82}" type="datetimeFigureOut">
               <a:rPr lang="zh-CN" altLang="en-US" smtClean="0"/>
-              <a:t>2025/5/14</a:t>
             </a:fld>
             <a:endParaRPr lang="zh-CN" altLang="en-US"/>
           </a:p>
@@ -1646,7 +1653,6 @@
           <a:p>
             <a:fld id="{A6CE31B6-BCCB-4E22-B4C3-EC07A1F94DB7}" type="slidenum">
               <a:rPr lang="zh-CN" altLang="en-US" smtClean="0"/>
-              <a:t>‹#›</a:t>
             </a:fld>
             <a:endParaRPr lang="zh-CN" altLang="en-US"/>
           </a:p>
@@ -1767,6 +1773,7 @@
               <a:rPr lang="zh-CN" altLang="en-US"/>
               <a:t>单击此处编辑母版文本样式</a:t>
             </a:r>
+            <a:endParaRPr lang="zh-CN" altLang="en-US"/>
           </a:p>
         </p:txBody>
       </p:sp>
@@ -1795,6 +1802,7 @@
               <a:rPr lang="zh-CN" altLang="en-US"/>
               <a:t>单击此处编辑母版文本样式</a:t>
             </a:r>
+            <a:endParaRPr lang="zh-CN" altLang="en-US"/>
           </a:p>
           <a:p>
             <a:pPr lvl="1"/>
@@ -1802,6 +1810,7 @@
               <a:rPr lang="zh-CN" altLang="en-US"/>
               <a:t>二级</a:t>
             </a:r>
+            <a:endParaRPr lang="zh-CN" altLang="en-US"/>
           </a:p>
           <a:p>
             <a:pPr lvl="2"/>
@@ -1809,6 +1818,7 @@
               <a:rPr lang="zh-CN" altLang="en-US"/>
               <a:t>三级</a:t>
             </a:r>
+            <a:endParaRPr lang="zh-CN" altLang="en-US"/>
           </a:p>
           <a:p>
             <a:pPr lvl="3"/>
@@ -1816,6 +1826,7 @@
               <a:rPr lang="zh-CN" altLang="en-US"/>
               <a:t>四级</a:t>
             </a:r>
+            <a:endParaRPr lang="zh-CN" altLang="en-US"/>
           </a:p>
           <a:p>
             <a:pPr lvl="4"/>
@@ -1889,6 +1900,7 @@
               <a:rPr lang="zh-CN" altLang="en-US"/>
               <a:t>单击此处编辑母版文本样式</a:t>
             </a:r>
+            <a:endParaRPr lang="zh-CN" altLang="en-US"/>
           </a:p>
         </p:txBody>
       </p:sp>
@@ -1917,6 +1929,7 @@
               <a:rPr lang="zh-CN" altLang="en-US"/>
               <a:t>单击此处编辑母版文本样式</a:t>
             </a:r>
+            <a:endParaRPr lang="zh-CN" altLang="en-US"/>
           </a:p>
           <a:p>
             <a:pPr lvl="1"/>
@@ -1924,6 +1937,7 @@
               <a:rPr lang="zh-CN" altLang="en-US"/>
               <a:t>二级</a:t>
             </a:r>
+            <a:endParaRPr lang="zh-CN" altLang="en-US"/>
           </a:p>
           <a:p>
             <a:pPr lvl="2"/>
@@ -1931,6 +1945,7 @@
               <a:rPr lang="zh-CN" altLang="en-US"/>
               <a:t>三级</a:t>
             </a:r>
+            <a:endParaRPr lang="zh-CN" altLang="en-US"/>
           </a:p>
           <a:p>
             <a:pPr lvl="3"/>
@@ -1938,6 +1953,7 @@
               <a:rPr lang="zh-CN" altLang="en-US"/>
               <a:t>四级</a:t>
             </a:r>
+            <a:endParaRPr lang="zh-CN" altLang="en-US"/>
           </a:p>
           <a:p>
             <a:pPr lvl="4"/>
@@ -1966,7 +1982,6 @@
           <a:p>
             <a:fld id="{FC40320B-963F-486A-9D71-2B422E455E82}" type="datetimeFigureOut">
               <a:rPr lang="zh-CN" altLang="en-US" smtClean="0"/>
-              <a:t>2025/5/14</a:t>
             </a:fld>
             <a:endParaRPr lang="zh-CN" altLang="en-US"/>
           </a:p>
@@ -2008,7 +2023,6 @@
           <a:p>
             <a:fld id="{A6CE31B6-BCCB-4E22-B4C3-EC07A1F94DB7}" type="slidenum">
               <a:rPr lang="zh-CN" altLang="en-US" smtClean="0"/>
-              <a:t>‹#›</a:t>
             </a:fld>
             <a:endParaRPr lang="zh-CN" altLang="en-US"/>
           </a:p>
@@ -2079,7 +2093,6 @@
           <a:p>
             <a:fld id="{FC40320B-963F-486A-9D71-2B422E455E82}" type="datetimeFigureOut">
               <a:rPr lang="zh-CN" altLang="en-US" smtClean="0"/>
-              <a:t>2025/5/14</a:t>
             </a:fld>
             <a:endParaRPr lang="zh-CN" altLang="en-US"/>
           </a:p>
@@ -2121,7 +2134,6 @@
           <a:p>
             <a:fld id="{A6CE31B6-BCCB-4E22-B4C3-EC07A1F94DB7}" type="slidenum">
               <a:rPr lang="zh-CN" altLang="en-US" smtClean="0"/>
-              <a:t>‹#›</a:t>
             </a:fld>
             <a:endParaRPr lang="zh-CN" altLang="en-US"/>
           </a:p>
@@ -2169,7 +2181,6 @@
           <a:p>
             <a:fld id="{FC40320B-963F-486A-9D71-2B422E455E82}" type="datetimeFigureOut">
               <a:rPr lang="zh-CN" altLang="en-US" smtClean="0"/>
-              <a:t>2025/5/14</a:t>
             </a:fld>
             <a:endParaRPr lang="zh-CN" altLang="en-US"/>
           </a:p>
@@ -2211,7 +2222,6 @@
           <a:p>
             <a:fld id="{A6CE31B6-BCCB-4E22-B4C3-EC07A1F94DB7}" type="slidenum">
               <a:rPr lang="zh-CN" altLang="en-US" smtClean="0"/>
-              <a:t>‹#›</a:t>
             </a:fld>
             <a:endParaRPr lang="zh-CN" altLang="en-US"/>
           </a:p>
@@ -2327,6 +2337,7 @@
               <a:rPr lang="zh-CN" altLang="en-US"/>
               <a:t>单击此处编辑母版文本样式</a:t>
             </a:r>
+            <a:endParaRPr lang="zh-CN" altLang="en-US"/>
           </a:p>
           <a:p>
             <a:pPr lvl="1"/>
@@ -2334,6 +2345,7 @@
               <a:rPr lang="zh-CN" altLang="en-US"/>
               <a:t>二级</a:t>
             </a:r>
+            <a:endParaRPr lang="zh-CN" altLang="en-US"/>
           </a:p>
           <a:p>
             <a:pPr lvl="2"/>
@@ -2341,6 +2353,7 @@
               <a:rPr lang="zh-CN" altLang="en-US"/>
               <a:t>三级</a:t>
             </a:r>
+            <a:endParaRPr lang="zh-CN" altLang="en-US"/>
           </a:p>
           <a:p>
             <a:pPr lvl="3"/>
@@ -2348,6 +2361,7 @@
               <a:rPr lang="zh-CN" altLang="en-US"/>
               <a:t>四级</a:t>
             </a:r>
+            <a:endParaRPr lang="zh-CN" altLang="en-US"/>
           </a:p>
           <a:p>
             <a:pPr lvl="4"/>
@@ -2421,6 +2435,7 @@
               <a:rPr lang="zh-CN" altLang="en-US"/>
               <a:t>单击此处编辑母版文本样式</a:t>
             </a:r>
+            <a:endParaRPr lang="zh-CN" altLang="en-US"/>
           </a:p>
         </p:txBody>
       </p:sp>
@@ -2441,7 +2456,6 @@
           <a:p>
             <a:fld id="{FC40320B-963F-486A-9D71-2B422E455E82}" type="datetimeFigureOut">
               <a:rPr lang="zh-CN" altLang="en-US" smtClean="0"/>
-              <a:t>2025/5/14</a:t>
             </a:fld>
             <a:endParaRPr lang="zh-CN" altLang="en-US"/>
           </a:p>
@@ -2483,7 +2497,6 @@
           <a:p>
             <a:fld id="{A6CE31B6-BCCB-4E22-B4C3-EC07A1F94DB7}" type="slidenum">
               <a:rPr lang="zh-CN" altLang="en-US" smtClean="0"/>
-              <a:t>‹#›</a:t>
             </a:fld>
             <a:endParaRPr lang="zh-CN" altLang="en-US"/>
           </a:p>
@@ -2673,6 +2686,7 @@
               <a:rPr lang="zh-CN" altLang="en-US"/>
               <a:t>单击此处编辑母版文本样式</a:t>
             </a:r>
+            <a:endParaRPr lang="zh-CN" altLang="en-US"/>
           </a:p>
         </p:txBody>
       </p:sp>
@@ -2693,7 +2707,6 @@
           <a:p>
             <a:fld id="{FC40320B-963F-486A-9D71-2B422E455E82}" type="datetimeFigureOut">
               <a:rPr lang="zh-CN" altLang="en-US" smtClean="0"/>
-              <a:t>2025/5/14</a:t>
             </a:fld>
             <a:endParaRPr lang="zh-CN" altLang="en-US"/>
           </a:p>
@@ -2735,7 +2748,6 @@
           <a:p>
             <a:fld id="{A6CE31B6-BCCB-4E22-B4C3-EC07A1F94DB7}" type="slidenum">
               <a:rPr lang="zh-CN" altLang="en-US" smtClean="0"/>
-              <a:t>‹#›</a:t>
             </a:fld>
             <a:endParaRPr lang="zh-CN" altLang="en-US"/>
           </a:p>
@@ -2834,6 +2846,7 @@
               <a:rPr lang="zh-CN" altLang="en-US"/>
               <a:t>单击此处编辑母版文本样式</a:t>
             </a:r>
+            <a:endParaRPr lang="zh-CN" altLang="en-US"/>
           </a:p>
           <a:p>
             <a:pPr lvl="1"/>
@@ -2841,6 +2854,7 @@
               <a:rPr lang="zh-CN" altLang="en-US"/>
               <a:t>二级</a:t>
             </a:r>
+            <a:endParaRPr lang="zh-CN" altLang="en-US"/>
           </a:p>
           <a:p>
             <a:pPr lvl="2"/>
@@ -2848,6 +2862,7 @@
               <a:rPr lang="zh-CN" altLang="en-US"/>
               <a:t>三级</a:t>
             </a:r>
+            <a:endParaRPr lang="zh-CN" altLang="en-US"/>
           </a:p>
           <a:p>
             <a:pPr lvl="3"/>
@@ -2855,6 +2870,7 @@
               <a:rPr lang="zh-CN" altLang="en-US"/>
               <a:t>四级</a:t>
             </a:r>
+            <a:endParaRPr lang="zh-CN" altLang="en-US"/>
           </a:p>
           <a:p>
             <a:pPr lvl="4"/>
@@ -2901,7 +2917,6 @@
           <a:p>
             <a:fld id="{FC40320B-963F-486A-9D71-2B422E455E82}" type="datetimeFigureOut">
               <a:rPr lang="zh-CN" altLang="en-US" smtClean="0"/>
-              <a:t>2025/5/14</a:t>
             </a:fld>
             <a:endParaRPr lang="zh-CN" altLang="en-US"/>
           </a:p>
@@ -2979,7 +2994,6 @@
           <a:p>
             <a:fld id="{A6CE31B6-BCCB-4E22-B4C3-EC07A1F94DB7}" type="slidenum">
               <a:rPr lang="zh-CN" altLang="en-US" smtClean="0"/>
-              <a:t>‹#›</a:t>
             </a:fld>
             <a:endParaRPr lang="zh-CN" altLang="en-US"/>
           </a:p>
@@ -3316,8 +3330,8 @@
         </p:nvSpPr>
         <p:spPr>
           <a:xfrm>
-            <a:off x="1852045" y="1208589"/>
-            <a:ext cx="8389477" cy="1931234"/>
+            <a:off x="2601776" y="2428451"/>
+            <a:ext cx="6988453" cy="833562"/>
           </a:xfrm>
           <a:prstGeom prst="rect">
             <a:avLst/>
@@ -3350,9 +3364,9 @@
           </a:lstStyle>
           <a:p>
             <a:pPr algn="ctr">
-              <a:lnSpc>
-                <a:spcPct val="150000"/>
-              </a:lnSpc>
+              <a:spcAft>
+                <a:spcPts val="1200"/>
+              </a:spcAft>
             </a:pPr>
             <a:r>
               <a:rPr lang="zh-CN" altLang="en-US" sz="4800" spc="0" dirty="0">
@@ -3368,12 +3382,12 @@
                 </a:effectLst>
                 <a:latin typeface="Arial" panose="020B0604020202020204" pitchFamily="34" charset="0"/>
                 <a:ea typeface="黑体" panose="02010609060101010101" pitchFamily="49" charset="-122"/>
-                <a:cs typeface="Times New Roman" panose="02020603050405020304" pitchFamily="18" charset="0"/>
+                <a:cs typeface="微软雅黑" panose="020B0503020204020204" charset="-122"/>
                 <a:sym typeface="+mn-ea"/>
               </a:rPr>
-              <a:t>现代密码学实验</a:t>
-            </a:r>
-            <a:endParaRPr lang="en-US" altLang="zh-CN" sz="6000" spc="0" dirty="0">
+              <a:t>第三章：抗碰撞哈希函数</a:t>
+            </a:r>
+            <a:endParaRPr sz="4800" spc="0" dirty="0">
               <a:solidFill>
                 <a:schemeClr val="tx1"/>
               </a:solidFill>
@@ -3386,157 +3400,9 @@
               </a:effectLst>
               <a:latin typeface="Arial" panose="020B0604020202020204" pitchFamily="34" charset="0"/>
               <a:ea typeface="黑体" panose="02010609060101010101" pitchFamily="49" charset="-122"/>
-              <a:cs typeface="Times New Roman" panose="02020603050405020304" pitchFamily="18" charset="0"/>
+              <a:cs typeface="微软雅黑" panose="020B0503020204020204" charset="-122"/>
               <a:sym typeface="+mn-ea"/>
             </a:endParaRPr>
-          </a:p>
-          <a:p>
-            <a:pPr algn="ctr">
-              <a:lnSpc>
-                <a:spcPct val="150000"/>
-              </a:lnSpc>
-            </a:pPr>
-            <a:r>
-              <a:rPr lang="en-US" altLang="zh-CN" sz="3600" spc="0" dirty="0">
-                <a:solidFill>
-                  <a:schemeClr val="tx1"/>
-                </a:solidFill>
-                <a:effectLst>
-                  <a:outerShdw blurRad="38100" dist="38100" dir="2700000" algn="tl">
-                    <a:srgbClr val="000000">
-                      <a:alpha val="43137"/>
-                    </a:srgbClr>
-                  </a:outerShdw>
-                </a:effectLst>
-                <a:latin typeface="Arial" panose="020B0604020202020204" pitchFamily="34" charset="0"/>
-                <a:ea typeface="黑体" panose="02010609060101010101" pitchFamily="49" charset="-122"/>
-                <a:cs typeface="Times New Roman" panose="02020603050405020304" pitchFamily="18" charset="0"/>
-                <a:sym typeface="+mn-ea"/>
-              </a:rPr>
-              <a:t>Applications of Modern Cryptography</a:t>
-            </a:r>
-            <a:endParaRPr sz="3600" spc="0" dirty="0">
-              <a:solidFill>
-                <a:schemeClr val="tx1"/>
-              </a:solidFill>
-              <a:effectLst>
-                <a:outerShdw blurRad="38100" dist="38100" dir="2700000" algn="tl">
-                  <a:srgbClr val="000000">
-                    <a:alpha val="43137"/>
-                  </a:srgbClr>
-                </a:outerShdw>
-              </a:effectLst>
-              <a:latin typeface="Arial" panose="020B0604020202020204" pitchFamily="34" charset="0"/>
-              <a:ea typeface="黑体" panose="02010609060101010101" pitchFamily="49" charset="-122"/>
-              <a:cs typeface="Times New Roman" panose="02020603050405020304" pitchFamily="18" charset="0"/>
-              <a:sym typeface="+mn-ea"/>
-            </a:endParaRPr>
-          </a:p>
-        </p:txBody>
-      </p:sp>
-      <p:sp>
-        <p:nvSpPr>
-          <p:cNvPr id="5" name="文本框 4"/>
-          <p:cNvSpPr txBox="1"/>
-          <p:nvPr/>
-        </p:nvSpPr>
-        <p:spPr>
-          <a:xfrm>
-            <a:off x="3625027" y="3718178"/>
-            <a:ext cx="5551520" cy="1128579"/>
-          </a:xfrm>
-          <a:prstGeom prst="rect">
-            <a:avLst/>
-          </a:prstGeom>
-          <a:noFill/>
-        </p:spPr>
-        <p:txBody>
-          <a:bodyPr wrap="none" rtlCol="0">
-            <a:spAutoFit/>
-          </a:bodyPr>
-          <a:lstStyle/>
-          <a:p>
-            <a:pPr>
-              <a:lnSpc>
-                <a:spcPct val="150000"/>
-              </a:lnSpc>
-            </a:pPr>
-            <a:r>
-              <a:rPr lang="zh-CN" altLang="en-US" sz="2400" b="1" dirty="0">
-                <a:latin typeface="Arial" panose="020B0604020202020204" pitchFamily="34" charset="0"/>
-                <a:ea typeface="黑体" panose="02010609060101010101" pitchFamily="49" charset="-122"/>
-                <a:cs typeface="Times New Roman" panose="02020603050405020304" pitchFamily="18" charset="0"/>
-              </a:rPr>
-              <a:t>主讲教师：戴望辰</a:t>
-            </a:r>
-            <a:endParaRPr lang="en-US" altLang="zh-CN" sz="2400" b="1" dirty="0">
-              <a:latin typeface="Arial" panose="020B0604020202020204" pitchFamily="34" charset="0"/>
-              <a:ea typeface="黑体" panose="02010609060101010101" pitchFamily="49" charset="-122"/>
-              <a:cs typeface="Times New Roman" panose="02020603050405020304" pitchFamily="18" charset="0"/>
-            </a:endParaRPr>
-          </a:p>
-          <a:p>
-            <a:pPr>
-              <a:lnSpc>
-                <a:spcPct val="150000"/>
-              </a:lnSpc>
-            </a:pPr>
-            <a:r>
-              <a:rPr lang="zh-CN" altLang="en-US" sz="2400" b="1" dirty="0">
-                <a:latin typeface="Arial" panose="020B0604020202020204" pitchFamily="34" charset="0"/>
-                <a:ea typeface="黑体" panose="02010609060101010101" pitchFamily="49" charset="-122"/>
-                <a:cs typeface="Times New Roman" panose="02020603050405020304" pitchFamily="18" charset="0"/>
-              </a:rPr>
-              <a:t>电子邮件：</a:t>
-            </a:r>
-            <a:r>
-              <a:rPr lang="en-US" altLang="zh-CN" sz="2400" b="1" dirty="0">
-                <a:latin typeface="Arial" panose="020B0604020202020204" pitchFamily="34" charset="0"/>
-                <a:ea typeface="黑体" panose="02010609060101010101" pitchFamily="49" charset="-122"/>
-                <a:cs typeface="Times New Roman" panose="02020603050405020304" pitchFamily="18" charset="0"/>
-              </a:rPr>
-              <a:t>daiwch@mail.sysu.edu.cn</a:t>
-            </a:r>
-          </a:p>
-        </p:txBody>
-      </p:sp>
-      <p:sp>
-        <p:nvSpPr>
-          <p:cNvPr id="6" name="文本框 5"/>
-          <p:cNvSpPr txBox="1"/>
-          <p:nvPr/>
-        </p:nvSpPr>
-        <p:spPr>
-          <a:xfrm>
-            <a:off x="4971327" y="6338858"/>
-            <a:ext cx="2249334" cy="400110"/>
-          </a:xfrm>
-          <a:prstGeom prst="rect">
-            <a:avLst/>
-          </a:prstGeom>
-          <a:noFill/>
-        </p:spPr>
-        <p:txBody>
-          <a:bodyPr wrap="none" rtlCol="0">
-            <a:spAutoFit/>
-          </a:bodyPr>
-          <a:lstStyle/>
-          <a:p>
-            <a:pPr>
-              <a:spcBef>
-                <a:spcPct val="50000"/>
-              </a:spcBef>
-            </a:pPr>
-            <a:r>
-              <a:rPr lang="zh-CN" altLang="en-US" sz="2000" b="1" dirty="0">
-                <a:solidFill>
-                  <a:srgbClr val="006600"/>
-                </a:solidFill>
-                <a:latin typeface="Arial" panose="020B0604020202020204" pitchFamily="34" charset="0"/>
-                <a:ea typeface="黑体" panose="02010609060101010101" pitchFamily="49" charset="-122"/>
-              </a:rPr>
-              <a:t>网络空间安全学院</a:t>
-            </a:r>
           </a:p>
         </p:txBody>
       </p:sp>
@@ -3560,58 +3426,11 @@
                 <a:latin typeface="Arial" panose="020B0604020202020204" pitchFamily="34" charset="0"/>
                 <a:ea typeface="黑体" panose="02010609060101010101" pitchFamily="49" charset="-122"/>
               </a:rPr>
-              <a:t>1</a:t>
             </a:fld>
-            <a:endParaRPr lang="zh-CN" altLang="en-US" dirty="0">
+            <a:endParaRPr lang="zh-CN" altLang="en-US">
               <a:latin typeface="Arial" panose="020B0604020202020204" pitchFamily="34" charset="0"/>
               <a:ea typeface="黑体" panose="02010609060101010101" pitchFamily="49" charset="-122"/>
             </a:endParaRPr>
-          </a:p>
-        </p:txBody>
-      </p:sp>
-      <p:sp>
-        <p:nvSpPr>
-          <p:cNvPr id="2" name="Text Box 8"/>
-          <p:cNvSpPr txBox="1">
-            <a:spLocks noChangeArrowheads="1"/>
-          </p:cNvSpPr>
-          <p:nvPr/>
-        </p:nvSpPr>
-        <p:spPr bwMode="auto">
-          <a:xfrm>
-            <a:off x="272375" y="168613"/>
-            <a:ext cx="3131127" cy="400110"/>
-          </a:xfrm>
-          <a:prstGeom prst="rect">
-            <a:avLst/>
-          </a:prstGeom>
-          <a:noFill/>
-          <a:ln w="9525" algn="ctr">
-            <a:noFill/>
-            <a:miter lim="800000"/>
-          </a:ln>
-        </p:spPr>
-        <p:txBody>
-          <a:bodyPr wrap="square" anchor="b">
-            <a:spAutoFit/>
-          </a:bodyPr>
-          <a:lstStyle/>
-          <a:p>
-            <a:pPr algn="l">
-              <a:spcBef>
-                <a:spcPct val="50000"/>
-              </a:spcBef>
-            </a:pPr>
-            <a:r>
-              <a:rPr lang="zh-CN" altLang="en-US" sz="2000" b="1" dirty="0">
-                <a:solidFill>
-                  <a:srgbClr val="006600"/>
-                </a:solidFill>
-                <a:latin typeface="Arial" panose="020B0604020202020204" pitchFamily="34" charset="0"/>
-                <a:ea typeface="黑体" panose="02010609060101010101" pitchFamily="49" charset="-122"/>
-              </a:rPr>
-              <a:t>本科生专业必修课</a:t>
-            </a:r>
           </a:p>
         </p:txBody>
       </p:sp>
@@ -3744,159 +3563,16 @@
           </a:p>
         </p:txBody>
       </p:sp>
-      <mc:AlternateContent xmlns:mc="http://schemas.openxmlformats.org/markup-compatibility/2006">
-        <mc:Choice xmlns:a14="http://schemas.microsoft.com/office/drawing/2010/main" Requires="a14">
-          <p:sp>
-            <p:nvSpPr>
-              <p:cNvPr id="2" name="文本框 1"/>
-              <p:cNvSpPr txBox="1"/>
-              <p:nvPr/>
-            </p:nvSpPr>
-            <p:spPr>
-              <a:xfrm>
-                <a:off x="631129" y="1120752"/>
-                <a:ext cx="10924674" cy="955903"/>
-              </a:xfrm>
-              <a:prstGeom prst="rect">
-                <a:avLst/>
-              </a:prstGeom>
-              <a:noFill/>
-            </p:spPr>
-            <p:txBody>
-              <a:bodyPr wrap="square" rtlCol="0">
-                <a:spAutoFit/>
-              </a:bodyPr>
-              <a:lstStyle/>
-              <a:p>
-                <a:pPr algn="just">
-                  <a:lnSpc>
-                    <a:spcPct val="150000"/>
-                  </a:lnSpc>
-                </a:pPr>
-                <a14:m>
-                  <m:oMath xmlns:m="http://schemas.openxmlformats.org/officeDocument/2006/math">
-                    <m:r>
-                      <a:rPr lang="zh-CN" altLang="en-US" sz="2000" i="1" smtClean="0">
-                        <a:effectLst/>
-                        <a:cs typeface="Times New Roman" panose="02020603050405020304" pitchFamily="18" charset="0"/>
-                      </a:rPr>
-                      <m:t>完成</m:t>
-                    </m:r>
-                  </m:oMath>
-                </a14:m>
-                <a:r>
-                  <a:rPr lang="zh-CN" altLang="en-US" sz="2000" dirty="0">
-                    <a:effectLst/>
-                    <a:cs typeface="Times New Roman" panose="02020603050405020304" pitchFamily="18" charset="0"/>
-                  </a:rPr>
-                  <a:t>分组压缩中的部分代码</a:t>
-                </a:r>
-                <a:r>
-                  <a:rPr lang="zh-CN" altLang="en-US" sz="2000" dirty="0">
-                    <a:cs typeface="Times New Roman" panose="02020603050405020304" pitchFamily="18" charset="0"/>
-                    <a:sym typeface="+mn-ea"/>
-                  </a:rPr>
-                  <a:t>（其余代码见 </a:t>
-                </a:r>
-                <a:r>
-                  <a:rPr lang="en-US" altLang="zh-CN" sz="2000" dirty="0">
-                    <a:cs typeface="Times New Roman" panose="02020603050405020304" pitchFamily="18" charset="0"/>
-                    <a:sym typeface="+mn-ea"/>
-                  </a:rPr>
-                  <a:t>txt</a:t>
-                </a:r>
-                <a:r>
-                  <a:rPr lang="zh-CN" altLang="en-US" sz="2000" dirty="0">
-                    <a:cs typeface="Times New Roman" panose="02020603050405020304" pitchFamily="18" charset="0"/>
-                    <a:sym typeface="+mn-ea"/>
-                  </a:rPr>
-                  <a:t>）并进行测试</a:t>
-                </a:r>
-                <a:endParaRPr lang="zh-CN" altLang="en-US" sz="2000" dirty="0">
-                  <a:effectLst/>
-                  <a:cs typeface="Times New Roman" panose="02020603050405020304" pitchFamily="18" charset="0"/>
-                </a:endParaRPr>
-              </a:p>
-              <a:p>
-                <a:pPr algn="just">
-                  <a:lnSpc>
-                    <a:spcPct val="150000"/>
-                  </a:lnSpc>
-                </a:pPr>
-                <a:r>
-                  <a:rPr lang="zh-CN" altLang="zh-CN" sz="2000" dirty="0">
-                    <a:effectLst/>
-                    <a:cs typeface="Times New Roman" panose="02020603050405020304" pitchFamily="18" charset="0"/>
-                  </a:rPr>
-                  <a:t>对</a:t>
-                </a:r>
-                <a:r>
-                  <a:rPr lang="en-US" altLang="zh-CN" sz="2000" dirty="0">
-                    <a:effectLst/>
-                    <a:cs typeface="Times New Roman" panose="02020603050405020304" pitchFamily="18" charset="0"/>
-                  </a:rPr>
-                  <a:t> SHA2 </a:t>
-                </a:r>
-                <a:r>
-                  <a:rPr lang="zh-CN" altLang="en-US" sz="2000" dirty="0">
-                    <a:effectLst/>
-                    <a:cs typeface="Times New Roman" panose="02020603050405020304" pitchFamily="18" charset="0"/>
-                  </a:rPr>
-                  <a:t>系列算法进行比较</a:t>
-                </a:r>
-              </a:p>
-            </p:txBody>
-          </p:sp>
-        </mc:Choice>
-        <mc:Fallback>
-          <p:sp>
-            <p:nvSpPr>
-              <p:cNvPr id="2" name="文本框 1"/>
-              <p:cNvSpPr txBox="1">
-                <a:spLocks noRot="1" noChangeAspect="1" noMove="1" noResize="1" noEditPoints="1" noAdjustHandles="1" noChangeArrowheads="1" noChangeShapeType="1" noTextEdit="1"/>
-              </p:cNvSpPr>
-              <p:nvPr/>
-            </p:nvSpPr>
-            <p:spPr>
-              <a:xfrm>
-                <a:off x="631129" y="1120752"/>
-                <a:ext cx="10924674" cy="955903"/>
-              </a:xfrm>
-              <a:prstGeom prst="rect">
-                <a:avLst/>
-              </a:prstGeom>
-              <a:blipFill>
-                <a:blip r:embed="rId3"/>
-                <a:stretch>
-                  <a:fillRect l="-614" b="-10828"/>
-                </a:stretch>
-              </a:blipFill>
-            </p:spPr>
-            <p:txBody>
-              <a:bodyPr/>
-              <a:lstStyle/>
-              <a:p>
-                <a:r>
-                  <a:rPr lang="zh-CN" altLang="en-US">
-                    <a:noFill/>
-                  </a:rPr>
-                  <a:t> </a:t>
-                </a:r>
-              </a:p>
-            </p:txBody>
-          </p:sp>
-        </mc:Fallback>
-      </mc:AlternateContent>
       <p:sp>
         <p:nvSpPr>
-          <p:cNvPr id="4" name="文本框 3"/>
+          <p:cNvPr id="2" name="文本框 1"/>
           <p:cNvSpPr txBox="1"/>
           <p:nvPr/>
         </p:nvSpPr>
         <p:spPr>
           <a:xfrm>
-            <a:off x="511012" y="2098276"/>
-            <a:ext cx="3254706" cy="496996"/>
+            <a:off x="550015" y="1029480"/>
+            <a:ext cx="10924674" cy="553085"/>
           </a:xfrm>
           <a:prstGeom prst="rect">
             <a:avLst/>
@@ -3909,59 +3585,37 @@
           </a:bodyPr>
           <a:lstStyle/>
           <a:p>
-            <a:pPr algn="ctr">
+            <a:pPr algn="just">
               <a:lnSpc>
                 <a:spcPct val="150000"/>
               </a:lnSpc>
             </a:pPr>
             <a:r>
-              <a:rPr lang="en-US" altLang="zh-CN" sz="2000" dirty="0">
+              <a:rPr lang="zh-CN" altLang="en-US" sz="2000" dirty="0">
                 <a:effectLst/>
+                <a:latin typeface="+mn-ea"/>
                 <a:cs typeface="Times New Roman" panose="02020603050405020304" pitchFamily="18" charset="0"/>
               </a:rPr>
-              <a:t>SHA-256 // SHA-224</a:t>
-            </a:r>
-            <a:endParaRPr lang="zh-CN" altLang="zh-CN" sz="2000" dirty="0">
+              <a:t>参考代码（通用代码）</a:t>
+            </a:r>
+            <a:endParaRPr lang="zh-CN" altLang="en-US" sz="2000" dirty="0">
               <a:effectLst/>
+              <a:latin typeface="+mn-ea"/>
               <a:cs typeface="Times New Roman" panose="02020603050405020304" pitchFamily="18" charset="0"/>
             </a:endParaRPr>
           </a:p>
         </p:txBody>
       </p:sp>
-      <p:pic>
-        <p:nvPicPr>
-          <p:cNvPr id="8" name="图片 7"/>
-          <p:cNvPicPr>
-            <a:picLocks noChangeAspect="1"/>
-          </p:cNvPicPr>
-          <p:nvPr/>
-        </p:nvPicPr>
-        <p:blipFill>
-          <a:blip r:embed="rId4"/>
-          <a:stretch>
-            <a:fillRect/>
-          </a:stretch>
-        </p:blipFill>
-        <p:spPr>
-          <a:xfrm>
-            <a:off x="844387" y="2690653"/>
-            <a:ext cx="4155516" cy="3856708"/>
-          </a:xfrm>
-          <a:prstGeom prst="rect">
-            <a:avLst/>
-          </a:prstGeom>
-        </p:spPr>
-      </p:pic>
       <p:sp>
         <p:nvSpPr>
-          <p:cNvPr id="9" name="文本框 8"/>
+          <p:cNvPr id="3" name="文本框 2"/>
           <p:cNvSpPr txBox="1"/>
           <p:nvPr/>
         </p:nvSpPr>
         <p:spPr>
           <a:xfrm>
-            <a:off x="5347028" y="2076617"/>
-            <a:ext cx="6440784" cy="496996"/>
+            <a:off x="1672846" y="1635993"/>
+            <a:ext cx="8208975" cy="4708981"/>
           </a:xfrm>
           <a:prstGeom prst="rect">
             <a:avLst/>
@@ -3974,91 +3628,198 @@
           </a:bodyPr>
           <a:lstStyle/>
           <a:p>
-            <a:pPr algn="ctr">
-              <a:lnSpc>
-                <a:spcPct val="150000"/>
-              </a:lnSpc>
-            </a:pPr>
-            <a:r>
-              <a:rPr lang="en-US" altLang="zh-CN" sz="2000" dirty="0">
-                <a:effectLst/>
-                <a:cs typeface="Times New Roman" panose="02020603050405020304" pitchFamily="18" charset="0"/>
+            <a:r>
+              <a:rPr lang="en-US" altLang="zh-CN" sz="2000" b="1" dirty="0">
+                <a:latin typeface="Courier New" panose="02070309020205020404" pitchFamily="49" charset="0"/>
+                <a:cs typeface="Courier New" panose="02070309020205020404" pitchFamily="49" charset="0"/>
               </a:rPr>
-              <a:t>SHA-384 // SHA-512 /</a:t>
-            </a:r>
-            <a:r>
-              <a:rPr lang="en-US" altLang="zh-CN" sz="2000" dirty="0">
-                <a:cs typeface="Times New Roman" panose="02020603050405020304" pitchFamily="18" charset="0"/>
+              <a:t>def _mask(w):</a:t>
+            </a:r>
+            <a:endParaRPr lang="en-US" altLang="zh-CN" sz="2000" b="1" dirty="0">
+              <a:latin typeface="Courier New" panose="02070309020205020404" pitchFamily="49" charset="0"/>
+              <a:cs typeface="Courier New" panose="02070309020205020404" pitchFamily="49" charset="0"/>
+            </a:endParaRPr>
+          </a:p>
+          <a:p>
+            <a:r>
+              <a:rPr lang="en-US" altLang="zh-CN" sz="2000" b="1" dirty="0">
+                <a:latin typeface="Courier New" panose="02070309020205020404" pitchFamily="49" charset="0"/>
+                <a:cs typeface="Courier New" panose="02070309020205020404" pitchFamily="49" charset="0"/>
               </a:rPr>
-              <a:t>/ </a:t>
-            </a:r>
-            <a:r>
-              <a:rPr lang="en-US" altLang="zh-CN" sz="2000" dirty="0">
-                <a:solidFill>
-                  <a:srgbClr val="000000"/>
-                </a:solidFill>
-                <a:effectLst/>
-                <a:latin typeface="Arial" panose="020B0604020202020204" pitchFamily="34" charset="0"/>
+              <a:t>    return (Integer(1) &lt;&lt; w) - 1</a:t>
+            </a:r>
+            <a:endParaRPr lang="en-US" altLang="zh-CN" sz="2000" b="1" dirty="0">
+              <a:latin typeface="Courier New" panose="02070309020205020404" pitchFamily="49" charset="0"/>
+              <a:cs typeface="Courier New" panose="02070309020205020404" pitchFamily="49" charset="0"/>
+            </a:endParaRPr>
+          </a:p>
+          <a:p>
+            <a:endParaRPr lang="en-US" altLang="zh-CN" sz="2000" b="1" dirty="0">
+              <a:latin typeface="Courier New" panose="02070309020205020404" pitchFamily="49" charset="0"/>
+              <a:cs typeface="Courier New" panose="02070309020205020404" pitchFamily="49" charset="0"/>
+            </a:endParaRPr>
+          </a:p>
+          <a:p>
+            <a:r>
+              <a:rPr lang="en-US" altLang="zh-CN" sz="2000" b="1" dirty="0">
+                <a:latin typeface="Courier New" panose="02070309020205020404" pitchFamily="49" charset="0"/>
+                <a:cs typeface="Courier New" panose="02070309020205020404" pitchFamily="49" charset="0"/>
               </a:rPr>
-              <a:t>SHA-512/224 /</a:t>
-            </a:r>
-            <a:r>
-              <a:rPr lang="en-US" altLang="zh-CN" sz="2000" dirty="0">
-                <a:cs typeface="Times New Roman" panose="02020603050405020304" pitchFamily="18" charset="0"/>
+              <a:t>def _u32(x):</a:t>
+            </a:r>
+            <a:endParaRPr lang="en-US" altLang="zh-CN" sz="2000" b="1" dirty="0">
+              <a:latin typeface="Courier New" panose="02070309020205020404" pitchFamily="49" charset="0"/>
+              <a:cs typeface="Courier New" panose="02070309020205020404" pitchFamily="49" charset="0"/>
+            </a:endParaRPr>
+          </a:p>
+          <a:p>
+            <a:r>
+              <a:rPr lang="en-US" altLang="zh-CN" sz="2000" b="1" dirty="0">
+                <a:latin typeface="Courier New" panose="02070309020205020404" pitchFamily="49" charset="0"/>
+                <a:cs typeface="Courier New" panose="02070309020205020404" pitchFamily="49" charset="0"/>
               </a:rPr>
-              <a:t>/ </a:t>
-            </a:r>
-            <a:r>
-              <a:rPr lang="en-US" altLang="zh-CN" sz="2000" dirty="0">
-                <a:solidFill>
-                  <a:srgbClr val="000000"/>
-                </a:solidFill>
-                <a:effectLst/>
-                <a:latin typeface="Arial" panose="020B0604020202020204" pitchFamily="34" charset="0"/>
+              <a:t>    return Integer(int(x) &amp; 0xFFFFFFFF)</a:t>
+            </a:r>
+            <a:endParaRPr lang="en-US" altLang="zh-CN" sz="2000" b="1" dirty="0">
+              <a:latin typeface="Courier New" panose="02070309020205020404" pitchFamily="49" charset="0"/>
+              <a:cs typeface="Courier New" panose="02070309020205020404" pitchFamily="49" charset="0"/>
+            </a:endParaRPr>
+          </a:p>
+          <a:p>
+            <a:endParaRPr lang="en-US" altLang="zh-CN" sz="2000" b="1" dirty="0">
+              <a:latin typeface="Courier New" panose="02070309020205020404" pitchFamily="49" charset="0"/>
+              <a:cs typeface="Courier New" panose="02070309020205020404" pitchFamily="49" charset="0"/>
+            </a:endParaRPr>
+          </a:p>
+          <a:p>
+            <a:r>
+              <a:rPr lang="en-US" altLang="zh-CN" sz="2000" b="1" dirty="0">
+                <a:latin typeface="Courier New" panose="02070309020205020404" pitchFamily="49" charset="0"/>
+                <a:cs typeface="Courier New" panose="02070309020205020404" pitchFamily="49" charset="0"/>
               </a:rPr>
-              <a:t>SHA-512/256</a:t>
-            </a:r>
-            <a:endParaRPr lang="zh-CN" altLang="zh-CN" sz="2000" dirty="0">
-              <a:effectLst/>
-              <a:cs typeface="Times New Roman" panose="02020603050405020304" pitchFamily="18" charset="0"/>
+              <a:t>def _u64(x):</a:t>
+            </a:r>
+            <a:endParaRPr lang="en-US" altLang="zh-CN" sz="2000" b="1" dirty="0">
+              <a:latin typeface="Courier New" panose="02070309020205020404" pitchFamily="49" charset="0"/>
+              <a:cs typeface="Courier New" panose="02070309020205020404" pitchFamily="49" charset="0"/>
+            </a:endParaRPr>
+          </a:p>
+          <a:p>
+            <a:r>
+              <a:rPr lang="en-US" altLang="zh-CN" sz="2000" b="1" dirty="0">
+                <a:latin typeface="Courier New" panose="02070309020205020404" pitchFamily="49" charset="0"/>
+                <a:cs typeface="Courier New" panose="02070309020205020404" pitchFamily="49" charset="0"/>
+              </a:rPr>
+              <a:t>    return Integer(int(x) &amp; 0xFFFFFFFFFFFFFFFF)</a:t>
+            </a:r>
+            <a:endParaRPr lang="en-US" altLang="zh-CN" sz="2000" b="1" dirty="0">
+              <a:latin typeface="Courier New" panose="02070309020205020404" pitchFamily="49" charset="0"/>
+              <a:cs typeface="Courier New" panose="02070309020205020404" pitchFamily="49" charset="0"/>
+            </a:endParaRPr>
+          </a:p>
+          <a:p>
+            <a:endParaRPr lang="en-US" altLang="zh-CN" sz="2000" b="1" dirty="0">
+              <a:latin typeface="Courier New" panose="02070309020205020404" pitchFamily="49" charset="0"/>
+              <a:cs typeface="Courier New" panose="02070309020205020404" pitchFamily="49" charset="0"/>
+            </a:endParaRPr>
+          </a:p>
+          <a:p>
+            <a:endParaRPr lang="en-US" altLang="zh-CN" sz="2000" b="1" dirty="0">
+              <a:latin typeface="Courier New" panose="02070309020205020404" pitchFamily="49" charset="0"/>
+              <a:cs typeface="Courier New" panose="02070309020205020404" pitchFamily="49" charset="0"/>
+            </a:endParaRPr>
+          </a:p>
+          <a:p>
+            <a:r>
+              <a:rPr lang="en-US" altLang="zh-CN" sz="2000" b="1" dirty="0">
+                <a:latin typeface="Courier New" panose="02070309020205020404" pitchFamily="49" charset="0"/>
+                <a:cs typeface="Courier New" panose="02070309020205020404" pitchFamily="49" charset="0"/>
+              </a:rPr>
+              <a:t>def _</a:t>
+            </a:r>
+            <a:r>
+              <a:rPr lang="en-US" altLang="zh-CN" sz="2000" b="1" dirty="0" err="1">
+                <a:latin typeface="Courier New" panose="02070309020205020404" pitchFamily="49" charset="0"/>
+                <a:cs typeface="Courier New" panose="02070309020205020404" pitchFamily="49" charset="0"/>
+              </a:rPr>
+              <a:t>rotr</a:t>
+            </a:r>
+            <a:r>
+              <a:rPr lang="en-US" altLang="zh-CN" sz="2000" b="1" dirty="0">
+                <a:latin typeface="Courier New" panose="02070309020205020404" pitchFamily="49" charset="0"/>
+                <a:cs typeface="Courier New" panose="02070309020205020404" pitchFamily="49" charset="0"/>
+              </a:rPr>
+              <a:t>(x, n, width):</a:t>
+            </a:r>
+            <a:endParaRPr lang="en-US" altLang="zh-CN" sz="2000" b="1" dirty="0">
+              <a:latin typeface="Courier New" panose="02070309020205020404" pitchFamily="49" charset="0"/>
+              <a:cs typeface="Courier New" panose="02070309020205020404" pitchFamily="49" charset="0"/>
+            </a:endParaRPr>
+          </a:p>
+          <a:p>
+            <a:r>
+              <a:rPr lang="en-US" altLang="zh-CN" sz="2000" b="1" dirty="0">
+                <a:latin typeface="Courier New" panose="02070309020205020404" pitchFamily="49" charset="0"/>
+                <a:cs typeface="Courier New" panose="02070309020205020404" pitchFamily="49" charset="0"/>
+              </a:rPr>
+              <a:t>    n %= width</a:t>
+            </a:r>
+            <a:endParaRPr lang="en-US" altLang="zh-CN" sz="2000" b="1" dirty="0">
+              <a:latin typeface="Courier New" panose="02070309020205020404" pitchFamily="49" charset="0"/>
+              <a:cs typeface="Courier New" panose="02070309020205020404" pitchFamily="49" charset="0"/>
+            </a:endParaRPr>
+          </a:p>
+          <a:p>
+            <a:r>
+              <a:rPr lang="en-US" altLang="zh-CN" sz="2000" b="1" dirty="0">
+                <a:latin typeface="Courier New" panose="02070309020205020404" pitchFamily="49" charset="0"/>
+                <a:cs typeface="Courier New" panose="02070309020205020404" pitchFamily="49" charset="0"/>
+              </a:rPr>
+              <a:t>    m = _mask(width)</a:t>
+            </a:r>
+            <a:endParaRPr lang="en-US" altLang="zh-CN" sz="2000" b="1" dirty="0">
+              <a:latin typeface="Courier New" panose="02070309020205020404" pitchFamily="49" charset="0"/>
+              <a:cs typeface="Courier New" panose="02070309020205020404" pitchFamily="49" charset="0"/>
+            </a:endParaRPr>
+          </a:p>
+          <a:p>
+            <a:r>
+              <a:rPr lang="en-US" altLang="zh-CN" sz="2000" b="1" dirty="0">
+                <a:latin typeface="Courier New" panose="02070309020205020404" pitchFamily="49" charset="0"/>
+                <a:cs typeface="Courier New" panose="02070309020205020404" pitchFamily="49" charset="0"/>
+              </a:rPr>
+              <a:t>    x = Integer(x)</a:t>
+            </a:r>
+            <a:endParaRPr lang="en-US" altLang="zh-CN" sz="2000" b="1" dirty="0">
+              <a:latin typeface="Courier New" panose="02070309020205020404" pitchFamily="49" charset="0"/>
+              <a:cs typeface="Courier New" panose="02070309020205020404" pitchFamily="49" charset="0"/>
+            </a:endParaRPr>
+          </a:p>
+          <a:p>
+            <a:r>
+              <a:rPr lang="en-US" altLang="zh-CN" sz="2000" b="1" dirty="0">
+                <a:latin typeface="Courier New" panose="02070309020205020404" pitchFamily="49" charset="0"/>
+                <a:cs typeface="Courier New" panose="02070309020205020404" pitchFamily="49" charset="0"/>
+              </a:rPr>
+              <a:t>    return ((x &gt;&gt; n) | ((x &lt;&lt; (width - n)) &amp; m)) &amp; m</a:t>
+            </a:r>
+            <a:endParaRPr lang="en-US" altLang="zh-CN" sz="2000" b="1" dirty="0">
+              <a:latin typeface="Courier New" panose="02070309020205020404" pitchFamily="49" charset="0"/>
+              <a:cs typeface="Courier New" panose="02070309020205020404" pitchFamily="49" charset="0"/>
             </a:endParaRPr>
           </a:p>
         </p:txBody>
       </p:sp>
-      <p:pic>
-        <p:nvPicPr>
-          <p:cNvPr id="11" name="图片 10"/>
-          <p:cNvPicPr>
-            <a:picLocks noChangeAspect="1"/>
-          </p:cNvPicPr>
-          <p:nvPr/>
-        </p:nvPicPr>
-        <p:blipFill>
-          <a:blip r:embed="rId5"/>
-          <a:stretch>
-            <a:fillRect/>
-          </a:stretch>
-        </p:blipFill>
-        <p:spPr>
-          <a:xfrm>
-            <a:off x="5967663" y="2690653"/>
-            <a:ext cx="3837817" cy="3871306"/>
-          </a:xfrm>
-          <a:prstGeom prst="rect">
-            <a:avLst/>
-          </a:prstGeom>
-        </p:spPr>
-      </p:pic>
     </p:spTree>
   </p:cSld>
   <p:clrMapOvr>
     <a:masterClrMapping/>
   </p:clrMapOvr>
-  <mc:AlternateContent xmlns:mc="http://schemas.openxmlformats.org/markup-compatibility/2006" xmlns:p14="http://schemas.microsoft.com/office/powerpoint/2010/main">
-    <mc:Choice Requires="p14">
+  <mc:AlternateContent xmlns:mc="http://schemas.openxmlformats.org/markup-compatibility/2006">
+    <mc:Choice xmlns:p14="http://schemas.microsoft.com/office/powerpoint/2010/main" Requires="p14">
       <p:transition p14:dur="0" advClick="0"/>
     </mc:Choice>
-    <mc:Fallback xmlns="">
+    <mc:Fallback>
       <p:transition advClick="0"/>
     </mc:Fallback>
   </mc:AlternateContent>
@@ -4221,371 +3982,17 @@
               </a:rPr>
               <a:t>参考代码（通用代码）</a:t>
             </a:r>
-          </a:p>
-        </p:txBody>
-      </p:sp>
-      <p:sp>
-        <p:nvSpPr>
-          <p:cNvPr id="3" name="文本框 2"/>
-          <p:cNvSpPr txBox="1"/>
-          <p:nvPr/>
-        </p:nvSpPr>
-        <p:spPr>
-          <a:xfrm>
-            <a:off x="1672846" y="1635993"/>
-            <a:ext cx="8208975" cy="4708981"/>
-          </a:xfrm>
-          <a:prstGeom prst="rect">
-            <a:avLst/>
-          </a:prstGeom>
-          <a:noFill/>
-        </p:spPr>
-        <p:txBody>
-          <a:bodyPr wrap="square" rtlCol="0">
-            <a:spAutoFit/>
-          </a:bodyPr>
-          <a:lstStyle/>
-          <a:p>
-            <a:r>
-              <a:rPr lang="en-US" altLang="zh-CN" sz="2000" b="1" dirty="0">
-                <a:latin typeface="Courier New" panose="02070309020205020404" pitchFamily="49" charset="0"/>
-                <a:cs typeface="Courier New" panose="02070309020205020404" pitchFamily="49" charset="0"/>
-              </a:rPr>
-              <a:t>def _mask(w):</a:t>
-            </a:r>
-          </a:p>
-          <a:p>
-            <a:r>
-              <a:rPr lang="en-US" altLang="zh-CN" sz="2000" b="1" dirty="0">
-                <a:latin typeface="Courier New" panose="02070309020205020404" pitchFamily="49" charset="0"/>
-                <a:cs typeface="Courier New" panose="02070309020205020404" pitchFamily="49" charset="0"/>
-              </a:rPr>
-              <a:t>    return (Integer(1) &lt;&lt; w) - 1</a:t>
-            </a:r>
-          </a:p>
-          <a:p>
-            <a:endParaRPr lang="en-US" altLang="zh-CN" sz="2000" b="1" dirty="0">
-              <a:latin typeface="Courier New" panose="02070309020205020404" pitchFamily="49" charset="0"/>
-              <a:cs typeface="Courier New" panose="02070309020205020404" pitchFamily="49" charset="0"/>
-            </a:endParaRPr>
-          </a:p>
-          <a:p>
-            <a:r>
-              <a:rPr lang="en-US" altLang="zh-CN" sz="2000" b="1" dirty="0">
-                <a:latin typeface="Courier New" panose="02070309020205020404" pitchFamily="49" charset="0"/>
-                <a:cs typeface="Courier New" panose="02070309020205020404" pitchFamily="49" charset="0"/>
-              </a:rPr>
-              <a:t>def _u32(x):</a:t>
-            </a:r>
-          </a:p>
-          <a:p>
-            <a:r>
-              <a:rPr lang="en-US" altLang="zh-CN" sz="2000" b="1" dirty="0">
-                <a:latin typeface="Courier New" panose="02070309020205020404" pitchFamily="49" charset="0"/>
-                <a:cs typeface="Courier New" panose="02070309020205020404" pitchFamily="49" charset="0"/>
-              </a:rPr>
-              <a:t>    return Integer(int(x) &amp; 0xFFFFFFFF)</a:t>
-            </a:r>
-          </a:p>
-          <a:p>
-            <a:endParaRPr lang="en-US" altLang="zh-CN" sz="2000" b="1" dirty="0">
-              <a:latin typeface="Courier New" panose="02070309020205020404" pitchFamily="49" charset="0"/>
-              <a:cs typeface="Courier New" panose="02070309020205020404" pitchFamily="49" charset="0"/>
-            </a:endParaRPr>
-          </a:p>
-          <a:p>
-            <a:r>
-              <a:rPr lang="en-US" altLang="zh-CN" sz="2000" b="1" dirty="0">
-                <a:latin typeface="Courier New" panose="02070309020205020404" pitchFamily="49" charset="0"/>
-                <a:cs typeface="Courier New" panose="02070309020205020404" pitchFamily="49" charset="0"/>
-              </a:rPr>
-              <a:t>def _u64(x):</a:t>
-            </a:r>
-          </a:p>
-          <a:p>
-            <a:r>
-              <a:rPr lang="en-US" altLang="zh-CN" sz="2000" b="1" dirty="0">
-                <a:latin typeface="Courier New" panose="02070309020205020404" pitchFamily="49" charset="0"/>
-                <a:cs typeface="Courier New" panose="02070309020205020404" pitchFamily="49" charset="0"/>
-              </a:rPr>
-              <a:t>    return Integer(int(x) &amp; 0xFFFFFFFFFFFFFFFF)</a:t>
-            </a:r>
-          </a:p>
-          <a:p>
-            <a:endParaRPr lang="en-US" altLang="zh-CN" sz="2000" b="1" dirty="0">
-              <a:latin typeface="Courier New" panose="02070309020205020404" pitchFamily="49" charset="0"/>
-              <a:cs typeface="Courier New" panose="02070309020205020404" pitchFamily="49" charset="0"/>
-            </a:endParaRPr>
-          </a:p>
-          <a:p>
-            <a:endParaRPr lang="en-US" altLang="zh-CN" sz="2000" b="1" dirty="0">
-              <a:latin typeface="Courier New" panose="02070309020205020404" pitchFamily="49" charset="0"/>
-              <a:cs typeface="Courier New" panose="02070309020205020404" pitchFamily="49" charset="0"/>
-            </a:endParaRPr>
-          </a:p>
-          <a:p>
-            <a:r>
-              <a:rPr lang="en-US" altLang="zh-CN" sz="2000" b="1" dirty="0">
-                <a:latin typeface="Courier New" panose="02070309020205020404" pitchFamily="49" charset="0"/>
-                <a:cs typeface="Courier New" panose="02070309020205020404" pitchFamily="49" charset="0"/>
-              </a:rPr>
-              <a:t>def _</a:t>
-            </a:r>
-            <a:r>
-              <a:rPr lang="en-US" altLang="zh-CN" sz="2000" b="1" dirty="0" err="1">
-                <a:latin typeface="Courier New" panose="02070309020205020404" pitchFamily="49" charset="0"/>
-                <a:cs typeface="Courier New" panose="02070309020205020404" pitchFamily="49" charset="0"/>
-              </a:rPr>
-              <a:t>rotr</a:t>
-            </a:r>
-            <a:r>
-              <a:rPr lang="en-US" altLang="zh-CN" sz="2000" b="1" dirty="0">
-                <a:latin typeface="Courier New" panose="02070309020205020404" pitchFamily="49" charset="0"/>
-                <a:cs typeface="Courier New" panose="02070309020205020404" pitchFamily="49" charset="0"/>
-              </a:rPr>
-              <a:t>(x, n, width):</a:t>
-            </a:r>
-          </a:p>
-          <a:p>
-            <a:r>
-              <a:rPr lang="en-US" altLang="zh-CN" sz="2000" b="1" dirty="0">
-                <a:latin typeface="Courier New" panose="02070309020205020404" pitchFamily="49" charset="0"/>
-                <a:cs typeface="Courier New" panose="02070309020205020404" pitchFamily="49" charset="0"/>
-              </a:rPr>
-              <a:t>    n %= width</a:t>
-            </a:r>
-          </a:p>
-          <a:p>
-            <a:r>
-              <a:rPr lang="en-US" altLang="zh-CN" sz="2000" b="1" dirty="0">
-                <a:latin typeface="Courier New" panose="02070309020205020404" pitchFamily="49" charset="0"/>
-                <a:cs typeface="Courier New" panose="02070309020205020404" pitchFamily="49" charset="0"/>
-              </a:rPr>
-              <a:t>    m = _mask(width)</a:t>
-            </a:r>
-          </a:p>
-          <a:p>
-            <a:r>
-              <a:rPr lang="en-US" altLang="zh-CN" sz="2000" b="1" dirty="0">
-                <a:latin typeface="Courier New" panose="02070309020205020404" pitchFamily="49" charset="0"/>
-                <a:cs typeface="Courier New" panose="02070309020205020404" pitchFamily="49" charset="0"/>
-              </a:rPr>
-              <a:t>    x = Integer(x)</a:t>
-            </a:r>
-          </a:p>
-          <a:p>
-            <a:r>
-              <a:rPr lang="en-US" altLang="zh-CN" sz="2000" b="1" dirty="0">
-                <a:latin typeface="Courier New" panose="02070309020205020404" pitchFamily="49" charset="0"/>
-                <a:cs typeface="Courier New" panose="02070309020205020404" pitchFamily="49" charset="0"/>
-              </a:rPr>
-              <a:t>    return ((x &gt;&gt; n) | ((x &lt;&lt; (width - n)) &amp; m)) &amp; m</a:t>
-            </a:r>
-          </a:p>
-        </p:txBody>
-      </p:sp>
-    </p:spTree>
-  </p:cSld>
-  <p:clrMapOvr>
-    <a:masterClrMapping/>
-  </p:clrMapOvr>
-  <mc:AlternateContent xmlns:mc="http://schemas.openxmlformats.org/markup-compatibility/2006" xmlns:p14="http://schemas.microsoft.com/office/powerpoint/2010/main">
-    <mc:Choice Requires="p14">
-      <p:transition p14:dur="0" advClick="0"/>
-    </mc:Choice>
-    <mc:Fallback xmlns="">
-      <p:transition advClick="0"/>
-    </mc:Fallback>
-  </mc:AlternateContent>
-</p:sld>
-</file>
-
-<file path=ppt/slides/slide12.xml><?xml version="1.0" encoding="utf-8"?>
-<p:sld xmlns:a="http://schemas.openxmlformats.org/drawingml/2006/main" xmlns:r="http://schemas.openxmlformats.org/officeDocument/2006/relationships" xmlns:p="http://schemas.openxmlformats.org/presentationml/2006/main">
-  <p:cSld>
-    <p:spTree>
-      <p:nvGrpSpPr>
-        <p:cNvPr id="1" name="">
-          <a:extLst>
-            <a:ext uri="{FF2B5EF4-FFF2-40B4-BE49-F238E27FC236}">
-              <a16:creationId xmlns:a16="http://schemas.microsoft.com/office/drawing/2014/main" id="{F42CE87C-9C9E-030F-3798-AE25A78312BE}"/>
-            </a:ext>
-          </a:extLst>
-        </p:cNvPr>
-        <p:cNvGrpSpPr/>
-        <p:nvPr/>
-      </p:nvGrpSpPr>
-      <p:grpSpPr>
-        <a:xfrm>
-          <a:off x="0" y="0"/>
-          <a:ext cx="0" cy="0"/>
-          <a:chOff x="0" y="0"/>
-          <a:chExt cx="0" cy="0"/>
-        </a:xfrm>
-      </p:grpSpPr>
-      <p:sp>
-        <p:nvSpPr>
-          <p:cNvPr id="5" name="Title 17">
-            <a:extLst>
-              <a:ext uri="{FF2B5EF4-FFF2-40B4-BE49-F238E27FC236}">
-                <a16:creationId xmlns:a16="http://schemas.microsoft.com/office/drawing/2014/main" id="{90D352F4-AF3D-4797-5250-4E7748BD40CC}"/>
-              </a:ext>
-            </a:extLst>
-          </p:cNvPr>
-          <p:cNvSpPr>
-            <a:spLocks noGrp="1"/>
-          </p:cNvSpPr>
-          <p:nvPr>
-            <p:custDataLst>
-              <p:tags r:id="rId1"/>
-            </p:custDataLst>
-          </p:nvPr>
-        </p:nvSpPr>
-        <p:spPr>
-          <a:xfrm>
-            <a:off x="631129" y="513026"/>
-            <a:ext cx="2083435" cy="586105"/>
-          </a:xfrm>
-          <a:prstGeom prst="rect">
-            <a:avLst/>
-          </a:prstGeom>
-          <a:noFill/>
-        </p:spPr>
-        <p:txBody>
-          <a:bodyPr vert="horz" wrap="none" lIns="90170" tIns="46990" rIns="90170" bIns="46990" rtlCol="0" anchor="ctr" anchorCtr="0">
-            <a:spAutoFit/>
-          </a:bodyPr>
-          <a:lstStyle>
-            <a:lvl1pPr algn="l" defTabSz="914400" rtl="0" eaLnBrk="1" fontAlgn="auto" latinLnBrk="0" hangingPunct="1">
-              <a:lnSpc>
-                <a:spcPct val="100000"/>
-              </a:lnSpc>
-              <a:spcBef>
-                <a:spcPct val="0"/>
-              </a:spcBef>
-              <a:buNone/>
-              <a:defRPr lang="zh-CN" altLang="en-US" sz="2800" b="1" u="none" strike="noStrike" kern="1200" cap="none" spc="300" normalizeH="0" baseline="0">
-                <a:solidFill>
-                  <a:schemeClr val="accent1"/>
-                </a:solidFill>
-                <a:uFillTx/>
-                <a:latin typeface="+mn-lt"/>
-                <a:ea typeface="+mn-ea"/>
-                <a:cs typeface="+mn-cs"/>
-              </a:defRPr>
-            </a:lvl1pPr>
-          </a:lstStyle>
-          <a:p>
-            <a:r>
-              <a:rPr lang="en-US" altLang="zh-CN" sz="3200" spc="0" dirty="0">
-                <a:solidFill>
-                  <a:schemeClr val="tx1"/>
-                </a:solidFill>
-                <a:effectLst>
-                  <a:outerShdw blurRad="38100" dist="38100" dir="2700000" algn="tl">
-                    <a:srgbClr val="000000">
-                      <a:alpha val="43137"/>
-                    </a:srgbClr>
-                  </a:outerShdw>
-                </a:effectLst>
-                <a:latin typeface="Arial" panose="020B0604020202020204" pitchFamily="34" charset="0"/>
-                <a:ea typeface="黑体" panose="02010609060101010101" pitchFamily="49" charset="-122"/>
-                <a:cs typeface="Times New Roman" panose="02020603050405020304" pitchFamily="18" charset="0"/>
-                <a:sym typeface="+mn-ea"/>
-              </a:rPr>
-              <a:t>3.2 </a:t>
-            </a:r>
-            <a:r>
-              <a:rPr lang="zh-CN" altLang="en-US" sz="3200" spc="0">
-                <a:solidFill>
-                  <a:schemeClr val="tx1"/>
-                </a:solidFill>
-                <a:effectLst>
-                  <a:outerShdw blurRad="38100" dist="38100" dir="2700000" algn="tl">
-                    <a:srgbClr val="000000">
-                      <a:alpha val="43137"/>
-                    </a:srgbClr>
-                  </a:outerShdw>
-                </a:effectLst>
-                <a:latin typeface="Arial" panose="020B0604020202020204" pitchFamily="34" charset="0"/>
-                <a:ea typeface="黑体" panose="02010609060101010101" pitchFamily="49" charset="-122"/>
-                <a:cs typeface="Times New Roman" panose="02020603050405020304" pitchFamily="18" charset="0"/>
-                <a:sym typeface="+mn-ea"/>
-              </a:rPr>
-              <a:t>任务一</a:t>
-            </a:r>
-            <a:endParaRPr lang="en-US" altLang="zh-CN" sz="3200" spc="0" dirty="0">
-              <a:solidFill>
-                <a:schemeClr val="tx1"/>
-              </a:solidFill>
-              <a:effectLst>
-                <a:outerShdw blurRad="38100" dist="38100" dir="2700000" algn="tl">
-                  <a:srgbClr val="000000">
-                    <a:alpha val="43137"/>
-                  </a:srgbClr>
-                </a:outerShdw>
-              </a:effectLst>
-              <a:latin typeface="Arial" panose="020B0604020202020204" pitchFamily="34" charset="0"/>
-              <a:ea typeface="黑体" panose="02010609060101010101" pitchFamily="49" charset="-122"/>
+            <a:endParaRPr lang="zh-CN" altLang="en-US" sz="2000" dirty="0">
+              <a:effectLst/>
+              <a:latin typeface="+mn-ea"/>
               <a:cs typeface="Times New Roman" panose="02020603050405020304" pitchFamily="18" charset="0"/>
-              <a:sym typeface="+mn-ea"/>
             </a:endParaRPr>
           </a:p>
         </p:txBody>
       </p:sp>
       <p:sp>
         <p:nvSpPr>
-          <p:cNvPr id="2" name="文本框 1">
-            <a:extLst>
-              <a:ext uri="{FF2B5EF4-FFF2-40B4-BE49-F238E27FC236}">
-                <a16:creationId xmlns:a16="http://schemas.microsoft.com/office/drawing/2014/main" id="{57A79255-3A0B-4A56-58B0-2C10BDD8483C}"/>
-              </a:ext>
-            </a:extLst>
-          </p:cNvPr>
-          <p:cNvSpPr txBox="1"/>
-          <p:nvPr/>
-        </p:nvSpPr>
-        <p:spPr>
-          <a:xfrm>
-            <a:off x="550015" y="1029480"/>
-            <a:ext cx="10924674" cy="553085"/>
-          </a:xfrm>
-          <a:prstGeom prst="rect">
-            <a:avLst/>
-          </a:prstGeom>
-          <a:noFill/>
-        </p:spPr>
-        <p:txBody>
-          <a:bodyPr wrap="square" rtlCol="0">
-            <a:spAutoFit/>
-          </a:bodyPr>
-          <a:lstStyle/>
-          <a:p>
-            <a:pPr algn="just">
-              <a:lnSpc>
-                <a:spcPct val="150000"/>
-              </a:lnSpc>
-            </a:pPr>
-            <a:r>
-              <a:rPr lang="zh-CN" altLang="en-US" sz="2000" dirty="0">
-                <a:effectLst/>
-                <a:latin typeface="+mn-ea"/>
-                <a:cs typeface="Times New Roman" panose="02020603050405020304" pitchFamily="18" charset="0"/>
-              </a:rPr>
-              <a:t>参考代码（通用代码）</a:t>
-            </a:r>
-          </a:p>
-        </p:txBody>
-      </p:sp>
-      <p:sp>
-        <p:nvSpPr>
-          <p:cNvPr id="6" name="文本框 5">
-            <a:extLst>
-              <a:ext uri="{FF2B5EF4-FFF2-40B4-BE49-F238E27FC236}">
-                <a16:creationId xmlns:a16="http://schemas.microsoft.com/office/drawing/2014/main" id="{4FA783E8-596F-6378-2F4D-173310A5CF49}"/>
-              </a:ext>
-            </a:extLst>
-          </p:cNvPr>
+          <p:cNvPr id="6" name="文本框 5"/>
           <p:cNvSpPr txBox="1"/>
           <p:nvPr/>
         </p:nvSpPr>
@@ -4619,6 +4026,10 @@
               </a:rPr>
               <a:t>按位与</a:t>
             </a:r>
+            <a:endParaRPr lang="zh-CN" altLang="en-US" sz="2000" b="1" dirty="0">
+              <a:latin typeface="Courier New" panose="02070309020205020404" pitchFamily="49" charset="0"/>
+              <a:cs typeface="Courier New" panose="02070309020205020404" pitchFamily="49" charset="0"/>
+            </a:endParaRPr>
           </a:p>
           <a:p>
             <a:r>
@@ -4628,6 +4039,10 @@
               </a:rPr>
               <a:t>def _band(x, y):</a:t>
             </a:r>
+            <a:endParaRPr lang="en-US" altLang="zh-CN" sz="2000" b="1" dirty="0">
+              <a:latin typeface="Courier New" panose="02070309020205020404" pitchFamily="49" charset="0"/>
+              <a:cs typeface="Courier New" panose="02070309020205020404" pitchFamily="49" charset="0"/>
+            </a:endParaRPr>
           </a:p>
           <a:p>
             <a:r>
@@ -4637,6 +4052,10 @@
               </a:rPr>
               <a:t>    return Integer(int(x) &amp; int(y))</a:t>
             </a:r>
+            <a:endParaRPr lang="en-US" altLang="zh-CN" sz="2000" b="1" dirty="0">
+              <a:latin typeface="Courier New" panose="02070309020205020404" pitchFamily="49" charset="0"/>
+              <a:cs typeface="Courier New" panose="02070309020205020404" pitchFamily="49" charset="0"/>
+            </a:endParaRPr>
           </a:p>
           <a:p>
             <a:endParaRPr lang="en-US" altLang="zh-CN" sz="2000" b="1" dirty="0">
@@ -4659,6 +4078,10 @@
               </a:rPr>
               <a:t>取反</a:t>
             </a:r>
+            <a:endParaRPr lang="zh-CN" altLang="en-US" sz="2000" b="1" dirty="0">
+              <a:latin typeface="Courier New" panose="02070309020205020404" pitchFamily="49" charset="0"/>
+              <a:cs typeface="Courier New" panose="02070309020205020404" pitchFamily="49" charset="0"/>
+            </a:endParaRPr>
           </a:p>
           <a:p>
             <a:r>
@@ -4682,6 +4105,10 @@
               </a:rPr>
               <a:t>(x, width):</a:t>
             </a:r>
+            <a:endParaRPr lang="en-US" altLang="zh-CN" sz="2000" b="1" dirty="0">
+              <a:latin typeface="Courier New" panose="02070309020205020404" pitchFamily="49" charset="0"/>
+              <a:cs typeface="Courier New" panose="02070309020205020404" pitchFamily="49" charset="0"/>
+            </a:endParaRPr>
           </a:p>
           <a:p>
             <a:r>
@@ -4691,6 +4118,10 @@
               </a:rPr>
               <a:t>    return Integer(~int(x) &amp; _mask(width))</a:t>
             </a:r>
+            <a:endParaRPr lang="en-US" altLang="zh-CN" sz="2000" b="1" dirty="0">
+              <a:latin typeface="Courier New" panose="02070309020205020404" pitchFamily="49" charset="0"/>
+              <a:cs typeface="Courier New" panose="02070309020205020404" pitchFamily="49" charset="0"/>
+            </a:endParaRPr>
           </a:p>
           <a:p>
             <a:endParaRPr lang="en-US" altLang="zh-CN" sz="2000" b="1" dirty="0">
@@ -4728,6 +4159,10 @@
               </a:rPr>
               <a:t>def _chunks(data, size):</a:t>
             </a:r>
+            <a:endParaRPr lang="en-US" altLang="zh-CN" sz="2000" b="1" dirty="0">
+              <a:latin typeface="Courier New" panose="02070309020205020404" pitchFamily="49" charset="0"/>
+              <a:cs typeface="Courier New" panose="02070309020205020404" pitchFamily="49" charset="0"/>
+            </a:endParaRPr>
           </a:p>
           <a:p>
             <a:r>
@@ -4765,6 +4200,10 @@
               </a:rPr>
               <a:t>(data), size):</a:t>
             </a:r>
+            <a:endParaRPr lang="en-US" altLang="zh-CN" sz="2000" b="1" dirty="0">
+              <a:latin typeface="Courier New" panose="02070309020205020404" pitchFamily="49" charset="0"/>
+              <a:cs typeface="Courier New" panose="02070309020205020404" pitchFamily="49" charset="0"/>
+            </a:endParaRPr>
           </a:p>
           <a:p>
             <a:r>
@@ -4802,31 +4241,30 @@
               </a:rPr>
               <a:t> + size]</a:t>
             </a:r>
+            <a:endParaRPr lang="en-US" altLang="zh-CN" sz="2000" b="1" dirty="0">
+              <a:latin typeface="Courier New" panose="02070309020205020404" pitchFamily="49" charset="0"/>
+              <a:cs typeface="Courier New" panose="02070309020205020404" pitchFamily="49" charset="0"/>
+            </a:endParaRPr>
           </a:p>
         </p:txBody>
       </p:sp>
     </p:spTree>
-    <p:extLst>
-      <p:ext uri="{BB962C8B-B14F-4D97-AF65-F5344CB8AC3E}">
-        <p14:creationId xmlns:p14="http://schemas.microsoft.com/office/powerpoint/2010/main" val="1702016699"/>
-      </p:ext>
-    </p:extLst>
   </p:cSld>
   <p:clrMapOvr>
     <a:masterClrMapping/>
   </p:clrMapOvr>
-  <mc:AlternateContent xmlns:mc="http://schemas.openxmlformats.org/markup-compatibility/2006" xmlns:p14="http://schemas.microsoft.com/office/powerpoint/2010/main">
-    <mc:Choice Requires="p14">
+  <mc:AlternateContent xmlns:mc="http://schemas.openxmlformats.org/markup-compatibility/2006">
+    <mc:Choice xmlns:p14="http://schemas.microsoft.com/office/powerpoint/2010/main" Requires="p14">
       <p:transition p14:dur="0" advClick="0"/>
     </mc:Choice>
-    <mc:Fallback xmlns="">
+    <mc:Fallback>
       <p:transition advClick="0"/>
     </mc:Fallback>
   </mc:AlternateContent>
 </p:sld>
 </file>
 
-<file path=ppt/slides/slide13.xml><?xml version="1.0" encoding="utf-8"?>
+<file path=ppt/slides/slide12.xml><?xml version="1.0" encoding="utf-8"?>
 <p:sld xmlns:a="http://schemas.openxmlformats.org/drawingml/2006/main" xmlns:r="http://schemas.openxmlformats.org/officeDocument/2006/relationships" xmlns:p="http://schemas.openxmlformats.org/presentationml/2006/main">
   <p:cSld>
     <p:spTree>
@@ -5035,11 +4473,11 @@
   <p:clrMapOvr>
     <a:masterClrMapping/>
   </p:clrMapOvr>
-  <mc:AlternateContent xmlns:mc="http://schemas.openxmlformats.org/markup-compatibility/2006" xmlns:p14="http://schemas.microsoft.com/office/powerpoint/2010/main">
-    <mc:Choice Requires="p14">
+  <mc:AlternateContent xmlns:mc="http://schemas.openxmlformats.org/markup-compatibility/2006">
+    <mc:Choice xmlns:p14="http://schemas.microsoft.com/office/powerpoint/2010/main" Requires="p14">
       <p:transition p14:dur="0" advClick="0"/>
     </mc:Choice>
-    <mc:Fallback xmlns="">
+    <mc:Fallback>
       <p:transition advClick="0"/>
     </mc:Fallback>
   </mc:AlternateContent>
@@ -5065,7 +4503,7 @@
       </p:grpSpPr>
       <p:sp>
         <p:nvSpPr>
-          <p:cNvPr id="4" name="Title 17"/>
+          <p:cNvPr id="5" name="Title 17"/>
           <p:cNvSpPr>
             <a:spLocks noGrp="1"/>
           </p:cNvSpPr>
@@ -5077,8 +4515,8 @@
         </p:nvSpPr>
         <p:spPr>
           <a:xfrm>
-            <a:off x="2601776" y="2428451"/>
-            <a:ext cx="6988453" cy="833562"/>
+            <a:off x="631129" y="513025"/>
+            <a:ext cx="4935855" cy="586105"/>
           </a:xfrm>
           <a:prstGeom prst="rect">
             <a:avLst/>
@@ -5110,13 +4548,8 @@
             </a:lvl1pPr>
           </a:lstStyle>
           <a:p>
-            <a:pPr algn="ctr">
-              <a:spcAft>
-                <a:spcPts val="1200"/>
-              </a:spcAft>
-            </a:pPr>
-            <a:r>
-              <a:rPr lang="zh-CN" altLang="en-US" sz="4800" spc="0" dirty="0">
+            <a:r>
+              <a:rPr lang="en-US" altLang="zh-CN" sz="3200" spc="0" dirty="0">
                 <a:solidFill>
                   <a:schemeClr val="tx1"/>
                 </a:solidFill>
@@ -5129,12 +4562,50 @@
                 </a:effectLst>
                 <a:latin typeface="Arial" panose="020B0604020202020204" pitchFamily="34" charset="0"/>
                 <a:ea typeface="黑体" panose="02010609060101010101" pitchFamily="49" charset="-122"/>
-                <a:cs typeface="微软雅黑" panose="020B0503020204020204" charset="-122"/>
+                <a:cs typeface="Times New Roman" panose="02020603050405020304" pitchFamily="18" charset="0"/>
                 <a:sym typeface="+mn-ea"/>
               </a:rPr>
-              <a:t>第三章：抗碰撞哈希函数</a:t>
-            </a:r>
-            <a:endParaRPr sz="4800" spc="0" dirty="0">
+              <a:t>3.1 </a:t>
+            </a:r>
+            <a:r>
+              <a:rPr lang="zh-CN" altLang="en-US" sz="3200" spc="0" dirty="0">
+                <a:solidFill>
+                  <a:schemeClr val="tx1"/>
+                </a:solidFill>
+                <a:effectLst>
+                  <a:outerShdw blurRad="38100" dist="38100" dir="2700000" algn="tl">
+                    <a:srgbClr val="000000">
+                      <a:alpha val="43137"/>
+                    </a:srgbClr>
+                  </a:outerShdw>
+                </a:effectLst>
+                <a:latin typeface="Arial" panose="020B0604020202020204" pitchFamily="34" charset="0"/>
+                <a:ea typeface="黑体" panose="02010609060101010101" pitchFamily="49" charset="-122"/>
+                <a:cs typeface="Times New Roman" panose="02020603050405020304" pitchFamily="18" charset="0"/>
+                <a:sym typeface="+mn-ea"/>
+              </a:rPr>
+              <a:t>抗碰撞哈希函数</a:t>
+            </a:r>
+            <a:r>
+              <a:rPr lang="en-US" altLang="zh-CN" sz="3200" spc="0" dirty="0">
+                <a:solidFill>
+                  <a:schemeClr val="tx1"/>
+                </a:solidFill>
+                <a:effectLst>
+                  <a:outerShdw blurRad="38100" dist="38100" dir="2700000" algn="tl">
+                    <a:srgbClr val="000000">
+                      <a:alpha val="43137"/>
+                    </a:srgbClr>
+                  </a:outerShdw>
+                </a:effectLst>
+                <a:latin typeface="Arial" panose="020B0604020202020204" pitchFamily="34" charset="0"/>
+                <a:ea typeface="黑体" panose="02010609060101010101" pitchFamily="49" charset="-122"/>
+                <a:cs typeface="Times New Roman" panose="02020603050405020304" pitchFamily="18" charset="0"/>
+                <a:sym typeface="+mn-ea"/>
+              </a:rPr>
+              <a:t>SHA-2</a:t>
+            </a:r>
+            <a:endParaRPr lang="en-US" altLang="zh-CN" sz="3200" spc="0" dirty="0">
               <a:solidFill>
                 <a:schemeClr val="tx1"/>
               </a:solidFill>
@@ -5147,7 +4618,7 @@
               </a:effectLst>
               <a:latin typeface="Arial" panose="020B0604020202020204" pitchFamily="34" charset="0"/>
               <a:ea typeface="黑体" panose="02010609060101010101" pitchFamily="49" charset="-122"/>
-              <a:cs typeface="微软雅黑" panose="020B0503020204020204" charset="-122"/>
+              <a:cs typeface="Times New Roman" panose="02020603050405020304" pitchFamily="18" charset="0"/>
               <a:sym typeface="+mn-ea"/>
             </a:endParaRPr>
           </a:p>
@@ -5155,38 +4626,204 @@
       </p:sp>
       <p:sp>
         <p:nvSpPr>
-          <p:cNvPr id="3" name="灯片编号占位符 2"/>
-          <p:cNvSpPr>
-            <a:spLocks noGrp="1"/>
-          </p:cNvSpPr>
-          <p:nvPr>
-            <p:ph type="sldNum" sz="quarter" idx="12"/>
-          </p:nvPr>
+          <p:cNvPr id="2" name="文本框 1"/>
+          <p:cNvSpPr txBox="1"/>
+          <p:nvPr/>
         </p:nvSpPr>
-        <p:spPr/>
+        <p:spPr>
+          <a:xfrm>
+            <a:off x="690909" y="1324490"/>
+            <a:ext cx="6341793" cy="4649221"/>
+          </a:xfrm>
+          <a:prstGeom prst="rect">
+            <a:avLst/>
+          </a:prstGeom>
+          <a:noFill/>
+        </p:spPr>
         <p:txBody>
-          <a:bodyPr/>
+          <a:bodyPr wrap="square">
+            <a:spAutoFit/>
+          </a:bodyPr>
           <a:lstStyle/>
           <a:p>
-            <a:fld id="{4CDDC869-2817-46DD-8681-5A192428703D}" type="slidenum">
-              <a:rPr lang="zh-CN" altLang="en-US" smtClean="0">
-                <a:latin typeface="Arial" panose="020B0604020202020204" pitchFamily="34" charset="0"/>
-                <a:ea typeface="黑体" panose="02010609060101010101" pitchFamily="49" charset="-122"/>
+            <a:pPr>
+              <a:lnSpc>
+                <a:spcPct val="150000"/>
+              </a:lnSpc>
+            </a:pPr>
+            <a:r>
+              <a:rPr lang="en-US" altLang="zh-CN" sz="2000" b="1" dirty="0">
+                <a:solidFill>
+                  <a:srgbClr val="FF0000"/>
+                </a:solidFill>
               </a:rPr>
-              <a:t>2</a:t>
-            </a:fld>
-            <a:endParaRPr lang="zh-CN" altLang="en-US">
-              <a:latin typeface="Arial" panose="020B0604020202020204" pitchFamily="34" charset="0"/>
-              <a:ea typeface="黑体" panose="02010609060101010101" pitchFamily="49" charset="-122"/>
-            </a:endParaRPr>
+              <a:t>SHA-2</a:t>
+            </a:r>
+            <a:r>
+              <a:rPr lang="zh-CN" altLang="en-US" sz="2000" b="1" dirty="0">
+                <a:solidFill>
+                  <a:srgbClr val="FF0000"/>
+                </a:solidFill>
+              </a:rPr>
+              <a:t>（</a:t>
+            </a:r>
+            <a:r>
+              <a:rPr lang="en-US" altLang="zh-CN" sz="2000" b="1" dirty="0">
+                <a:solidFill>
+                  <a:srgbClr val="FF0000"/>
+                </a:solidFill>
+              </a:rPr>
+              <a:t>Secure Hash Algorithm 2</a:t>
+            </a:r>
+            <a:r>
+              <a:rPr lang="zh-CN" altLang="en-US" sz="2000" b="1" dirty="0">
+                <a:solidFill>
+                  <a:srgbClr val="FF0000"/>
+                </a:solidFill>
+              </a:rPr>
+              <a:t>）</a:t>
+            </a:r>
+            <a:r>
+              <a:rPr lang="zh-CN" altLang="en-US" sz="2000" dirty="0"/>
+              <a:t>是由美国国家安全局（</a:t>
+            </a:r>
+            <a:r>
+              <a:rPr lang="en-US" altLang="zh-CN" sz="2000" dirty="0"/>
+              <a:t>NSA</a:t>
+            </a:r>
+            <a:r>
+              <a:rPr lang="zh-CN" altLang="en-US" sz="2000" dirty="0"/>
+              <a:t>）设计并由美国国家标准与技术研究院（</a:t>
+            </a:r>
+            <a:r>
+              <a:rPr lang="en-US" altLang="zh-CN" sz="2000" dirty="0"/>
+              <a:t>NIST</a:t>
+            </a:r>
+            <a:r>
+              <a:rPr lang="zh-CN" altLang="en-US" sz="2000" dirty="0"/>
+              <a:t>）发布的一系列密码学哈希函数。</a:t>
+            </a:r>
+            <a:endParaRPr lang="en-US" altLang="zh-CN" sz="2000" dirty="0"/>
+          </a:p>
+          <a:p>
+            <a:pPr>
+              <a:lnSpc>
+                <a:spcPct val="150000"/>
+              </a:lnSpc>
+            </a:pPr>
+            <a:r>
+              <a:rPr lang="en-US" altLang="zh-CN" sz="2000" dirty="0"/>
+              <a:t>SHA-2 </a:t>
+            </a:r>
+            <a:r>
+              <a:rPr lang="zh-CN" altLang="en-US" sz="2000" dirty="0"/>
+              <a:t>是 </a:t>
+            </a:r>
+            <a:r>
+              <a:rPr lang="en-US" altLang="zh-CN" sz="2000" dirty="0"/>
+              <a:t>SHA-1 </a:t>
+            </a:r>
+            <a:r>
+              <a:rPr lang="zh-CN" altLang="en-US" sz="2000" dirty="0"/>
+              <a:t>的后继者，旨在提供更高的安全性和更强的抗碰撞能力。</a:t>
+            </a:r>
+            <a:endParaRPr lang="en-US" altLang="zh-CN" sz="2000" dirty="0"/>
+          </a:p>
+          <a:p>
+            <a:pPr>
+              <a:lnSpc>
+                <a:spcPct val="150000"/>
+              </a:lnSpc>
+            </a:pPr>
+            <a:br>
+              <a:rPr lang="en-US" altLang="zh-CN" sz="2000" dirty="0"/>
+            </a:br>
+            <a:r>
+              <a:rPr lang="zh-CN" altLang="en-US" sz="2000" b="1" dirty="0"/>
+              <a:t>安全性：</a:t>
+            </a:r>
+            <a:r>
+              <a:rPr lang="zh-CN" altLang="en-US" sz="2000" dirty="0"/>
+              <a:t>抗碰撞性，抗第二原像攻击，抗第一原像攻击</a:t>
+            </a:r>
+            <a:endParaRPr lang="en-US" altLang="zh-CN" sz="2000" dirty="0"/>
+          </a:p>
+          <a:p>
+            <a:pPr>
+              <a:lnSpc>
+                <a:spcPct val="150000"/>
+              </a:lnSpc>
+            </a:pPr>
+            <a:r>
+              <a:rPr lang="zh-CN" altLang="en-US" sz="2000" b="1" dirty="0"/>
+              <a:t>抗量子计算攻击：</a:t>
+            </a:r>
+            <a:r>
+              <a:rPr lang="zh-CN" altLang="en-US" sz="2000" dirty="0"/>
+              <a:t>虽然 </a:t>
+            </a:r>
+            <a:r>
+              <a:rPr lang="en-US" altLang="zh-CN" sz="2000" dirty="0"/>
+              <a:t>SHA-2 </a:t>
+            </a:r>
+            <a:r>
+              <a:rPr lang="zh-CN" altLang="en-US" sz="2000" dirty="0"/>
+              <a:t>不是专门为抵抗量子计算攻击设计的，但其较长的输出长度（如 </a:t>
+            </a:r>
+            <a:r>
+              <a:rPr lang="en-US" altLang="zh-CN" sz="2000" dirty="0"/>
+              <a:t>SHA-512</a:t>
+            </a:r>
+            <a:r>
+              <a:rPr lang="zh-CN" altLang="en-US" sz="2000" dirty="0"/>
+              <a:t>）在当前技术下仍然被认为是抗量子安全的。</a:t>
+            </a:r>
+            <a:endParaRPr lang="zh-CN" altLang="en-US" sz="2000" dirty="0"/>
           </a:p>
         </p:txBody>
       </p:sp>
+      <p:pic>
+        <p:nvPicPr>
+          <p:cNvPr id="8" name="图片 7"/>
+          <p:cNvPicPr>
+            <a:picLocks noChangeAspect="1"/>
+          </p:cNvPicPr>
+          <p:nvPr/>
+        </p:nvPicPr>
+        <p:blipFill>
+          <a:blip r:embed="rId2"/>
+          <a:stretch>
+            <a:fillRect/>
+          </a:stretch>
+        </p:blipFill>
+        <p:spPr>
+          <a:xfrm>
+            <a:off x="7679472" y="1324304"/>
+            <a:ext cx="3948465" cy="5108978"/>
+          </a:xfrm>
+          <a:prstGeom prst="rect">
+            <a:avLst/>
+          </a:prstGeom>
+          <a:ln w="12700">
+            <a:solidFill>
+              <a:schemeClr val="tx1"/>
+            </a:solidFill>
+          </a:ln>
+        </p:spPr>
+      </p:pic>
     </p:spTree>
   </p:cSld>
   <p:clrMapOvr>
     <a:masterClrMapping/>
   </p:clrMapOvr>
+  <mc:AlternateContent xmlns:mc="http://schemas.openxmlformats.org/markup-compatibility/2006">
+    <mc:Choice xmlns:p14="http://schemas.microsoft.com/office/powerpoint/2010/main" Requires="p14">
+      <p:transition p14:dur="0" advClick="0"/>
+    </mc:Choice>
+    <mc:Fallback>
+      <p:transition advClick="0"/>
+    </mc:Fallback>
+  </mc:AlternateContent>
 </p:sld>
 </file>
 
@@ -5311,332 +4948,22 @@
               </a:rPr>
               <a:t>SHA-2</a:t>
             </a:r>
-          </a:p>
-        </p:txBody>
-      </p:sp>
-      <p:sp>
-        <p:nvSpPr>
-          <p:cNvPr id="2" name="文本框 1"/>
-          <p:cNvSpPr txBox="1"/>
-          <p:nvPr/>
-        </p:nvSpPr>
-        <p:spPr>
-          <a:xfrm>
-            <a:off x="690909" y="1324490"/>
-            <a:ext cx="6341793" cy="4649221"/>
-          </a:xfrm>
-          <a:prstGeom prst="rect">
-            <a:avLst/>
-          </a:prstGeom>
-          <a:noFill/>
-        </p:spPr>
-        <p:txBody>
-          <a:bodyPr wrap="square">
-            <a:spAutoFit/>
-          </a:bodyPr>
-          <a:lstStyle/>
-          <a:p>
-            <a:pPr>
-              <a:lnSpc>
-                <a:spcPct val="150000"/>
-              </a:lnSpc>
-            </a:pPr>
-            <a:r>
-              <a:rPr lang="en-US" altLang="zh-CN" sz="2000" b="1" dirty="0">
-                <a:solidFill>
-                  <a:srgbClr val="FF0000"/>
-                </a:solidFill>
-              </a:rPr>
-              <a:t>SHA-2</a:t>
-            </a:r>
-            <a:r>
-              <a:rPr lang="zh-CN" altLang="en-US" sz="2000" b="1" dirty="0">
-                <a:solidFill>
-                  <a:srgbClr val="FF0000"/>
-                </a:solidFill>
-              </a:rPr>
-              <a:t>（</a:t>
-            </a:r>
-            <a:r>
-              <a:rPr lang="en-US" altLang="zh-CN" sz="2000" b="1" dirty="0">
-                <a:solidFill>
-                  <a:srgbClr val="FF0000"/>
-                </a:solidFill>
-              </a:rPr>
-              <a:t>Secure Hash Algorithm 2</a:t>
-            </a:r>
-            <a:r>
-              <a:rPr lang="zh-CN" altLang="en-US" sz="2000" b="1" dirty="0">
-                <a:solidFill>
-                  <a:srgbClr val="FF0000"/>
-                </a:solidFill>
-              </a:rPr>
-              <a:t>）</a:t>
-            </a:r>
-            <a:r>
-              <a:rPr lang="zh-CN" altLang="en-US" sz="2000" dirty="0"/>
-              <a:t>是由美国国家安全局（</a:t>
-            </a:r>
-            <a:r>
-              <a:rPr lang="en-US" altLang="zh-CN" sz="2000" dirty="0"/>
-              <a:t>NSA</a:t>
-            </a:r>
-            <a:r>
-              <a:rPr lang="zh-CN" altLang="en-US" sz="2000" dirty="0"/>
-              <a:t>）设计并由美国国家标准与技术研究院（</a:t>
-            </a:r>
-            <a:r>
-              <a:rPr lang="en-US" altLang="zh-CN" sz="2000" dirty="0"/>
-              <a:t>NIST</a:t>
-            </a:r>
-            <a:r>
-              <a:rPr lang="zh-CN" altLang="en-US" sz="2000" dirty="0"/>
-              <a:t>）发布的一系列密码学哈希函数。</a:t>
-            </a:r>
-            <a:endParaRPr lang="en-US" altLang="zh-CN" sz="2000" dirty="0"/>
-          </a:p>
-          <a:p>
-            <a:pPr>
-              <a:lnSpc>
-                <a:spcPct val="150000"/>
-              </a:lnSpc>
-            </a:pPr>
-            <a:r>
-              <a:rPr lang="en-US" altLang="zh-CN" sz="2000" dirty="0"/>
-              <a:t>SHA-2 </a:t>
-            </a:r>
-            <a:r>
-              <a:rPr lang="zh-CN" altLang="en-US" sz="2000" dirty="0"/>
-              <a:t>是 </a:t>
-            </a:r>
-            <a:r>
-              <a:rPr lang="en-US" altLang="zh-CN" sz="2000" dirty="0"/>
-              <a:t>SHA-1 </a:t>
-            </a:r>
-            <a:r>
-              <a:rPr lang="zh-CN" altLang="en-US" sz="2000" dirty="0"/>
-              <a:t>的后继者，旨在提供更高的安全性和更强的抗碰撞能力。</a:t>
-            </a:r>
-            <a:endParaRPr lang="en-US" altLang="zh-CN" sz="2000" dirty="0"/>
-          </a:p>
-          <a:p>
-            <a:pPr>
-              <a:lnSpc>
-                <a:spcPct val="150000"/>
-              </a:lnSpc>
-            </a:pPr>
-            <a:br>
-              <a:rPr lang="en-US" altLang="zh-CN" sz="2000" dirty="0"/>
-            </a:br>
-            <a:r>
-              <a:rPr lang="zh-CN" altLang="en-US" sz="2000" b="1" dirty="0"/>
-              <a:t>安全性：</a:t>
-            </a:r>
-            <a:r>
-              <a:rPr lang="zh-CN" altLang="en-US" sz="2000" dirty="0"/>
-              <a:t>抗碰撞性，抗第二原像攻击，抗第一原像攻击</a:t>
-            </a:r>
-            <a:endParaRPr lang="en-US" altLang="zh-CN" sz="2000" dirty="0"/>
-          </a:p>
-          <a:p>
-            <a:pPr>
-              <a:lnSpc>
-                <a:spcPct val="150000"/>
-              </a:lnSpc>
-            </a:pPr>
-            <a:r>
-              <a:rPr lang="zh-CN" altLang="en-US" sz="2000" b="1" dirty="0"/>
-              <a:t>抗量子计算攻击：</a:t>
-            </a:r>
-            <a:r>
-              <a:rPr lang="zh-CN" altLang="en-US" sz="2000" dirty="0"/>
-              <a:t>虽然 </a:t>
-            </a:r>
-            <a:r>
-              <a:rPr lang="en-US" altLang="zh-CN" sz="2000" dirty="0"/>
-              <a:t>SHA-2 </a:t>
-            </a:r>
-            <a:r>
-              <a:rPr lang="zh-CN" altLang="en-US" sz="2000" dirty="0"/>
-              <a:t>不是专门为抵抗量子计算攻击设计的，但其较长的输出长度（如 </a:t>
-            </a:r>
-            <a:r>
-              <a:rPr lang="en-US" altLang="zh-CN" sz="2000" dirty="0"/>
-              <a:t>SHA-512</a:t>
-            </a:r>
-            <a:r>
-              <a:rPr lang="zh-CN" altLang="en-US" sz="2000" dirty="0"/>
-              <a:t>）在当前技术下仍然被认为是抗量子安全的。</a:t>
-            </a:r>
-          </a:p>
-        </p:txBody>
-      </p:sp>
-      <p:pic>
-        <p:nvPicPr>
-          <p:cNvPr id="8" name="图片 7"/>
-          <p:cNvPicPr>
-            <a:picLocks noChangeAspect="1"/>
-          </p:cNvPicPr>
-          <p:nvPr/>
-        </p:nvPicPr>
-        <p:blipFill>
-          <a:blip r:embed="rId3"/>
-          <a:stretch>
-            <a:fillRect/>
-          </a:stretch>
-        </p:blipFill>
-        <p:spPr>
-          <a:xfrm>
-            <a:off x="7679472" y="1324304"/>
-            <a:ext cx="3948465" cy="5108978"/>
-          </a:xfrm>
-          <a:prstGeom prst="rect">
-            <a:avLst/>
-          </a:prstGeom>
-          <a:ln w="12700">
-            <a:solidFill>
-              <a:schemeClr val="tx1"/>
-            </a:solidFill>
-          </a:ln>
-        </p:spPr>
-      </p:pic>
-    </p:spTree>
-  </p:cSld>
-  <p:clrMapOvr>
-    <a:masterClrMapping/>
-  </p:clrMapOvr>
-  <mc:AlternateContent xmlns:mc="http://schemas.openxmlformats.org/markup-compatibility/2006" xmlns:p14="http://schemas.microsoft.com/office/powerpoint/2010/main">
-    <mc:Choice Requires="p14">
-      <p:transition p14:dur="0" advClick="0"/>
-    </mc:Choice>
-    <mc:Fallback xmlns="">
-      <p:transition advClick="0"/>
-    </mc:Fallback>
-  </mc:AlternateContent>
-</p:sld>
-</file>
-
-<file path=ppt/slides/slide4.xml><?xml version="1.0" encoding="utf-8"?>
-<p:sld xmlns:a="http://schemas.openxmlformats.org/drawingml/2006/main" xmlns:r="http://schemas.openxmlformats.org/officeDocument/2006/relationships" xmlns:p="http://schemas.openxmlformats.org/presentationml/2006/main">
-  <p:cSld>
-    <p:spTree>
-      <p:nvGrpSpPr>
-        <p:cNvPr id="1" name=""/>
-        <p:cNvGrpSpPr/>
-        <p:nvPr/>
-      </p:nvGrpSpPr>
-      <p:grpSpPr>
-        <a:xfrm>
-          <a:off x="0" y="0"/>
-          <a:ext cx="0" cy="0"/>
-          <a:chOff x="0" y="0"/>
-          <a:chExt cx="0" cy="0"/>
-        </a:xfrm>
-      </p:grpSpPr>
-      <p:sp>
-        <p:nvSpPr>
-          <p:cNvPr id="5" name="Title 17"/>
-          <p:cNvSpPr>
-            <a:spLocks noGrp="1"/>
-          </p:cNvSpPr>
-          <p:nvPr>
-            <p:custDataLst>
-              <p:tags r:id="rId1"/>
-            </p:custDataLst>
-          </p:nvPr>
-        </p:nvSpPr>
-        <p:spPr>
-          <a:xfrm>
-            <a:off x="631129" y="513025"/>
-            <a:ext cx="4935855" cy="586105"/>
-          </a:xfrm>
-          <a:prstGeom prst="rect">
-            <a:avLst/>
-          </a:prstGeom>
-          <a:noFill/>
-        </p:spPr>
-        <p:txBody>
-          <a:bodyPr vert="horz" wrap="none" lIns="90170" tIns="46990" rIns="90170" bIns="46990" rtlCol="0" anchor="ctr" anchorCtr="0">
-            <a:spAutoFit/>
-          </a:bodyPr>
-          <a:lstStyle>
-            <a:lvl1pPr algn="l" defTabSz="914400" rtl="0" eaLnBrk="1" fontAlgn="auto" latinLnBrk="0" hangingPunct="1">
-              <a:lnSpc>
-                <a:spcPct val="100000"/>
-              </a:lnSpc>
-              <a:spcBef>
-                <a:spcPct val="0"/>
-              </a:spcBef>
-              <a:buNone/>
-              <a:defRPr lang="zh-CN" altLang="en-US" sz="2800" b="1" u="none" strike="noStrike" kern="1200" cap="none" spc="300" normalizeH="0" baseline="0">
-                <a:solidFill>
-                  <a:schemeClr val="accent1"/>
-                </a:solidFill>
-                <a:uFillTx/>
-                <a:latin typeface="+mn-lt"/>
-                <a:ea typeface="+mn-ea"/>
-                <a:cs typeface="+mn-cs"/>
-              </a:defRPr>
-            </a:lvl1pPr>
-          </a:lstStyle>
-          <a:p>
-            <a:r>
-              <a:rPr lang="en-US" altLang="zh-CN" sz="3200" spc="0" dirty="0">
-                <a:solidFill>
-                  <a:schemeClr val="tx1"/>
-                </a:solidFill>
-                <a:effectLst>
-                  <a:outerShdw blurRad="38100" dist="38100" dir="2700000" algn="tl">
-                    <a:srgbClr val="000000">
-                      <a:alpha val="43137"/>
-                    </a:srgbClr>
-                  </a:outerShdw>
-                </a:effectLst>
-                <a:latin typeface="Arial" panose="020B0604020202020204" pitchFamily="34" charset="0"/>
-                <a:ea typeface="黑体" panose="02010609060101010101" pitchFamily="49" charset="-122"/>
-                <a:cs typeface="Times New Roman" panose="02020603050405020304" pitchFamily="18" charset="0"/>
-                <a:sym typeface="+mn-ea"/>
-              </a:rPr>
-              <a:t>3.1 </a:t>
-            </a:r>
-            <a:r>
-              <a:rPr lang="zh-CN" altLang="en-US" sz="3200" spc="0" dirty="0">
-                <a:solidFill>
-                  <a:schemeClr val="tx1"/>
-                </a:solidFill>
-                <a:effectLst>
-                  <a:outerShdw blurRad="38100" dist="38100" dir="2700000" algn="tl">
-                    <a:srgbClr val="000000">
-                      <a:alpha val="43137"/>
-                    </a:srgbClr>
-                  </a:outerShdw>
-                </a:effectLst>
-                <a:latin typeface="Arial" panose="020B0604020202020204" pitchFamily="34" charset="0"/>
-                <a:ea typeface="黑体" panose="02010609060101010101" pitchFamily="49" charset="-122"/>
-                <a:cs typeface="Times New Roman" panose="02020603050405020304" pitchFamily="18" charset="0"/>
-                <a:sym typeface="+mn-ea"/>
-              </a:rPr>
-              <a:t>抗碰撞哈希函数</a:t>
-            </a:r>
-            <a:r>
-              <a:rPr lang="en-US" altLang="zh-CN" sz="3200" spc="0" dirty="0">
-                <a:solidFill>
-                  <a:schemeClr val="tx1"/>
-                </a:solidFill>
-                <a:effectLst>
-                  <a:outerShdw blurRad="38100" dist="38100" dir="2700000" algn="tl">
-                    <a:srgbClr val="000000">
-                      <a:alpha val="43137"/>
-                    </a:srgbClr>
-                  </a:outerShdw>
-                </a:effectLst>
-                <a:latin typeface="Arial" panose="020B0604020202020204" pitchFamily="34" charset="0"/>
-                <a:ea typeface="黑体" panose="02010609060101010101" pitchFamily="49" charset="-122"/>
-                <a:cs typeface="Times New Roman" panose="02020603050405020304" pitchFamily="18" charset="0"/>
-                <a:sym typeface="+mn-ea"/>
-              </a:rPr>
-              <a:t>SHA-2</a:t>
-            </a:r>
+            <a:endParaRPr lang="en-US" altLang="zh-CN" sz="3200" spc="0" dirty="0">
+              <a:solidFill>
+                <a:schemeClr val="tx1"/>
+              </a:solidFill>
+              <a:effectLst>
+                <a:outerShdw blurRad="38100" dist="38100" dir="2700000" algn="tl">
+                  <a:srgbClr val="000000">
+                    <a:alpha val="43137"/>
+                  </a:srgbClr>
+                </a:outerShdw>
+              </a:effectLst>
+              <a:latin typeface="Arial" panose="020B0604020202020204" pitchFamily="34" charset="0"/>
+              <a:ea typeface="黑体" panose="02010609060101010101" pitchFamily="49" charset="-122"/>
+              <a:cs typeface="Times New Roman" panose="02020603050405020304" pitchFamily="18" charset="0"/>
+              <a:sym typeface="+mn-ea"/>
+            </a:endParaRPr>
           </a:p>
         </p:txBody>
       </p:sp>
@@ -5713,41 +5040,11 @@
                     <a:tableStyleId>{5940675A-B579-460E-94D1-54222C63F5DA}</a:tableStyleId>
                   </a:tblPr>
                   <a:tblGrid>
-                    <a:gridCol w="2131617">
-                      <a:extLst>
-                        <a:ext uri="{9D8B030D-6E8A-4147-A177-3AD203B41FA5}">
-                          <a16:colId xmlns:a16="http://schemas.microsoft.com/office/drawing/2014/main" val="20000"/>
-                        </a:ext>
-                      </a:extLst>
-                    </a:gridCol>
-                    <a:gridCol w="2131617">
-                      <a:extLst>
-                        <a:ext uri="{9D8B030D-6E8A-4147-A177-3AD203B41FA5}">
-                          <a16:colId xmlns:a16="http://schemas.microsoft.com/office/drawing/2014/main" val="20001"/>
-                        </a:ext>
-                      </a:extLst>
-                    </a:gridCol>
-                    <a:gridCol w="2131617">
-                      <a:extLst>
-                        <a:ext uri="{9D8B030D-6E8A-4147-A177-3AD203B41FA5}">
-                          <a16:colId xmlns:a16="http://schemas.microsoft.com/office/drawing/2014/main" val="20002"/>
-                        </a:ext>
-                      </a:extLst>
-                    </a:gridCol>
-                    <a:gridCol w="2131617">
-                      <a:extLst>
-                        <a:ext uri="{9D8B030D-6E8A-4147-A177-3AD203B41FA5}">
-                          <a16:colId xmlns:a16="http://schemas.microsoft.com/office/drawing/2014/main" val="20003"/>
-                        </a:ext>
-                      </a:extLst>
-                    </a:gridCol>
-                    <a:gridCol w="2131617">
-                      <a:extLst>
-                        <a:ext uri="{9D8B030D-6E8A-4147-A177-3AD203B41FA5}">
-                          <a16:colId xmlns:a16="http://schemas.microsoft.com/office/drawing/2014/main" val="20004"/>
-                        </a:ext>
-                      </a:extLst>
-                    </a:gridCol>
+                    <a:gridCol w="2131617"/>
+                    <a:gridCol w="2131617"/>
+                    <a:gridCol w="2131617"/>
+                    <a:gridCol w="2131617"/>
+                    <a:gridCol w="2131617"/>
                   </a:tblGrid>
                   <a:tr h="494099">
                     <a:tc>
@@ -5766,6 +5063,13 @@
                             </a:rPr>
                             <a:t>算法</a:t>
                           </a:r>
+                          <a:endParaRPr lang="zh-CN" altLang="en-US" sz="2000" b="1" dirty="0">
+                            <a:solidFill>
+                              <a:sysClr val="window" lastClr="FFFFFF"/>
+                            </a:solidFill>
+                            <a:latin typeface="Arial" panose="020B0604020202020204" pitchFamily="34" charset="0"/>
+                            <a:ea typeface="黑体" panose="02010609060101010101" pitchFamily="49" charset="-122"/>
+                          </a:endParaRPr>
                         </a:p>
                       </a:txBody>
                       <a:tcPr anchor="ctr">
@@ -5830,6 +5134,13 @@
                             </a:rPr>
                             <a:t>）</a:t>
                           </a:r>
+                          <a:endParaRPr lang="zh-CN" altLang="en-US" sz="2000" b="1" dirty="0">
+                            <a:solidFill>
+                              <a:sysClr val="window" lastClr="FFFFFF"/>
+                            </a:solidFill>
+                            <a:latin typeface="Arial" panose="020B0604020202020204" pitchFamily="34" charset="0"/>
+                            <a:ea typeface="黑体" panose="02010609060101010101" pitchFamily="49" charset="-122"/>
+                          </a:endParaRPr>
                         </a:p>
                       </a:txBody>
                       <a:tcPr anchor="ctr">
@@ -5894,6 +5205,13 @@
                             </a:rPr>
                             <a:t>）</a:t>
                           </a:r>
+                          <a:endParaRPr lang="zh-CN" altLang="en-US" sz="2000" b="1" dirty="0">
+                            <a:solidFill>
+                              <a:sysClr val="window" lastClr="FFFFFF"/>
+                            </a:solidFill>
+                            <a:latin typeface="Arial" panose="020B0604020202020204" pitchFamily="34" charset="0"/>
+                            <a:ea typeface="黑体" panose="02010609060101010101" pitchFamily="49" charset="-122"/>
+                          </a:endParaRPr>
                         </a:p>
                       </a:txBody>
                       <a:tcPr anchor="ctr">
@@ -5958,6 +5276,13 @@
                             </a:rPr>
                             <a:t>）</a:t>
                           </a:r>
+                          <a:endParaRPr lang="zh-CN" altLang="en-US" sz="2000" b="1" dirty="0">
+                            <a:solidFill>
+                              <a:sysClr val="window" lastClr="FFFFFF"/>
+                            </a:solidFill>
+                            <a:latin typeface="Arial" panose="020B0604020202020204" pitchFamily="34" charset="0"/>
+                            <a:ea typeface="黑体" panose="02010609060101010101" pitchFamily="49" charset="-122"/>
+                          </a:endParaRPr>
                         </a:p>
                       </a:txBody>
                       <a:tcPr anchor="ctr">
@@ -6022,6 +5347,13 @@
                             </a:rPr>
                             <a:t>）</a:t>
                           </a:r>
+                          <a:endParaRPr lang="zh-CN" altLang="en-US" sz="2000" b="1" dirty="0">
+                            <a:solidFill>
+                              <a:sysClr val="window" lastClr="FFFFFF"/>
+                            </a:solidFill>
+                            <a:latin typeface="Arial" panose="020B0604020202020204" pitchFamily="34" charset="0"/>
+                            <a:ea typeface="黑体" panose="02010609060101010101" pitchFamily="49" charset="-122"/>
+                          </a:endParaRPr>
                         </a:p>
                       </a:txBody>
                       <a:tcPr anchor="ctr">
@@ -6050,11 +5382,6 @@
                         </a:solidFill>
                       </a:tcPr>
                     </a:tc>
-                    <a:extLst>
-                      <a:ext uri="{0D108BD9-81ED-4DB2-BD59-A6C34878D82A}">
-                        <a16:rowId xmlns:a16="http://schemas.microsoft.com/office/drawing/2014/main" val="10000"/>
-                      </a:ext>
-                    </a:extLst>
                   </a:tr>
                   <a:tr h="494099">
                     <a:tc>
@@ -6371,11 +5698,6 @@
                         </a:solidFill>
                       </a:tcPr>
                     </a:tc>
-                    <a:extLst>
-                      <a:ext uri="{0D108BD9-81ED-4DB2-BD59-A6C34878D82A}">
-                        <a16:rowId xmlns:a16="http://schemas.microsoft.com/office/drawing/2014/main" val="10001"/>
-                      </a:ext>
-                    </a:extLst>
                   </a:tr>
                   <a:tr h="494099">
                     <a:tc>
@@ -6687,11 +6009,6 @@
                         </a:solidFill>
                       </a:tcPr>
                     </a:tc>
-                    <a:extLst>
-                      <a:ext uri="{0D108BD9-81ED-4DB2-BD59-A6C34878D82A}">
-                        <a16:rowId xmlns:a16="http://schemas.microsoft.com/office/drawing/2014/main" val="10002"/>
-                      </a:ext>
-                    </a:extLst>
                   </a:tr>
                   <a:tr h="494099">
                     <a:tc>
@@ -6709,6 +6026,13 @@
                             </a:rPr>
                             <a:t>SHA-512</a:t>
                           </a:r>
+                          <a:endParaRPr lang="en-US" altLang="zh-CN" sz="2000" dirty="0">
+                            <a:solidFill>
+                              <a:srgbClr val="FF0000"/>
+                            </a:solidFill>
+                            <a:latin typeface="Arial" panose="020B0604020202020204" pitchFamily="34" charset="0"/>
+                            <a:ea typeface="黑体" panose="02010609060101010101" pitchFamily="49" charset="-122"/>
+                          </a:endParaRPr>
                         </a:p>
                       </a:txBody>
                       <a:tcPr anchor="ctr">
@@ -6996,11 +6320,6 @@
                         </a:solidFill>
                       </a:tcPr>
                     </a:tc>
-                    <a:extLst>
-                      <a:ext uri="{0D108BD9-81ED-4DB2-BD59-A6C34878D82A}">
-                        <a16:rowId xmlns:a16="http://schemas.microsoft.com/office/drawing/2014/main" val="10003"/>
-                      </a:ext>
-                    </a:extLst>
                   </a:tr>
                   <a:tr h="494099">
                     <a:tc>
@@ -7359,11 +6678,6 @@
                         </a:solidFill>
                       </a:tcPr>
                     </a:tc>
-                    <a:extLst>
-                      <a:ext uri="{0D108BD9-81ED-4DB2-BD59-A6C34878D82A}">
-                        <a16:rowId xmlns:a16="http://schemas.microsoft.com/office/drawing/2014/main" val="10004"/>
-                      </a:ext>
-                    </a:extLst>
                   </a:tr>
                   <a:tr h="494099">
                     <a:tc>
@@ -7722,11 +7036,6 @@
                         </a:solidFill>
                       </a:tcPr>
                     </a:tc>
-                    <a:extLst>
-                      <a:ext uri="{0D108BD9-81ED-4DB2-BD59-A6C34878D82A}">
-                        <a16:rowId xmlns:a16="http://schemas.microsoft.com/office/drawing/2014/main" val="10005"/>
-                      </a:ext>
-                    </a:extLst>
                   </a:tr>
                   <a:tr h="494099">
                     <a:tc>
@@ -8085,11 +7394,6 @@
                         </a:solidFill>
                       </a:tcPr>
                     </a:tc>
-                    <a:extLst>
-                      <a:ext uri="{0D108BD9-81ED-4DB2-BD59-A6C34878D82A}">
-                        <a16:rowId xmlns:a16="http://schemas.microsoft.com/office/drawing/2014/main" val="10006"/>
-                      </a:ext>
-                    </a:extLst>
                   </a:tr>
                 </a:tbl>
               </a:graphicData>
@@ -8551,7 +7855,7 @@
                           </a:solidFill>
                         </a:lnB>
                         <a:blipFill>
-                          <a:blip r:embed="rId3"/>
+                          <a:blip r:embed="rId2"/>
                         </a:blipFill>
                       </a:tcPr>
                     </a:tc>
@@ -8810,7 +8114,7 @@
                           </a:solidFill>
                         </a:lnB>
                         <a:blipFill>
-                          <a:blip r:embed="rId3"/>
+                          <a:blip r:embed="rId2"/>
                         </a:blipFill>
                       </a:tcPr>
                     </a:tc>
@@ -9057,7 +8361,7 @@
                           </a:solidFill>
                         </a:lnB>
                         <a:blipFill>
-                          <a:blip r:embed="rId3"/>
+                          <a:blip r:embed="rId2"/>
                         </a:blipFill>
                       </a:tcPr>
                     </a:tc>
@@ -9304,7 +8608,7 @@
                           </a:solidFill>
                         </a:lnB>
                         <a:blipFill>
-                          <a:blip r:embed="rId3"/>
+                          <a:blip r:embed="rId2"/>
                         </a:blipFill>
                       </a:tcPr>
                     </a:tc>
@@ -9551,7 +8855,7 @@
                           </a:solidFill>
                         </a:lnB>
                         <a:blipFill>
-                          <a:blip r:embed="rId3"/>
+                          <a:blip r:embed="rId2"/>
                         </a:blipFill>
                       </a:tcPr>
                     </a:tc>
@@ -9798,7 +9102,7 @@
                           </a:solidFill>
                         </a:lnB>
                         <a:blipFill>
-                          <a:blip r:embed="rId3"/>
+                          <a:blip r:embed="rId2"/>
                         </a:blipFill>
                       </a:tcPr>
                     </a:tc>
@@ -10017,6 +9321,7 @@
               <a:rPr lang="en-US" altLang="zh-CN" sz="2000" dirty="0"/>
               <a:t>224-bit</a:t>
             </a:r>
+            <a:endParaRPr lang="en-US" altLang="zh-CN" sz="2000" dirty="0"/>
           </a:p>
           <a:p>
             <a:pPr marL="342900" indent="-342900">
@@ -10067,18 +9372,18 @@
   <p:clrMapOvr>
     <a:masterClrMapping/>
   </p:clrMapOvr>
-  <mc:AlternateContent xmlns:mc="http://schemas.openxmlformats.org/markup-compatibility/2006" xmlns:p14="http://schemas.microsoft.com/office/powerpoint/2010/main">
-    <mc:Choice Requires="p14">
+  <mc:AlternateContent xmlns:mc="http://schemas.openxmlformats.org/markup-compatibility/2006">
+    <mc:Choice xmlns:p14="http://schemas.microsoft.com/office/powerpoint/2010/main" Requires="p14">
       <p:transition p14:dur="0" advClick="0"/>
     </mc:Choice>
-    <mc:Fallback xmlns="">
+    <mc:Fallback>
       <p:transition advClick="0"/>
     </mc:Fallback>
   </mc:AlternateContent>
 </p:sld>
 </file>
 
-<file path=ppt/slides/slide5.xml><?xml version="1.0" encoding="utf-8"?>
+<file path=ppt/slides/slide4.xml><?xml version="1.0" encoding="utf-8"?>
 <p:sld xmlns:a="http://schemas.openxmlformats.org/drawingml/2006/main" xmlns:r="http://schemas.openxmlformats.org/officeDocument/2006/relationships" xmlns:p="http://schemas.openxmlformats.org/presentationml/2006/main">
   <p:cSld>
     <p:spTree>
@@ -10199,11 +9504,27 @@
               </a:rPr>
               <a:t>SHA-2</a:t>
             </a:r>
+            <a:endParaRPr lang="en-US" altLang="zh-CN" sz="3200" spc="0" dirty="0">
+              <a:solidFill>
+                <a:schemeClr val="tx1"/>
+              </a:solidFill>
+              <a:effectLst>
+                <a:outerShdw blurRad="38100" dist="38100" dir="2700000" algn="tl">
+                  <a:srgbClr val="000000">
+                    <a:alpha val="43137"/>
+                  </a:srgbClr>
+                </a:outerShdw>
+              </a:effectLst>
+              <a:latin typeface="Arial" panose="020B0604020202020204" pitchFamily="34" charset="0"/>
+              <a:ea typeface="黑体" panose="02010609060101010101" pitchFamily="49" charset="-122"/>
+              <a:cs typeface="Times New Roman" panose="02020603050405020304" pitchFamily="18" charset="0"/>
+              <a:sym typeface="+mn-ea"/>
+            </a:endParaRPr>
           </a:p>
         </p:txBody>
       </p:sp>
-      <mc:AlternateContent xmlns:mc="http://schemas.openxmlformats.org/markup-compatibility/2006" xmlns:a14="http://schemas.microsoft.com/office/drawing/2010/main">
-        <mc:Choice Requires="a14">
+      <mc:AlternateContent xmlns:mc="http://schemas.openxmlformats.org/markup-compatibility/2006">
+        <mc:Choice xmlns:a14="http://schemas.microsoft.com/office/drawing/2010/main" Requires="a14">
           <p:sp>
             <p:nvSpPr>
               <p:cNvPr id="26" name="文本框 25"/>
@@ -10336,7 +9657,7 @@
             </p:txBody>
           </p:sp>
         </mc:Choice>
-        <mc:Fallback xmlns="">
+        <mc:Fallback>
           <p:sp>
             <p:nvSpPr>
               <p:cNvPr id="26" name="文本框 25"/>
@@ -10354,7 +9675,7 @@
                 <a:avLst/>
               </a:prstGeom>
               <a:blipFill rotWithShape="1">
-                <a:blip r:embed="rId3"/>
+                <a:blip r:embed="rId2"/>
                 <a:stretch>
                   <a:fillRect l="-3" t="-89" r="2" b="-7034"/>
                 </a:stretch>
@@ -10409,6 +9730,7 @@
               <a:rPr lang="zh-CN" altLang="en-US" sz="2000" dirty="0"/>
               <a:t>的倍数</a:t>
             </a:r>
+            <a:endParaRPr lang="zh-CN" altLang="en-US" sz="2000" dirty="0"/>
           </a:p>
         </p:txBody>
       </p:sp>
@@ -10426,8 +9748,8 @@
             <a:chExt cx="7597698" cy="869429"/>
           </a:xfrm>
         </p:grpSpPr>
-        <mc:AlternateContent xmlns:mc="http://schemas.openxmlformats.org/markup-compatibility/2006" xmlns:a14="http://schemas.microsoft.com/office/drawing/2010/main">
-          <mc:Choice Requires="a14">
+        <mc:AlternateContent xmlns:mc="http://schemas.openxmlformats.org/markup-compatibility/2006">
+          <mc:Choice xmlns:a14="http://schemas.microsoft.com/office/drawing/2010/main" Requires="a14">
             <p:sp>
               <p:nvSpPr>
                 <p:cNvPr id="31" name="矩形 30"/>
@@ -10491,7 +9813,7 @@
               </p:txBody>
             </p:sp>
           </mc:Choice>
-          <mc:Fallback xmlns="">
+          <mc:Fallback>
             <p:sp>
               <p:nvSpPr>
                 <p:cNvPr id="31" name="矩形 30"/>
@@ -10509,7 +9831,7 @@
                   <a:avLst/>
                 </a:prstGeom>
                 <a:blipFill rotWithShape="1">
-                  <a:blip r:embed="rId4"/>
+                  <a:blip r:embed="rId3"/>
                 </a:blipFill>
                 <a:ln w="12700" cap="flat" cmpd="sng" algn="ctr">
                   <a:solidFill>
@@ -10535,8 +9857,8 @@
             </p:sp>
           </mc:Fallback>
         </mc:AlternateContent>
-        <mc:AlternateContent xmlns:mc="http://schemas.openxmlformats.org/markup-compatibility/2006" xmlns:a14="http://schemas.microsoft.com/office/drawing/2010/main">
-          <mc:Choice Requires="a14">
+        <mc:AlternateContent xmlns:mc="http://schemas.openxmlformats.org/markup-compatibility/2006">
+          <mc:Choice xmlns:a14="http://schemas.microsoft.com/office/drawing/2010/main" Requires="a14">
             <p:sp>
               <p:nvSpPr>
                 <p:cNvPr id="32" name="矩形 31"/>
@@ -10600,7 +9922,7 @@
               </p:txBody>
             </p:sp>
           </mc:Choice>
-          <mc:Fallback xmlns="">
+          <mc:Fallback>
             <p:sp>
               <p:nvSpPr>
                 <p:cNvPr id="32" name="矩形 31"/>
@@ -10618,7 +9940,7 @@
                   <a:avLst/>
                 </a:prstGeom>
                 <a:blipFill rotWithShape="1">
-                  <a:blip r:embed="rId5"/>
+                  <a:blip r:embed="rId4"/>
                 </a:blipFill>
                 <a:ln w="12700" cap="flat" cmpd="sng" algn="ctr">
                   <a:solidFill>
@@ -10644,8 +9966,8 @@
             </p:sp>
           </mc:Fallback>
         </mc:AlternateContent>
-        <mc:AlternateContent xmlns:mc="http://schemas.openxmlformats.org/markup-compatibility/2006" xmlns:a14="http://schemas.microsoft.com/office/drawing/2010/main">
-          <mc:Choice Requires="a14">
+        <mc:AlternateContent xmlns:mc="http://schemas.openxmlformats.org/markup-compatibility/2006">
+          <mc:Choice xmlns:a14="http://schemas.microsoft.com/office/drawing/2010/main" Requires="a14">
             <p:sp>
               <p:nvSpPr>
                 <p:cNvPr id="33" name="矩形 32"/>
@@ -10693,7 +10015,25 @@
                             </a:solidFill>
                             <a:latin typeface="Cambria Math" panose="02040503050406030204" pitchFamily="18" charset="0"/>
                           </a:rPr>
-                          <m:t>00⋯00</m:t>
+                          <m:t>00</m:t>
+                        </m:r>
+                        <m:r>
+                          <a:rPr lang="en-US" altLang="zh-CN" sz="2000" b="0" i="1" smtClean="0">
+                            <a:solidFill>
+                              <a:sysClr val="windowText" lastClr="000000"/>
+                            </a:solidFill>
+                            <a:latin typeface="Cambria Math" panose="02040503050406030204" pitchFamily="18" charset="0"/>
+                          </a:rPr>
+                          <m:t>⋯</m:t>
+                        </m:r>
+                        <m:r>
+                          <a:rPr lang="en-US" altLang="zh-CN" sz="2000" b="0" i="1" smtClean="0">
+                            <a:solidFill>
+                              <a:sysClr val="windowText" lastClr="000000"/>
+                            </a:solidFill>
+                            <a:latin typeface="Cambria Math" panose="02040503050406030204" pitchFamily="18" charset="0"/>
+                          </a:rPr>
+                          <m:t>00</m:t>
                         </m:r>
                       </m:oMath>
                     </m:oMathPara>
@@ -10709,7 +10049,7 @@
               </p:txBody>
             </p:sp>
           </mc:Choice>
-          <mc:Fallback xmlns="">
+          <mc:Fallback>
             <p:sp>
               <p:nvSpPr>
                 <p:cNvPr id="33" name="矩形 32"/>
@@ -10727,7 +10067,7 @@
                   <a:avLst/>
                 </a:prstGeom>
                 <a:blipFill rotWithShape="1">
-                  <a:blip r:embed="rId6"/>
+                  <a:blip r:embed="rId5"/>
                 </a:blipFill>
                 <a:ln w="12700" cap="flat" cmpd="sng" algn="ctr">
                   <a:solidFill>
@@ -10753,8 +10093,8 @@
             </p:sp>
           </mc:Fallback>
         </mc:AlternateContent>
-        <mc:AlternateContent xmlns:mc="http://schemas.openxmlformats.org/markup-compatibility/2006" xmlns:a14="http://schemas.microsoft.com/office/drawing/2010/main">
-          <mc:Choice Requires="a14">
+        <mc:AlternateContent xmlns:mc="http://schemas.openxmlformats.org/markup-compatibility/2006">
+          <mc:Choice xmlns:a14="http://schemas.microsoft.com/office/drawing/2010/main" Requires="a14">
             <p:sp>
               <p:nvSpPr>
                 <p:cNvPr id="34" name="矩形 33"/>
@@ -10874,7 +10214,7 @@
               </p:txBody>
             </p:sp>
           </mc:Choice>
-          <mc:Fallback xmlns="">
+          <mc:Fallback>
             <p:sp>
               <p:nvSpPr>
                 <p:cNvPr id="34" name="矩形 33"/>
@@ -10892,7 +10232,7 @@
                   <a:avLst/>
                 </a:prstGeom>
                 <a:blipFill rotWithShape="1">
-                  <a:blip r:embed="rId7"/>
+                  <a:blip r:embed="rId6"/>
                 </a:blipFill>
                 <a:ln w="12700" cap="flat" cmpd="sng" algn="ctr">
                   <a:solidFill>
@@ -11067,6 +10407,7 @@
               <a:rPr lang="zh-CN" altLang="en-US" sz="2000" dirty="0"/>
               <a:t>的倍数</a:t>
             </a:r>
+            <a:endParaRPr lang="zh-CN" altLang="en-US" sz="2000" dirty="0"/>
           </a:p>
         </p:txBody>
       </p:sp>
@@ -11084,8 +10425,8 @@
             <a:chExt cx="7597698" cy="869429"/>
           </a:xfrm>
         </p:grpSpPr>
-        <mc:AlternateContent xmlns:mc="http://schemas.openxmlformats.org/markup-compatibility/2006" xmlns:a14="http://schemas.microsoft.com/office/drawing/2010/main">
-          <mc:Choice Requires="a14">
+        <mc:AlternateContent xmlns:mc="http://schemas.openxmlformats.org/markup-compatibility/2006">
+          <mc:Choice xmlns:a14="http://schemas.microsoft.com/office/drawing/2010/main" Requires="a14">
             <p:sp>
               <p:nvSpPr>
                 <p:cNvPr id="40" name="矩形 39"/>
@@ -11149,7 +10490,7 @@
               </p:txBody>
             </p:sp>
           </mc:Choice>
-          <mc:Fallback xmlns="">
+          <mc:Fallback>
             <p:sp>
               <p:nvSpPr>
                 <p:cNvPr id="40" name="矩形 39"/>
@@ -11167,7 +10508,7 @@
                   <a:avLst/>
                 </a:prstGeom>
                 <a:blipFill rotWithShape="1">
-                  <a:blip r:embed="rId8"/>
+                  <a:blip r:embed="rId7"/>
                 </a:blipFill>
                 <a:ln w="12700" cap="flat" cmpd="sng" algn="ctr">
                   <a:solidFill>
@@ -11193,8 +10534,8 @@
             </p:sp>
           </mc:Fallback>
         </mc:AlternateContent>
-        <mc:AlternateContent xmlns:mc="http://schemas.openxmlformats.org/markup-compatibility/2006" xmlns:a14="http://schemas.microsoft.com/office/drawing/2010/main">
-          <mc:Choice Requires="a14">
+        <mc:AlternateContent xmlns:mc="http://schemas.openxmlformats.org/markup-compatibility/2006">
+          <mc:Choice xmlns:a14="http://schemas.microsoft.com/office/drawing/2010/main" Requires="a14">
             <p:sp>
               <p:nvSpPr>
                 <p:cNvPr id="41" name="矩形 40"/>
@@ -11258,7 +10599,7 @@
               </p:txBody>
             </p:sp>
           </mc:Choice>
-          <mc:Fallback xmlns="">
+          <mc:Fallback>
             <p:sp>
               <p:nvSpPr>
                 <p:cNvPr id="41" name="矩形 40"/>
@@ -11276,7 +10617,7 @@
                   <a:avLst/>
                 </a:prstGeom>
                 <a:blipFill rotWithShape="1">
-                  <a:blip r:embed="rId9"/>
+                  <a:blip r:embed="rId8"/>
                 </a:blipFill>
                 <a:ln w="12700" cap="flat" cmpd="sng" algn="ctr">
                   <a:solidFill>
@@ -11302,8 +10643,8 @@
             </p:sp>
           </mc:Fallback>
         </mc:AlternateContent>
-        <mc:AlternateContent xmlns:mc="http://schemas.openxmlformats.org/markup-compatibility/2006" xmlns:a14="http://schemas.microsoft.com/office/drawing/2010/main">
-          <mc:Choice Requires="a14">
+        <mc:AlternateContent xmlns:mc="http://schemas.openxmlformats.org/markup-compatibility/2006">
+          <mc:Choice xmlns:a14="http://schemas.microsoft.com/office/drawing/2010/main" Requires="a14">
             <p:sp>
               <p:nvSpPr>
                 <p:cNvPr id="42" name="矩形 41"/>
@@ -11351,7 +10692,25 @@
                             </a:solidFill>
                             <a:latin typeface="Cambria Math" panose="02040503050406030204" pitchFamily="18" charset="0"/>
                           </a:rPr>
-                          <m:t>00⋯00</m:t>
+                          <m:t>00</m:t>
+                        </m:r>
+                        <m:r>
+                          <a:rPr lang="en-US" altLang="zh-CN" sz="2000" b="0" i="1" smtClean="0">
+                            <a:solidFill>
+                              <a:sysClr val="windowText" lastClr="000000"/>
+                            </a:solidFill>
+                            <a:latin typeface="Cambria Math" panose="02040503050406030204" pitchFamily="18" charset="0"/>
+                          </a:rPr>
+                          <m:t>⋯</m:t>
+                        </m:r>
+                        <m:r>
+                          <a:rPr lang="en-US" altLang="zh-CN" sz="2000" b="0" i="1" smtClean="0">
+                            <a:solidFill>
+                              <a:sysClr val="windowText" lastClr="000000"/>
+                            </a:solidFill>
+                            <a:latin typeface="Cambria Math" panose="02040503050406030204" pitchFamily="18" charset="0"/>
+                          </a:rPr>
+                          <m:t>00</m:t>
                         </m:r>
                       </m:oMath>
                     </m:oMathPara>
@@ -11367,7 +10726,7 @@
               </p:txBody>
             </p:sp>
           </mc:Choice>
-          <mc:Fallback xmlns="">
+          <mc:Fallback>
             <p:sp>
               <p:nvSpPr>
                 <p:cNvPr id="42" name="矩形 41"/>
@@ -11385,7 +10744,7 @@
                   <a:avLst/>
                 </a:prstGeom>
                 <a:blipFill rotWithShape="1">
-                  <a:blip r:embed="rId10"/>
+                  <a:blip r:embed="rId9"/>
                 </a:blipFill>
                 <a:ln w="12700" cap="flat" cmpd="sng" algn="ctr">
                   <a:solidFill>
@@ -11411,8 +10770,8 @@
             </p:sp>
           </mc:Fallback>
         </mc:AlternateContent>
-        <mc:AlternateContent xmlns:mc="http://schemas.openxmlformats.org/markup-compatibility/2006" xmlns:a14="http://schemas.microsoft.com/office/drawing/2010/main">
-          <mc:Choice Requires="a14">
+        <mc:AlternateContent xmlns:mc="http://schemas.openxmlformats.org/markup-compatibility/2006">
+          <mc:Choice xmlns:a14="http://schemas.microsoft.com/office/drawing/2010/main" Requires="a14">
             <p:sp>
               <p:nvSpPr>
                 <p:cNvPr id="43" name="矩形 42"/>
@@ -11532,7 +10891,7 @@
               </p:txBody>
             </p:sp>
           </mc:Choice>
-          <mc:Fallback xmlns="">
+          <mc:Fallback>
             <p:sp>
               <p:nvSpPr>
                 <p:cNvPr id="43" name="矩形 42"/>
@@ -11550,7 +10909,7 @@
                   <a:avLst/>
                 </a:prstGeom>
                 <a:blipFill rotWithShape="1">
-                  <a:blip r:embed="rId11"/>
+                  <a:blip r:embed="rId10"/>
                 </a:blipFill>
                 <a:ln w="12700" cap="flat" cmpd="sng" algn="ctr">
                   <a:solidFill>
@@ -11751,8 +11110,8 @@
           </a:p>
         </p:txBody>
       </p:sp>
-      <mc:AlternateContent xmlns:mc="http://schemas.openxmlformats.org/markup-compatibility/2006" xmlns:a14="http://schemas.microsoft.com/office/drawing/2010/main">
-        <mc:Choice Requires="a14">
+      <mc:AlternateContent xmlns:mc="http://schemas.openxmlformats.org/markup-compatibility/2006">
+        <mc:Choice xmlns:a14="http://schemas.microsoft.com/office/drawing/2010/main" Requires="a14">
           <p:sp>
             <p:nvSpPr>
               <p:cNvPr id="49" name="文本框 48"/>
@@ -12151,7 +11510,7 @@
             </p:txBody>
           </p:sp>
         </mc:Choice>
-        <mc:Fallback xmlns="">
+        <mc:Fallback>
           <p:sp>
             <p:nvSpPr>
               <p:cNvPr id="49" name="文本框 48"/>
@@ -12169,7 +11528,7 @@
                 <a:avLst/>
               </a:prstGeom>
               <a:blipFill rotWithShape="1">
-                <a:blip r:embed="rId12"/>
+                <a:blip r:embed="rId11"/>
                 <a:stretch>
                   <a:fillRect l="-6" t="-20" r="1" b="26"/>
                 </a:stretch>
@@ -12195,18 +11554,18 @@
   <p:clrMapOvr>
     <a:masterClrMapping/>
   </p:clrMapOvr>
-  <mc:AlternateContent xmlns:mc="http://schemas.openxmlformats.org/markup-compatibility/2006" xmlns:p14="http://schemas.microsoft.com/office/powerpoint/2010/main">
-    <mc:Choice Requires="p14">
+  <mc:AlternateContent xmlns:mc="http://schemas.openxmlformats.org/markup-compatibility/2006">
+    <mc:Choice xmlns:p14="http://schemas.microsoft.com/office/powerpoint/2010/main" Requires="p14">
       <p:transition p14:dur="0" advClick="0"/>
     </mc:Choice>
-    <mc:Fallback xmlns="">
+    <mc:Fallback>
       <p:transition advClick="0"/>
     </mc:Fallback>
   </mc:AlternateContent>
 </p:sld>
 </file>
 
-<file path=ppt/slides/slide6.xml><?xml version="1.0" encoding="utf-8"?>
+<file path=ppt/slides/slide5.xml><?xml version="1.0" encoding="utf-8"?>
 <p:sld xmlns:a="http://schemas.openxmlformats.org/drawingml/2006/main" xmlns:r="http://schemas.openxmlformats.org/officeDocument/2006/relationships" xmlns:p="http://schemas.openxmlformats.org/presentationml/2006/main">
   <p:cSld>
     <p:spTree>
@@ -12327,6 +11686,22 @@
               </a:rPr>
               <a:t>SHA-2</a:t>
             </a:r>
+            <a:endParaRPr lang="en-US" altLang="zh-CN" sz="3200" spc="0" dirty="0">
+              <a:solidFill>
+                <a:schemeClr val="tx1"/>
+              </a:solidFill>
+              <a:effectLst>
+                <a:outerShdw blurRad="38100" dist="38100" dir="2700000" algn="tl">
+                  <a:srgbClr val="000000">
+                    <a:alpha val="43137"/>
+                  </a:srgbClr>
+                </a:outerShdw>
+              </a:effectLst>
+              <a:latin typeface="Arial" panose="020B0604020202020204" pitchFamily="34" charset="0"/>
+              <a:ea typeface="黑体" panose="02010609060101010101" pitchFamily="49" charset="-122"/>
+              <a:cs typeface="Times New Roman" panose="02020603050405020304" pitchFamily="18" charset="0"/>
+              <a:sym typeface="+mn-ea"/>
+            </a:endParaRPr>
           </a:p>
         </p:txBody>
       </p:sp>
@@ -12402,8 +11777,8 @@
           </a:p>
         </p:txBody>
       </p:sp>
-      <mc:AlternateContent xmlns:mc="http://schemas.openxmlformats.org/markup-compatibility/2006" xmlns:a14="http://schemas.microsoft.com/office/drawing/2010/main">
-        <mc:Choice Requires="a14">
+      <mc:AlternateContent xmlns:mc="http://schemas.openxmlformats.org/markup-compatibility/2006">
+        <mc:Choice xmlns:a14="http://schemas.microsoft.com/office/drawing/2010/main" Requires="a14">
           <p:sp>
             <p:nvSpPr>
               <p:cNvPr id="4" name="文本框 3"/>
@@ -12596,7 +11971,14 @@
                         <a:latin typeface="Cambria Math" panose="02040503050406030204" pitchFamily="18" charset="0"/>
                         <a:cs typeface="Times New Roman" panose="02020603050405020304" pitchFamily="18" charset="0"/>
                       </a:rPr>
-                      <m:t>0≤</m:t>
+                      <m:t>0</m:t>
+                    </m:r>
+                    <m:r>
+                      <a:rPr lang="en-US" altLang="zh-CN" sz="2000" b="0" i="1" smtClean="0">
+                        <a:latin typeface="Cambria Math" panose="02040503050406030204" pitchFamily="18" charset="0"/>
+                        <a:cs typeface="Times New Roman" panose="02020603050405020304" pitchFamily="18" charset="0"/>
+                      </a:rPr>
+                      <m:t>≤</m:t>
                     </m:r>
                     <m:r>
                       <a:rPr lang="en-US" altLang="zh-CN" sz="2000" b="0" i="1" smtClean="0">
@@ -12610,7 +11992,14 @@
                         <a:latin typeface="Cambria Math" panose="02040503050406030204" pitchFamily="18" charset="0"/>
                         <a:cs typeface="Times New Roman" panose="02020603050405020304" pitchFamily="18" charset="0"/>
                       </a:rPr>
-                      <m:t>≤15</m:t>
+                      <m:t>≤</m:t>
+                    </m:r>
+                    <m:r>
+                      <a:rPr lang="en-US" altLang="zh-CN" sz="2000" b="0" i="1" smtClean="0">
+                        <a:latin typeface="Cambria Math" panose="02040503050406030204" pitchFamily="18" charset="0"/>
+                        <a:cs typeface="Times New Roman" panose="02020603050405020304" pitchFamily="18" charset="0"/>
+                      </a:rPr>
+                      <m:t>15</m:t>
                     </m:r>
                   </m:oMath>
                 </a14:m>
@@ -12713,7 +12102,21 @@
                             <a:latin typeface="Cambria Math" panose="02040503050406030204" pitchFamily="18" charset="0"/>
                             <a:cs typeface="Times New Roman" panose="02020603050405020304" pitchFamily="18" charset="0"/>
                           </a:rPr>
-                          <m:t>{256}</m:t>
+                          <m:t>{</m:t>
+                        </m:r>
+                        <m:r>
+                          <a:rPr lang="en-US" altLang="zh-CN" sz="2000" i="1">
+                            <a:latin typeface="Cambria Math" panose="02040503050406030204" pitchFamily="18" charset="0"/>
+                            <a:cs typeface="Times New Roman" panose="02020603050405020304" pitchFamily="18" charset="0"/>
+                          </a:rPr>
+                          <m:t>256</m:t>
+                        </m:r>
+                        <m:r>
+                          <a:rPr lang="en-US" altLang="zh-CN" sz="2000" i="1">
+                            <a:latin typeface="Cambria Math" panose="02040503050406030204" pitchFamily="18" charset="0"/>
+                            <a:cs typeface="Times New Roman" panose="02020603050405020304" pitchFamily="18" charset="0"/>
+                          </a:rPr>
+                          <m:t>}</m:t>
                         </m:r>
                       </m:sup>
                     </m:sSubSup>
@@ -12754,7 +12157,14 @@
                             <a:latin typeface="Cambria Math" panose="02040503050406030204" pitchFamily="18" charset="0"/>
                             <a:cs typeface="Times New Roman" panose="02020603050405020304" pitchFamily="18" charset="0"/>
                           </a:rPr>
-                          <m:t>−2</m:t>
+                          <m:t>−</m:t>
+                        </m:r>
+                        <m:r>
+                          <a:rPr lang="en-US" altLang="zh-CN" sz="2000" i="1">
+                            <a:latin typeface="Cambria Math" panose="02040503050406030204" pitchFamily="18" charset="0"/>
+                            <a:cs typeface="Times New Roman" panose="02020603050405020304" pitchFamily="18" charset="0"/>
+                          </a:rPr>
+                          <m:t>2</m:t>
                         </m:r>
                       </m:sub>
                     </m:sSub>
@@ -12795,7 +12205,14 @@
                             <a:latin typeface="Cambria Math" panose="02040503050406030204" pitchFamily="18" charset="0"/>
                             <a:cs typeface="Times New Roman" panose="02020603050405020304" pitchFamily="18" charset="0"/>
                           </a:rPr>
-                          <m:t>−7</m:t>
+                          <m:t>−</m:t>
+                        </m:r>
+                        <m:r>
+                          <a:rPr lang="en-US" altLang="zh-CN" sz="2000" i="1">
+                            <a:latin typeface="Cambria Math" panose="02040503050406030204" pitchFamily="18" charset="0"/>
+                            <a:cs typeface="Times New Roman" panose="02020603050405020304" pitchFamily="18" charset="0"/>
+                          </a:rPr>
+                          <m:t>7</m:t>
                         </m:r>
                       </m:sub>
                     </m:sSub>
@@ -12838,7 +12255,21 @@
                             <a:latin typeface="Cambria Math" panose="02040503050406030204" pitchFamily="18" charset="0"/>
                             <a:cs typeface="Times New Roman" panose="02020603050405020304" pitchFamily="18" charset="0"/>
                           </a:rPr>
-                          <m:t>{256}</m:t>
+                          <m:t>{</m:t>
+                        </m:r>
+                        <m:r>
+                          <a:rPr lang="en-US" altLang="zh-CN" sz="2000" i="1">
+                            <a:latin typeface="Cambria Math" panose="02040503050406030204" pitchFamily="18" charset="0"/>
+                            <a:cs typeface="Times New Roman" panose="02020603050405020304" pitchFamily="18" charset="0"/>
+                          </a:rPr>
+                          <m:t>256</m:t>
+                        </m:r>
+                        <m:r>
+                          <a:rPr lang="en-US" altLang="zh-CN" sz="2000" i="1">
+                            <a:latin typeface="Cambria Math" panose="02040503050406030204" pitchFamily="18" charset="0"/>
+                            <a:cs typeface="Times New Roman" panose="02020603050405020304" pitchFamily="18" charset="0"/>
+                          </a:rPr>
+                          <m:t>}</m:t>
                         </m:r>
                       </m:sup>
                     </m:sSubSup>
@@ -12879,7 +12310,14 @@
                             <a:latin typeface="Cambria Math" panose="02040503050406030204" pitchFamily="18" charset="0"/>
                             <a:cs typeface="Times New Roman" panose="02020603050405020304" pitchFamily="18" charset="0"/>
                           </a:rPr>
-                          <m:t>−15</m:t>
+                          <m:t>−</m:t>
+                        </m:r>
+                        <m:r>
+                          <a:rPr lang="en-US" altLang="zh-CN" sz="2000" i="1">
+                            <a:latin typeface="Cambria Math" panose="02040503050406030204" pitchFamily="18" charset="0"/>
+                            <a:cs typeface="Times New Roman" panose="02020603050405020304" pitchFamily="18" charset="0"/>
+                          </a:rPr>
+                          <m:t>15</m:t>
                         </m:r>
                       </m:sub>
                     </m:sSub>
@@ -12920,7 +12358,14 @@
                             <a:latin typeface="Cambria Math" panose="02040503050406030204" pitchFamily="18" charset="0"/>
                             <a:cs typeface="Times New Roman" panose="02020603050405020304" pitchFamily="18" charset="0"/>
                           </a:rPr>
-                          <m:t>−16</m:t>
+                          <m:t>−</m:t>
+                        </m:r>
+                        <m:r>
+                          <a:rPr lang="en-US" altLang="zh-CN" sz="2000" i="1">
+                            <a:latin typeface="Cambria Math" panose="02040503050406030204" pitchFamily="18" charset="0"/>
+                            <a:cs typeface="Times New Roman" panose="02020603050405020304" pitchFamily="18" charset="0"/>
+                          </a:rPr>
+                          <m:t>16</m:t>
                         </m:r>
                       </m:sub>
                     </m:sSub>
@@ -12960,7 +12405,14 @@
                         <a:latin typeface="Cambria Math" panose="02040503050406030204" pitchFamily="18" charset="0"/>
                         <a:cs typeface="Times New Roman" panose="02020603050405020304" pitchFamily="18" charset="0"/>
                       </a:rPr>
-                      <m:t>≤63</m:t>
+                      <m:t>≤</m:t>
+                    </m:r>
+                    <m:r>
+                      <a:rPr lang="en-US" altLang="zh-CN" sz="2000" i="1">
+                        <a:latin typeface="Cambria Math" panose="02040503050406030204" pitchFamily="18" charset="0"/>
+                        <a:cs typeface="Times New Roman" panose="02020603050405020304" pitchFamily="18" charset="0"/>
+                      </a:rPr>
+                      <m:t>63</m:t>
                     </m:r>
                   </m:oMath>
                 </a14:m>
@@ -12971,7 +12423,7 @@
             </p:txBody>
           </p:sp>
         </mc:Choice>
-        <mc:Fallback xmlns="">
+        <mc:Fallback>
           <p:sp>
             <p:nvSpPr>
               <p:cNvPr id="4" name="文本框 3"/>
@@ -12989,7 +12441,7 @@
                 <a:avLst/>
               </a:prstGeom>
               <a:blipFill rotWithShape="1">
-                <a:blip r:embed="rId3"/>
+                <a:blip r:embed="rId2"/>
                 <a:stretch>
                   <a:fillRect l="-1" t="-14" r="5" b="21"/>
                 </a:stretch>
@@ -13010,8 +12462,8 @@
           </p:sp>
         </mc:Fallback>
       </mc:AlternateContent>
-      <mc:AlternateContent xmlns:mc="http://schemas.openxmlformats.org/markup-compatibility/2006" xmlns:a14="http://schemas.microsoft.com/office/drawing/2010/main">
-        <mc:Choice Requires="a14">
+      <mc:AlternateContent xmlns:mc="http://schemas.openxmlformats.org/markup-compatibility/2006">
+        <mc:Choice xmlns:a14="http://schemas.microsoft.com/office/drawing/2010/main" Requires="a14">
           <p:sp>
             <p:nvSpPr>
               <p:cNvPr id="8" name="文本框 7"/>
@@ -13544,7 +12996,7 @@
             </p:txBody>
           </p:sp>
         </mc:Choice>
-        <mc:Fallback xmlns="">
+        <mc:Fallback>
           <p:sp>
             <p:nvSpPr>
               <p:cNvPr id="8" name="文本框 7"/>
@@ -13562,7 +13014,7 @@
                 <a:avLst/>
               </a:prstGeom>
               <a:blipFill rotWithShape="1">
-                <a:blip r:embed="rId4"/>
+                <a:blip r:embed="rId3"/>
                 <a:stretch>
                   <a:fillRect l="-7" t="-15" r="1" b="10"/>
                 </a:stretch>
@@ -13778,18 +13230,18 @@
   <p:clrMapOvr>
     <a:masterClrMapping/>
   </p:clrMapOvr>
-  <mc:AlternateContent xmlns:mc="http://schemas.openxmlformats.org/markup-compatibility/2006" xmlns:p14="http://schemas.microsoft.com/office/powerpoint/2010/main">
-    <mc:Choice Requires="p14">
+  <mc:AlternateContent xmlns:mc="http://schemas.openxmlformats.org/markup-compatibility/2006">
+    <mc:Choice xmlns:p14="http://schemas.microsoft.com/office/powerpoint/2010/main" Requires="p14">
       <p:transition p14:dur="0" advClick="0"/>
     </mc:Choice>
-    <mc:Fallback xmlns="">
+    <mc:Fallback>
       <p:transition advClick="0"/>
     </mc:Fallback>
   </mc:AlternateContent>
 </p:sld>
 </file>
 
-<file path=ppt/slides/slide7.xml><?xml version="1.0" encoding="utf-8"?>
+<file path=ppt/slides/slide6.xml><?xml version="1.0" encoding="utf-8"?>
 <p:sld xmlns:a="http://schemas.openxmlformats.org/drawingml/2006/main" xmlns:r="http://schemas.openxmlformats.org/officeDocument/2006/relationships" xmlns:p="http://schemas.openxmlformats.org/presentationml/2006/main">
   <p:cSld>
     <p:spTree>
@@ -13910,6 +13362,22 @@
               </a:rPr>
               <a:t>SHA-2</a:t>
             </a:r>
+            <a:endParaRPr lang="en-US" altLang="zh-CN" sz="3200" spc="0" dirty="0">
+              <a:solidFill>
+                <a:schemeClr val="tx1"/>
+              </a:solidFill>
+              <a:effectLst>
+                <a:outerShdw blurRad="38100" dist="38100" dir="2700000" algn="tl">
+                  <a:srgbClr val="000000">
+                    <a:alpha val="43137"/>
+                  </a:srgbClr>
+                </a:outerShdw>
+              </a:effectLst>
+              <a:latin typeface="Arial" panose="020B0604020202020204" pitchFamily="34" charset="0"/>
+              <a:ea typeface="黑体" panose="02010609060101010101" pitchFamily="49" charset="-122"/>
+              <a:cs typeface="Times New Roman" panose="02020603050405020304" pitchFamily="18" charset="0"/>
+              <a:sym typeface="+mn-ea"/>
+            </a:endParaRPr>
           </a:p>
         </p:txBody>
       </p:sp>
@@ -13994,7 +13462,7 @@
           <p:nvPr/>
         </p:nvPicPr>
         <p:blipFill>
-          <a:blip r:embed="rId3" cstate="print">
+          <a:blip r:embed="rId2" cstate="print">
             <a:extLst>
               <a:ext uri="{28A0092B-C50C-407E-A947-70E740481C1C}">
                 <a14:useLocalDpi xmlns:a14="http://schemas.microsoft.com/office/drawing/2010/main" val="0"/>
@@ -14026,8 +13494,8 @@
           </a:extLst>
         </p:spPr>
       </p:pic>
-      <mc:AlternateContent xmlns:mc="http://schemas.openxmlformats.org/markup-compatibility/2006" xmlns:a14="http://schemas.microsoft.com/office/drawing/2010/main">
-        <mc:Choice Requires="a14">
+      <mc:AlternateContent xmlns:mc="http://schemas.openxmlformats.org/markup-compatibility/2006">
+        <mc:Choice xmlns:a14="http://schemas.microsoft.com/office/drawing/2010/main" Requires="a14">
           <p:sp>
             <p:nvSpPr>
               <p:cNvPr id="7" name="对话气泡: 圆角矩形 6"/>
@@ -14323,7 +13791,7 @@
             </p:txBody>
           </p:sp>
         </mc:Choice>
-        <mc:Fallback xmlns="">
+        <mc:Fallback>
           <p:sp>
             <p:nvSpPr>
               <p:cNvPr id="7" name="对话气泡: 圆角矩形 6"/>
@@ -14345,7 +13813,7 @@
                 </a:avLst>
               </a:prstGeom>
               <a:blipFill rotWithShape="1">
-                <a:blip r:embed="rId4"/>
+                <a:blip r:embed="rId3"/>
                 <a:stretch>
                   <a:fillRect l="-293" t="-511" r="-29791" b="-467"/>
                 </a:stretch>
@@ -14452,6 +13920,13 @@
               </a:rPr>
               <a:t>轮</a:t>
             </a:r>
+            <a:endParaRPr lang="zh-CN" altLang="en-US" sz="2000" dirty="0">
+              <a:solidFill>
+                <a:sysClr val="windowText" lastClr="000000"/>
+              </a:solidFill>
+              <a:latin typeface="Arial" panose="020B0604020202020204" pitchFamily="34" charset="0"/>
+              <a:ea typeface="黑体" panose="02010609060101010101" pitchFamily="49" charset="-122"/>
+            </a:endParaRPr>
           </a:p>
         </p:txBody>
       </p:sp>
@@ -14530,6 +14005,13 @@
               </a:rPr>
               <a:t> 个字</a:t>
             </a:r>
+            <a:endParaRPr lang="zh-CN" altLang="en-US" sz="2000" dirty="0">
+              <a:solidFill>
+                <a:sysClr val="windowText" lastClr="000000"/>
+              </a:solidFill>
+              <a:latin typeface="Arial" panose="020B0604020202020204" pitchFamily="34" charset="0"/>
+              <a:ea typeface="黑体" panose="02010609060101010101" pitchFamily="49" charset="-122"/>
+            </a:endParaRPr>
           </a:p>
         </p:txBody>
       </p:sp>
@@ -14608,8 +14090,8 @@
           </a:p>
         </p:txBody>
       </p:sp>
-      <mc:AlternateContent xmlns:mc="http://schemas.openxmlformats.org/markup-compatibility/2006" xmlns:a14="http://schemas.microsoft.com/office/drawing/2010/main">
-        <mc:Choice Requires="a14">
+      <mc:AlternateContent xmlns:mc="http://schemas.openxmlformats.org/markup-compatibility/2006">
+        <mc:Choice xmlns:a14="http://schemas.microsoft.com/office/drawing/2010/main" Requires="a14">
           <p:sp>
             <p:nvSpPr>
               <p:cNvPr id="13" name="对话气泡: 圆角矩形 10"/>
@@ -14852,7 +14334,16 @@
                                   </a:solidFill>
                                   <a:latin typeface="Cambria Math" panose="02040503050406030204" pitchFamily="18" charset="0"/>
                                 </a:rPr>
-                                <m:t>−1</m:t>
+                                <m:t>−</m:t>
+                              </m:r>
+                              <m:r>
+                                <a:rPr lang="en-US" altLang="zh-CN" sz="2000" b="0" i="1" dirty="0" smtClean="0">
+                                  <a:solidFill>
+                                    <a:sysClr val="windowText" lastClr="000000"/>
+                                  </a:solidFill>
+                                  <a:latin typeface="Cambria Math" panose="02040503050406030204" pitchFamily="18" charset="0"/>
+                                </a:rPr>
+                                <m:t>1</m:t>
                               </m:r>
                             </m:e>
                           </m:d>
@@ -14881,7 +14372,7 @@
             </p:txBody>
           </p:sp>
         </mc:Choice>
-        <mc:Fallback xmlns="">
+        <mc:Fallback>
           <p:sp>
             <p:nvSpPr>
               <p:cNvPr id="13" name="对话气泡: 圆角矩形 10"/>
@@ -14903,7 +14394,7 @@
                 </a:avLst>
               </a:prstGeom>
               <a:blipFill rotWithShape="1">
-                <a:blip r:embed="rId5"/>
+                <a:blip r:embed="rId4"/>
                 <a:stretch>
                   <a:fillRect l="-235" t="-376" r="-11959" b="-360"/>
                 </a:stretch>
@@ -14935,8 +14426,8 @@
           </p:sp>
         </mc:Fallback>
       </mc:AlternateContent>
-      <mc:AlternateContent xmlns:mc="http://schemas.openxmlformats.org/markup-compatibility/2006" xmlns:a14="http://schemas.microsoft.com/office/drawing/2010/main">
-        <mc:Choice Requires="a14">
+      <mc:AlternateContent xmlns:mc="http://schemas.openxmlformats.org/markup-compatibility/2006">
+        <mc:Choice xmlns:a14="http://schemas.microsoft.com/office/drawing/2010/main" Requires="a14">
           <p:sp>
             <p:nvSpPr>
               <p:cNvPr id="14" name="对话气泡: 圆角矩形 12"/>
@@ -15050,11 +14541,18 @@
                   </a:rPr>
                   <a:t>加法</a:t>
                 </a:r>
+                <a:endParaRPr lang="zh-CN" altLang="en-US" sz="2000" dirty="0">
+                  <a:solidFill>
+                    <a:sysClr val="windowText" lastClr="000000"/>
+                  </a:solidFill>
+                  <a:latin typeface="Arial" panose="020B0604020202020204" pitchFamily="34" charset="0"/>
+                  <a:ea typeface="黑体" panose="02010609060101010101" pitchFamily="49" charset="-122"/>
+                </a:endParaRPr>
               </a:p>
             </p:txBody>
           </p:sp>
         </mc:Choice>
-        <mc:Fallback xmlns="">
+        <mc:Fallback>
           <p:sp>
             <p:nvSpPr>
               <p:cNvPr id="14" name="对话气泡: 圆角矩形 12"/>
@@ -15076,7 +14574,7 @@
                 </a:avLst>
               </a:prstGeom>
               <a:blipFill rotWithShape="1">
-                <a:blip r:embed="rId6"/>
+                <a:blip r:embed="rId5"/>
                 <a:stretch>
                   <a:fillRect l="-43634" t="-36591" r="-362" b="-883"/>
                 </a:stretch>
@@ -15108,8 +14606,8 @@
           </p:sp>
         </mc:Fallback>
       </mc:AlternateContent>
-      <mc:AlternateContent xmlns:mc="http://schemas.openxmlformats.org/markup-compatibility/2006" xmlns:a14="http://schemas.microsoft.com/office/drawing/2010/main">
-        <mc:Choice Requires="a14">
+      <mc:AlternateContent xmlns:mc="http://schemas.openxmlformats.org/markup-compatibility/2006">
+        <mc:Choice xmlns:a14="http://schemas.microsoft.com/office/drawing/2010/main" Requires="a14">
           <p:sp>
             <p:nvSpPr>
               <p:cNvPr id="16" name="对话气泡: 圆角矩形 15"/>
@@ -15212,11 +14710,18 @@
                   </a:rPr>
                   <a:t>哈希值</a:t>
                 </a:r>
+                <a:endParaRPr lang="zh-CN" altLang="en-US" sz="2000" dirty="0">
+                  <a:solidFill>
+                    <a:sysClr val="windowText" lastClr="000000"/>
+                  </a:solidFill>
+                  <a:latin typeface="Arial" panose="020B0604020202020204" pitchFamily="34" charset="0"/>
+                  <a:ea typeface="黑体" panose="02010609060101010101" pitchFamily="49" charset="-122"/>
+                </a:endParaRPr>
               </a:p>
             </p:txBody>
           </p:sp>
         </mc:Choice>
-        <mc:Fallback xmlns="">
+        <mc:Fallback>
           <p:sp>
             <p:nvSpPr>
               <p:cNvPr id="16" name="对话气泡: 圆角矩形 15"/>
@@ -15238,7 +14743,7 @@
                 </a:avLst>
               </a:prstGeom>
               <a:blipFill rotWithShape="1">
-                <a:blip r:embed="rId7"/>
+                <a:blip r:embed="rId6"/>
                 <a:stretch>
                   <a:fillRect l="-44681" t="-556" r="-211" b="-511"/>
                 </a:stretch>
@@ -15272,11 +14777,1922 @@
   <p:clrMapOvr>
     <a:masterClrMapping/>
   </p:clrMapOvr>
-  <mc:AlternateContent xmlns:mc="http://schemas.openxmlformats.org/markup-compatibility/2006" xmlns:p14="http://schemas.microsoft.com/office/powerpoint/2010/main">
-    <mc:Choice Requires="p14">
+  <mc:AlternateContent xmlns:mc="http://schemas.openxmlformats.org/markup-compatibility/2006">
+    <mc:Choice xmlns:p14="http://schemas.microsoft.com/office/powerpoint/2010/main" Requires="p14">
       <p:transition p14:dur="0" advClick="0"/>
     </mc:Choice>
-    <mc:Fallback xmlns="">
+    <mc:Fallback>
+      <p:transition advClick="0"/>
+    </mc:Fallback>
+  </mc:AlternateContent>
+</p:sld>
+</file>
+
+<file path=ppt/slides/slide7.xml><?xml version="1.0" encoding="utf-8"?>
+<p:sld xmlns:a="http://schemas.openxmlformats.org/drawingml/2006/main" xmlns:r="http://schemas.openxmlformats.org/officeDocument/2006/relationships" xmlns:p="http://schemas.openxmlformats.org/presentationml/2006/main">
+  <p:cSld>
+    <p:spTree>
+      <p:nvGrpSpPr>
+        <p:cNvPr id="1" name=""/>
+        <p:cNvGrpSpPr/>
+        <p:nvPr/>
+      </p:nvGrpSpPr>
+      <p:grpSpPr>
+        <a:xfrm>
+          <a:off x="0" y="0"/>
+          <a:ext cx="0" cy="0"/>
+          <a:chOff x="0" y="0"/>
+          <a:chExt cx="0" cy="0"/>
+        </a:xfrm>
+      </p:grpSpPr>
+      <p:sp>
+        <p:nvSpPr>
+          <p:cNvPr id="5" name="Title 17"/>
+          <p:cNvSpPr>
+            <a:spLocks noGrp="1"/>
+          </p:cNvSpPr>
+          <p:nvPr>
+            <p:custDataLst>
+              <p:tags r:id="rId1"/>
+            </p:custDataLst>
+          </p:nvPr>
+        </p:nvSpPr>
+        <p:spPr>
+          <a:xfrm>
+            <a:off x="631129" y="513025"/>
+            <a:ext cx="4935855" cy="586105"/>
+          </a:xfrm>
+          <a:prstGeom prst="rect">
+            <a:avLst/>
+          </a:prstGeom>
+          <a:noFill/>
+        </p:spPr>
+        <p:txBody>
+          <a:bodyPr vert="horz" wrap="none" lIns="90170" tIns="46990" rIns="90170" bIns="46990" rtlCol="0" anchor="ctr" anchorCtr="0">
+            <a:spAutoFit/>
+          </a:bodyPr>
+          <a:lstStyle>
+            <a:lvl1pPr algn="l" defTabSz="914400" rtl="0" eaLnBrk="1" fontAlgn="auto" latinLnBrk="0" hangingPunct="1">
+              <a:lnSpc>
+                <a:spcPct val="100000"/>
+              </a:lnSpc>
+              <a:spcBef>
+                <a:spcPct val="0"/>
+              </a:spcBef>
+              <a:buNone/>
+              <a:defRPr lang="zh-CN" altLang="en-US" sz="2800" b="1" u="none" strike="noStrike" kern="1200" cap="none" spc="300" normalizeH="0" baseline="0">
+                <a:solidFill>
+                  <a:schemeClr val="accent1"/>
+                </a:solidFill>
+                <a:uFillTx/>
+                <a:latin typeface="+mn-lt"/>
+                <a:ea typeface="+mn-ea"/>
+                <a:cs typeface="+mn-cs"/>
+              </a:defRPr>
+            </a:lvl1pPr>
+          </a:lstStyle>
+          <a:p>
+            <a:r>
+              <a:rPr lang="en-US" altLang="zh-CN" sz="3200" spc="0" dirty="0">
+                <a:solidFill>
+                  <a:schemeClr val="tx1"/>
+                </a:solidFill>
+                <a:effectLst>
+                  <a:outerShdw blurRad="38100" dist="38100" dir="2700000" algn="tl">
+                    <a:srgbClr val="000000">
+                      <a:alpha val="43137"/>
+                    </a:srgbClr>
+                  </a:outerShdw>
+                </a:effectLst>
+                <a:latin typeface="Arial" panose="020B0604020202020204" pitchFamily="34" charset="0"/>
+                <a:ea typeface="黑体" panose="02010609060101010101" pitchFamily="49" charset="-122"/>
+                <a:cs typeface="Times New Roman" panose="02020603050405020304" pitchFamily="18" charset="0"/>
+                <a:sym typeface="+mn-ea"/>
+              </a:rPr>
+              <a:t>3.1 </a:t>
+            </a:r>
+            <a:r>
+              <a:rPr lang="zh-CN" altLang="en-US" sz="3200" spc="0" dirty="0">
+                <a:solidFill>
+                  <a:schemeClr val="tx1"/>
+                </a:solidFill>
+                <a:effectLst>
+                  <a:outerShdw blurRad="38100" dist="38100" dir="2700000" algn="tl">
+                    <a:srgbClr val="000000">
+                      <a:alpha val="43137"/>
+                    </a:srgbClr>
+                  </a:outerShdw>
+                </a:effectLst>
+                <a:latin typeface="Arial" panose="020B0604020202020204" pitchFamily="34" charset="0"/>
+                <a:ea typeface="黑体" panose="02010609060101010101" pitchFamily="49" charset="-122"/>
+                <a:cs typeface="Times New Roman" panose="02020603050405020304" pitchFamily="18" charset="0"/>
+                <a:sym typeface="+mn-ea"/>
+              </a:rPr>
+              <a:t>抗碰撞哈希函数</a:t>
+            </a:r>
+            <a:r>
+              <a:rPr lang="en-US" altLang="zh-CN" sz="3200" spc="0" dirty="0">
+                <a:solidFill>
+                  <a:schemeClr val="tx1"/>
+                </a:solidFill>
+                <a:effectLst>
+                  <a:outerShdw blurRad="38100" dist="38100" dir="2700000" algn="tl">
+                    <a:srgbClr val="000000">
+                      <a:alpha val="43137"/>
+                    </a:srgbClr>
+                  </a:outerShdw>
+                </a:effectLst>
+                <a:latin typeface="Arial" panose="020B0604020202020204" pitchFamily="34" charset="0"/>
+                <a:ea typeface="黑体" panose="02010609060101010101" pitchFamily="49" charset="-122"/>
+                <a:cs typeface="Times New Roman" panose="02020603050405020304" pitchFamily="18" charset="0"/>
+                <a:sym typeface="+mn-ea"/>
+              </a:rPr>
+              <a:t>SHA-2</a:t>
+            </a:r>
+            <a:endParaRPr lang="en-US" altLang="zh-CN" sz="3200" spc="0" dirty="0">
+              <a:solidFill>
+                <a:schemeClr val="tx1"/>
+              </a:solidFill>
+              <a:effectLst>
+                <a:outerShdw blurRad="38100" dist="38100" dir="2700000" algn="tl">
+                  <a:srgbClr val="000000">
+                    <a:alpha val="43137"/>
+                  </a:srgbClr>
+                </a:outerShdw>
+              </a:effectLst>
+              <a:latin typeface="Arial" panose="020B0604020202020204" pitchFamily="34" charset="0"/>
+              <a:ea typeface="黑体" panose="02010609060101010101" pitchFamily="49" charset="-122"/>
+              <a:cs typeface="Times New Roman" panose="02020603050405020304" pitchFamily="18" charset="0"/>
+              <a:sym typeface="+mn-ea"/>
+            </a:endParaRPr>
+          </a:p>
+        </p:txBody>
+      </p:sp>
+      <mc:AlternateContent xmlns:mc="http://schemas.openxmlformats.org/markup-compatibility/2006">
+        <mc:Choice xmlns:a14="http://schemas.microsoft.com/office/drawing/2010/main" Requires="a14">
+          <p:sp>
+            <p:nvSpPr>
+              <p:cNvPr id="2" name="文本框 1"/>
+              <p:cNvSpPr txBox="1"/>
+              <p:nvPr/>
+            </p:nvSpPr>
+            <p:spPr>
+              <a:xfrm>
+                <a:off x="631129" y="1063154"/>
+                <a:ext cx="10924674" cy="4563301"/>
+              </a:xfrm>
+              <a:prstGeom prst="rect">
+                <a:avLst/>
+              </a:prstGeom>
+              <a:noFill/>
+            </p:spPr>
+            <p:txBody>
+              <a:bodyPr wrap="square" rtlCol="0">
+                <a:spAutoFit/>
+              </a:bodyPr>
+              <a:lstStyle/>
+              <a:p>
+                <a:pPr algn="just">
+                  <a:lnSpc>
+                    <a:spcPct val="150000"/>
+                  </a:lnSpc>
+                </a:pPr>
+                <a:r>
+                  <a:rPr lang="zh-CN" altLang="en-US" sz="2000" kern="100" dirty="0">
+                    <a:cs typeface="Times New Roman" panose="02020603050405020304" pitchFamily="18" charset="0"/>
+                  </a:rPr>
+                  <a:t>相关符号及函数</a:t>
+                </a:r>
+                <a:endParaRPr lang="en-US" altLang="zh-CN" sz="2000" kern="100" dirty="0">
+                  <a:cs typeface="Times New Roman" panose="02020603050405020304" pitchFamily="18" charset="0"/>
+                </a:endParaRPr>
+              </a:p>
+              <a:p>
+                <a:pPr algn="ctr">
+                  <a:lnSpc>
+                    <a:spcPct val="150000"/>
+                  </a:lnSpc>
+                </a:pPr>
+                <a14:m>
+                  <m:oMathPara xmlns:m="http://schemas.openxmlformats.org/officeDocument/2006/math">
+                    <m:oMathParaPr>
+                      <m:jc m:val="centerGroup"/>
+                    </m:oMathParaPr>
+                    <m:oMath xmlns:m="http://schemas.openxmlformats.org/officeDocument/2006/math">
+                      <m:r>
+                        <a:rPr lang="en-US" altLang="zh-CN" sz="2000" i="1" smtClean="0">
+                          <a:effectLst/>
+                          <a:latin typeface="Cambria Math" panose="02040503050406030204" pitchFamily="18" charset="0"/>
+                          <a:cs typeface="Times New Roman" panose="02020603050405020304" pitchFamily="18" charset="0"/>
+                        </a:rPr>
+                        <m:t>𝑅𝑂𝑇</m:t>
+                      </m:r>
+                      <m:sSup>
+                        <m:sSupPr>
+                          <m:ctrlPr>
+                            <a:rPr lang="zh-CN" altLang="zh-CN" sz="2000" i="1">
+                              <a:effectLst/>
+                              <a:cs typeface="Times New Roman" panose="02020603050405020304" pitchFamily="18" charset="0"/>
+                            </a:rPr>
+                          </m:ctrlPr>
+                        </m:sSupPr>
+                        <m:e>
+                          <m:r>
+                            <a:rPr lang="en-US" altLang="zh-CN" sz="2000" i="1">
+                              <a:effectLst/>
+                              <a:latin typeface="Cambria Math" panose="02040503050406030204" pitchFamily="18" charset="0"/>
+                              <a:cs typeface="Times New Roman" panose="02020603050405020304" pitchFamily="18" charset="0"/>
+                            </a:rPr>
+                            <m:t>𝑅</m:t>
+                          </m:r>
+                        </m:e>
+                        <m:sup>
+                          <m:r>
+                            <a:rPr lang="en-US" altLang="zh-CN" sz="2000" i="1">
+                              <a:effectLst/>
+                              <a:latin typeface="Cambria Math" panose="02040503050406030204" pitchFamily="18" charset="0"/>
+                              <a:cs typeface="Times New Roman" panose="02020603050405020304" pitchFamily="18" charset="0"/>
+                            </a:rPr>
+                            <m:t>𝑛</m:t>
+                          </m:r>
+                        </m:sup>
+                      </m:sSup>
+                      <m:d>
+                        <m:dPr>
+                          <m:ctrlPr>
+                            <a:rPr lang="en-US" altLang="zh-CN" sz="2000" i="1">
+                              <a:effectLst/>
+                              <a:latin typeface="Cambria Math" panose="02040503050406030204" pitchFamily="18" charset="0"/>
+                              <a:cs typeface="Times New Roman" panose="02020603050405020304" pitchFamily="18" charset="0"/>
+                            </a:rPr>
+                          </m:ctrlPr>
+                        </m:dPr>
+                        <m:e>
+                          <m:r>
+                            <a:rPr lang="en-US" altLang="zh-CN" sz="2000" i="1">
+                              <a:effectLst/>
+                              <a:latin typeface="Cambria Math" panose="02040503050406030204" pitchFamily="18" charset="0"/>
+                              <a:cs typeface="Times New Roman" panose="02020603050405020304" pitchFamily="18" charset="0"/>
+                            </a:rPr>
+                            <m:t>𝑥</m:t>
+                          </m:r>
+                        </m:e>
+                      </m:d>
+                      <m:r>
+                        <a:rPr lang="en-US" altLang="zh-CN" sz="2000" i="1">
+                          <a:effectLst/>
+                          <a:latin typeface="Cambria Math" panose="02040503050406030204" pitchFamily="18" charset="0"/>
+                          <a:cs typeface="Times New Roman" panose="02020603050405020304" pitchFamily="18" charset="0"/>
+                        </a:rPr>
+                        <m:t>=</m:t>
+                      </m:r>
+                      <m:d>
+                        <m:dPr>
+                          <m:ctrlPr>
+                            <a:rPr lang="en-US" altLang="zh-CN" sz="2000" i="1">
+                              <a:effectLst/>
+                              <a:latin typeface="Cambria Math" panose="02040503050406030204" pitchFamily="18" charset="0"/>
+                              <a:cs typeface="Times New Roman" panose="02020603050405020304" pitchFamily="18" charset="0"/>
+                            </a:rPr>
+                          </m:ctrlPr>
+                        </m:dPr>
+                        <m:e>
+                          <m:r>
+                            <a:rPr lang="en-US" altLang="zh-CN" sz="2000" i="1">
+                              <a:effectLst/>
+                              <a:latin typeface="Cambria Math" panose="02040503050406030204" pitchFamily="18" charset="0"/>
+                              <a:cs typeface="Times New Roman" panose="02020603050405020304" pitchFamily="18" charset="0"/>
+                            </a:rPr>
+                            <m:t>𝑥</m:t>
+                          </m:r>
+                          <m:r>
+                            <a:rPr lang="en-US" altLang="zh-CN" sz="2000" i="1">
+                              <a:effectLst/>
+                              <a:latin typeface="Cambria Math" panose="02040503050406030204" pitchFamily="18" charset="0"/>
+                              <a:cs typeface="Times New Roman" panose="02020603050405020304" pitchFamily="18" charset="0"/>
+                            </a:rPr>
+                            <m:t>&gt;&gt;</m:t>
+                          </m:r>
+                          <m:r>
+                            <a:rPr lang="en-US" altLang="zh-CN" sz="2000" i="1">
+                              <a:effectLst/>
+                              <a:latin typeface="Cambria Math" panose="02040503050406030204" pitchFamily="18" charset="0"/>
+                              <a:cs typeface="Times New Roman" panose="02020603050405020304" pitchFamily="18" charset="0"/>
+                            </a:rPr>
+                            <m:t>𝑛</m:t>
+                          </m:r>
+                        </m:e>
+                      </m:d>
+                      <m:r>
+                        <a:rPr lang="en-US" altLang="zh-CN" sz="2000" i="1">
+                          <a:effectLst/>
+                          <a:latin typeface="Cambria Math" panose="02040503050406030204" pitchFamily="18" charset="0"/>
+                          <a:cs typeface="Times New Roman" panose="02020603050405020304" pitchFamily="18" charset="0"/>
+                        </a:rPr>
+                        <m:t>∨</m:t>
+                      </m:r>
+                      <m:d>
+                        <m:dPr>
+                          <m:ctrlPr>
+                            <a:rPr lang="en-US" altLang="zh-CN" sz="2000" i="1">
+                              <a:effectLst/>
+                              <a:latin typeface="Cambria Math" panose="02040503050406030204" pitchFamily="18" charset="0"/>
+                              <a:cs typeface="Times New Roman" panose="02020603050405020304" pitchFamily="18" charset="0"/>
+                            </a:rPr>
+                          </m:ctrlPr>
+                        </m:dPr>
+                        <m:e>
+                          <m:r>
+                            <a:rPr lang="en-US" altLang="zh-CN" sz="2000" i="1">
+                              <a:effectLst/>
+                              <a:latin typeface="Cambria Math" panose="02040503050406030204" pitchFamily="18" charset="0"/>
+                              <a:cs typeface="Times New Roman" panose="02020603050405020304" pitchFamily="18" charset="0"/>
+                            </a:rPr>
+                            <m:t>𝑥</m:t>
+                          </m:r>
+                          <m:r>
+                            <a:rPr lang="en-US" altLang="zh-CN" sz="2000" i="1">
+                              <a:effectLst/>
+                              <a:latin typeface="Cambria Math" panose="02040503050406030204" pitchFamily="18" charset="0"/>
+                              <a:cs typeface="Times New Roman" panose="02020603050405020304" pitchFamily="18" charset="0"/>
+                            </a:rPr>
+                            <m:t>&lt;&lt;</m:t>
+                          </m:r>
+                          <m:r>
+                            <a:rPr lang="en-US" altLang="zh-CN" sz="2000" i="1">
+                              <a:effectLst/>
+                              <a:latin typeface="Cambria Math" panose="02040503050406030204" pitchFamily="18" charset="0"/>
+                              <a:cs typeface="Times New Roman" panose="02020603050405020304" pitchFamily="18" charset="0"/>
+                            </a:rPr>
+                            <m:t>𝑤</m:t>
+                          </m:r>
+                          <m:r>
+                            <a:rPr lang="en-US" altLang="zh-CN" sz="2000" i="1">
+                              <a:effectLst/>
+                              <a:latin typeface="Cambria Math" panose="02040503050406030204" pitchFamily="18" charset="0"/>
+                              <a:cs typeface="Times New Roman" panose="02020603050405020304" pitchFamily="18" charset="0"/>
+                            </a:rPr>
+                            <m:t>−</m:t>
+                          </m:r>
+                          <m:r>
+                            <a:rPr lang="en-US" altLang="zh-CN" sz="2000" i="1">
+                              <a:effectLst/>
+                              <a:latin typeface="Cambria Math" panose="02040503050406030204" pitchFamily="18" charset="0"/>
+                              <a:cs typeface="Times New Roman" panose="02020603050405020304" pitchFamily="18" charset="0"/>
+                            </a:rPr>
+                            <m:t>𝑛</m:t>
+                          </m:r>
+                        </m:e>
+                      </m:d>
+                      <m:r>
+                        <a:rPr lang="en-US" altLang="zh-CN" sz="2000" b="0" i="0" smtClean="0">
+                          <a:effectLst/>
+                          <a:latin typeface="Cambria Math" panose="02040503050406030204" pitchFamily="18" charset="0"/>
+                          <a:cs typeface="Times New Roman" panose="02020603050405020304" pitchFamily="18" charset="0"/>
+                        </a:rPr>
+                        <m:t>,  </m:t>
+                      </m:r>
+                      <m:r>
+                        <a:rPr lang="en-US" altLang="zh-CN" sz="2000" i="1" smtClean="0">
+                          <a:effectLst/>
+                          <a:latin typeface="Cambria Math" panose="02040503050406030204" pitchFamily="18" charset="0"/>
+                          <a:cs typeface="Times New Roman" panose="02020603050405020304" pitchFamily="18" charset="0"/>
+                        </a:rPr>
+                        <m:t>𝑆𝐻</m:t>
+                      </m:r>
+                      <m:sSup>
+                        <m:sSupPr>
+                          <m:ctrlPr>
+                            <a:rPr lang="zh-CN" altLang="zh-CN" sz="2000" i="1">
+                              <a:effectLst/>
+                              <a:cs typeface="Times New Roman" panose="02020603050405020304" pitchFamily="18" charset="0"/>
+                            </a:rPr>
+                          </m:ctrlPr>
+                        </m:sSupPr>
+                        <m:e>
+                          <m:r>
+                            <a:rPr lang="en-US" altLang="zh-CN" sz="2000" i="1">
+                              <a:effectLst/>
+                              <a:latin typeface="Cambria Math" panose="02040503050406030204" pitchFamily="18" charset="0"/>
+                              <a:cs typeface="Times New Roman" panose="02020603050405020304" pitchFamily="18" charset="0"/>
+                            </a:rPr>
+                            <m:t>𝑅</m:t>
+                          </m:r>
+                        </m:e>
+                        <m:sup>
+                          <m:r>
+                            <a:rPr lang="en-US" altLang="zh-CN" sz="2000" i="1">
+                              <a:effectLst/>
+                              <a:latin typeface="Cambria Math" panose="02040503050406030204" pitchFamily="18" charset="0"/>
+                              <a:cs typeface="Times New Roman" panose="02020603050405020304" pitchFamily="18" charset="0"/>
+                            </a:rPr>
+                            <m:t>𝑛</m:t>
+                          </m:r>
+                        </m:sup>
+                      </m:sSup>
+                      <m:r>
+                        <a:rPr lang="en-US" altLang="zh-CN" sz="2000" i="1">
+                          <a:effectLst/>
+                          <a:latin typeface="Cambria Math" panose="02040503050406030204" pitchFamily="18" charset="0"/>
+                          <a:cs typeface="Times New Roman" panose="02020603050405020304" pitchFamily="18" charset="0"/>
+                        </a:rPr>
+                        <m:t>(</m:t>
+                      </m:r>
+                      <m:r>
+                        <a:rPr lang="en-US" altLang="zh-CN" sz="2000" i="1">
+                          <a:effectLst/>
+                          <a:latin typeface="Cambria Math" panose="02040503050406030204" pitchFamily="18" charset="0"/>
+                          <a:cs typeface="Times New Roman" panose="02020603050405020304" pitchFamily="18" charset="0"/>
+                        </a:rPr>
+                        <m:t>𝑥</m:t>
+                      </m:r>
+                      <m:r>
+                        <a:rPr lang="en-US" altLang="zh-CN" sz="2000" i="1">
+                          <a:effectLst/>
+                          <a:latin typeface="Cambria Math" panose="02040503050406030204" pitchFamily="18" charset="0"/>
+                          <a:cs typeface="Times New Roman" panose="02020603050405020304" pitchFamily="18" charset="0"/>
+                        </a:rPr>
+                        <m:t>)=</m:t>
+                      </m:r>
+                      <m:r>
+                        <a:rPr lang="en-US" altLang="zh-CN" sz="2000" i="1">
+                          <a:effectLst/>
+                          <a:latin typeface="Cambria Math" panose="02040503050406030204" pitchFamily="18" charset="0"/>
+                          <a:cs typeface="Times New Roman" panose="02020603050405020304" pitchFamily="18" charset="0"/>
+                        </a:rPr>
+                        <m:t>𝑥</m:t>
+                      </m:r>
+                      <m:r>
+                        <a:rPr lang="en-US" altLang="zh-CN" sz="2000" i="1">
+                          <a:effectLst/>
+                          <a:latin typeface="Cambria Math" panose="02040503050406030204" pitchFamily="18" charset="0"/>
+                          <a:cs typeface="Times New Roman" panose="02020603050405020304" pitchFamily="18" charset="0"/>
+                        </a:rPr>
+                        <m:t>&gt;&gt;</m:t>
+                      </m:r>
+                      <m:r>
+                        <a:rPr lang="en-US" altLang="zh-CN" sz="2000" i="1">
+                          <a:effectLst/>
+                          <a:latin typeface="Cambria Math" panose="02040503050406030204" pitchFamily="18" charset="0"/>
+                          <a:cs typeface="Times New Roman" panose="02020603050405020304" pitchFamily="18" charset="0"/>
+                        </a:rPr>
+                        <m:t>𝑛</m:t>
+                      </m:r>
+                    </m:oMath>
+                  </m:oMathPara>
+                </a14:m>
+                <a:endParaRPr lang="en-US" altLang="zh-CN" sz="2000" kern="100" dirty="0">
+                  <a:effectLst/>
+                  <a:cs typeface="Times New Roman" panose="02020603050405020304" pitchFamily="18" charset="0"/>
+                </a:endParaRPr>
+              </a:p>
+              <a:p>
+                <a:pPr algn="just">
+                  <a:lnSpc>
+                    <a:spcPct val="150000"/>
+                  </a:lnSpc>
+                </a:pPr>
+                <a14:m>
+                  <m:oMathPara xmlns:m="http://schemas.openxmlformats.org/officeDocument/2006/math">
+                    <m:oMathParaPr>
+                      <m:jc m:val="centerGroup"/>
+                    </m:oMathParaPr>
+                    <m:oMath xmlns:m="http://schemas.openxmlformats.org/officeDocument/2006/math">
+                      <m:r>
+                        <a:rPr lang="en-US" altLang="zh-CN" sz="2000" i="1" kern="100">
+                          <a:latin typeface="Cambria Math" panose="02040503050406030204" pitchFamily="18" charset="0"/>
+                          <a:cs typeface="Times New Roman" panose="02020603050405020304" pitchFamily="18" charset="0"/>
+                        </a:rPr>
+                        <m:t>𝐶ℎ</m:t>
+                      </m:r>
+                      <m:d>
+                        <m:dPr>
+                          <m:ctrlPr>
+                            <a:rPr lang="en-US" altLang="zh-CN" sz="2000" i="1" kern="100">
+                              <a:latin typeface="Cambria Math" panose="02040503050406030204" pitchFamily="18" charset="0"/>
+                              <a:cs typeface="Times New Roman" panose="02020603050405020304" pitchFamily="18" charset="0"/>
+                            </a:rPr>
+                          </m:ctrlPr>
+                        </m:dPr>
+                        <m:e>
+                          <m:r>
+                            <a:rPr lang="en-US" altLang="zh-CN" sz="2000" i="1" kern="100">
+                              <a:latin typeface="Cambria Math" panose="02040503050406030204" pitchFamily="18" charset="0"/>
+                              <a:cs typeface="Times New Roman" panose="02020603050405020304" pitchFamily="18" charset="0"/>
+                            </a:rPr>
+                            <m:t>𝑥</m:t>
+                          </m:r>
+                          <m:r>
+                            <a:rPr lang="en-US" altLang="zh-CN" sz="2000" i="1" kern="100">
+                              <a:latin typeface="Cambria Math" panose="02040503050406030204" pitchFamily="18" charset="0"/>
+                              <a:cs typeface="Times New Roman" panose="02020603050405020304" pitchFamily="18" charset="0"/>
+                            </a:rPr>
+                            <m:t>,</m:t>
+                          </m:r>
+                          <m:r>
+                            <a:rPr lang="en-US" altLang="zh-CN" sz="2000" i="1" kern="100">
+                              <a:latin typeface="Cambria Math" panose="02040503050406030204" pitchFamily="18" charset="0"/>
+                              <a:cs typeface="Times New Roman" panose="02020603050405020304" pitchFamily="18" charset="0"/>
+                            </a:rPr>
+                            <m:t>𝑦</m:t>
+                          </m:r>
+                          <m:r>
+                            <a:rPr lang="en-US" altLang="zh-CN" sz="2000" i="1" kern="100">
+                              <a:latin typeface="Cambria Math" panose="02040503050406030204" pitchFamily="18" charset="0"/>
+                              <a:cs typeface="Times New Roman" panose="02020603050405020304" pitchFamily="18" charset="0"/>
+                            </a:rPr>
+                            <m:t>,</m:t>
+                          </m:r>
+                          <m:r>
+                            <a:rPr lang="en-US" altLang="zh-CN" sz="2000" i="1" kern="100">
+                              <a:latin typeface="Cambria Math" panose="02040503050406030204" pitchFamily="18" charset="0"/>
+                              <a:cs typeface="Times New Roman" panose="02020603050405020304" pitchFamily="18" charset="0"/>
+                            </a:rPr>
+                            <m:t>𝑧</m:t>
+                          </m:r>
+                        </m:e>
+                      </m:d>
+                      <m:r>
+                        <a:rPr lang="en-US" altLang="zh-CN" sz="2000" i="1" kern="100">
+                          <a:latin typeface="Cambria Math" panose="02040503050406030204" pitchFamily="18" charset="0"/>
+                          <a:cs typeface="Times New Roman" panose="02020603050405020304" pitchFamily="18" charset="0"/>
+                        </a:rPr>
+                        <m:t>=</m:t>
+                      </m:r>
+                      <m:d>
+                        <m:dPr>
+                          <m:ctrlPr>
+                            <a:rPr lang="en-US" altLang="zh-CN" sz="2000" i="1" kern="100">
+                              <a:latin typeface="Cambria Math" panose="02040503050406030204" pitchFamily="18" charset="0"/>
+                              <a:cs typeface="Times New Roman" panose="02020603050405020304" pitchFamily="18" charset="0"/>
+                            </a:rPr>
+                          </m:ctrlPr>
+                        </m:dPr>
+                        <m:e>
+                          <m:r>
+                            <a:rPr lang="en-US" altLang="zh-CN" sz="2000" i="1" kern="100">
+                              <a:latin typeface="Cambria Math" panose="02040503050406030204" pitchFamily="18" charset="0"/>
+                              <a:cs typeface="Times New Roman" panose="02020603050405020304" pitchFamily="18" charset="0"/>
+                            </a:rPr>
+                            <m:t>𝑥</m:t>
+                          </m:r>
+                          <m:r>
+                            <a:rPr lang="en-US" altLang="zh-CN" sz="2000" i="1" kern="100">
+                              <a:latin typeface="Cambria Math" panose="02040503050406030204" pitchFamily="18" charset="0"/>
+                              <a:cs typeface="Times New Roman" panose="02020603050405020304" pitchFamily="18" charset="0"/>
+                            </a:rPr>
+                            <m:t>∧</m:t>
+                          </m:r>
+                          <m:r>
+                            <a:rPr lang="en-US" altLang="zh-CN" sz="2000" i="1" kern="100">
+                              <a:latin typeface="Cambria Math" panose="02040503050406030204" pitchFamily="18" charset="0"/>
+                              <a:cs typeface="Times New Roman" panose="02020603050405020304" pitchFamily="18" charset="0"/>
+                            </a:rPr>
+                            <m:t>𝑦</m:t>
+                          </m:r>
+                        </m:e>
+                      </m:d>
+                      <m:r>
+                        <a:rPr lang="en-US" altLang="zh-CN" sz="2000" i="1" kern="100">
+                          <a:latin typeface="Cambria Math" panose="02040503050406030204" pitchFamily="18" charset="0"/>
+                          <a:cs typeface="Times New Roman" panose="02020603050405020304" pitchFamily="18" charset="0"/>
+                        </a:rPr>
+                        <m:t>⊕</m:t>
+                      </m:r>
+                      <m:d>
+                        <m:dPr>
+                          <m:ctrlPr>
+                            <a:rPr lang="en-US" altLang="zh-CN" sz="2000" i="1" kern="100">
+                              <a:latin typeface="Cambria Math" panose="02040503050406030204" pitchFamily="18" charset="0"/>
+                              <a:cs typeface="Times New Roman" panose="02020603050405020304" pitchFamily="18" charset="0"/>
+                            </a:rPr>
+                          </m:ctrlPr>
+                        </m:dPr>
+                        <m:e>
+                          <m:r>
+                            <a:rPr lang="en-US" altLang="zh-CN" sz="2000" kern="100">
+                              <a:latin typeface="Cambria Math" panose="02040503050406030204" pitchFamily="18" charset="0"/>
+                              <a:cs typeface="Times New Roman" panose="02020603050405020304" pitchFamily="18" charset="0"/>
+                            </a:rPr>
+                            <m:t>¬</m:t>
+                          </m:r>
+                          <m:r>
+                            <a:rPr lang="en-US" altLang="zh-CN" sz="2000" i="1" kern="100">
+                              <a:latin typeface="Cambria Math" panose="02040503050406030204" pitchFamily="18" charset="0"/>
+                              <a:cs typeface="Times New Roman" panose="02020603050405020304" pitchFamily="18" charset="0"/>
+                            </a:rPr>
+                            <m:t>𝑥</m:t>
+                          </m:r>
+                          <m:r>
+                            <a:rPr lang="en-US" altLang="zh-CN" sz="2000" i="1" kern="100">
+                              <a:latin typeface="Cambria Math" panose="02040503050406030204" pitchFamily="18" charset="0"/>
+                              <a:cs typeface="Times New Roman" panose="02020603050405020304" pitchFamily="18" charset="0"/>
+                            </a:rPr>
+                            <m:t>∧</m:t>
+                          </m:r>
+                          <m:r>
+                            <a:rPr lang="en-US" altLang="zh-CN" sz="2000" i="1" kern="100">
+                              <a:latin typeface="Cambria Math" panose="02040503050406030204" pitchFamily="18" charset="0"/>
+                              <a:cs typeface="Times New Roman" panose="02020603050405020304" pitchFamily="18" charset="0"/>
+                            </a:rPr>
+                            <m:t>𝑧</m:t>
+                          </m:r>
+                        </m:e>
+                      </m:d>
+                      <m:r>
+                        <a:rPr lang="en-US" altLang="zh-CN" sz="2000" b="0" i="1" kern="100" smtClean="0">
+                          <a:latin typeface="Cambria Math" panose="02040503050406030204" pitchFamily="18" charset="0"/>
+                          <a:cs typeface="Times New Roman" panose="02020603050405020304" pitchFamily="18" charset="0"/>
+                        </a:rPr>
+                        <m:t>,  </m:t>
+                      </m:r>
+                      <m:r>
+                        <a:rPr lang="en-US" altLang="zh-CN" sz="2000" i="1" kern="100" smtClean="0">
+                          <a:effectLst/>
+                          <a:latin typeface="Cambria Math" panose="02040503050406030204" pitchFamily="18" charset="0"/>
+                          <a:cs typeface="Times New Roman" panose="02020603050405020304" pitchFamily="18" charset="0"/>
+                        </a:rPr>
+                        <m:t>𝑀𝑎𝑗</m:t>
+                      </m:r>
+                      <m:r>
+                        <a:rPr lang="en-US" altLang="zh-CN" sz="2000" i="1" kern="100" smtClean="0">
+                          <a:effectLst/>
+                          <a:latin typeface="Cambria Math" panose="02040503050406030204" pitchFamily="18" charset="0"/>
+                          <a:cs typeface="Times New Roman" panose="02020603050405020304" pitchFamily="18" charset="0"/>
+                        </a:rPr>
+                        <m:t>(</m:t>
+                      </m:r>
+                      <m:r>
+                        <a:rPr lang="en-US" altLang="zh-CN" sz="2000" i="1" kern="100" smtClean="0">
+                          <a:effectLst/>
+                          <a:latin typeface="Cambria Math" panose="02040503050406030204" pitchFamily="18" charset="0"/>
+                          <a:cs typeface="Times New Roman" panose="02020603050405020304" pitchFamily="18" charset="0"/>
+                        </a:rPr>
+                        <m:t>𝑥</m:t>
+                      </m:r>
+                      <m:r>
+                        <a:rPr lang="en-US" altLang="zh-CN" sz="2000" i="1" kern="100" smtClean="0">
+                          <a:effectLst/>
+                          <a:latin typeface="Cambria Math" panose="02040503050406030204" pitchFamily="18" charset="0"/>
+                          <a:cs typeface="Times New Roman" panose="02020603050405020304" pitchFamily="18" charset="0"/>
+                        </a:rPr>
+                        <m:t>,</m:t>
+                      </m:r>
+                      <m:r>
+                        <a:rPr lang="en-US" altLang="zh-CN" sz="2000" i="1" kern="100" smtClean="0">
+                          <a:effectLst/>
+                          <a:latin typeface="Cambria Math" panose="02040503050406030204" pitchFamily="18" charset="0"/>
+                          <a:cs typeface="Times New Roman" panose="02020603050405020304" pitchFamily="18" charset="0"/>
+                        </a:rPr>
+                        <m:t>𝑦</m:t>
+                      </m:r>
+                      <m:r>
+                        <a:rPr lang="en-US" altLang="zh-CN" sz="2000" i="1" kern="100" smtClean="0">
+                          <a:effectLst/>
+                          <a:latin typeface="Cambria Math" panose="02040503050406030204" pitchFamily="18" charset="0"/>
+                          <a:cs typeface="Times New Roman" panose="02020603050405020304" pitchFamily="18" charset="0"/>
+                        </a:rPr>
+                        <m:t>,</m:t>
+                      </m:r>
+                      <m:r>
+                        <a:rPr lang="en-US" altLang="zh-CN" sz="2000" i="1" kern="100" smtClean="0">
+                          <a:effectLst/>
+                          <a:latin typeface="Cambria Math" panose="02040503050406030204" pitchFamily="18" charset="0"/>
+                          <a:cs typeface="Times New Roman" panose="02020603050405020304" pitchFamily="18" charset="0"/>
+                        </a:rPr>
+                        <m:t>𝑧</m:t>
+                      </m:r>
+                      <m:r>
+                        <a:rPr lang="en-US" altLang="zh-CN" sz="2000" i="1" kern="100" smtClean="0">
+                          <a:effectLst/>
+                          <a:latin typeface="Cambria Math" panose="02040503050406030204" pitchFamily="18" charset="0"/>
+                          <a:cs typeface="Times New Roman" panose="02020603050405020304" pitchFamily="18" charset="0"/>
+                        </a:rPr>
+                        <m:t>)=(</m:t>
+                      </m:r>
+                      <m:r>
+                        <a:rPr lang="en-US" altLang="zh-CN" sz="2000" i="1" kern="100" smtClean="0">
+                          <a:effectLst/>
+                          <a:latin typeface="Cambria Math" panose="02040503050406030204" pitchFamily="18" charset="0"/>
+                          <a:cs typeface="Times New Roman" panose="02020603050405020304" pitchFamily="18" charset="0"/>
+                        </a:rPr>
+                        <m:t>𝑥</m:t>
+                      </m:r>
+                      <m:r>
+                        <a:rPr lang="en-US" altLang="zh-CN" sz="2000" i="1" kern="100" smtClean="0">
+                          <a:effectLst/>
+                          <a:latin typeface="Cambria Math" panose="02040503050406030204" pitchFamily="18" charset="0"/>
+                          <a:cs typeface="Times New Roman" panose="02020603050405020304" pitchFamily="18" charset="0"/>
+                        </a:rPr>
+                        <m:t>∧</m:t>
+                      </m:r>
+                      <m:r>
+                        <a:rPr lang="en-US" altLang="zh-CN" sz="2000" i="1" kern="100" smtClean="0">
+                          <a:effectLst/>
+                          <a:latin typeface="Cambria Math" panose="02040503050406030204" pitchFamily="18" charset="0"/>
+                          <a:cs typeface="Times New Roman" panose="02020603050405020304" pitchFamily="18" charset="0"/>
+                        </a:rPr>
+                        <m:t>𝑦</m:t>
+                      </m:r>
+                      <m:r>
+                        <a:rPr lang="en-US" altLang="zh-CN" sz="2000" i="1" kern="100" smtClean="0">
+                          <a:effectLst/>
+                          <a:latin typeface="Cambria Math" panose="02040503050406030204" pitchFamily="18" charset="0"/>
+                          <a:cs typeface="Times New Roman" panose="02020603050405020304" pitchFamily="18" charset="0"/>
+                        </a:rPr>
+                        <m:t>)⊕(</m:t>
+                      </m:r>
+                      <m:r>
+                        <a:rPr lang="en-US" altLang="zh-CN" sz="2000" i="1" kern="100" smtClean="0">
+                          <a:effectLst/>
+                          <a:latin typeface="Cambria Math" panose="02040503050406030204" pitchFamily="18" charset="0"/>
+                          <a:cs typeface="Times New Roman" panose="02020603050405020304" pitchFamily="18" charset="0"/>
+                        </a:rPr>
+                        <m:t>𝑥</m:t>
+                      </m:r>
+                      <m:r>
+                        <a:rPr lang="en-US" altLang="zh-CN" sz="2000" i="1" kern="100" smtClean="0">
+                          <a:effectLst/>
+                          <a:latin typeface="Cambria Math" panose="02040503050406030204" pitchFamily="18" charset="0"/>
+                          <a:cs typeface="Times New Roman" panose="02020603050405020304" pitchFamily="18" charset="0"/>
+                        </a:rPr>
+                        <m:t>∧</m:t>
+                      </m:r>
+                      <m:r>
+                        <a:rPr lang="en-US" altLang="zh-CN" sz="2000" i="1" kern="100" smtClean="0">
+                          <a:effectLst/>
+                          <a:latin typeface="Cambria Math" panose="02040503050406030204" pitchFamily="18" charset="0"/>
+                          <a:cs typeface="Times New Roman" panose="02020603050405020304" pitchFamily="18" charset="0"/>
+                        </a:rPr>
+                        <m:t>𝑧</m:t>
+                      </m:r>
+                      <m:r>
+                        <a:rPr lang="en-US" altLang="zh-CN" sz="2000" i="1" kern="100" smtClean="0">
+                          <a:effectLst/>
+                          <a:latin typeface="Cambria Math" panose="02040503050406030204" pitchFamily="18" charset="0"/>
+                          <a:cs typeface="Times New Roman" panose="02020603050405020304" pitchFamily="18" charset="0"/>
+                        </a:rPr>
+                        <m:t>)⊕(</m:t>
+                      </m:r>
+                      <m:r>
+                        <a:rPr lang="en-US" altLang="zh-CN" sz="2000" i="1" kern="100" smtClean="0">
+                          <a:effectLst/>
+                          <a:latin typeface="Cambria Math" panose="02040503050406030204" pitchFamily="18" charset="0"/>
+                          <a:cs typeface="Times New Roman" panose="02020603050405020304" pitchFamily="18" charset="0"/>
+                        </a:rPr>
+                        <m:t>𝑦</m:t>
+                      </m:r>
+                      <m:r>
+                        <a:rPr lang="en-US" altLang="zh-CN" sz="2000" i="1" kern="100" smtClean="0">
+                          <a:effectLst/>
+                          <a:latin typeface="Cambria Math" panose="02040503050406030204" pitchFamily="18" charset="0"/>
+                          <a:cs typeface="Times New Roman" panose="02020603050405020304" pitchFamily="18" charset="0"/>
+                        </a:rPr>
+                        <m:t>∧</m:t>
+                      </m:r>
+                      <m:r>
+                        <a:rPr lang="en-US" altLang="zh-CN" sz="2000" i="1" kern="100" smtClean="0">
+                          <a:effectLst/>
+                          <a:latin typeface="Cambria Math" panose="02040503050406030204" pitchFamily="18" charset="0"/>
+                          <a:cs typeface="Times New Roman" panose="02020603050405020304" pitchFamily="18" charset="0"/>
+                        </a:rPr>
+                        <m:t>𝑧</m:t>
+                      </m:r>
+                      <m:r>
+                        <a:rPr lang="en-US" altLang="zh-CN" sz="2000" i="1" kern="100" smtClean="0">
+                          <a:effectLst/>
+                          <a:latin typeface="Cambria Math" panose="02040503050406030204" pitchFamily="18" charset="0"/>
+                          <a:cs typeface="Times New Roman" panose="02020603050405020304" pitchFamily="18" charset="0"/>
+                        </a:rPr>
+                        <m:t>)</m:t>
+                      </m:r>
+                    </m:oMath>
+                  </m:oMathPara>
+                </a14:m>
+                <a:endParaRPr lang="zh-CN" altLang="zh-CN" sz="2000" kern="100" dirty="0">
+                  <a:effectLst/>
+                  <a:cs typeface="Times New Roman" panose="02020603050405020304" pitchFamily="18" charset="0"/>
+                </a:endParaRPr>
+              </a:p>
+              <a:p>
+                <a:pPr algn="just">
+                  <a:lnSpc>
+                    <a:spcPct val="150000"/>
+                  </a:lnSpc>
+                </a:pPr>
+                <a14:m>
+                  <m:oMathPara xmlns:m="http://schemas.openxmlformats.org/officeDocument/2006/math">
+                    <m:oMathParaPr>
+                      <m:jc m:val="centerGroup"/>
+                    </m:oMathParaPr>
+                    <m:oMath xmlns:m="http://schemas.openxmlformats.org/officeDocument/2006/math">
+                      <m:nary>
+                        <m:naryPr>
+                          <m:chr m:val="∑"/>
+                          <m:limLoc m:val="subSup"/>
+                          <m:ctrlPr>
+                            <a:rPr lang="en-US" altLang="zh-CN" sz="2000" i="1" smtClean="0">
+                              <a:latin typeface="Cambria Math" panose="02040503050406030204" pitchFamily="18" charset="0"/>
+                              <a:cs typeface="Times New Roman" panose="02020603050405020304" pitchFamily="18" charset="0"/>
+                            </a:rPr>
+                          </m:ctrlPr>
+                        </m:naryPr>
+                        <m:sub>
+                          <m:r>
+                            <m:rPr>
+                              <m:brk m:alnAt="25"/>
+                            </m:rPr>
+                            <a:rPr lang="en-US" altLang="zh-CN" sz="2000" b="0" i="1" smtClean="0">
+                              <a:latin typeface="Cambria Math" panose="02040503050406030204" pitchFamily="18" charset="0"/>
+                              <a:cs typeface="Times New Roman" panose="02020603050405020304" pitchFamily="18" charset="0"/>
+                            </a:rPr>
+                            <m:t>0</m:t>
+                          </m:r>
+                        </m:sub>
+                        <m:sup>
+                          <m:r>
+                            <a:rPr lang="en-US" altLang="zh-CN" sz="2000" b="0" i="1" smtClean="0">
+                              <a:latin typeface="Cambria Math" panose="02040503050406030204" pitchFamily="18" charset="0"/>
+                              <a:cs typeface="Times New Roman" panose="02020603050405020304" pitchFamily="18" charset="0"/>
+                            </a:rPr>
+                            <m:t>{</m:t>
+                          </m:r>
+                          <m:r>
+                            <a:rPr lang="en-US" altLang="zh-CN" sz="2000" b="0" i="1" smtClean="0">
+                              <a:latin typeface="Cambria Math" panose="02040503050406030204" pitchFamily="18" charset="0"/>
+                              <a:cs typeface="Times New Roman" panose="02020603050405020304" pitchFamily="18" charset="0"/>
+                            </a:rPr>
+                            <m:t>256</m:t>
+                          </m:r>
+                          <m:r>
+                            <a:rPr lang="en-US" altLang="zh-CN" sz="2000" b="0" i="1" smtClean="0">
+                              <a:latin typeface="Cambria Math" panose="02040503050406030204" pitchFamily="18" charset="0"/>
+                              <a:cs typeface="Times New Roman" panose="02020603050405020304" pitchFamily="18" charset="0"/>
+                            </a:rPr>
+                            <m:t>}</m:t>
+                          </m:r>
+                        </m:sup>
+                        <m:e>
+                          <m:r>
+                            <a:rPr lang="en-US" altLang="zh-CN" sz="2000" b="0" i="1" smtClean="0">
+                              <a:latin typeface="Cambria Math" panose="02040503050406030204" pitchFamily="18" charset="0"/>
+                              <a:cs typeface="Times New Roman" panose="02020603050405020304" pitchFamily="18" charset="0"/>
+                            </a:rPr>
+                            <m:t>(</m:t>
+                          </m:r>
+                          <m:r>
+                            <a:rPr lang="en-US" altLang="zh-CN" sz="2000" b="0" i="1" smtClean="0">
+                              <a:latin typeface="Cambria Math" panose="02040503050406030204" pitchFamily="18" charset="0"/>
+                              <a:cs typeface="Times New Roman" panose="02020603050405020304" pitchFamily="18" charset="0"/>
+                            </a:rPr>
+                            <m:t>𝑥</m:t>
+                          </m:r>
+                          <m:r>
+                            <a:rPr lang="en-US" altLang="zh-CN" sz="2000" b="0" i="1" smtClean="0">
+                              <a:latin typeface="Cambria Math" panose="02040503050406030204" pitchFamily="18" charset="0"/>
+                              <a:cs typeface="Times New Roman" panose="02020603050405020304" pitchFamily="18" charset="0"/>
+                            </a:rPr>
+                            <m:t>)</m:t>
+                          </m:r>
+                        </m:e>
+                      </m:nary>
+                      <m:r>
+                        <a:rPr lang="en-US" altLang="zh-CN" sz="2000">
+                          <a:latin typeface="Cambria Math" panose="02040503050406030204" pitchFamily="18" charset="0"/>
+                          <a:cs typeface="Times New Roman" panose="02020603050405020304" pitchFamily="18" charset="0"/>
+                        </a:rPr>
+                        <m:t>=</m:t>
+                      </m:r>
+                      <m:r>
+                        <a:rPr lang="en-US" altLang="zh-CN" sz="2000" i="1">
+                          <a:latin typeface="Cambria Math" panose="02040503050406030204" pitchFamily="18" charset="0"/>
+                          <a:cs typeface="Times New Roman" panose="02020603050405020304" pitchFamily="18" charset="0"/>
+                        </a:rPr>
+                        <m:t>𝑅𝑂𝑇</m:t>
+                      </m:r>
+                      <m:sSup>
+                        <m:sSupPr>
+                          <m:ctrlPr>
+                            <a:rPr lang="zh-CN" altLang="zh-CN" sz="2000" i="1">
+                              <a:latin typeface="Cambria Math" panose="02040503050406030204" pitchFamily="18" charset="0"/>
+                              <a:cs typeface="Times New Roman" panose="02020603050405020304" pitchFamily="18" charset="0"/>
+                            </a:rPr>
+                          </m:ctrlPr>
+                        </m:sSupPr>
+                        <m:e>
+                          <m:r>
+                            <a:rPr lang="en-US" altLang="zh-CN" sz="2000" i="1">
+                              <a:latin typeface="Cambria Math" panose="02040503050406030204" pitchFamily="18" charset="0"/>
+                              <a:cs typeface="Times New Roman" panose="02020603050405020304" pitchFamily="18" charset="0"/>
+                            </a:rPr>
+                            <m:t>𝑅</m:t>
+                          </m:r>
+                        </m:e>
+                        <m:sup>
+                          <m:r>
+                            <a:rPr lang="en-US" altLang="zh-CN" sz="2000" i="1">
+                              <a:latin typeface="Cambria Math" panose="02040503050406030204" pitchFamily="18" charset="0"/>
+                              <a:cs typeface="Times New Roman" panose="02020603050405020304" pitchFamily="18" charset="0"/>
+                            </a:rPr>
+                            <m:t>2</m:t>
+                          </m:r>
+                        </m:sup>
+                      </m:sSup>
+                      <m:d>
+                        <m:dPr>
+                          <m:ctrlPr>
+                            <a:rPr lang="zh-CN" altLang="zh-CN" sz="2000" i="1">
+                              <a:latin typeface="Cambria Math" panose="02040503050406030204" pitchFamily="18" charset="0"/>
+                              <a:cs typeface="Times New Roman" panose="02020603050405020304" pitchFamily="18" charset="0"/>
+                            </a:rPr>
+                          </m:ctrlPr>
+                        </m:dPr>
+                        <m:e>
+                          <m:r>
+                            <a:rPr lang="en-US" altLang="zh-CN" sz="2000" i="1">
+                              <a:latin typeface="Cambria Math" panose="02040503050406030204" pitchFamily="18" charset="0"/>
+                              <a:cs typeface="Times New Roman" panose="02020603050405020304" pitchFamily="18" charset="0"/>
+                            </a:rPr>
+                            <m:t>𝑥</m:t>
+                          </m:r>
+                        </m:e>
+                      </m:d>
+                      <m:r>
+                        <a:rPr lang="en-US" altLang="zh-CN" sz="2000" i="1">
+                          <a:latin typeface="Cambria Math" panose="02040503050406030204" pitchFamily="18" charset="0"/>
+                          <a:cs typeface="Times New Roman" panose="02020603050405020304" pitchFamily="18" charset="0"/>
+                        </a:rPr>
+                        <m:t>⊕</m:t>
+                      </m:r>
+                      <m:r>
+                        <a:rPr lang="en-US" altLang="zh-CN" sz="2000" i="1">
+                          <a:latin typeface="Cambria Math" panose="02040503050406030204" pitchFamily="18" charset="0"/>
+                          <a:cs typeface="Times New Roman" panose="02020603050405020304" pitchFamily="18" charset="0"/>
+                        </a:rPr>
+                        <m:t>𝑅𝑂𝑇</m:t>
+                      </m:r>
+                      <m:sSup>
+                        <m:sSupPr>
+                          <m:ctrlPr>
+                            <a:rPr lang="zh-CN" altLang="zh-CN" sz="2000" i="1">
+                              <a:latin typeface="Cambria Math" panose="02040503050406030204" pitchFamily="18" charset="0"/>
+                              <a:cs typeface="Times New Roman" panose="02020603050405020304" pitchFamily="18" charset="0"/>
+                            </a:rPr>
+                          </m:ctrlPr>
+                        </m:sSupPr>
+                        <m:e>
+                          <m:r>
+                            <a:rPr lang="en-US" altLang="zh-CN" sz="2000" i="1">
+                              <a:latin typeface="Cambria Math" panose="02040503050406030204" pitchFamily="18" charset="0"/>
+                              <a:cs typeface="Times New Roman" panose="02020603050405020304" pitchFamily="18" charset="0"/>
+                            </a:rPr>
+                            <m:t>𝑅</m:t>
+                          </m:r>
+                        </m:e>
+                        <m:sup>
+                          <m:r>
+                            <a:rPr lang="en-US" altLang="zh-CN" sz="2000" i="1">
+                              <a:latin typeface="Cambria Math" panose="02040503050406030204" pitchFamily="18" charset="0"/>
+                              <a:cs typeface="Times New Roman" panose="02020603050405020304" pitchFamily="18" charset="0"/>
+                            </a:rPr>
+                            <m:t>13</m:t>
+                          </m:r>
+                        </m:sup>
+                      </m:sSup>
+                      <m:d>
+                        <m:dPr>
+                          <m:ctrlPr>
+                            <a:rPr lang="zh-CN" altLang="zh-CN" sz="2000" i="1">
+                              <a:latin typeface="Cambria Math" panose="02040503050406030204" pitchFamily="18" charset="0"/>
+                              <a:cs typeface="Times New Roman" panose="02020603050405020304" pitchFamily="18" charset="0"/>
+                            </a:rPr>
+                          </m:ctrlPr>
+                        </m:dPr>
+                        <m:e>
+                          <m:r>
+                            <a:rPr lang="en-US" altLang="zh-CN" sz="2000" i="1">
+                              <a:latin typeface="Cambria Math" panose="02040503050406030204" pitchFamily="18" charset="0"/>
+                              <a:cs typeface="Times New Roman" panose="02020603050405020304" pitchFamily="18" charset="0"/>
+                            </a:rPr>
+                            <m:t>𝑥</m:t>
+                          </m:r>
+                        </m:e>
+                      </m:d>
+                      <m:r>
+                        <a:rPr lang="en-US" altLang="zh-CN" sz="2000" i="1">
+                          <a:latin typeface="Cambria Math" panose="02040503050406030204" pitchFamily="18" charset="0"/>
+                          <a:cs typeface="Times New Roman" panose="02020603050405020304" pitchFamily="18" charset="0"/>
+                        </a:rPr>
+                        <m:t>⊕</m:t>
+                      </m:r>
+                      <m:r>
+                        <a:rPr lang="en-US" altLang="zh-CN" sz="2000" i="1">
+                          <a:latin typeface="Cambria Math" panose="02040503050406030204" pitchFamily="18" charset="0"/>
+                          <a:cs typeface="Times New Roman" panose="02020603050405020304" pitchFamily="18" charset="0"/>
+                        </a:rPr>
+                        <m:t>𝑅𝑂𝑇</m:t>
+                      </m:r>
+                      <m:sSup>
+                        <m:sSupPr>
+                          <m:ctrlPr>
+                            <a:rPr lang="zh-CN" altLang="zh-CN" sz="2000" i="1">
+                              <a:latin typeface="Cambria Math" panose="02040503050406030204" pitchFamily="18" charset="0"/>
+                              <a:cs typeface="Times New Roman" panose="02020603050405020304" pitchFamily="18" charset="0"/>
+                            </a:rPr>
+                          </m:ctrlPr>
+                        </m:sSupPr>
+                        <m:e>
+                          <m:r>
+                            <a:rPr lang="en-US" altLang="zh-CN" sz="2000" i="1">
+                              <a:latin typeface="Cambria Math" panose="02040503050406030204" pitchFamily="18" charset="0"/>
+                              <a:cs typeface="Times New Roman" panose="02020603050405020304" pitchFamily="18" charset="0"/>
+                            </a:rPr>
+                            <m:t>𝑅</m:t>
+                          </m:r>
+                        </m:e>
+                        <m:sup>
+                          <m:r>
+                            <a:rPr lang="en-US" altLang="zh-CN" sz="2000" i="1">
+                              <a:latin typeface="Cambria Math" panose="02040503050406030204" pitchFamily="18" charset="0"/>
+                              <a:cs typeface="Times New Roman" panose="02020603050405020304" pitchFamily="18" charset="0"/>
+                            </a:rPr>
+                            <m:t>22</m:t>
+                          </m:r>
+                        </m:sup>
+                      </m:sSup>
+                      <m:d>
+                        <m:dPr>
+                          <m:ctrlPr>
+                            <a:rPr lang="zh-CN" altLang="zh-CN" sz="2000" i="1">
+                              <a:latin typeface="Cambria Math" panose="02040503050406030204" pitchFamily="18" charset="0"/>
+                              <a:cs typeface="Times New Roman" panose="02020603050405020304" pitchFamily="18" charset="0"/>
+                            </a:rPr>
+                          </m:ctrlPr>
+                        </m:dPr>
+                        <m:e>
+                          <m:r>
+                            <a:rPr lang="en-US" altLang="zh-CN" sz="2000" i="1">
+                              <a:latin typeface="Cambria Math" panose="02040503050406030204" pitchFamily="18" charset="0"/>
+                              <a:cs typeface="Times New Roman" panose="02020603050405020304" pitchFamily="18" charset="0"/>
+                            </a:rPr>
+                            <m:t>𝑥</m:t>
+                          </m:r>
+                        </m:e>
+                      </m:d>
+                    </m:oMath>
+                  </m:oMathPara>
+                </a14:m>
+                <a:endParaRPr lang="zh-CN" altLang="zh-CN" sz="2000" dirty="0">
+                  <a:effectLst/>
+                  <a:cs typeface="Times New Roman" panose="02020603050405020304" pitchFamily="18" charset="0"/>
+                </a:endParaRPr>
+              </a:p>
+              <a:p>
+                <a:pPr algn="just">
+                  <a:lnSpc>
+                    <a:spcPct val="150000"/>
+                  </a:lnSpc>
+                </a:pPr>
+                <a14:m>
+                  <m:oMathPara xmlns:m="http://schemas.openxmlformats.org/officeDocument/2006/math">
+                    <m:oMathParaPr>
+                      <m:jc m:val="centerGroup"/>
+                    </m:oMathParaPr>
+                    <m:oMath xmlns:m="http://schemas.openxmlformats.org/officeDocument/2006/math">
+                      <m:nary>
+                        <m:naryPr>
+                          <m:chr m:val="∑"/>
+                          <m:limLoc m:val="subSup"/>
+                          <m:ctrlPr>
+                            <a:rPr lang="en-US" altLang="zh-CN" sz="2000" i="1">
+                              <a:latin typeface="Cambria Math" panose="02040503050406030204" pitchFamily="18" charset="0"/>
+                              <a:cs typeface="Times New Roman" panose="02020603050405020304" pitchFamily="18" charset="0"/>
+                            </a:rPr>
+                          </m:ctrlPr>
+                        </m:naryPr>
+                        <m:sub>
+                          <m:r>
+                            <a:rPr lang="en-US" altLang="zh-CN" sz="2000" b="0" i="1" smtClean="0">
+                              <a:latin typeface="Cambria Math" panose="02040503050406030204" pitchFamily="18" charset="0"/>
+                              <a:cs typeface="Times New Roman" panose="02020603050405020304" pitchFamily="18" charset="0"/>
+                            </a:rPr>
+                            <m:t>1</m:t>
+                          </m:r>
+                        </m:sub>
+                        <m:sup>
+                          <m:r>
+                            <a:rPr lang="en-US" altLang="zh-CN" sz="2000" i="1">
+                              <a:latin typeface="Cambria Math" panose="02040503050406030204" pitchFamily="18" charset="0"/>
+                              <a:cs typeface="Times New Roman" panose="02020603050405020304" pitchFamily="18" charset="0"/>
+                            </a:rPr>
+                            <m:t>{</m:t>
+                          </m:r>
+                          <m:r>
+                            <a:rPr lang="en-US" altLang="zh-CN" sz="2000" i="1">
+                              <a:latin typeface="Cambria Math" panose="02040503050406030204" pitchFamily="18" charset="0"/>
+                              <a:cs typeface="Times New Roman" panose="02020603050405020304" pitchFamily="18" charset="0"/>
+                            </a:rPr>
+                            <m:t>256</m:t>
+                          </m:r>
+                          <m:r>
+                            <a:rPr lang="en-US" altLang="zh-CN" sz="2000" i="1">
+                              <a:latin typeface="Cambria Math" panose="02040503050406030204" pitchFamily="18" charset="0"/>
+                              <a:cs typeface="Times New Roman" panose="02020603050405020304" pitchFamily="18" charset="0"/>
+                            </a:rPr>
+                            <m:t>}</m:t>
+                          </m:r>
+                        </m:sup>
+                        <m:e>
+                          <m:r>
+                            <a:rPr lang="en-US" altLang="zh-CN" sz="2000" i="1">
+                              <a:latin typeface="Cambria Math" panose="02040503050406030204" pitchFamily="18" charset="0"/>
+                              <a:cs typeface="Times New Roman" panose="02020603050405020304" pitchFamily="18" charset="0"/>
+                            </a:rPr>
+                            <m:t>(</m:t>
+                          </m:r>
+                          <m:r>
+                            <a:rPr lang="en-US" altLang="zh-CN" sz="2000" i="1">
+                              <a:latin typeface="Cambria Math" panose="02040503050406030204" pitchFamily="18" charset="0"/>
+                              <a:cs typeface="Times New Roman" panose="02020603050405020304" pitchFamily="18" charset="0"/>
+                            </a:rPr>
+                            <m:t>𝑥</m:t>
+                          </m:r>
+                          <m:r>
+                            <a:rPr lang="en-US" altLang="zh-CN" sz="2000" i="1">
+                              <a:latin typeface="Cambria Math" panose="02040503050406030204" pitchFamily="18" charset="0"/>
+                              <a:cs typeface="Times New Roman" panose="02020603050405020304" pitchFamily="18" charset="0"/>
+                            </a:rPr>
+                            <m:t>)</m:t>
+                          </m:r>
+                        </m:e>
+                      </m:nary>
+                      <m:r>
+                        <a:rPr lang="en-US" altLang="zh-CN" sz="2000" i="1">
+                          <a:latin typeface="Cambria Math" panose="02040503050406030204" pitchFamily="18" charset="0"/>
+                          <a:cs typeface="Times New Roman" panose="02020603050405020304" pitchFamily="18" charset="0"/>
+                        </a:rPr>
+                        <m:t>=</m:t>
+                      </m:r>
+                      <m:r>
+                        <a:rPr lang="en-US" altLang="zh-CN" sz="2000" i="1">
+                          <a:latin typeface="Cambria Math" panose="02040503050406030204" pitchFamily="18" charset="0"/>
+                          <a:cs typeface="Times New Roman" panose="02020603050405020304" pitchFamily="18" charset="0"/>
+                        </a:rPr>
+                        <m:t>𝑅𝑂𝑇</m:t>
+                      </m:r>
+                      <m:sSup>
+                        <m:sSupPr>
+                          <m:ctrlPr>
+                            <a:rPr lang="zh-CN" altLang="zh-CN" sz="2000" i="1">
+                              <a:latin typeface="Cambria Math" panose="02040503050406030204" pitchFamily="18" charset="0"/>
+                              <a:cs typeface="Times New Roman" panose="02020603050405020304" pitchFamily="18" charset="0"/>
+                            </a:rPr>
+                          </m:ctrlPr>
+                        </m:sSupPr>
+                        <m:e>
+                          <m:r>
+                            <a:rPr lang="en-US" altLang="zh-CN" sz="2000" i="1">
+                              <a:latin typeface="Cambria Math" panose="02040503050406030204" pitchFamily="18" charset="0"/>
+                              <a:cs typeface="Times New Roman" panose="02020603050405020304" pitchFamily="18" charset="0"/>
+                            </a:rPr>
+                            <m:t>𝑅</m:t>
+                          </m:r>
+                        </m:e>
+                        <m:sup>
+                          <m:r>
+                            <a:rPr lang="en-US" altLang="zh-CN" sz="2000" i="1">
+                              <a:latin typeface="Cambria Math" panose="02040503050406030204" pitchFamily="18" charset="0"/>
+                              <a:cs typeface="Times New Roman" panose="02020603050405020304" pitchFamily="18" charset="0"/>
+                            </a:rPr>
+                            <m:t>6</m:t>
+                          </m:r>
+                        </m:sup>
+                      </m:sSup>
+                      <m:r>
+                        <a:rPr lang="en-US" altLang="zh-CN" sz="2000" i="1">
+                          <a:latin typeface="Cambria Math" panose="02040503050406030204" pitchFamily="18" charset="0"/>
+                          <a:cs typeface="Times New Roman" panose="02020603050405020304" pitchFamily="18" charset="0"/>
+                        </a:rPr>
+                        <m:t>(</m:t>
+                      </m:r>
+                      <m:r>
+                        <a:rPr lang="en-US" altLang="zh-CN" sz="2000" i="1">
+                          <a:latin typeface="Cambria Math" panose="02040503050406030204" pitchFamily="18" charset="0"/>
+                          <a:cs typeface="Times New Roman" panose="02020603050405020304" pitchFamily="18" charset="0"/>
+                        </a:rPr>
+                        <m:t>𝑥</m:t>
+                      </m:r>
+                      <m:r>
+                        <a:rPr lang="en-US" altLang="zh-CN" sz="2000" i="1">
+                          <a:latin typeface="Cambria Math" panose="02040503050406030204" pitchFamily="18" charset="0"/>
+                          <a:cs typeface="Times New Roman" panose="02020603050405020304" pitchFamily="18" charset="0"/>
+                        </a:rPr>
+                        <m:t>)⊕</m:t>
+                      </m:r>
+                      <m:r>
+                        <a:rPr lang="en-US" altLang="zh-CN" sz="2000" i="1">
+                          <a:latin typeface="Cambria Math" panose="02040503050406030204" pitchFamily="18" charset="0"/>
+                          <a:cs typeface="Times New Roman" panose="02020603050405020304" pitchFamily="18" charset="0"/>
+                        </a:rPr>
+                        <m:t>𝑅𝑂𝑇</m:t>
+                      </m:r>
+                      <m:sSup>
+                        <m:sSupPr>
+                          <m:ctrlPr>
+                            <a:rPr lang="zh-CN" altLang="zh-CN" sz="2000" i="1">
+                              <a:latin typeface="Cambria Math" panose="02040503050406030204" pitchFamily="18" charset="0"/>
+                              <a:cs typeface="Times New Roman" panose="02020603050405020304" pitchFamily="18" charset="0"/>
+                            </a:rPr>
+                          </m:ctrlPr>
+                        </m:sSupPr>
+                        <m:e>
+                          <m:r>
+                            <a:rPr lang="en-US" altLang="zh-CN" sz="2000" i="1">
+                              <a:latin typeface="Cambria Math" panose="02040503050406030204" pitchFamily="18" charset="0"/>
+                              <a:cs typeface="Times New Roman" panose="02020603050405020304" pitchFamily="18" charset="0"/>
+                            </a:rPr>
+                            <m:t>𝑅</m:t>
+                          </m:r>
+                        </m:e>
+                        <m:sup>
+                          <m:r>
+                            <a:rPr lang="en-US" altLang="zh-CN" sz="2000" i="1">
+                              <a:latin typeface="Cambria Math" panose="02040503050406030204" pitchFamily="18" charset="0"/>
+                              <a:cs typeface="Times New Roman" panose="02020603050405020304" pitchFamily="18" charset="0"/>
+                            </a:rPr>
+                            <m:t>11</m:t>
+                          </m:r>
+                        </m:sup>
+                      </m:sSup>
+                      <m:r>
+                        <a:rPr lang="en-US" altLang="zh-CN" sz="2000" i="1">
+                          <a:latin typeface="Cambria Math" panose="02040503050406030204" pitchFamily="18" charset="0"/>
+                          <a:cs typeface="Times New Roman" panose="02020603050405020304" pitchFamily="18" charset="0"/>
+                        </a:rPr>
+                        <m:t>(</m:t>
+                      </m:r>
+                      <m:r>
+                        <a:rPr lang="en-US" altLang="zh-CN" sz="2000" i="1">
+                          <a:latin typeface="Cambria Math" panose="02040503050406030204" pitchFamily="18" charset="0"/>
+                          <a:cs typeface="Times New Roman" panose="02020603050405020304" pitchFamily="18" charset="0"/>
+                        </a:rPr>
+                        <m:t>𝑥</m:t>
+                      </m:r>
+                      <m:r>
+                        <a:rPr lang="en-US" altLang="zh-CN" sz="2000" i="1">
+                          <a:latin typeface="Cambria Math" panose="02040503050406030204" pitchFamily="18" charset="0"/>
+                          <a:cs typeface="Times New Roman" panose="02020603050405020304" pitchFamily="18" charset="0"/>
+                        </a:rPr>
+                        <m:t>)⊕</m:t>
+                      </m:r>
+                      <m:r>
+                        <a:rPr lang="en-US" altLang="zh-CN" sz="2000" i="1">
+                          <a:latin typeface="Cambria Math" panose="02040503050406030204" pitchFamily="18" charset="0"/>
+                          <a:cs typeface="Times New Roman" panose="02020603050405020304" pitchFamily="18" charset="0"/>
+                        </a:rPr>
+                        <m:t>𝑅𝑂𝑇</m:t>
+                      </m:r>
+                      <m:sSup>
+                        <m:sSupPr>
+                          <m:ctrlPr>
+                            <a:rPr lang="zh-CN" altLang="zh-CN" sz="2000" i="1">
+                              <a:latin typeface="Cambria Math" panose="02040503050406030204" pitchFamily="18" charset="0"/>
+                              <a:cs typeface="Times New Roman" panose="02020603050405020304" pitchFamily="18" charset="0"/>
+                            </a:rPr>
+                          </m:ctrlPr>
+                        </m:sSupPr>
+                        <m:e>
+                          <m:r>
+                            <a:rPr lang="en-US" altLang="zh-CN" sz="2000" i="1">
+                              <a:latin typeface="Cambria Math" panose="02040503050406030204" pitchFamily="18" charset="0"/>
+                              <a:cs typeface="Times New Roman" panose="02020603050405020304" pitchFamily="18" charset="0"/>
+                            </a:rPr>
+                            <m:t>𝑅</m:t>
+                          </m:r>
+                        </m:e>
+                        <m:sup>
+                          <m:r>
+                            <a:rPr lang="en-US" altLang="zh-CN" sz="2000" i="1">
+                              <a:latin typeface="Cambria Math" panose="02040503050406030204" pitchFamily="18" charset="0"/>
+                              <a:cs typeface="Times New Roman" panose="02020603050405020304" pitchFamily="18" charset="0"/>
+                            </a:rPr>
+                            <m:t>25</m:t>
+                          </m:r>
+                        </m:sup>
+                      </m:sSup>
+                      <m:r>
+                        <a:rPr lang="en-US" altLang="zh-CN" sz="2000" i="1">
+                          <a:latin typeface="Cambria Math" panose="02040503050406030204" pitchFamily="18" charset="0"/>
+                          <a:cs typeface="Times New Roman" panose="02020603050405020304" pitchFamily="18" charset="0"/>
+                        </a:rPr>
+                        <m:t>(</m:t>
+                      </m:r>
+                      <m:r>
+                        <a:rPr lang="en-US" altLang="zh-CN" sz="2000" i="1">
+                          <a:latin typeface="Cambria Math" panose="02040503050406030204" pitchFamily="18" charset="0"/>
+                          <a:cs typeface="Times New Roman" panose="02020603050405020304" pitchFamily="18" charset="0"/>
+                        </a:rPr>
+                        <m:t>𝑥</m:t>
+                      </m:r>
+                      <m:r>
+                        <a:rPr lang="en-US" altLang="zh-CN" sz="2000" i="1">
+                          <a:latin typeface="Cambria Math" panose="02040503050406030204" pitchFamily="18" charset="0"/>
+                          <a:cs typeface="Times New Roman" panose="02020603050405020304" pitchFamily="18" charset="0"/>
+                        </a:rPr>
+                        <m:t>)</m:t>
+                      </m:r>
+                    </m:oMath>
+                  </m:oMathPara>
+                </a14:m>
+                <a:endParaRPr lang="zh-CN" altLang="zh-CN" sz="2000" dirty="0">
+                  <a:effectLst/>
+                  <a:cs typeface="Times New Roman" panose="02020603050405020304" pitchFamily="18" charset="0"/>
+                </a:endParaRPr>
+              </a:p>
+              <a:p>
+                <a:pPr algn="just">
+                  <a:lnSpc>
+                    <a:spcPct val="150000"/>
+                  </a:lnSpc>
+                </a:pPr>
+                <a14:m>
+                  <m:oMathPara xmlns:m="http://schemas.openxmlformats.org/officeDocument/2006/math">
+                    <m:oMathParaPr>
+                      <m:jc m:val="centerGroup"/>
+                    </m:oMathParaPr>
+                    <m:oMath xmlns:m="http://schemas.openxmlformats.org/officeDocument/2006/math">
+                      <m:sSubSup>
+                        <m:sSubSupPr>
+                          <m:ctrlPr>
+                            <a:rPr lang="zh-CN" altLang="zh-CN" sz="2000" i="1" smtClean="0">
+                              <a:effectLst/>
+                              <a:latin typeface="Cambria Math" panose="02040503050406030204" pitchFamily="18" charset="0"/>
+                              <a:cs typeface="Times New Roman" panose="02020603050405020304" pitchFamily="18" charset="0"/>
+                            </a:rPr>
+                          </m:ctrlPr>
+                        </m:sSubSupPr>
+                        <m:e>
+                          <m:r>
+                            <a:rPr lang="en-US" altLang="zh-CN" sz="2000" i="1">
+                              <a:effectLst/>
+                              <a:latin typeface="Cambria Math" panose="02040503050406030204" pitchFamily="18" charset="0"/>
+                              <a:cs typeface="Times New Roman" panose="02020603050405020304" pitchFamily="18" charset="0"/>
+                            </a:rPr>
+                            <m:t>𝜎</m:t>
+                          </m:r>
+                        </m:e>
+                        <m:sub>
+                          <m:r>
+                            <a:rPr lang="en-US" altLang="zh-CN" sz="2000" i="1">
+                              <a:effectLst/>
+                              <a:latin typeface="Cambria Math" panose="02040503050406030204" pitchFamily="18" charset="0"/>
+                              <a:cs typeface="Times New Roman" panose="02020603050405020304" pitchFamily="18" charset="0"/>
+                            </a:rPr>
+                            <m:t>0</m:t>
+                          </m:r>
+                        </m:sub>
+                        <m:sup>
+                          <m:r>
+                            <a:rPr lang="en-US" altLang="zh-CN" sz="2000" i="1">
+                              <a:latin typeface="Cambria Math" panose="02040503050406030204" pitchFamily="18" charset="0"/>
+                              <a:cs typeface="Times New Roman" panose="02020603050405020304" pitchFamily="18" charset="0"/>
+                            </a:rPr>
+                            <m:t>{</m:t>
+                          </m:r>
+                          <m:r>
+                            <a:rPr lang="en-US" altLang="zh-CN" sz="2000" i="1">
+                              <a:latin typeface="Cambria Math" panose="02040503050406030204" pitchFamily="18" charset="0"/>
+                              <a:cs typeface="Times New Roman" panose="02020603050405020304" pitchFamily="18" charset="0"/>
+                            </a:rPr>
+                            <m:t>256</m:t>
+                          </m:r>
+                          <m:r>
+                            <a:rPr lang="en-US" altLang="zh-CN" sz="2000" i="1">
+                              <a:latin typeface="Cambria Math" panose="02040503050406030204" pitchFamily="18" charset="0"/>
+                              <a:cs typeface="Times New Roman" panose="02020603050405020304" pitchFamily="18" charset="0"/>
+                            </a:rPr>
+                            <m:t>}</m:t>
+                          </m:r>
+                        </m:sup>
+                      </m:sSubSup>
+                      <m:r>
+                        <a:rPr lang="en-US" altLang="zh-CN" sz="2000" i="1">
+                          <a:effectLst/>
+                          <a:latin typeface="Cambria Math" panose="02040503050406030204" pitchFamily="18" charset="0"/>
+                          <a:cs typeface="Times New Roman" panose="02020603050405020304" pitchFamily="18" charset="0"/>
+                        </a:rPr>
+                        <m:t>(</m:t>
+                      </m:r>
+                      <m:r>
+                        <a:rPr lang="en-US" altLang="zh-CN" sz="2000" i="1">
+                          <a:effectLst/>
+                          <a:latin typeface="Cambria Math" panose="02040503050406030204" pitchFamily="18" charset="0"/>
+                          <a:cs typeface="Times New Roman" panose="02020603050405020304" pitchFamily="18" charset="0"/>
+                        </a:rPr>
+                        <m:t>𝑥</m:t>
+                      </m:r>
+                      <m:r>
+                        <a:rPr lang="en-US" altLang="zh-CN" sz="2000" i="1">
+                          <a:effectLst/>
+                          <a:latin typeface="Cambria Math" panose="02040503050406030204" pitchFamily="18" charset="0"/>
+                          <a:cs typeface="Times New Roman" panose="02020603050405020304" pitchFamily="18" charset="0"/>
+                        </a:rPr>
+                        <m:t>)=</m:t>
+                      </m:r>
+                      <m:r>
+                        <a:rPr lang="en-US" altLang="zh-CN" sz="2000" i="1">
+                          <a:latin typeface="Cambria Math" panose="02040503050406030204" pitchFamily="18" charset="0"/>
+                          <a:cs typeface="Times New Roman" panose="02020603050405020304" pitchFamily="18" charset="0"/>
+                        </a:rPr>
+                        <m:t>𝑅𝑂𝑇</m:t>
+                      </m:r>
+                      <m:sSup>
+                        <m:sSupPr>
+                          <m:ctrlPr>
+                            <a:rPr lang="zh-CN" altLang="zh-CN" sz="2000" i="1">
+                              <a:latin typeface="Cambria Math" panose="02040503050406030204" pitchFamily="18" charset="0"/>
+                              <a:cs typeface="Times New Roman" panose="02020603050405020304" pitchFamily="18" charset="0"/>
+                            </a:rPr>
+                          </m:ctrlPr>
+                        </m:sSupPr>
+                        <m:e>
+                          <m:r>
+                            <a:rPr lang="en-US" altLang="zh-CN" sz="2000" i="1">
+                              <a:latin typeface="Cambria Math" panose="02040503050406030204" pitchFamily="18" charset="0"/>
+                              <a:cs typeface="Times New Roman" panose="02020603050405020304" pitchFamily="18" charset="0"/>
+                            </a:rPr>
+                            <m:t>𝑅</m:t>
+                          </m:r>
+                        </m:e>
+                        <m:sup>
+                          <m:r>
+                            <a:rPr lang="en-US" altLang="zh-CN" sz="2000" i="1">
+                              <a:latin typeface="Cambria Math" panose="02040503050406030204" pitchFamily="18" charset="0"/>
+                              <a:cs typeface="Times New Roman" panose="02020603050405020304" pitchFamily="18" charset="0"/>
+                            </a:rPr>
+                            <m:t>7</m:t>
+                          </m:r>
+                        </m:sup>
+                      </m:sSup>
+                      <m:r>
+                        <a:rPr lang="en-US" altLang="zh-CN" sz="2000" i="1">
+                          <a:latin typeface="Cambria Math" panose="02040503050406030204" pitchFamily="18" charset="0"/>
+                          <a:cs typeface="Times New Roman" panose="02020603050405020304" pitchFamily="18" charset="0"/>
+                        </a:rPr>
+                        <m:t>(</m:t>
+                      </m:r>
+                      <m:r>
+                        <a:rPr lang="en-US" altLang="zh-CN" sz="2000" i="1">
+                          <a:latin typeface="Cambria Math" panose="02040503050406030204" pitchFamily="18" charset="0"/>
+                          <a:cs typeface="Times New Roman" panose="02020603050405020304" pitchFamily="18" charset="0"/>
+                        </a:rPr>
+                        <m:t>𝑥</m:t>
+                      </m:r>
+                      <m:r>
+                        <a:rPr lang="en-US" altLang="zh-CN" sz="2000" i="1">
+                          <a:latin typeface="Cambria Math" panose="02040503050406030204" pitchFamily="18" charset="0"/>
+                          <a:cs typeface="Times New Roman" panose="02020603050405020304" pitchFamily="18" charset="0"/>
+                        </a:rPr>
+                        <m:t>)⊕</m:t>
+                      </m:r>
+                      <m:r>
+                        <a:rPr lang="en-US" altLang="zh-CN" sz="2000" i="1">
+                          <a:latin typeface="Cambria Math" panose="02040503050406030204" pitchFamily="18" charset="0"/>
+                          <a:cs typeface="Times New Roman" panose="02020603050405020304" pitchFamily="18" charset="0"/>
+                        </a:rPr>
+                        <m:t>𝑅𝑂𝑇</m:t>
+                      </m:r>
+                      <m:sSup>
+                        <m:sSupPr>
+                          <m:ctrlPr>
+                            <a:rPr lang="zh-CN" altLang="zh-CN" sz="2000" i="1">
+                              <a:latin typeface="Cambria Math" panose="02040503050406030204" pitchFamily="18" charset="0"/>
+                              <a:cs typeface="Times New Roman" panose="02020603050405020304" pitchFamily="18" charset="0"/>
+                            </a:rPr>
+                          </m:ctrlPr>
+                        </m:sSupPr>
+                        <m:e>
+                          <m:r>
+                            <a:rPr lang="en-US" altLang="zh-CN" sz="2000" i="1">
+                              <a:latin typeface="Cambria Math" panose="02040503050406030204" pitchFamily="18" charset="0"/>
+                              <a:cs typeface="Times New Roman" panose="02020603050405020304" pitchFamily="18" charset="0"/>
+                            </a:rPr>
+                            <m:t>𝑅</m:t>
+                          </m:r>
+                        </m:e>
+                        <m:sup>
+                          <m:r>
+                            <a:rPr lang="en-US" altLang="zh-CN" sz="2000" i="1">
+                              <a:latin typeface="Cambria Math" panose="02040503050406030204" pitchFamily="18" charset="0"/>
+                              <a:cs typeface="Times New Roman" panose="02020603050405020304" pitchFamily="18" charset="0"/>
+                            </a:rPr>
+                            <m:t>18</m:t>
+                          </m:r>
+                        </m:sup>
+                      </m:sSup>
+                      <m:r>
+                        <a:rPr lang="en-US" altLang="zh-CN" sz="2000" i="1">
+                          <a:latin typeface="Cambria Math" panose="02040503050406030204" pitchFamily="18" charset="0"/>
+                          <a:cs typeface="Times New Roman" panose="02020603050405020304" pitchFamily="18" charset="0"/>
+                        </a:rPr>
+                        <m:t>(</m:t>
+                      </m:r>
+                      <m:r>
+                        <a:rPr lang="en-US" altLang="zh-CN" sz="2000" i="1">
+                          <a:latin typeface="Cambria Math" panose="02040503050406030204" pitchFamily="18" charset="0"/>
+                          <a:cs typeface="Times New Roman" panose="02020603050405020304" pitchFamily="18" charset="0"/>
+                        </a:rPr>
+                        <m:t>𝑥</m:t>
+                      </m:r>
+                      <m:r>
+                        <a:rPr lang="en-US" altLang="zh-CN" sz="2000" i="1">
+                          <a:latin typeface="Cambria Math" panose="02040503050406030204" pitchFamily="18" charset="0"/>
+                          <a:cs typeface="Times New Roman" panose="02020603050405020304" pitchFamily="18" charset="0"/>
+                        </a:rPr>
+                        <m:t>)⊕</m:t>
+                      </m:r>
+                      <m:r>
+                        <a:rPr lang="en-US" altLang="zh-CN" sz="2000" i="1">
+                          <a:latin typeface="Cambria Math" panose="02040503050406030204" pitchFamily="18" charset="0"/>
+                          <a:cs typeface="Times New Roman" panose="02020603050405020304" pitchFamily="18" charset="0"/>
+                        </a:rPr>
+                        <m:t>𝑆𝐻</m:t>
+                      </m:r>
+                      <m:sSup>
+                        <m:sSupPr>
+                          <m:ctrlPr>
+                            <a:rPr lang="zh-CN" altLang="zh-CN" sz="2000" i="1">
+                              <a:latin typeface="Cambria Math" panose="02040503050406030204" pitchFamily="18" charset="0"/>
+                              <a:cs typeface="Times New Roman" panose="02020603050405020304" pitchFamily="18" charset="0"/>
+                            </a:rPr>
+                          </m:ctrlPr>
+                        </m:sSupPr>
+                        <m:e>
+                          <m:r>
+                            <a:rPr lang="en-US" altLang="zh-CN" sz="2000" i="1">
+                              <a:latin typeface="Cambria Math" panose="02040503050406030204" pitchFamily="18" charset="0"/>
+                              <a:cs typeface="Times New Roman" panose="02020603050405020304" pitchFamily="18" charset="0"/>
+                            </a:rPr>
+                            <m:t>𝑅</m:t>
+                          </m:r>
+                        </m:e>
+                        <m:sup>
+                          <m:r>
+                            <a:rPr lang="en-US" altLang="zh-CN" sz="2000" i="1">
+                              <a:latin typeface="Cambria Math" panose="02040503050406030204" pitchFamily="18" charset="0"/>
+                              <a:cs typeface="Times New Roman" panose="02020603050405020304" pitchFamily="18" charset="0"/>
+                            </a:rPr>
+                            <m:t>3</m:t>
+                          </m:r>
+                        </m:sup>
+                      </m:sSup>
+                      <m:r>
+                        <a:rPr lang="en-US" altLang="zh-CN" sz="2000" i="1">
+                          <a:latin typeface="Cambria Math" panose="02040503050406030204" pitchFamily="18" charset="0"/>
+                          <a:cs typeface="Times New Roman" panose="02020603050405020304" pitchFamily="18" charset="0"/>
+                        </a:rPr>
+                        <m:t>(</m:t>
+                      </m:r>
+                      <m:r>
+                        <a:rPr lang="en-US" altLang="zh-CN" sz="2000" i="1">
+                          <a:latin typeface="Cambria Math" panose="02040503050406030204" pitchFamily="18" charset="0"/>
+                          <a:cs typeface="Times New Roman" panose="02020603050405020304" pitchFamily="18" charset="0"/>
+                        </a:rPr>
+                        <m:t>𝑥</m:t>
+                      </m:r>
+                      <m:r>
+                        <a:rPr lang="en-US" altLang="zh-CN" sz="2000" i="1">
+                          <a:latin typeface="Cambria Math" panose="02040503050406030204" pitchFamily="18" charset="0"/>
+                          <a:cs typeface="Times New Roman" panose="02020603050405020304" pitchFamily="18" charset="0"/>
+                        </a:rPr>
+                        <m:t>)</m:t>
+                      </m:r>
+                    </m:oMath>
+                  </m:oMathPara>
+                </a14:m>
+                <a:endParaRPr lang="zh-CN" altLang="zh-CN" sz="2000" dirty="0">
+                  <a:effectLst/>
+                  <a:cs typeface="Times New Roman" panose="02020603050405020304" pitchFamily="18" charset="0"/>
+                </a:endParaRPr>
+              </a:p>
+              <a:p>
+                <a:pPr algn="just">
+                  <a:lnSpc>
+                    <a:spcPct val="150000"/>
+                  </a:lnSpc>
+                </a:pPr>
+                <a14:m>
+                  <m:oMathPara xmlns:m="http://schemas.openxmlformats.org/officeDocument/2006/math">
+                    <m:oMathParaPr>
+                      <m:jc m:val="centerGroup"/>
+                    </m:oMathParaPr>
+                    <m:oMath xmlns:m="http://schemas.openxmlformats.org/officeDocument/2006/math">
+                      <m:sSubSup>
+                        <m:sSubSupPr>
+                          <m:ctrlPr>
+                            <a:rPr lang="zh-CN" altLang="zh-CN" sz="2000" i="1" smtClean="0">
+                              <a:effectLst/>
+                              <a:latin typeface="Cambria Math" panose="02040503050406030204" pitchFamily="18" charset="0"/>
+                              <a:cs typeface="Times New Roman" panose="02020603050405020304" pitchFamily="18" charset="0"/>
+                            </a:rPr>
+                          </m:ctrlPr>
+                        </m:sSubSupPr>
+                        <m:e>
+                          <m:r>
+                            <a:rPr lang="en-US" altLang="zh-CN" sz="2000" i="1">
+                              <a:effectLst/>
+                              <a:latin typeface="Cambria Math" panose="02040503050406030204" pitchFamily="18" charset="0"/>
+                              <a:cs typeface="Times New Roman" panose="02020603050405020304" pitchFamily="18" charset="0"/>
+                            </a:rPr>
+                            <m:t>𝜎</m:t>
+                          </m:r>
+                        </m:e>
+                        <m:sub>
+                          <m:r>
+                            <a:rPr lang="en-US" altLang="zh-CN" sz="2000" i="1">
+                              <a:effectLst/>
+                              <a:latin typeface="Cambria Math" panose="02040503050406030204" pitchFamily="18" charset="0"/>
+                              <a:cs typeface="Times New Roman" panose="02020603050405020304" pitchFamily="18" charset="0"/>
+                            </a:rPr>
+                            <m:t>1</m:t>
+                          </m:r>
+                        </m:sub>
+                        <m:sup>
+                          <m:r>
+                            <a:rPr lang="en-US" altLang="zh-CN" sz="2000" i="1">
+                              <a:latin typeface="Cambria Math" panose="02040503050406030204" pitchFamily="18" charset="0"/>
+                              <a:cs typeface="Times New Roman" panose="02020603050405020304" pitchFamily="18" charset="0"/>
+                            </a:rPr>
+                            <m:t>{</m:t>
+                          </m:r>
+                          <m:r>
+                            <a:rPr lang="en-US" altLang="zh-CN" sz="2000" i="1">
+                              <a:latin typeface="Cambria Math" panose="02040503050406030204" pitchFamily="18" charset="0"/>
+                              <a:cs typeface="Times New Roman" panose="02020603050405020304" pitchFamily="18" charset="0"/>
+                            </a:rPr>
+                            <m:t>256</m:t>
+                          </m:r>
+                          <m:r>
+                            <a:rPr lang="en-US" altLang="zh-CN" sz="2000" i="1">
+                              <a:latin typeface="Cambria Math" panose="02040503050406030204" pitchFamily="18" charset="0"/>
+                              <a:cs typeface="Times New Roman" panose="02020603050405020304" pitchFamily="18" charset="0"/>
+                            </a:rPr>
+                            <m:t>}</m:t>
+                          </m:r>
+                        </m:sup>
+                      </m:sSubSup>
+                      <m:r>
+                        <a:rPr lang="en-US" altLang="zh-CN" sz="2000" i="1">
+                          <a:effectLst/>
+                          <a:latin typeface="Cambria Math" panose="02040503050406030204" pitchFamily="18" charset="0"/>
+                          <a:cs typeface="Times New Roman" panose="02020603050405020304" pitchFamily="18" charset="0"/>
+                        </a:rPr>
+                        <m:t>(</m:t>
+                      </m:r>
+                      <m:r>
+                        <a:rPr lang="en-US" altLang="zh-CN" sz="2000" i="1">
+                          <a:effectLst/>
+                          <a:latin typeface="Cambria Math" panose="02040503050406030204" pitchFamily="18" charset="0"/>
+                          <a:cs typeface="Times New Roman" panose="02020603050405020304" pitchFamily="18" charset="0"/>
+                        </a:rPr>
+                        <m:t>𝑥</m:t>
+                      </m:r>
+                      <m:r>
+                        <a:rPr lang="en-US" altLang="zh-CN" sz="2000" i="1">
+                          <a:effectLst/>
+                          <a:latin typeface="Cambria Math" panose="02040503050406030204" pitchFamily="18" charset="0"/>
+                          <a:cs typeface="Times New Roman" panose="02020603050405020304" pitchFamily="18" charset="0"/>
+                        </a:rPr>
+                        <m:t>)=</m:t>
+                      </m:r>
+                      <m:r>
+                        <a:rPr lang="en-US" altLang="zh-CN" sz="2000" i="1">
+                          <a:latin typeface="Cambria Math" panose="02040503050406030204" pitchFamily="18" charset="0"/>
+                          <a:cs typeface="Times New Roman" panose="02020603050405020304" pitchFamily="18" charset="0"/>
+                        </a:rPr>
+                        <m:t>𝑅𝑂𝑇</m:t>
+                      </m:r>
+                      <m:sSup>
+                        <m:sSupPr>
+                          <m:ctrlPr>
+                            <a:rPr lang="zh-CN" altLang="zh-CN" sz="2000" i="1">
+                              <a:latin typeface="Cambria Math" panose="02040503050406030204" pitchFamily="18" charset="0"/>
+                              <a:cs typeface="Times New Roman" panose="02020603050405020304" pitchFamily="18" charset="0"/>
+                            </a:rPr>
+                          </m:ctrlPr>
+                        </m:sSupPr>
+                        <m:e>
+                          <m:r>
+                            <a:rPr lang="en-US" altLang="zh-CN" sz="2000" i="1">
+                              <a:latin typeface="Cambria Math" panose="02040503050406030204" pitchFamily="18" charset="0"/>
+                              <a:cs typeface="Times New Roman" panose="02020603050405020304" pitchFamily="18" charset="0"/>
+                            </a:rPr>
+                            <m:t>𝑅</m:t>
+                          </m:r>
+                        </m:e>
+                        <m:sup>
+                          <m:r>
+                            <a:rPr lang="en-US" altLang="zh-CN" sz="2000" i="1">
+                              <a:latin typeface="Cambria Math" panose="02040503050406030204" pitchFamily="18" charset="0"/>
+                              <a:cs typeface="Times New Roman" panose="02020603050405020304" pitchFamily="18" charset="0"/>
+                            </a:rPr>
+                            <m:t>17</m:t>
+                          </m:r>
+                        </m:sup>
+                      </m:sSup>
+                      <m:r>
+                        <a:rPr lang="en-US" altLang="zh-CN" sz="2000" i="1">
+                          <a:latin typeface="Cambria Math" panose="02040503050406030204" pitchFamily="18" charset="0"/>
+                          <a:cs typeface="Times New Roman" panose="02020603050405020304" pitchFamily="18" charset="0"/>
+                        </a:rPr>
+                        <m:t>(</m:t>
+                      </m:r>
+                      <m:r>
+                        <a:rPr lang="en-US" altLang="zh-CN" sz="2000" i="1">
+                          <a:latin typeface="Cambria Math" panose="02040503050406030204" pitchFamily="18" charset="0"/>
+                          <a:cs typeface="Times New Roman" panose="02020603050405020304" pitchFamily="18" charset="0"/>
+                        </a:rPr>
+                        <m:t>𝑥</m:t>
+                      </m:r>
+                      <m:r>
+                        <a:rPr lang="en-US" altLang="zh-CN" sz="2000" i="1">
+                          <a:latin typeface="Cambria Math" panose="02040503050406030204" pitchFamily="18" charset="0"/>
+                          <a:cs typeface="Times New Roman" panose="02020603050405020304" pitchFamily="18" charset="0"/>
+                        </a:rPr>
+                        <m:t>)⊕</m:t>
+                      </m:r>
+                      <m:r>
+                        <a:rPr lang="en-US" altLang="zh-CN" sz="2000" i="1">
+                          <a:latin typeface="Cambria Math" panose="02040503050406030204" pitchFamily="18" charset="0"/>
+                          <a:cs typeface="Times New Roman" panose="02020603050405020304" pitchFamily="18" charset="0"/>
+                        </a:rPr>
+                        <m:t>𝑅𝑂𝑇</m:t>
+                      </m:r>
+                      <m:sSup>
+                        <m:sSupPr>
+                          <m:ctrlPr>
+                            <a:rPr lang="zh-CN" altLang="zh-CN" sz="2000" i="1">
+                              <a:latin typeface="Cambria Math" panose="02040503050406030204" pitchFamily="18" charset="0"/>
+                              <a:cs typeface="Times New Roman" panose="02020603050405020304" pitchFamily="18" charset="0"/>
+                            </a:rPr>
+                          </m:ctrlPr>
+                        </m:sSupPr>
+                        <m:e>
+                          <m:r>
+                            <a:rPr lang="en-US" altLang="zh-CN" sz="2000" i="1">
+                              <a:latin typeface="Cambria Math" panose="02040503050406030204" pitchFamily="18" charset="0"/>
+                              <a:cs typeface="Times New Roman" panose="02020603050405020304" pitchFamily="18" charset="0"/>
+                            </a:rPr>
+                            <m:t>𝑅</m:t>
+                          </m:r>
+                        </m:e>
+                        <m:sup>
+                          <m:r>
+                            <a:rPr lang="en-US" altLang="zh-CN" sz="2000" i="1">
+                              <a:latin typeface="Cambria Math" panose="02040503050406030204" pitchFamily="18" charset="0"/>
+                              <a:cs typeface="Times New Roman" panose="02020603050405020304" pitchFamily="18" charset="0"/>
+                            </a:rPr>
+                            <m:t>19</m:t>
+                          </m:r>
+                        </m:sup>
+                      </m:sSup>
+                      <m:r>
+                        <a:rPr lang="en-US" altLang="zh-CN" sz="2000" i="1">
+                          <a:latin typeface="Cambria Math" panose="02040503050406030204" pitchFamily="18" charset="0"/>
+                          <a:cs typeface="Times New Roman" panose="02020603050405020304" pitchFamily="18" charset="0"/>
+                        </a:rPr>
+                        <m:t>(</m:t>
+                      </m:r>
+                      <m:r>
+                        <a:rPr lang="en-US" altLang="zh-CN" sz="2000" i="1">
+                          <a:latin typeface="Cambria Math" panose="02040503050406030204" pitchFamily="18" charset="0"/>
+                          <a:cs typeface="Times New Roman" panose="02020603050405020304" pitchFamily="18" charset="0"/>
+                        </a:rPr>
+                        <m:t>𝑥</m:t>
+                      </m:r>
+                      <m:r>
+                        <a:rPr lang="en-US" altLang="zh-CN" sz="2000" i="1">
+                          <a:latin typeface="Cambria Math" panose="02040503050406030204" pitchFamily="18" charset="0"/>
+                          <a:cs typeface="Times New Roman" panose="02020603050405020304" pitchFamily="18" charset="0"/>
+                        </a:rPr>
+                        <m:t>)⊕</m:t>
+                      </m:r>
+                      <m:r>
+                        <a:rPr lang="en-US" altLang="zh-CN" sz="2000" i="1">
+                          <a:latin typeface="Cambria Math" panose="02040503050406030204" pitchFamily="18" charset="0"/>
+                          <a:cs typeface="Times New Roman" panose="02020603050405020304" pitchFamily="18" charset="0"/>
+                        </a:rPr>
+                        <m:t>𝑆𝐻</m:t>
+                      </m:r>
+                      <m:sSup>
+                        <m:sSupPr>
+                          <m:ctrlPr>
+                            <a:rPr lang="zh-CN" altLang="zh-CN" sz="2000" i="1">
+                              <a:latin typeface="Cambria Math" panose="02040503050406030204" pitchFamily="18" charset="0"/>
+                              <a:cs typeface="Times New Roman" panose="02020603050405020304" pitchFamily="18" charset="0"/>
+                            </a:rPr>
+                          </m:ctrlPr>
+                        </m:sSupPr>
+                        <m:e>
+                          <m:r>
+                            <a:rPr lang="en-US" altLang="zh-CN" sz="2000" i="1">
+                              <a:latin typeface="Cambria Math" panose="02040503050406030204" pitchFamily="18" charset="0"/>
+                              <a:cs typeface="Times New Roman" panose="02020603050405020304" pitchFamily="18" charset="0"/>
+                            </a:rPr>
+                            <m:t>𝑅</m:t>
+                          </m:r>
+                        </m:e>
+                        <m:sup>
+                          <m:r>
+                            <a:rPr lang="en-US" altLang="zh-CN" sz="2000" i="1">
+                              <a:latin typeface="Cambria Math" panose="02040503050406030204" pitchFamily="18" charset="0"/>
+                              <a:cs typeface="Times New Roman" panose="02020603050405020304" pitchFamily="18" charset="0"/>
+                            </a:rPr>
+                            <m:t>10</m:t>
+                          </m:r>
+                        </m:sup>
+                      </m:sSup>
+                      <m:r>
+                        <a:rPr lang="en-US" altLang="zh-CN" sz="2000" i="1">
+                          <a:latin typeface="Cambria Math" panose="02040503050406030204" pitchFamily="18" charset="0"/>
+                          <a:cs typeface="Times New Roman" panose="02020603050405020304" pitchFamily="18" charset="0"/>
+                        </a:rPr>
+                        <m:t>(</m:t>
+                      </m:r>
+                      <m:r>
+                        <a:rPr lang="en-US" altLang="zh-CN" sz="2000" i="1">
+                          <a:latin typeface="Cambria Math" panose="02040503050406030204" pitchFamily="18" charset="0"/>
+                          <a:cs typeface="Times New Roman" panose="02020603050405020304" pitchFamily="18" charset="0"/>
+                        </a:rPr>
+                        <m:t>𝑥</m:t>
+                      </m:r>
+                      <m:r>
+                        <a:rPr lang="en-US" altLang="zh-CN" sz="2000" i="1">
+                          <a:latin typeface="Cambria Math" panose="02040503050406030204" pitchFamily="18" charset="0"/>
+                          <a:cs typeface="Times New Roman" panose="02020603050405020304" pitchFamily="18" charset="0"/>
+                        </a:rPr>
+                        <m:t>)</m:t>
+                      </m:r>
+                    </m:oMath>
+                  </m:oMathPara>
+                </a14:m>
+                <a:endParaRPr lang="zh-CN" altLang="zh-CN" sz="2000" dirty="0">
+                  <a:effectLst/>
+                  <a:cs typeface="Times New Roman" panose="02020603050405020304" pitchFamily="18" charset="0"/>
+                </a:endParaRPr>
+              </a:p>
+            </p:txBody>
+          </p:sp>
+        </mc:Choice>
+        <mc:Fallback>
+          <p:sp>
+            <p:nvSpPr>
+              <p:cNvPr id="2" name="文本框 1"/>
+              <p:cNvSpPr txBox="1">
+                <a:spLocks noRot="1" noChangeAspect="1" noMove="1" noResize="1" noEditPoints="1" noAdjustHandles="1" noChangeArrowheads="1" noChangeShapeType="1" noTextEdit="1"/>
+              </p:cNvSpPr>
+              <p:nvPr/>
+            </p:nvSpPr>
+            <p:spPr>
+              <a:xfrm>
+                <a:off x="631129" y="1063154"/>
+                <a:ext cx="10924674" cy="4563301"/>
+              </a:xfrm>
+              <a:prstGeom prst="rect">
+                <a:avLst/>
+              </a:prstGeom>
+              <a:blipFill rotWithShape="1">
+                <a:blip r:embed="rId2"/>
+                <a:stretch>
+                  <a:fillRect l="-5" t="-4" r="1" b="8"/>
+                </a:stretch>
+              </a:blipFill>
+            </p:spPr>
+            <p:txBody>
+              <a:bodyPr/>
+              <a:lstStyle/>
+              <a:p>
+                <a:r>
+                  <a:rPr lang="zh-CN" altLang="en-US">
+                    <a:noFill/>
+                  </a:rPr>
+                  <a:t> </a:t>
+                </a:r>
+              </a:p>
+            </p:txBody>
+          </p:sp>
+        </mc:Fallback>
+      </mc:AlternateContent>
+    </p:spTree>
+  </p:cSld>
+  <p:clrMapOvr>
+    <a:masterClrMapping/>
+  </p:clrMapOvr>
+  <mc:AlternateContent xmlns:mc="http://schemas.openxmlformats.org/markup-compatibility/2006">
+    <mc:Choice xmlns:p14="http://schemas.microsoft.com/office/powerpoint/2010/main" Requires="p14">
+      <p:transition p14:dur="0" advClick="0"/>
+    </mc:Choice>
+    <mc:Fallback>
       <p:transition advClick="0"/>
     </mc:Fallback>
   </mc:AlternateContent>
@@ -15404,1802 +16820,22 @@
               </a:rPr>
               <a:t>SHA-2</a:t>
             </a:r>
-          </a:p>
-        </p:txBody>
-      </p:sp>
-      <mc:AlternateContent xmlns:mc="http://schemas.openxmlformats.org/markup-compatibility/2006">
-        <mc:Choice xmlns:a14="http://schemas.microsoft.com/office/drawing/2010/main" Requires="a14">
-          <p:sp>
-            <p:nvSpPr>
-              <p:cNvPr id="2" name="文本框 1"/>
-              <p:cNvSpPr txBox="1"/>
-              <p:nvPr/>
-            </p:nvSpPr>
-            <p:spPr>
-              <a:xfrm>
-                <a:off x="631129" y="1063154"/>
-                <a:ext cx="10924674" cy="4563301"/>
-              </a:xfrm>
-              <a:prstGeom prst="rect">
-                <a:avLst/>
-              </a:prstGeom>
-              <a:noFill/>
-            </p:spPr>
-            <p:txBody>
-              <a:bodyPr wrap="square" rtlCol="0">
-                <a:spAutoFit/>
-              </a:bodyPr>
-              <a:lstStyle/>
-              <a:p>
-                <a:pPr algn="just">
-                  <a:lnSpc>
-                    <a:spcPct val="150000"/>
-                  </a:lnSpc>
-                </a:pPr>
-                <a:r>
-                  <a:rPr lang="zh-CN" altLang="en-US" sz="2000" kern="100" dirty="0">
-                    <a:cs typeface="Times New Roman" panose="02020603050405020304" pitchFamily="18" charset="0"/>
-                  </a:rPr>
-                  <a:t>相关符号及函数</a:t>
-                </a:r>
-                <a:endParaRPr lang="en-US" altLang="zh-CN" sz="2000" kern="100" dirty="0">
-                  <a:cs typeface="Times New Roman" panose="02020603050405020304" pitchFamily="18" charset="0"/>
-                </a:endParaRPr>
-              </a:p>
-              <a:p>
-                <a:pPr algn="ctr">
-                  <a:lnSpc>
-                    <a:spcPct val="150000"/>
-                  </a:lnSpc>
-                </a:pPr>
-                <a14:m>
-                  <m:oMathPara xmlns:m="http://schemas.openxmlformats.org/officeDocument/2006/math">
-                    <m:oMathParaPr>
-                      <m:jc m:val="centerGroup"/>
-                    </m:oMathParaPr>
-                    <m:oMath xmlns:m="http://schemas.openxmlformats.org/officeDocument/2006/math">
-                      <m:r>
-                        <a:rPr lang="en-US" altLang="zh-CN" sz="2000" i="1" smtClean="0">
-                          <a:effectLst/>
-                          <a:cs typeface="Times New Roman" panose="02020603050405020304" pitchFamily="18" charset="0"/>
-                        </a:rPr>
-                        <m:t>𝑅𝑂𝑇</m:t>
-                      </m:r>
-                      <m:sSup>
-                        <m:sSupPr>
-                          <m:ctrlPr>
-                            <a:rPr lang="zh-CN" altLang="zh-CN" sz="2000" i="1">
-                              <a:effectLst/>
-                              <a:cs typeface="Times New Roman" panose="02020603050405020304" pitchFamily="18" charset="0"/>
-                            </a:rPr>
-                          </m:ctrlPr>
-                        </m:sSupPr>
-                        <m:e>
-                          <m:r>
-                            <a:rPr lang="en-US" altLang="zh-CN" sz="2000" i="1">
-                              <a:effectLst/>
-                              <a:cs typeface="Times New Roman" panose="02020603050405020304" pitchFamily="18" charset="0"/>
-                            </a:rPr>
-                            <m:t>𝑅</m:t>
-                          </m:r>
-                        </m:e>
-                        <m:sup>
-                          <m:r>
-                            <a:rPr lang="en-US" altLang="zh-CN" sz="2000" i="1">
-                              <a:effectLst/>
-                              <a:cs typeface="Times New Roman" panose="02020603050405020304" pitchFamily="18" charset="0"/>
-                            </a:rPr>
-                            <m:t>𝑛</m:t>
-                          </m:r>
-                        </m:sup>
-                      </m:sSup>
-                      <m:d>
-                        <m:dPr>
-                          <m:ctrlPr>
-                            <a:rPr lang="en-US" altLang="zh-CN" sz="2000" i="1">
-                              <a:effectLst/>
-                              <a:latin typeface="Cambria Math" panose="02040503050406030204" pitchFamily="18" charset="0"/>
-                              <a:cs typeface="Times New Roman" panose="02020603050405020304" pitchFamily="18" charset="0"/>
-                            </a:rPr>
-                          </m:ctrlPr>
-                        </m:dPr>
-                        <m:e>
-                          <m:r>
-                            <a:rPr lang="en-US" altLang="zh-CN" sz="2000" i="1">
-                              <a:effectLst/>
-                              <a:cs typeface="Times New Roman" panose="02020603050405020304" pitchFamily="18" charset="0"/>
-                            </a:rPr>
-                            <m:t>𝑥</m:t>
-                          </m:r>
-                        </m:e>
-                      </m:d>
-                      <m:r>
-                        <a:rPr lang="en-US" altLang="zh-CN" sz="2000" i="1">
-                          <a:effectLst/>
-                          <a:cs typeface="Times New Roman" panose="02020603050405020304" pitchFamily="18" charset="0"/>
-                        </a:rPr>
-                        <m:t>=</m:t>
-                      </m:r>
-                      <m:d>
-                        <m:dPr>
-                          <m:ctrlPr>
-                            <a:rPr lang="en-US" altLang="zh-CN" sz="2000" i="1">
-                              <a:effectLst/>
-                              <a:latin typeface="Cambria Math" panose="02040503050406030204" pitchFamily="18" charset="0"/>
-                              <a:cs typeface="Times New Roman" panose="02020603050405020304" pitchFamily="18" charset="0"/>
-                            </a:rPr>
-                          </m:ctrlPr>
-                        </m:dPr>
-                        <m:e>
-                          <m:r>
-                            <a:rPr lang="en-US" altLang="zh-CN" sz="2000" i="1">
-                              <a:effectLst/>
-                              <a:cs typeface="Times New Roman" panose="02020603050405020304" pitchFamily="18" charset="0"/>
-                            </a:rPr>
-                            <m:t>𝑥</m:t>
-                          </m:r>
-                          <m:r>
-                            <a:rPr lang="en-US" altLang="zh-CN" sz="2000" i="1">
-                              <a:effectLst/>
-                              <a:cs typeface="Times New Roman" panose="02020603050405020304" pitchFamily="18" charset="0"/>
-                            </a:rPr>
-                            <m:t>&gt;&gt;</m:t>
-                          </m:r>
-                          <m:r>
-                            <a:rPr lang="en-US" altLang="zh-CN" sz="2000" i="1">
-                              <a:effectLst/>
-                              <a:cs typeface="Times New Roman" panose="02020603050405020304" pitchFamily="18" charset="0"/>
-                            </a:rPr>
-                            <m:t>𝑛</m:t>
-                          </m:r>
-                        </m:e>
-                      </m:d>
-                      <m:r>
-                        <a:rPr lang="en-US" altLang="zh-CN" sz="2000" i="1">
-                          <a:effectLst/>
-                          <a:cs typeface="Times New Roman" panose="02020603050405020304" pitchFamily="18" charset="0"/>
-                        </a:rPr>
-                        <m:t>∨</m:t>
-                      </m:r>
-                      <m:d>
-                        <m:dPr>
-                          <m:ctrlPr>
-                            <a:rPr lang="en-US" altLang="zh-CN" sz="2000" i="1">
-                              <a:effectLst/>
-                              <a:latin typeface="Cambria Math" panose="02040503050406030204" pitchFamily="18" charset="0"/>
-                              <a:cs typeface="Times New Roman" panose="02020603050405020304" pitchFamily="18" charset="0"/>
-                            </a:rPr>
-                          </m:ctrlPr>
-                        </m:dPr>
-                        <m:e>
-                          <m:r>
-                            <a:rPr lang="en-US" altLang="zh-CN" sz="2000" i="1">
-                              <a:effectLst/>
-                              <a:cs typeface="Times New Roman" panose="02020603050405020304" pitchFamily="18" charset="0"/>
-                            </a:rPr>
-                            <m:t>𝑥</m:t>
-                          </m:r>
-                          <m:r>
-                            <a:rPr lang="en-US" altLang="zh-CN" sz="2000" i="1">
-                              <a:effectLst/>
-                              <a:cs typeface="Times New Roman" panose="02020603050405020304" pitchFamily="18" charset="0"/>
-                            </a:rPr>
-                            <m:t>&lt;&lt;</m:t>
-                          </m:r>
-                          <m:r>
-                            <a:rPr lang="en-US" altLang="zh-CN" sz="2000" i="1">
-                              <a:effectLst/>
-                              <a:cs typeface="Times New Roman" panose="02020603050405020304" pitchFamily="18" charset="0"/>
-                            </a:rPr>
-                            <m:t>𝑤</m:t>
-                          </m:r>
-                          <m:r>
-                            <a:rPr lang="en-US" altLang="zh-CN" sz="2000" i="1">
-                              <a:effectLst/>
-                              <a:cs typeface="Times New Roman" panose="02020603050405020304" pitchFamily="18" charset="0"/>
-                            </a:rPr>
-                            <m:t>−</m:t>
-                          </m:r>
-                          <m:r>
-                            <a:rPr lang="en-US" altLang="zh-CN" sz="2000" i="1">
-                              <a:effectLst/>
-                              <a:cs typeface="Times New Roman" panose="02020603050405020304" pitchFamily="18" charset="0"/>
-                            </a:rPr>
-                            <m:t>𝑛</m:t>
-                          </m:r>
-                        </m:e>
-                      </m:d>
-                      <m:r>
-                        <a:rPr lang="en-US" altLang="zh-CN" sz="2000" b="0" i="0" smtClean="0">
-                          <a:effectLst/>
-                          <a:latin typeface="Cambria Math" panose="02040503050406030204" pitchFamily="18" charset="0"/>
-                          <a:cs typeface="Times New Roman" panose="02020603050405020304" pitchFamily="18" charset="0"/>
-                        </a:rPr>
-                        <m:t>,  </m:t>
-                      </m:r>
-                      <m:r>
-                        <a:rPr lang="en-US" altLang="zh-CN" sz="2000" i="1" smtClean="0">
-                          <a:effectLst/>
-                          <a:cs typeface="Times New Roman" panose="02020603050405020304" pitchFamily="18" charset="0"/>
-                        </a:rPr>
-                        <m:t>𝑆𝐻</m:t>
-                      </m:r>
-                      <m:sSup>
-                        <m:sSupPr>
-                          <m:ctrlPr>
-                            <a:rPr lang="zh-CN" altLang="zh-CN" sz="2000" i="1">
-                              <a:effectLst/>
-                              <a:cs typeface="Times New Roman" panose="02020603050405020304" pitchFamily="18" charset="0"/>
-                            </a:rPr>
-                          </m:ctrlPr>
-                        </m:sSupPr>
-                        <m:e>
-                          <m:r>
-                            <a:rPr lang="en-US" altLang="zh-CN" sz="2000" i="1">
-                              <a:effectLst/>
-                              <a:cs typeface="Times New Roman" panose="02020603050405020304" pitchFamily="18" charset="0"/>
-                            </a:rPr>
-                            <m:t>𝑅</m:t>
-                          </m:r>
-                        </m:e>
-                        <m:sup>
-                          <m:r>
-                            <a:rPr lang="en-US" altLang="zh-CN" sz="2000" i="1">
-                              <a:effectLst/>
-                              <a:cs typeface="Times New Roman" panose="02020603050405020304" pitchFamily="18" charset="0"/>
-                            </a:rPr>
-                            <m:t>𝑛</m:t>
-                          </m:r>
-                        </m:sup>
-                      </m:sSup>
-                      <m:r>
-                        <a:rPr lang="en-US" altLang="zh-CN" sz="2000" i="1">
-                          <a:effectLst/>
-                          <a:cs typeface="Times New Roman" panose="02020603050405020304" pitchFamily="18" charset="0"/>
-                        </a:rPr>
-                        <m:t>(</m:t>
-                      </m:r>
-                      <m:r>
-                        <a:rPr lang="en-US" altLang="zh-CN" sz="2000" i="1">
-                          <a:effectLst/>
-                          <a:cs typeface="Times New Roman" panose="02020603050405020304" pitchFamily="18" charset="0"/>
-                        </a:rPr>
-                        <m:t>𝑥</m:t>
-                      </m:r>
-                      <m:r>
-                        <a:rPr lang="en-US" altLang="zh-CN" sz="2000" i="1">
-                          <a:effectLst/>
-                          <a:cs typeface="Times New Roman" panose="02020603050405020304" pitchFamily="18" charset="0"/>
-                        </a:rPr>
-                        <m:t>)=</m:t>
-                      </m:r>
-                      <m:r>
-                        <a:rPr lang="en-US" altLang="zh-CN" sz="2000" i="1">
-                          <a:effectLst/>
-                          <a:cs typeface="Times New Roman" panose="02020603050405020304" pitchFamily="18" charset="0"/>
-                        </a:rPr>
-                        <m:t>𝑥</m:t>
-                      </m:r>
-                      <m:r>
-                        <a:rPr lang="en-US" altLang="zh-CN" sz="2000" i="1">
-                          <a:effectLst/>
-                          <a:cs typeface="Times New Roman" panose="02020603050405020304" pitchFamily="18" charset="0"/>
-                        </a:rPr>
-                        <m:t>&gt;&gt;</m:t>
-                      </m:r>
-                      <m:r>
-                        <a:rPr lang="en-US" altLang="zh-CN" sz="2000" i="1">
-                          <a:effectLst/>
-                          <a:cs typeface="Times New Roman" panose="02020603050405020304" pitchFamily="18" charset="0"/>
-                        </a:rPr>
-                        <m:t>𝑛</m:t>
-                      </m:r>
-                    </m:oMath>
-                  </m:oMathPara>
-                </a14:m>
-                <a:endParaRPr lang="en-US" altLang="zh-CN" sz="2000" kern="100" dirty="0">
-                  <a:effectLst/>
-                  <a:cs typeface="Times New Roman" panose="02020603050405020304" pitchFamily="18" charset="0"/>
-                </a:endParaRPr>
-              </a:p>
-              <a:p>
-                <a:pPr algn="just">
-                  <a:lnSpc>
-                    <a:spcPct val="150000"/>
-                  </a:lnSpc>
-                </a:pPr>
-                <a14:m>
-                  <m:oMathPara xmlns:m="http://schemas.openxmlformats.org/officeDocument/2006/math">
-                    <m:oMathParaPr>
-                      <m:jc m:val="centerGroup"/>
-                    </m:oMathParaPr>
-                    <m:oMath xmlns:m="http://schemas.openxmlformats.org/officeDocument/2006/math">
-                      <m:r>
-                        <a:rPr lang="en-US" altLang="zh-CN" sz="2000" i="1" kern="100">
-                          <a:latin typeface="Cambria Math" panose="02040503050406030204" pitchFamily="18" charset="0"/>
-                          <a:cs typeface="Times New Roman" panose="02020603050405020304" pitchFamily="18" charset="0"/>
-                        </a:rPr>
-                        <m:t>𝐶h</m:t>
-                      </m:r>
-                      <m:d>
-                        <m:dPr>
-                          <m:ctrlPr>
-                            <a:rPr lang="en-US" altLang="zh-CN" sz="2000" i="1" kern="100">
-                              <a:latin typeface="Cambria Math" panose="02040503050406030204" pitchFamily="18" charset="0"/>
-                              <a:cs typeface="Times New Roman" panose="02020603050405020304" pitchFamily="18" charset="0"/>
-                            </a:rPr>
-                          </m:ctrlPr>
-                        </m:dPr>
-                        <m:e>
-                          <m:r>
-                            <a:rPr lang="en-US" altLang="zh-CN" sz="2000" i="1" kern="100">
-                              <a:latin typeface="Cambria Math" panose="02040503050406030204" pitchFamily="18" charset="0"/>
-                              <a:cs typeface="Times New Roman" panose="02020603050405020304" pitchFamily="18" charset="0"/>
-                            </a:rPr>
-                            <m:t>𝑥</m:t>
-                          </m:r>
-                          <m:r>
-                            <a:rPr lang="en-US" altLang="zh-CN" sz="2000" i="1" kern="100">
-                              <a:latin typeface="Cambria Math" panose="02040503050406030204" pitchFamily="18" charset="0"/>
-                              <a:cs typeface="Times New Roman" panose="02020603050405020304" pitchFamily="18" charset="0"/>
-                            </a:rPr>
-                            <m:t>,</m:t>
-                          </m:r>
-                          <m:r>
-                            <a:rPr lang="en-US" altLang="zh-CN" sz="2000" i="1" kern="100">
-                              <a:latin typeface="Cambria Math" panose="02040503050406030204" pitchFamily="18" charset="0"/>
-                              <a:cs typeface="Times New Roman" panose="02020603050405020304" pitchFamily="18" charset="0"/>
-                            </a:rPr>
-                            <m:t>𝑦</m:t>
-                          </m:r>
-                          <m:r>
-                            <a:rPr lang="en-US" altLang="zh-CN" sz="2000" i="1" kern="100">
-                              <a:latin typeface="Cambria Math" panose="02040503050406030204" pitchFamily="18" charset="0"/>
-                              <a:cs typeface="Times New Roman" panose="02020603050405020304" pitchFamily="18" charset="0"/>
-                            </a:rPr>
-                            <m:t>,</m:t>
-                          </m:r>
-                          <m:r>
-                            <a:rPr lang="en-US" altLang="zh-CN" sz="2000" i="1" kern="100">
-                              <a:latin typeface="Cambria Math" panose="02040503050406030204" pitchFamily="18" charset="0"/>
-                              <a:cs typeface="Times New Roman" panose="02020603050405020304" pitchFamily="18" charset="0"/>
-                            </a:rPr>
-                            <m:t>𝑧</m:t>
-                          </m:r>
-                        </m:e>
-                      </m:d>
-                      <m:r>
-                        <a:rPr lang="en-US" altLang="zh-CN" sz="2000" i="1" kern="100">
-                          <a:latin typeface="Cambria Math" panose="02040503050406030204" pitchFamily="18" charset="0"/>
-                          <a:cs typeface="Times New Roman" panose="02020603050405020304" pitchFamily="18" charset="0"/>
-                        </a:rPr>
-                        <m:t>=</m:t>
-                      </m:r>
-                      <m:d>
-                        <m:dPr>
-                          <m:ctrlPr>
-                            <a:rPr lang="en-US" altLang="zh-CN" sz="2000" i="1" kern="100">
-                              <a:latin typeface="Cambria Math" panose="02040503050406030204" pitchFamily="18" charset="0"/>
-                              <a:cs typeface="Times New Roman" panose="02020603050405020304" pitchFamily="18" charset="0"/>
-                            </a:rPr>
-                          </m:ctrlPr>
-                        </m:dPr>
-                        <m:e>
-                          <m:r>
-                            <a:rPr lang="en-US" altLang="zh-CN" sz="2000" i="1" kern="100">
-                              <a:latin typeface="Cambria Math" panose="02040503050406030204" pitchFamily="18" charset="0"/>
-                              <a:cs typeface="Times New Roman" panose="02020603050405020304" pitchFamily="18" charset="0"/>
-                            </a:rPr>
-                            <m:t>𝑥</m:t>
-                          </m:r>
-                          <m:r>
-                            <a:rPr lang="en-US" altLang="zh-CN" sz="2000" i="1" kern="100">
-                              <a:latin typeface="Cambria Math" panose="02040503050406030204" pitchFamily="18" charset="0"/>
-                              <a:cs typeface="Times New Roman" panose="02020603050405020304" pitchFamily="18" charset="0"/>
-                            </a:rPr>
-                            <m:t>∧</m:t>
-                          </m:r>
-                          <m:r>
-                            <a:rPr lang="en-US" altLang="zh-CN" sz="2000" i="1" kern="100">
-                              <a:latin typeface="Cambria Math" panose="02040503050406030204" pitchFamily="18" charset="0"/>
-                              <a:cs typeface="Times New Roman" panose="02020603050405020304" pitchFamily="18" charset="0"/>
-                            </a:rPr>
-                            <m:t>𝑦</m:t>
-                          </m:r>
-                        </m:e>
-                      </m:d>
-                      <m:r>
-                        <a:rPr lang="en-US" altLang="zh-CN" sz="2000" i="1" kern="100">
-                          <a:latin typeface="Cambria Math" panose="02040503050406030204" pitchFamily="18" charset="0"/>
-                          <a:cs typeface="Times New Roman" panose="02020603050405020304" pitchFamily="18" charset="0"/>
-                        </a:rPr>
-                        <m:t>⊕</m:t>
-                      </m:r>
-                      <m:d>
-                        <m:dPr>
-                          <m:ctrlPr>
-                            <a:rPr lang="en-US" altLang="zh-CN" sz="2000" i="1" kern="100">
-                              <a:latin typeface="Cambria Math" panose="02040503050406030204" pitchFamily="18" charset="0"/>
-                              <a:cs typeface="Times New Roman" panose="02020603050405020304" pitchFamily="18" charset="0"/>
-                            </a:rPr>
-                          </m:ctrlPr>
-                        </m:dPr>
-                        <m:e>
-                          <m:r>
-                            <a:rPr lang="en-US" altLang="zh-CN" sz="2000" kern="100">
-                              <a:latin typeface="Cambria Math" panose="02040503050406030204" pitchFamily="18" charset="0"/>
-                              <a:cs typeface="Times New Roman" panose="02020603050405020304" pitchFamily="18" charset="0"/>
-                            </a:rPr>
-                            <m:t>¬</m:t>
-                          </m:r>
-                          <m:r>
-                            <a:rPr lang="en-US" altLang="zh-CN" sz="2000" i="1" kern="100">
-                              <a:latin typeface="Cambria Math" panose="02040503050406030204" pitchFamily="18" charset="0"/>
-                              <a:cs typeface="Times New Roman" panose="02020603050405020304" pitchFamily="18" charset="0"/>
-                            </a:rPr>
-                            <m:t>𝑥</m:t>
-                          </m:r>
-                          <m:r>
-                            <a:rPr lang="en-US" altLang="zh-CN" sz="2000" i="1" kern="100">
-                              <a:latin typeface="Cambria Math" panose="02040503050406030204" pitchFamily="18" charset="0"/>
-                              <a:cs typeface="Times New Roman" panose="02020603050405020304" pitchFamily="18" charset="0"/>
-                            </a:rPr>
-                            <m:t>∧</m:t>
-                          </m:r>
-                          <m:r>
-                            <a:rPr lang="en-US" altLang="zh-CN" sz="2000" i="1" kern="100">
-                              <a:latin typeface="Cambria Math" panose="02040503050406030204" pitchFamily="18" charset="0"/>
-                              <a:cs typeface="Times New Roman" panose="02020603050405020304" pitchFamily="18" charset="0"/>
-                            </a:rPr>
-                            <m:t>𝑧</m:t>
-                          </m:r>
-                        </m:e>
-                      </m:d>
-                      <m:r>
-                        <a:rPr lang="en-US" altLang="zh-CN" sz="2000" b="0" i="1" kern="100" smtClean="0">
-                          <a:latin typeface="Cambria Math" panose="02040503050406030204" pitchFamily="18" charset="0"/>
-                          <a:cs typeface="Times New Roman" panose="02020603050405020304" pitchFamily="18" charset="0"/>
-                        </a:rPr>
-                        <m:t>,  </m:t>
-                      </m:r>
-                      <m:r>
-                        <a:rPr lang="en-US" altLang="zh-CN" sz="2000" i="1" kern="100" smtClean="0">
-                          <a:effectLst/>
-                          <a:cs typeface="Times New Roman" panose="02020603050405020304" pitchFamily="18" charset="0"/>
-                        </a:rPr>
-                        <m:t>𝑀𝑎𝑗</m:t>
-                      </m:r>
-                      <m:r>
-                        <a:rPr lang="en-US" altLang="zh-CN" sz="2000" i="1" kern="100" smtClean="0">
-                          <a:effectLst/>
-                          <a:cs typeface="Times New Roman" panose="02020603050405020304" pitchFamily="18" charset="0"/>
-                        </a:rPr>
-                        <m:t>(</m:t>
-                      </m:r>
-                      <m:r>
-                        <a:rPr lang="en-US" altLang="zh-CN" sz="2000" i="1" kern="100" smtClean="0">
-                          <a:effectLst/>
-                          <a:cs typeface="Times New Roman" panose="02020603050405020304" pitchFamily="18" charset="0"/>
-                        </a:rPr>
-                        <m:t>𝑥</m:t>
-                      </m:r>
-                      <m:r>
-                        <a:rPr lang="en-US" altLang="zh-CN" sz="2000" i="1" kern="100" smtClean="0">
-                          <a:effectLst/>
-                          <a:cs typeface="Times New Roman" panose="02020603050405020304" pitchFamily="18" charset="0"/>
-                        </a:rPr>
-                        <m:t>,</m:t>
-                      </m:r>
-                      <m:r>
-                        <a:rPr lang="en-US" altLang="zh-CN" sz="2000" i="1" kern="100" smtClean="0">
-                          <a:effectLst/>
-                          <a:cs typeface="Times New Roman" panose="02020603050405020304" pitchFamily="18" charset="0"/>
-                        </a:rPr>
-                        <m:t>𝑦</m:t>
-                      </m:r>
-                      <m:r>
-                        <a:rPr lang="en-US" altLang="zh-CN" sz="2000" i="1" kern="100" smtClean="0">
-                          <a:effectLst/>
-                          <a:cs typeface="Times New Roman" panose="02020603050405020304" pitchFamily="18" charset="0"/>
-                        </a:rPr>
-                        <m:t>,</m:t>
-                      </m:r>
-                      <m:r>
-                        <a:rPr lang="en-US" altLang="zh-CN" sz="2000" i="1" kern="100" smtClean="0">
-                          <a:effectLst/>
-                          <a:cs typeface="Times New Roman" panose="02020603050405020304" pitchFamily="18" charset="0"/>
-                        </a:rPr>
-                        <m:t>𝑧</m:t>
-                      </m:r>
-                      <m:r>
-                        <a:rPr lang="en-US" altLang="zh-CN" sz="2000" i="1" kern="100" smtClean="0">
-                          <a:effectLst/>
-                          <a:cs typeface="Times New Roman" panose="02020603050405020304" pitchFamily="18" charset="0"/>
-                        </a:rPr>
-                        <m:t>)=(</m:t>
-                      </m:r>
-                      <m:r>
-                        <a:rPr lang="en-US" altLang="zh-CN" sz="2000" i="1" kern="100" smtClean="0">
-                          <a:effectLst/>
-                          <a:cs typeface="Times New Roman" panose="02020603050405020304" pitchFamily="18" charset="0"/>
-                        </a:rPr>
-                        <m:t>𝑥</m:t>
-                      </m:r>
-                      <m:r>
-                        <a:rPr lang="en-US" altLang="zh-CN" sz="2000" i="1" kern="100" smtClean="0">
-                          <a:effectLst/>
-                          <a:cs typeface="Times New Roman" panose="02020603050405020304" pitchFamily="18" charset="0"/>
-                        </a:rPr>
-                        <m:t>∧</m:t>
-                      </m:r>
-                      <m:r>
-                        <a:rPr lang="en-US" altLang="zh-CN" sz="2000" i="1" kern="100" smtClean="0">
-                          <a:effectLst/>
-                          <a:cs typeface="Times New Roman" panose="02020603050405020304" pitchFamily="18" charset="0"/>
-                        </a:rPr>
-                        <m:t>𝑦</m:t>
-                      </m:r>
-                      <m:r>
-                        <a:rPr lang="en-US" altLang="zh-CN" sz="2000" i="1" kern="100" smtClean="0">
-                          <a:effectLst/>
-                          <a:cs typeface="Times New Roman" panose="02020603050405020304" pitchFamily="18" charset="0"/>
-                        </a:rPr>
-                        <m:t>)⊕(</m:t>
-                      </m:r>
-                      <m:r>
-                        <a:rPr lang="en-US" altLang="zh-CN" sz="2000" i="1" kern="100" smtClean="0">
-                          <a:effectLst/>
-                          <a:cs typeface="Times New Roman" panose="02020603050405020304" pitchFamily="18" charset="0"/>
-                        </a:rPr>
-                        <m:t>𝑥</m:t>
-                      </m:r>
-                      <m:r>
-                        <a:rPr lang="en-US" altLang="zh-CN" sz="2000" i="1" kern="100" smtClean="0">
-                          <a:effectLst/>
-                          <a:cs typeface="Times New Roman" panose="02020603050405020304" pitchFamily="18" charset="0"/>
-                        </a:rPr>
-                        <m:t>∧</m:t>
-                      </m:r>
-                      <m:r>
-                        <a:rPr lang="en-US" altLang="zh-CN" sz="2000" i="1" kern="100" smtClean="0">
-                          <a:effectLst/>
-                          <a:cs typeface="Times New Roman" panose="02020603050405020304" pitchFamily="18" charset="0"/>
-                        </a:rPr>
-                        <m:t>𝑧</m:t>
-                      </m:r>
-                      <m:r>
-                        <a:rPr lang="en-US" altLang="zh-CN" sz="2000" i="1" kern="100" smtClean="0">
-                          <a:effectLst/>
-                          <a:cs typeface="Times New Roman" panose="02020603050405020304" pitchFamily="18" charset="0"/>
-                        </a:rPr>
-                        <m:t>)⊕(</m:t>
-                      </m:r>
-                      <m:r>
-                        <a:rPr lang="en-US" altLang="zh-CN" sz="2000" i="1" kern="100" smtClean="0">
-                          <a:effectLst/>
-                          <a:cs typeface="Times New Roman" panose="02020603050405020304" pitchFamily="18" charset="0"/>
-                        </a:rPr>
-                        <m:t>𝑦</m:t>
-                      </m:r>
-                      <m:r>
-                        <a:rPr lang="en-US" altLang="zh-CN" sz="2000" i="1" kern="100" smtClean="0">
-                          <a:effectLst/>
-                          <a:cs typeface="Times New Roman" panose="02020603050405020304" pitchFamily="18" charset="0"/>
-                        </a:rPr>
-                        <m:t>∧</m:t>
-                      </m:r>
-                      <m:r>
-                        <a:rPr lang="en-US" altLang="zh-CN" sz="2000" i="1" kern="100" smtClean="0">
-                          <a:effectLst/>
-                          <a:cs typeface="Times New Roman" panose="02020603050405020304" pitchFamily="18" charset="0"/>
-                        </a:rPr>
-                        <m:t>𝑧</m:t>
-                      </m:r>
-                      <m:r>
-                        <a:rPr lang="en-US" altLang="zh-CN" sz="2000" i="1" kern="100" smtClean="0">
-                          <a:effectLst/>
-                          <a:cs typeface="Times New Roman" panose="02020603050405020304" pitchFamily="18" charset="0"/>
-                        </a:rPr>
-                        <m:t>)</m:t>
-                      </m:r>
-                    </m:oMath>
-                  </m:oMathPara>
-                </a14:m>
-                <a:endParaRPr lang="zh-CN" altLang="zh-CN" sz="2000" kern="100" dirty="0">
-                  <a:effectLst/>
-                  <a:cs typeface="Times New Roman" panose="02020603050405020304" pitchFamily="18" charset="0"/>
-                </a:endParaRPr>
-              </a:p>
-              <a:p>
-                <a:pPr algn="just">
-                  <a:lnSpc>
-                    <a:spcPct val="150000"/>
-                  </a:lnSpc>
-                </a:pPr>
-                <a14:m>
-                  <m:oMathPara xmlns:m="http://schemas.openxmlformats.org/officeDocument/2006/math">
-                    <m:oMathParaPr>
-                      <m:jc m:val="centerGroup"/>
-                    </m:oMathParaPr>
-                    <m:oMath xmlns:m="http://schemas.openxmlformats.org/officeDocument/2006/math">
-                      <m:nary>
-                        <m:naryPr>
-                          <m:chr m:val="∑"/>
-                          <m:limLoc m:val="subSup"/>
-                          <m:ctrlPr>
-                            <a:rPr lang="en-US" altLang="zh-CN" sz="2000" i="1" smtClean="0">
-                              <a:latin typeface="Cambria Math" panose="02040503050406030204" pitchFamily="18" charset="0"/>
-                              <a:cs typeface="Times New Roman" panose="02020603050405020304" pitchFamily="18" charset="0"/>
-                            </a:rPr>
-                          </m:ctrlPr>
-                        </m:naryPr>
-                        <m:sub>
-                          <m:r>
-                            <m:rPr>
-                              <m:brk m:alnAt="25"/>
-                            </m:rPr>
-                            <a:rPr lang="en-US" altLang="zh-CN" sz="2000" b="0" i="1" smtClean="0">
-                              <a:latin typeface="Cambria Math" panose="02040503050406030204" pitchFamily="18" charset="0"/>
-                              <a:cs typeface="Times New Roman" panose="02020603050405020304" pitchFamily="18" charset="0"/>
-                            </a:rPr>
-                            <m:t>0</m:t>
-                          </m:r>
-                        </m:sub>
-                        <m:sup>
-                          <m:r>
-                            <a:rPr lang="en-US" altLang="zh-CN" sz="2000" b="0" i="1" smtClean="0">
-                              <a:latin typeface="Cambria Math" panose="02040503050406030204" pitchFamily="18" charset="0"/>
-                              <a:cs typeface="Times New Roman" panose="02020603050405020304" pitchFamily="18" charset="0"/>
-                            </a:rPr>
-                            <m:t>{256}</m:t>
-                          </m:r>
-                        </m:sup>
-                        <m:e>
-                          <m:r>
-                            <a:rPr lang="en-US" altLang="zh-CN" sz="2000" b="0" i="1" smtClean="0">
-                              <a:latin typeface="Cambria Math" panose="02040503050406030204" pitchFamily="18" charset="0"/>
-                              <a:cs typeface="Times New Roman" panose="02020603050405020304" pitchFamily="18" charset="0"/>
-                            </a:rPr>
-                            <m:t>(</m:t>
-                          </m:r>
-                          <m:r>
-                            <a:rPr lang="en-US" altLang="zh-CN" sz="2000" b="0" i="1" smtClean="0">
-                              <a:latin typeface="Cambria Math" panose="02040503050406030204" pitchFamily="18" charset="0"/>
-                              <a:cs typeface="Times New Roman" panose="02020603050405020304" pitchFamily="18" charset="0"/>
-                            </a:rPr>
-                            <m:t>𝑥</m:t>
-                          </m:r>
-                          <m:r>
-                            <a:rPr lang="en-US" altLang="zh-CN" sz="2000" b="0" i="1" smtClean="0">
-                              <a:latin typeface="Cambria Math" panose="02040503050406030204" pitchFamily="18" charset="0"/>
-                              <a:cs typeface="Times New Roman" panose="02020603050405020304" pitchFamily="18" charset="0"/>
-                            </a:rPr>
-                            <m:t>)</m:t>
-                          </m:r>
-                        </m:e>
-                      </m:nary>
-                      <m:r>
-                        <a:rPr lang="en-US" altLang="zh-CN" sz="2000">
-                          <a:latin typeface="Cambria Math" panose="02040503050406030204" pitchFamily="18" charset="0"/>
-                          <a:cs typeface="Times New Roman" panose="02020603050405020304" pitchFamily="18" charset="0"/>
-                        </a:rPr>
-                        <m:t>=</m:t>
-                      </m:r>
-                      <m:r>
-                        <a:rPr lang="en-US" altLang="zh-CN" sz="2000" i="1">
-                          <a:latin typeface="Cambria Math" panose="02040503050406030204" pitchFamily="18" charset="0"/>
-                          <a:cs typeface="Times New Roman" panose="02020603050405020304" pitchFamily="18" charset="0"/>
-                        </a:rPr>
-                        <m:t>𝑅𝑂𝑇</m:t>
-                      </m:r>
-                      <m:sSup>
-                        <m:sSupPr>
-                          <m:ctrlPr>
-                            <a:rPr lang="zh-CN" altLang="zh-CN" sz="2000" i="1">
-                              <a:latin typeface="Cambria Math" panose="02040503050406030204" pitchFamily="18" charset="0"/>
-                              <a:cs typeface="Times New Roman" panose="02020603050405020304" pitchFamily="18" charset="0"/>
-                            </a:rPr>
-                          </m:ctrlPr>
-                        </m:sSupPr>
-                        <m:e>
-                          <m:r>
-                            <a:rPr lang="en-US" altLang="zh-CN" sz="2000" i="1">
-                              <a:latin typeface="Cambria Math" panose="02040503050406030204" pitchFamily="18" charset="0"/>
-                              <a:cs typeface="Times New Roman" panose="02020603050405020304" pitchFamily="18" charset="0"/>
-                            </a:rPr>
-                            <m:t>𝑅</m:t>
-                          </m:r>
-                        </m:e>
-                        <m:sup>
-                          <m:r>
-                            <a:rPr lang="en-US" altLang="zh-CN" sz="2000" i="1">
-                              <a:latin typeface="Cambria Math" panose="02040503050406030204" pitchFamily="18" charset="0"/>
-                              <a:cs typeface="Times New Roman" panose="02020603050405020304" pitchFamily="18" charset="0"/>
-                            </a:rPr>
-                            <m:t>2</m:t>
-                          </m:r>
-                        </m:sup>
-                      </m:sSup>
-                      <m:d>
-                        <m:dPr>
-                          <m:ctrlPr>
-                            <a:rPr lang="zh-CN" altLang="zh-CN" sz="2000" i="1">
-                              <a:latin typeface="Cambria Math" panose="02040503050406030204" pitchFamily="18" charset="0"/>
-                              <a:cs typeface="Times New Roman" panose="02020603050405020304" pitchFamily="18" charset="0"/>
-                            </a:rPr>
-                          </m:ctrlPr>
-                        </m:dPr>
-                        <m:e>
-                          <m:r>
-                            <a:rPr lang="en-US" altLang="zh-CN" sz="2000" i="1">
-                              <a:latin typeface="Cambria Math" panose="02040503050406030204" pitchFamily="18" charset="0"/>
-                              <a:cs typeface="Times New Roman" panose="02020603050405020304" pitchFamily="18" charset="0"/>
-                            </a:rPr>
-                            <m:t>𝑥</m:t>
-                          </m:r>
-                        </m:e>
-                      </m:d>
-                      <m:r>
-                        <a:rPr lang="en-US" altLang="zh-CN" sz="2000" i="1">
-                          <a:latin typeface="Cambria Math" panose="02040503050406030204" pitchFamily="18" charset="0"/>
-                          <a:cs typeface="Times New Roman" panose="02020603050405020304" pitchFamily="18" charset="0"/>
-                        </a:rPr>
-                        <m:t>⊕</m:t>
-                      </m:r>
-                      <m:r>
-                        <a:rPr lang="en-US" altLang="zh-CN" sz="2000" i="1">
-                          <a:latin typeface="Cambria Math" panose="02040503050406030204" pitchFamily="18" charset="0"/>
-                          <a:cs typeface="Times New Roman" panose="02020603050405020304" pitchFamily="18" charset="0"/>
-                        </a:rPr>
-                        <m:t>𝑅𝑂𝑇</m:t>
-                      </m:r>
-                      <m:sSup>
-                        <m:sSupPr>
-                          <m:ctrlPr>
-                            <a:rPr lang="zh-CN" altLang="zh-CN" sz="2000" i="1">
-                              <a:latin typeface="Cambria Math" panose="02040503050406030204" pitchFamily="18" charset="0"/>
-                              <a:cs typeface="Times New Roman" panose="02020603050405020304" pitchFamily="18" charset="0"/>
-                            </a:rPr>
-                          </m:ctrlPr>
-                        </m:sSupPr>
-                        <m:e>
-                          <m:r>
-                            <a:rPr lang="en-US" altLang="zh-CN" sz="2000" i="1">
-                              <a:latin typeface="Cambria Math" panose="02040503050406030204" pitchFamily="18" charset="0"/>
-                              <a:cs typeface="Times New Roman" panose="02020603050405020304" pitchFamily="18" charset="0"/>
-                            </a:rPr>
-                            <m:t>𝑅</m:t>
-                          </m:r>
-                        </m:e>
-                        <m:sup>
-                          <m:r>
-                            <a:rPr lang="en-US" altLang="zh-CN" sz="2000" i="1">
-                              <a:latin typeface="Cambria Math" panose="02040503050406030204" pitchFamily="18" charset="0"/>
-                              <a:cs typeface="Times New Roman" panose="02020603050405020304" pitchFamily="18" charset="0"/>
-                            </a:rPr>
-                            <m:t>13</m:t>
-                          </m:r>
-                        </m:sup>
-                      </m:sSup>
-                      <m:d>
-                        <m:dPr>
-                          <m:ctrlPr>
-                            <a:rPr lang="zh-CN" altLang="zh-CN" sz="2000" i="1">
-                              <a:latin typeface="Cambria Math" panose="02040503050406030204" pitchFamily="18" charset="0"/>
-                              <a:cs typeface="Times New Roman" panose="02020603050405020304" pitchFamily="18" charset="0"/>
-                            </a:rPr>
-                          </m:ctrlPr>
-                        </m:dPr>
-                        <m:e>
-                          <m:r>
-                            <a:rPr lang="en-US" altLang="zh-CN" sz="2000" i="1">
-                              <a:latin typeface="Cambria Math" panose="02040503050406030204" pitchFamily="18" charset="0"/>
-                              <a:cs typeface="Times New Roman" panose="02020603050405020304" pitchFamily="18" charset="0"/>
-                            </a:rPr>
-                            <m:t>𝑥</m:t>
-                          </m:r>
-                        </m:e>
-                      </m:d>
-                      <m:r>
-                        <a:rPr lang="en-US" altLang="zh-CN" sz="2000" i="1">
-                          <a:latin typeface="Cambria Math" panose="02040503050406030204" pitchFamily="18" charset="0"/>
-                          <a:cs typeface="Times New Roman" panose="02020603050405020304" pitchFamily="18" charset="0"/>
-                        </a:rPr>
-                        <m:t>⊕</m:t>
-                      </m:r>
-                      <m:r>
-                        <a:rPr lang="en-US" altLang="zh-CN" sz="2000" i="1">
-                          <a:latin typeface="Cambria Math" panose="02040503050406030204" pitchFamily="18" charset="0"/>
-                          <a:cs typeface="Times New Roman" panose="02020603050405020304" pitchFamily="18" charset="0"/>
-                        </a:rPr>
-                        <m:t>𝑅𝑂𝑇</m:t>
-                      </m:r>
-                      <m:sSup>
-                        <m:sSupPr>
-                          <m:ctrlPr>
-                            <a:rPr lang="zh-CN" altLang="zh-CN" sz="2000" i="1">
-                              <a:latin typeface="Cambria Math" panose="02040503050406030204" pitchFamily="18" charset="0"/>
-                              <a:cs typeface="Times New Roman" panose="02020603050405020304" pitchFamily="18" charset="0"/>
-                            </a:rPr>
-                          </m:ctrlPr>
-                        </m:sSupPr>
-                        <m:e>
-                          <m:r>
-                            <a:rPr lang="en-US" altLang="zh-CN" sz="2000" i="1">
-                              <a:latin typeface="Cambria Math" panose="02040503050406030204" pitchFamily="18" charset="0"/>
-                              <a:cs typeface="Times New Roman" panose="02020603050405020304" pitchFamily="18" charset="0"/>
-                            </a:rPr>
-                            <m:t>𝑅</m:t>
-                          </m:r>
-                        </m:e>
-                        <m:sup>
-                          <m:r>
-                            <a:rPr lang="en-US" altLang="zh-CN" sz="2000" i="1">
-                              <a:latin typeface="Cambria Math" panose="02040503050406030204" pitchFamily="18" charset="0"/>
-                              <a:cs typeface="Times New Roman" panose="02020603050405020304" pitchFamily="18" charset="0"/>
-                            </a:rPr>
-                            <m:t>22</m:t>
-                          </m:r>
-                        </m:sup>
-                      </m:sSup>
-                      <m:d>
-                        <m:dPr>
-                          <m:ctrlPr>
-                            <a:rPr lang="zh-CN" altLang="zh-CN" sz="2000" i="1">
-                              <a:latin typeface="Cambria Math" panose="02040503050406030204" pitchFamily="18" charset="0"/>
-                              <a:cs typeface="Times New Roman" panose="02020603050405020304" pitchFamily="18" charset="0"/>
-                            </a:rPr>
-                          </m:ctrlPr>
-                        </m:dPr>
-                        <m:e>
-                          <m:r>
-                            <a:rPr lang="en-US" altLang="zh-CN" sz="2000" i="1">
-                              <a:latin typeface="Cambria Math" panose="02040503050406030204" pitchFamily="18" charset="0"/>
-                              <a:cs typeface="Times New Roman" panose="02020603050405020304" pitchFamily="18" charset="0"/>
-                            </a:rPr>
-                            <m:t>𝑥</m:t>
-                          </m:r>
-                        </m:e>
-                      </m:d>
-                    </m:oMath>
-                  </m:oMathPara>
-                </a14:m>
-                <a:endParaRPr lang="zh-CN" altLang="zh-CN" sz="2000" dirty="0">
-                  <a:effectLst/>
-                  <a:cs typeface="Times New Roman" panose="02020603050405020304" pitchFamily="18" charset="0"/>
-                </a:endParaRPr>
-              </a:p>
-              <a:p>
-                <a:pPr algn="just">
-                  <a:lnSpc>
-                    <a:spcPct val="150000"/>
-                  </a:lnSpc>
-                </a:pPr>
-                <a14:m>
-                  <m:oMathPara xmlns:m="http://schemas.openxmlformats.org/officeDocument/2006/math">
-                    <m:oMathParaPr>
-                      <m:jc m:val="centerGroup"/>
-                    </m:oMathParaPr>
-                    <m:oMath xmlns:m="http://schemas.openxmlformats.org/officeDocument/2006/math">
-                      <m:nary>
-                        <m:naryPr>
-                          <m:chr m:val="∑"/>
-                          <m:limLoc m:val="subSup"/>
-                          <m:ctrlPr>
-                            <a:rPr lang="en-US" altLang="zh-CN" sz="2000" i="1">
-                              <a:latin typeface="Cambria Math" panose="02040503050406030204" pitchFamily="18" charset="0"/>
-                              <a:cs typeface="Times New Roman" panose="02020603050405020304" pitchFamily="18" charset="0"/>
-                            </a:rPr>
-                          </m:ctrlPr>
-                        </m:naryPr>
-                        <m:sub>
-                          <m:r>
-                            <a:rPr lang="en-US" altLang="zh-CN" sz="2000" b="0" i="1" smtClean="0">
-                              <a:latin typeface="Cambria Math" panose="02040503050406030204" pitchFamily="18" charset="0"/>
-                              <a:cs typeface="Times New Roman" panose="02020603050405020304" pitchFamily="18" charset="0"/>
-                            </a:rPr>
-                            <m:t>1</m:t>
-                          </m:r>
-                        </m:sub>
-                        <m:sup>
-                          <m:r>
-                            <a:rPr lang="en-US" altLang="zh-CN" sz="2000" i="1">
-                              <a:latin typeface="Cambria Math" panose="02040503050406030204" pitchFamily="18" charset="0"/>
-                              <a:cs typeface="Times New Roman" panose="02020603050405020304" pitchFamily="18" charset="0"/>
-                            </a:rPr>
-                            <m:t>{256}</m:t>
-                          </m:r>
-                        </m:sup>
-                        <m:e>
-                          <m:r>
-                            <a:rPr lang="en-US" altLang="zh-CN" sz="2000" i="1">
-                              <a:latin typeface="Cambria Math" panose="02040503050406030204" pitchFamily="18" charset="0"/>
-                              <a:cs typeface="Times New Roman" panose="02020603050405020304" pitchFamily="18" charset="0"/>
-                            </a:rPr>
-                            <m:t>(</m:t>
-                          </m:r>
-                          <m:r>
-                            <a:rPr lang="en-US" altLang="zh-CN" sz="2000" i="1">
-                              <a:latin typeface="Cambria Math" panose="02040503050406030204" pitchFamily="18" charset="0"/>
-                              <a:cs typeface="Times New Roman" panose="02020603050405020304" pitchFamily="18" charset="0"/>
-                            </a:rPr>
-                            <m:t>𝑥</m:t>
-                          </m:r>
-                          <m:r>
-                            <a:rPr lang="en-US" altLang="zh-CN" sz="2000" i="1">
-                              <a:latin typeface="Cambria Math" panose="02040503050406030204" pitchFamily="18" charset="0"/>
-                              <a:cs typeface="Times New Roman" panose="02020603050405020304" pitchFamily="18" charset="0"/>
-                            </a:rPr>
-                            <m:t>)</m:t>
-                          </m:r>
-                        </m:e>
-                      </m:nary>
-                      <m:r>
-                        <a:rPr lang="en-US" altLang="zh-CN" sz="2000" i="1">
-                          <a:latin typeface="Cambria Math" panose="02040503050406030204" pitchFamily="18" charset="0"/>
-                          <a:cs typeface="Times New Roman" panose="02020603050405020304" pitchFamily="18" charset="0"/>
-                        </a:rPr>
-                        <m:t>=</m:t>
-                      </m:r>
-                      <m:r>
-                        <a:rPr lang="en-US" altLang="zh-CN" sz="2000" i="1">
-                          <a:latin typeface="Cambria Math" panose="02040503050406030204" pitchFamily="18" charset="0"/>
-                          <a:cs typeface="Times New Roman" panose="02020603050405020304" pitchFamily="18" charset="0"/>
-                        </a:rPr>
-                        <m:t>𝑅𝑂𝑇</m:t>
-                      </m:r>
-                      <m:sSup>
-                        <m:sSupPr>
-                          <m:ctrlPr>
-                            <a:rPr lang="zh-CN" altLang="zh-CN" sz="2000" i="1">
-                              <a:latin typeface="Cambria Math" panose="02040503050406030204" pitchFamily="18" charset="0"/>
-                              <a:cs typeface="Times New Roman" panose="02020603050405020304" pitchFamily="18" charset="0"/>
-                            </a:rPr>
-                          </m:ctrlPr>
-                        </m:sSupPr>
-                        <m:e>
-                          <m:r>
-                            <a:rPr lang="en-US" altLang="zh-CN" sz="2000" i="1">
-                              <a:latin typeface="Cambria Math" panose="02040503050406030204" pitchFamily="18" charset="0"/>
-                              <a:cs typeface="Times New Roman" panose="02020603050405020304" pitchFamily="18" charset="0"/>
-                            </a:rPr>
-                            <m:t>𝑅</m:t>
-                          </m:r>
-                        </m:e>
-                        <m:sup>
-                          <m:r>
-                            <a:rPr lang="en-US" altLang="zh-CN" sz="2000" i="1">
-                              <a:latin typeface="Cambria Math" panose="02040503050406030204" pitchFamily="18" charset="0"/>
-                              <a:cs typeface="Times New Roman" panose="02020603050405020304" pitchFamily="18" charset="0"/>
-                            </a:rPr>
-                            <m:t>6</m:t>
-                          </m:r>
-                        </m:sup>
-                      </m:sSup>
-                      <m:r>
-                        <a:rPr lang="en-US" altLang="zh-CN" sz="2000" i="1">
-                          <a:latin typeface="Cambria Math" panose="02040503050406030204" pitchFamily="18" charset="0"/>
-                          <a:cs typeface="Times New Roman" panose="02020603050405020304" pitchFamily="18" charset="0"/>
-                        </a:rPr>
-                        <m:t>(</m:t>
-                      </m:r>
-                      <m:r>
-                        <a:rPr lang="en-US" altLang="zh-CN" sz="2000" i="1">
-                          <a:latin typeface="Cambria Math" panose="02040503050406030204" pitchFamily="18" charset="0"/>
-                          <a:cs typeface="Times New Roman" panose="02020603050405020304" pitchFamily="18" charset="0"/>
-                        </a:rPr>
-                        <m:t>𝑥</m:t>
-                      </m:r>
-                      <m:r>
-                        <a:rPr lang="en-US" altLang="zh-CN" sz="2000" i="1">
-                          <a:latin typeface="Cambria Math" panose="02040503050406030204" pitchFamily="18" charset="0"/>
-                          <a:cs typeface="Times New Roman" panose="02020603050405020304" pitchFamily="18" charset="0"/>
-                        </a:rPr>
-                        <m:t>)⊕</m:t>
-                      </m:r>
-                      <m:r>
-                        <a:rPr lang="en-US" altLang="zh-CN" sz="2000" i="1">
-                          <a:latin typeface="Cambria Math" panose="02040503050406030204" pitchFamily="18" charset="0"/>
-                          <a:cs typeface="Times New Roman" panose="02020603050405020304" pitchFamily="18" charset="0"/>
-                        </a:rPr>
-                        <m:t>𝑅𝑂𝑇</m:t>
-                      </m:r>
-                      <m:sSup>
-                        <m:sSupPr>
-                          <m:ctrlPr>
-                            <a:rPr lang="zh-CN" altLang="zh-CN" sz="2000" i="1">
-                              <a:latin typeface="Cambria Math" panose="02040503050406030204" pitchFamily="18" charset="0"/>
-                              <a:cs typeface="Times New Roman" panose="02020603050405020304" pitchFamily="18" charset="0"/>
-                            </a:rPr>
-                          </m:ctrlPr>
-                        </m:sSupPr>
-                        <m:e>
-                          <m:r>
-                            <a:rPr lang="en-US" altLang="zh-CN" sz="2000" i="1">
-                              <a:latin typeface="Cambria Math" panose="02040503050406030204" pitchFamily="18" charset="0"/>
-                              <a:cs typeface="Times New Roman" panose="02020603050405020304" pitchFamily="18" charset="0"/>
-                            </a:rPr>
-                            <m:t>𝑅</m:t>
-                          </m:r>
-                        </m:e>
-                        <m:sup>
-                          <m:r>
-                            <a:rPr lang="en-US" altLang="zh-CN" sz="2000" i="1">
-                              <a:latin typeface="Cambria Math" panose="02040503050406030204" pitchFamily="18" charset="0"/>
-                              <a:cs typeface="Times New Roman" panose="02020603050405020304" pitchFamily="18" charset="0"/>
-                            </a:rPr>
-                            <m:t>11</m:t>
-                          </m:r>
-                        </m:sup>
-                      </m:sSup>
-                      <m:r>
-                        <a:rPr lang="en-US" altLang="zh-CN" sz="2000" i="1">
-                          <a:latin typeface="Cambria Math" panose="02040503050406030204" pitchFamily="18" charset="0"/>
-                          <a:cs typeface="Times New Roman" panose="02020603050405020304" pitchFamily="18" charset="0"/>
-                        </a:rPr>
-                        <m:t>(</m:t>
-                      </m:r>
-                      <m:r>
-                        <a:rPr lang="en-US" altLang="zh-CN" sz="2000" i="1">
-                          <a:latin typeface="Cambria Math" panose="02040503050406030204" pitchFamily="18" charset="0"/>
-                          <a:cs typeface="Times New Roman" panose="02020603050405020304" pitchFamily="18" charset="0"/>
-                        </a:rPr>
-                        <m:t>𝑥</m:t>
-                      </m:r>
-                      <m:r>
-                        <a:rPr lang="en-US" altLang="zh-CN" sz="2000" i="1">
-                          <a:latin typeface="Cambria Math" panose="02040503050406030204" pitchFamily="18" charset="0"/>
-                          <a:cs typeface="Times New Roman" panose="02020603050405020304" pitchFamily="18" charset="0"/>
-                        </a:rPr>
-                        <m:t>)⊕</m:t>
-                      </m:r>
-                      <m:r>
-                        <a:rPr lang="en-US" altLang="zh-CN" sz="2000" i="1">
-                          <a:latin typeface="Cambria Math" panose="02040503050406030204" pitchFamily="18" charset="0"/>
-                          <a:cs typeface="Times New Roman" panose="02020603050405020304" pitchFamily="18" charset="0"/>
-                        </a:rPr>
-                        <m:t>𝑅𝑂𝑇</m:t>
-                      </m:r>
-                      <m:sSup>
-                        <m:sSupPr>
-                          <m:ctrlPr>
-                            <a:rPr lang="zh-CN" altLang="zh-CN" sz="2000" i="1">
-                              <a:latin typeface="Cambria Math" panose="02040503050406030204" pitchFamily="18" charset="0"/>
-                              <a:cs typeface="Times New Roman" panose="02020603050405020304" pitchFamily="18" charset="0"/>
-                            </a:rPr>
-                          </m:ctrlPr>
-                        </m:sSupPr>
-                        <m:e>
-                          <m:r>
-                            <a:rPr lang="en-US" altLang="zh-CN" sz="2000" i="1">
-                              <a:latin typeface="Cambria Math" panose="02040503050406030204" pitchFamily="18" charset="0"/>
-                              <a:cs typeface="Times New Roman" panose="02020603050405020304" pitchFamily="18" charset="0"/>
-                            </a:rPr>
-                            <m:t>𝑅</m:t>
-                          </m:r>
-                        </m:e>
-                        <m:sup>
-                          <m:r>
-                            <a:rPr lang="en-US" altLang="zh-CN" sz="2000" i="1">
-                              <a:latin typeface="Cambria Math" panose="02040503050406030204" pitchFamily="18" charset="0"/>
-                              <a:cs typeface="Times New Roman" panose="02020603050405020304" pitchFamily="18" charset="0"/>
-                            </a:rPr>
-                            <m:t>25</m:t>
-                          </m:r>
-                        </m:sup>
-                      </m:sSup>
-                      <m:r>
-                        <a:rPr lang="en-US" altLang="zh-CN" sz="2000" i="1">
-                          <a:latin typeface="Cambria Math" panose="02040503050406030204" pitchFamily="18" charset="0"/>
-                          <a:cs typeface="Times New Roman" panose="02020603050405020304" pitchFamily="18" charset="0"/>
-                        </a:rPr>
-                        <m:t>(</m:t>
-                      </m:r>
-                      <m:r>
-                        <a:rPr lang="en-US" altLang="zh-CN" sz="2000" i="1">
-                          <a:latin typeface="Cambria Math" panose="02040503050406030204" pitchFamily="18" charset="0"/>
-                          <a:cs typeface="Times New Roman" panose="02020603050405020304" pitchFamily="18" charset="0"/>
-                        </a:rPr>
-                        <m:t>𝑥</m:t>
-                      </m:r>
-                      <m:r>
-                        <a:rPr lang="en-US" altLang="zh-CN" sz="2000" i="1">
-                          <a:latin typeface="Cambria Math" panose="02040503050406030204" pitchFamily="18" charset="0"/>
-                          <a:cs typeface="Times New Roman" panose="02020603050405020304" pitchFamily="18" charset="0"/>
-                        </a:rPr>
-                        <m:t>)</m:t>
-                      </m:r>
-                    </m:oMath>
-                  </m:oMathPara>
-                </a14:m>
-                <a:endParaRPr lang="zh-CN" altLang="zh-CN" sz="2000" dirty="0">
-                  <a:effectLst/>
-                  <a:cs typeface="Times New Roman" panose="02020603050405020304" pitchFamily="18" charset="0"/>
-                </a:endParaRPr>
-              </a:p>
-              <a:p>
-                <a:pPr algn="just">
-                  <a:lnSpc>
-                    <a:spcPct val="150000"/>
-                  </a:lnSpc>
-                </a:pPr>
-                <a14:m>
-                  <m:oMathPara xmlns:m="http://schemas.openxmlformats.org/officeDocument/2006/math">
-                    <m:oMathParaPr>
-                      <m:jc m:val="centerGroup"/>
-                    </m:oMathParaPr>
-                    <m:oMath xmlns:m="http://schemas.openxmlformats.org/officeDocument/2006/math">
-                      <m:sSubSup>
-                        <m:sSubSupPr>
-                          <m:ctrlPr>
-                            <a:rPr lang="zh-CN" altLang="zh-CN" sz="2000" i="1" smtClean="0">
-                              <a:effectLst/>
-                              <a:latin typeface="Cambria Math" panose="02040503050406030204" pitchFamily="18" charset="0"/>
-                              <a:cs typeface="Times New Roman" panose="02020603050405020304" pitchFamily="18" charset="0"/>
-                            </a:rPr>
-                          </m:ctrlPr>
-                        </m:sSubSupPr>
-                        <m:e>
-                          <m:r>
-                            <a:rPr lang="en-US" altLang="zh-CN" sz="2000" i="1">
-                              <a:effectLst/>
-                              <a:latin typeface="Cambria Math" panose="02040503050406030204" pitchFamily="18" charset="0"/>
-                              <a:cs typeface="Times New Roman" panose="02020603050405020304" pitchFamily="18" charset="0"/>
-                            </a:rPr>
-                            <m:t>𝜎</m:t>
-                          </m:r>
-                        </m:e>
-                        <m:sub>
-                          <m:r>
-                            <a:rPr lang="en-US" altLang="zh-CN" sz="2000" i="1">
-                              <a:effectLst/>
-                              <a:latin typeface="Cambria Math" panose="02040503050406030204" pitchFamily="18" charset="0"/>
-                              <a:cs typeface="Times New Roman" panose="02020603050405020304" pitchFamily="18" charset="0"/>
-                            </a:rPr>
-                            <m:t>0</m:t>
-                          </m:r>
-                        </m:sub>
-                        <m:sup>
-                          <m:r>
-                            <a:rPr lang="en-US" altLang="zh-CN" sz="2000" i="1">
-                              <a:latin typeface="Cambria Math" panose="02040503050406030204" pitchFamily="18" charset="0"/>
-                              <a:cs typeface="Times New Roman" panose="02020603050405020304" pitchFamily="18" charset="0"/>
-                            </a:rPr>
-                            <m:t>{256}</m:t>
-                          </m:r>
-                        </m:sup>
-                      </m:sSubSup>
-                      <m:r>
-                        <a:rPr lang="en-US" altLang="zh-CN" sz="2000" i="1">
-                          <a:effectLst/>
-                          <a:latin typeface="Cambria Math" panose="02040503050406030204" pitchFamily="18" charset="0"/>
-                          <a:cs typeface="Times New Roman" panose="02020603050405020304" pitchFamily="18" charset="0"/>
-                        </a:rPr>
-                        <m:t>(</m:t>
-                      </m:r>
-                      <m:r>
-                        <a:rPr lang="en-US" altLang="zh-CN" sz="2000" i="1">
-                          <a:effectLst/>
-                          <a:latin typeface="Cambria Math" panose="02040503050406030204" pitchFamily="18" charset="0"/>
-                          <a:cs typeface="Times New Roman" panose="02020603050405020304" pitchFamily="18" charset="0"/>
-                        </a:rPr>
-                        <m:t>𝑥</m:t>
-                      </m:r>
-                      <m:r>
-                        <a:rPr lang="en-US" altLang="zh-CN" sz="2000" i="1">
-                          <a:effectLst/>
-                          <a:latin typeface="Cambria Math" panose="02040503050406030204" pitchFamily="18" charset="0"/>
-                          <a:cs typeface="Times New Roman" panose="02020603050405020304" pitchFamily="18" charset="0"/>
-                        </a:rPr>
-                        <m:t>)=</m:t>
-                      </m:r>
-                      <m:r>
-                        <a:rPr lang="en-US" altLang="zh-CN" sz="2000" i="1">
-                          <a:latin typeface="Cambria Math" panose="02040503050406030204" pitchFamily="18" charset="0"/>
-                          <a:cs typeface="Times New Roman" panose="02020603050405020304" pitchFamily="18" charset="0"/>
-                        </a:rPr>
-                        <m:t>𝑅𝑂𝑇</m:t>
-                      </m:r>
-                      <m:sSup>
-                        <m:sSupPr>
-                          <m:ctrlPr>
-                            <a:rPr lang="zh-CN" altLang="zh-CN" sz="2000" i="1">
-                              <a:latin typeface="Cambria Math" panose="02040503050406030204" pitchFamily="18" charset="0"/>
-                              <a:cs typeface="Times New Roman" panose="02020603050405020304" pitchFamily="18" charset="0"/>
-                            </a:rPr>
-                          </m:ctrlPr>
-                        </m:sSupPr>
-                        <m:e>
-                          <m:r>
-                            <a:rPr lang="en-US" altLang="zh-CN" sz="2000" i="1">
-                              <a:latin typeface="Cambria Math" panose="02040503050406030204" pitchFamily="18" charset="0"/>
-                              <a:cs typeface="Times New Roman" panose="02020603050405020304" pitchFamily="18" charset="0"/>
-                            </a:rPr>
-                            <m:t>𝑅</m:t>
-                          </m:r>
-                        </m:e>
-                        <m:sup>
-                          <m:r>
-                            <a:rPr lang="en-US" altLang="zh-CN" sz="2000" i="1">
-                              <a:latin typeface="Cambria Math" panose="02040503050406030204" pitchFamily="18" charset="0"/>
-                              <a:cs typeface="Times New Roman" panose="02020603050405020304" pitchFamily="18" charset="0"/>
-                            </a:rPr>
-                            <m:t>7</m:t>
-                          </m:r>
-                        </m:sup>
-                      </m:sSup>
-                      <m:r>
-                        <a:rPr lang="en-US" altLang="zh-CN" sz="2000" i="1">
-                          <a:latin typeface="Cambria Math" panose="02040503050406030204" pitchFamily="18" charset="0"/>
-                          <a:cs typeface="Times New Roman" panose="02020603050405020304" pitchFamily="18" charset="0"/>
-                        </a:rPr>
-                        <m:t>(</m:t>
-                      </m:r>
-                      <m:r>
-                        <a:rPr lang="en-US" altLang="zh-CN" sz="2000" i="1">
-                          <a:latin typeface="Cambria Math" panose="02040503050406030204" pitchFamily="18" charset="0"/>
-                          <a:cs typeface="Times New Roman" panose="02020603050405020304" pitchFamily="18" charset="0"/>
-                        </a:rPr>
-                        <m:t>𝑥</m:t>
-                      </m:r>
-                      <m:r>
-                        <a:rPr lang="en-US" altLang="zh-CN" sz="2000" i="1">
-                          <a:latin typeface="Cambria Math" panose="02040503050406030204" pitchFamily="18" charset="0"/>
-                          <a:cs typeface="Times New Roman" panose="02020603050405020304" pitchFamily="18" charset="0"/>
-                        </a:rPr>
-                        <m:t>)⊕</m:t>
-                      </m:r>
-                      <m:r>
-                        <a:rPr lang="en-US" altLang="zh-CN" sz="2000" i="1">
-                          <a:latin typeface="Cambria Math" panose="02040503050406030204" pitchFamily="18" charset="0"/>
-                          <a:cs typeface="Times New Roman" panose="02020603050405020304" pitchFamily="18" charset="0"/>
-                        </a:rPr>
-                        <m:t>𝑅𝑂𝑇</m:t>
-                      </m:r>
-                      <m:sSup>
-                        <m:sSupPr>
-                          <m:ctrlPr>
-                            <a:rPr lang="zh-CN" altLang="zh-CN" sz="2000" i="1">
-                              <a:latin typeface="Cambria Math" panose="02040503050406030204" pitchFamily="18" charset="0"/>
-                              <a:cs typeface="Times New Roman" panose="02020603050405020304" pitchFamily="18" charset="0"/>
-                            </a:rPr>
-                          </m:ctrlPr>
-                        </m:sSupPr>
-                        <m:e>
-                          <m:r>
-                            <a:rPr lang="en-US" altLang="zh-CN" sz="2000" i="1">
-                              <a:latin typeface="Cambria Math" panose="02040503050406030204" pitchFamily="18" charset="0"/>
-                              <a:cs typeface="Times New Roman" panose="02020603050405020304" pitchFamily="18" charset="0"/>
-                            </a:rPr>
-                            <m:t>𝑅</m:t>
-                          </m:r>
-                        </m:e>
-                        <m:sup>
-                          <m:r>
-                            <a:rPr lang="en-US" altLang="zh-CN" sz="2000" i="1">
-                              <a:latin typeface="Cambria Math" panose="02040503050406030204" pitchFamily="18" charset="0"/>
-                              <a:cs typeface="Times New Roman" panose="02020603050405020304" pitchFamily="18" charset="0"/>
-                            </a:rPr>
-                            <m:t>18</m:t>
-                          </m:r>
-                        </m:sup>
-                      </m:sSup>
-                      <m:r>
-                        <a:rPr lang="en-US" altLang="zh-CN" sz="2000" i="1">
-                          <a:latin typeface="Cambria Math" panose="02040503050406030204" pitchFamily="18" charset="0"/>
-                          <a:cs typeface="Times New Roman" panose="02020603050405020304" pitchFamily="18" charset="0"/>
-                        </a:rPr>
-                        <m:t>(</m:t>
-                      </m:r>
-                      <m:r>
-                        <a:rPr lang="en-US" altLang="zh-CN" sz="2000" i="1">
-                          <a:latin typeface="Cambria Math" panose="02040503050406030204" pitchFamily="18" charset="0"/>
-                          <a:cs typeface="Times New Roman" panose="02020603050405020304" pitchFamily="18" charset="0"/>
-                        </a:rPr>
-                        <m:t>𝑥</m:t>
-                      </m:r>
-                      <m:r>
-                        <a:rPr lang="en-US" altLang="zh-CN" sz="2000" i="1">
-                          <a:latin typeface="Cambria Math" panose="02040503050406030204" pitchFamily="18" charset="0"/>
-                          <a:cs typeface="Times New Roman" panose="02020603050405020304" pitchFamily="18" charset="0"/>
-                        </a:rPr>
-                        <m:t>)⊕</m:t>
-                      </m:r>
-                      <m:r>
-                        <a:rPr lang="en-US" altLang="zh-CN" sz="2000" i="1">
-                          <a:latin typeface="Cambria Math" panose="02040503050406030204" pitchFamily="18" charset="0"/>
-                          <a:cs typeface="Times New Roman" panose="02020603050405020304" pitchFamily="18" charset="0"/>
-                        </a:rPr>
-                        <m:t>𝑆𝐻</m:t>
-                      </m:r>
-                      <m:sSup>
-                        <m:sSupPr>
-                          <m:ctrlPr>
-                            <a:rPr lang="zh-CN" altLang="zh-CN" sz="2000" i="1">
-                              <a:latin typeface="Cambria Math" panose="02040503050406030204" pitchFamily="18" charset="0"/>
-                              <a:cs typeface="Times New Roman" panose="02020603050405020304" pitchFamily="18" charset="0"/>
-                            </a:rPr>
-                          </m:ctrlPr>
-                        </m:sSupPr>
-                        <m:e>
-                          <m:r>
-                            <a:rPr lang="en-US" altLang="zh-CN" sz="2000" i="1">
-                              <a:latin typeface="Cambria Math" panose="02040503050406030204" pitchFamily="18" charset="0"/>
-                              <a:cs typeface="Times New Roman" panose="02020603050405020304" pitchFamily="18" charset="0"/>
-                            </a:rPr>
-                            <m:t>𝑅</m:t>
-                          </m:r>
-                        </m:e>
-                        <m:sup>
-                          <m:r>
-                            <a:rPr lang="en-US" altLang="zh-CN" sz="2000" i="1">
-                              <a:latin typeface="Cambria Math" panose="02040503050406030204" pitchFamily="18" charset="0"/>
-                              <a:cs typeface="Times New Roman" panose="02020603050405020304" pitchFamily="18" charset="0"/>
-                            </a:rPr>
-                            <m:t>3</m:t>
-                          </m:r>
-                        </m:sup>
-                      </m:sSup>
-                      <m:r>
-                        <a:rPr lang="en-US" altLang="zh-CN" sz="2000" i="1">
-                          <a:latin typeface="Cambria Math" panose="02040503050406030204" pitchFamily="18" charset="0"/>
-                          <a:cs typeface="Times New Roman" panose="02020603050405020304" pitchFamily="18" charset="0"/>
-                        </a:rPr>
-                        <m:t>(</m:t>
-                      </m:r>
-                      <m:r>
-                        <a:rPr lang="en-US" altLang="zh-CN" sz="2000" i="1">
-                          <a:latin typeface="Cambria Math" panose="02040503050406030204" pitchFamily="18" charset="0"/>
-                          <a:cs typeface="Times New Roman" panose="02020603050405020304" pitchFamily="18" charset="0"/>
-                        </a:rPr>
-                        <m:t>𝑥</m:t>
-                      </m:r>
-                      <m:r>
-                        <a:rPr lang="en-US" altLang="zh-CN" sz="2000" i="1">
-                          <a:latin typeface="Cambria Math" panose="02040503050406030204" pitchFamily="18" charset="0"/>
-                          <a:cs typeface="Times New Roman" panose="02020603050405020304" pitchFamily="18" charset="0"/>
-                        </a:rPr>
-                        <m:t>)</m:t>
-                      </m:r>
-                    </m:oMath>
-                  </m:oMathPara>
-                </a14:m>
-                <a:endParaRPr lang="zh-CN" altLang="zh-CN" sz="2000" dirty="0">
-                  <a:effectLst/>
-                  <a:cs typeface="Times New Roman" panose="02020603050405020304" pitchFamily="18" charset="0"/>
-                </a:endParaRPr>
-              </a:p>
-              <a:p>
-                <a:pPr algn="just">
-                  <a:lnSpc>
-                    <a:spcPct val="150000"/>
-                  </a:lnSpc>
-                </a:pPr>
-                <a14:m>
-                  <m:oMathPara xmlns:m="http://schemas.openxmlformats.org/officeDocument/2006/math">
-                    <m:oMathParaPr>
-                      <m:jc m:val="centerGroup"/>
-                    </m:oMathParaPr>
-                    <m:oMath xmlns:m="http://schemas.openxmlformats.org/officeDocument/2006/math">
-                      <m:sSubSup>
-                        <m:sSubSupPr>
-                          <m:ctrlPr>
-                            <a:rPr lang="zh-CN" altLang="zh-CN" sz="2000" i="1" smtClean="0">
-                              <a:effectLst/>
-                              <a:latin typeface="Cambria Math" panose="02040503050406030204" pitchFamily="18" charset="0"/>
-                              <a:cs typeface="Times New Roman" panose="02020603050405020304" pitchFamily="18" charset="0"/>
-                            </a:rPr>
-                          </m:ctrlPr>
-                        </m:sSubSupPr>
-                        <m:e>
-                          <m:r>
-                            <a:rPr lang="en-US" altLang="zh-CN" sz="2000" i="1">
-                              <a:effectLst/>
-                              <a:latin typeface="Cambria Math" panose="02040503050406030204" pitchFamily="18" charset="0"/>
-                              <a:cs typeface="Times New Roman" panose="02020603050405020304" pitchFamily="18" charset="0"/>
-                            </a:rPr>
-                            <m:t>𝜎</m:t>
-                          </m:r>
-                        </m:e>
-                        <m:sub>
-                          <m:r>
-                            <a:rPr lang="en-US" altLang="zh-CN" sz="2000" i="1">
-                              <a:effectLst/>
-                              <a:latin typeface="Cambria Math" panose="02040503050406030204" pitchFamily="18" charset="0"/>
-                              <a:cs typeface="Times New Roman" panose="02020603050405020304" pitchFamily="18" charset="0"/>
-                            </a:rPr>
-                            <m:t>1</m:t>
-                          </m:r>
-                        </m:sub>
-                        <m:sup>
-                          <m:r>
-                            <a:rPr lang="en-US" altLang="zh-CN" sz="2000" i="1">
-                              <a:latin typeface="Cambria Math" panose="02040503050406030204" pitchFamily="18" charset="0"/>
-                              <a:cs typeface="Times New Roman" panose="02020603050405020304" pitchFamily="18" charset="0"/>
-                            </a:rPr>
-                            <m:t>{256}</m:t>
-                          </m:r>
-                        </m:sup>
-                      </m:sSubSup>
-                      <m:r>
-                        <a:rPr lang="en-US" altLang="zh-CN" sz="2000" i="1">
-                          <a:effectLst/>
-                          <a:latin typeface="Cambria Math" panose="02040503050406030204" pitchFamily="18" charset="0"/>
-                          <a:cs typeface="Times New Roman" panose="02020603050405020304" pitchFamily="18" charset="0"/>
-                        </a:rPr>
-                        <m:t>(</m:t>
-                      </m:r>
-                      <m:r>
-                        <a:rPr lang="en-US" altLang="zh-CN" sz="2000" i="1">
-                          <a:effectLst/>
-                          <a:latin typeface="Cambria Math" panose="02040503050406030204" pitchFamily="18" charset="0"/>
-                          <a:cs typeface="Times New Roman" panose="02020603050405020304" pitchFamily="18" charset="0"/>
-                        </a:rPr>
-                        <m:t>𝑥</m:t>
-                      </m:r>
-                      <m:r>
-                        <a:rPr lang="en-US" altLang="zh-CN" sz="2000" i="1">
-                          <a:effectLst/>
-                          <a:latin typeface="Cambria Math" panose="02040503050406030204" pitchFamily="18" charset="0"/>
-                          <a:cs typeface="Times New Roman" panose="02020603050405020304" pitchFamily="18" charset="0"/>
-                        </a:rPr>
-                        <m:t>)=</m:t>
-                      </m:r>
-                      <m:r>
-                        <a:rPr lang="en-US" altLang="zh-CN" sz="2000" i="1">
-                          <a:latin typeface="Cambria Math" panose="02040503050406030204" pitchFamily="18" charset="0"/>
-                          <a:cs typeface="Times New Roman" panose="02020603050405020304" pitchFamily="18" charset="0"/>
-                        </a:rPr>
-                        <m:t>𝑅𝑂𝑇</m:t>
-                      </m:r>
-                      <m:sSup>
-                        <m:sSupPr>
-                          <m:ctrlPr>
-                            <a:rPr lang="zh-CN" altLang="zh-CN" sz="2000" i="1">
-                              <a:latin typeface="Cambria Math" panose="02040503050406030204" pitchFamily="18" charset="0"/>
-                              <a:cs typeface="Times New Roman" panose="02020603050405020304" pitchFamily="18" charset="0"/>
-                            </a:rPr>
-                          </m:ctrlPr>
-                        </m:sSupPr>
-                        <m:e>
-                          <m:r>
-                            <a:rPr lang="en-US" altLang="zh-CN" sz="2000" i="1">
-                              <a:latin typeface="Cambria Math" panose="02040503050406030204" pitchFamily="18" charset="0"/>
-                              <a:cs typeface="Times New Roman" panose="02020603050405020304" pitchFamily="18" charset="0"/>
-                            </a:rPr>
-                            <m:t>𝑅</m:t>
-                          </m:r>
-                        </m:e>
-                        <m:sup>
-                          <m:r>
-                            <a:rPr lang="en-US" altLang="zh-CN" sz="2000" i="1">
-                              <a:latin typeface="Cambria Math" panose="02040503050406030204" pitchFamily="18" charset="0"/>
-                              <a:cs typeface="Times New Roman" panose="02020603050405020304" pitchFamily="18" charset="0"/>
-                            </a:rPr>
-                            <m:t>17</m:t>
-                          </m:r>
-                        </m:sup>
-                      </m:sSup>
-                      <m:r>
-                        <a:rPr lang="en-US" altLang="zh-CN" sz="2000" i="1">
-                          <a:latin typeface="Cambria Math" panose="02040503050406030204" pitchFamily="18" charset="0"/>
-                          <a:cs typeface="Times New Roman" panose="02020603050405020304" pitchFamily="18" charset="0"/>
-                        </a:rPr>
-                        <m:t>(</m:t>
-                      </m:r>
-                      <m:r>
-                        <a:rPr lang="en-US" altLang="zh-CN" sz="2000" i="1">
-                          <a:latin typeface="Cambria Math" panose="02040503050406030204" pitchFamily="18" charset="0"/>
-                          <a:cs typeface="Times New Roman" panose="02020603050405020304" pitchFamily="18" charset="0"/>
-                        </a:rPr>
-                        <m:t>𝑥</m:t>
-                      </m:r>
-                      <m:r>
-                        <a:rPr lang="en-US" altLang="zh-CN" sz="2000" i="1">
-                          <a:latin typeface="Cambria Math" panose="02040503050406030204" pitchFamily="18" charset="0"/>
-                          <a:cs typeface="Times New Roman" panose="02020603050405020304" pitchFamily="18" charset="0"/>
-                        </a:rPr>
-                        <m:t>)⊕</m:t>
-                      </m:r>
-                      <m:r>
-                        <a:rPr lang="en-US" altLang="zh-CN" sz="2000" i="1">
-                          <a:latin typeface="Cambria Math" panose="02040503050406030204" pitchFamily="18" charset="0"/>
-                          <a:cs typeface="Times New Roman" panose="02020603050405020304" pitchFamily="18" charset="0"/>
-                        </a:rPr>
-                        <m:t>𝑅𝑂𝑇</m:t>
-                      </m:r>
-                      <m:sSup>
-                        <m:sSupPr>
-                          <m:ctrlPr>
-                            <a:rPr lang="zh-CN" altLang="zh-CN" sz="2000" i="1">
-                              <a:latin typeface="Cambria Math" panose="02040503050406030204" pitchFamily="18" charset="0"/>
-                              <a:cs typeface="Times New Roman" panose="02020603050405020304" pitchFamily="18" charset="0"/>
-                            </a:rPr>
-                          </m:ctrlPr>
-                        </m:sSupPr>
-                        <m:e>
-                          <m:r>
-                            <a:rPr lang="en-US" altLang="zh-CN" sz="2000" i="1">
-                              <a:latin typeface="Cambria Math" panose="02040503050406030204" pitchFamily="18" charset="0"/>
-                              <a:cs typeface="Times New Roman" panose="02020603050405020304" pitchFamily="18" charset="0"/>
-                            </a:rPr>
-                            <m:t>𝑅</m:t>
-                          </m:r>
-                        </m:e>
-                        <m:sup>
-                          <m:r>
-                            <a:rPr lang="en-US" altLang="zh-CN" sz="2000" i="1">
-                              <a:latin typeface="Cambria Math" panose="02040503050406030204" pitchFamily="18" charset="0"/>
-                              <a:cs typeface="Times New Roman" panose="02020603050405020304" pitchFamily="18" charset="0"/>
-                            </a:rPr>
-                            <m:t>19</m:t>
-                          </m:r>
-                        </m:sup>
-                      </m:sSup>
-                      <m:r>
-                        <a:rPr lang="en-US" altLang="zh-CN" sz="2000" i="1">
-                          <a:latin typeface="Cambria Math" panose="02040503050406030204" pitchFamily="18" charset="0"/>
-                          <a:cs typeface="Times New Roman" panose="02020603050405020304" pitchFamily="18" charset="0"/>
-                        </a:rPr>
-                        <m:t>(</m:t>
-                      </m:r>
-                      <m:r>
-                        <a:rPr lang="en-US" altLang="zh-CN" sz="2000" i="1">
-                          <a:latin typeface="Cambria Math" panose="02040503050406030204" pitchFamily="18" charset="0"/>
-                          <a:cs typeface="Times New Roman" panose="02020603050405020304" pitchFamily="18" charset="0"/>
-                        </a:rPr>
-                        <m:t>𝑥</m:t>
-                      </m:r>
-                      <m:r>
-                        <a:rPr lang="en-US" altLang="zh-CN" sz="2000" i="1">
-                          <a:latin typeface="Cambria Math" panose="02040503050406030204" pitchFamily="18" charset="0"/>
-                          <a:cs typeface="Times New Roman" panose="02020603050405020304" pitchFamily="18" charset="0"/>
-                        </a:rPr>
-                        <m:t>)⊕</m:t>
-                      </m:r>
-                      <m:r>
-                        <a:rPr lang="en-US" altLang="zh-CN" sz="2000" i="1">
-                          <a:latin typeface="Cambria Math" panose="02040503050406030204" pitchFamily="18" charset="0"/>
-                          <a:cs typeface="Times New Roman" panose="02020603050405020304" pitchFamily="18" charset="0"/>
-                        </a:rPr>
-                        <m:t>𝑆𝐻</m:t>
-                      </m:r>
-                      <m:sSup>
-                        <m:sSupPr>
-                          <m:ctrlPr>
-                            <a:rPr lang="zh-CN" altLang="zh-CN" sz="2000" i="1">
-                              <a:latin typeface="Cambria Math" panose="02040503050406030204" pitchFamily="18" charset="0"/>
-                              <a:cs typeface="Times New Roman" panose="02020603050405020304" pitchFamily="18" charset="0"/>
-                            </a:rPr>
-                          </m:ctrlPr>
-                        </m:sSupPr>
-                        <m:e>
-                          <m:r>
-                            <a:rPr lang="en-US" altLang="zh-CN" sz="2000" i="1">
-                              <a:latin typeface="Cambria Math" panose="02040503050406030204" pitchFamily="18" charset="0"/>
-                              <a:cs typeface="Times New Roman" panose="02020603050405020304" pitchFamily="18" charset="0"/>
-                            </a:rPr>
-                            <m:t>𝑅</m:t>
-                          </m:r>
-                        </m:e>
-                        <m:sup>
-                          <m:r>
-                            <a:rPr lang="en-US" altLang="zh-CN" sz="2000" i="1">
-                              <a:latin typeface="Cambria Math" panose="02040503050406030204" pitchFamily="18" charset="0"/>
-                              <a:cs typeface="Times New Roman" panose="02020603050405020304" pitchFamily="18" charset="0"/>
-                            </a:rPr>
-                            <m:t>10</m:t>
-                          </m:r>
-                        </m:sup>
-                      </m:sSup>
-                      <m:r>
-                        <a:rPr lang="en-US" altLang="zh-CN" sz="2000" i="1">
-                          <a:latin typeface="Cambria Math" panose="02040503050406030204" pitchFamily="18" charset="0"/>
-                          <a:cs typeface="Times New Roman" panose="02020603050405020304" pitchFamily="18" charset="0"/>
-                        </a:rPr>
-                        <m:t>(</m:t>
-                      </m:r>
-                      <m:r>
-                        <a:rPr lang="en-US" altLang="zh-CN" sz="2000" i="1">
-                          <a:latin typeface="Cambria Math" panose="02040503050406030204" pitchFamily="18" charset="0"/>
-                          <a:cs typeface="Times New Roman" panose="02020603050405020304" pitchFamily="18" charset="0"/>
-                        </a:rPr>
-                        <m:t>𝑥</m:t>
-                      </m:r>
-                      <m:r>
-                        <a:rPr lang="en-US" altLang="zh-CN" sz="2000" i="1">
-                          <a:latin typeface="Cambria Math" panose="02040503050406030204" pitchFamily="18" charset="0"/>
-                          <a:cs typeface="Times New Roman" panose="02020603050405020304" pitchFamily="18" charset="0"/>
-                        </a:rPr>
-                        <m:t>)</m:t>
-                      </m:r>
-                    </m:oMath>
-                  </m:oMathPara>
-                </a14:m>
-                <a:endParaRPr lang="zh-CN" altLang="zh-CN" sz="2000" dirty="0">
-                  <a:effectLst/>
-                  <a:cs typeface="Times New Roman" panose="02020603050405020304" pitchFamily="18" charset="0"/>
-                </a:endParaRPr>
-              </a:p>
-            </p:txBody>
-          </p:sp>
-        </mc:Choice>
-        <mc:Fallback>
-          <p:sp>
-            <p:nvSpPr>
-              <p:cNvPr id="2" name="文本框 1"/>
-              <p:cNvSpPr txBox="1">
-                <a:spLocks noRot="1" noChangeAspect="1" noMove="1" noResize="1" noEditPoints="1" noAdjustHandles="1" noChangeArrowheads="1" noChangeShapeType="1" noTextEdit="1"/>
-              </p:cNvSpPr>
-              <p:nvPr/>
-            </p:nvSpPr>
-            <p:spPr>
-              <a:xfrm>
-                <a:off x="631129" y="1063154"/>
-                <a:ext cx="10924674" cy="4563301"/>
-              </a:xfrm>
-              <a:prstGeom prst="rect">
-                <a:avLst/>
-              </a:prstGeom>
-              <a:blipFill>
-                <a:blip r:embed="rId3"/>
-                <a:stretch>
-                  <a:fillRect l="-614"/>
-                </a:stretch>
-              </a:blipFill>
-            </p:spPr>
-            <p:txBody>
-              <a:bodyPr/>
-              <a:lstStyle/>
-              <a:p>
-                <a:r>
-                  <a:rPr lang="zh-CN" altLang="en-US">
-                    <a:noFill/>
-                  </a:rPr>
-                  <a:t> </a:t>
-                </a:r>
-              </a:p>
-            </p:txBody>
-          </p:sp>
-        </mc:Fallback>
-      </mc:AlternateContent>
-    </p:spTree>
-  </p:cSld>
-  <p:clrMapOvr>
-    <a:masterClrMapping/>
-  </p:clrMapOvr>
-  <mc:AlternateContent xmlns:mc="http://schemas.openxmlformats.org/markup-compatibility/2006" xmlns:p14="http://schemas.microsoft.com/office/powerpoint/2010/main">
-    <mc:Choice Requires="p14">
-      <p:transition p14:dur="0" advClick="0"/>
-    </mc:Choice>
-    <mc:Fallback xmlns="">
-      <p:transition advClick="0"/>
-    </mc:Fallback>
-  </mc:AlternateContent>
-</p:sld>
-</file>
-
-<file path=ppt/slides/slide9.xml><?xml version="1.0" encoding="utf-8"?>
-<p:sld xmlns:a="http://schemas.openxmlformats.org/drawingml/2006/main" xmlns:r="http://schemas.openxmlformats.org/officeDocument/2006/relationships" xmlns:p="http://schemas.openxmlformats.org/presentationml/2006/main">
-  <p:cSld>
-    <p:spTree>
-      <p:nvGrpSpPr>
-        <p:cNvPr id="1" name=""/>
-        <p:cNvGrpSpPr/>
-        <p:nvPr/>
-      </p:nvGrpSpPr>
-      <p:grpSpPr>
-        <a:xfrm>
-          <a:off x="0" y="0"/>
-          <a:ext cx="0" cy="0"/>
-          <a:chOff x="0" y="0"/>
-          <a:chExt cx="0" cy="0"/>
-        </a:xfrm>
-      </p:grpSpPr>
-      <p:sp>
-        <p:nvSpPr>
-          <p:cNvPr id="5" name="Title 17"/>
-          <p:cNvSpPr>
-            <a:spLocks noGrp="1"/>
-          </p:cNvSpPr>
-          <p:nvPr>
-            <p:custDataLst>
-              <p:tags r:id="rId1"/>
-            </p:custDataLst>
-          </p:nvPr>
-        </p:nvSpPr>
-        <p:spPr>
-          <a:xfrm>
-            <a:off x="631129" y="513025"/>
-            <a:ext cx="4935855" cy="586105"/>
-          </a:xfrm>
-          <a:prstGeom prst="rect">
-            <a:avLst/>
-          </a:prstGeom>
-          <a:noFill/>
-        </p:spPr>
-        <p:txBody>
-          <a:bodyPr vert="horz" wrap="none" lIns="90170" tIns="46990" rIns="90170" bIns="46990" rtlCol="0" anchor="ctr" anchorCtr="0">
-            <a:spAutoFit/>
-          </a:bodyPr>
-          <a:lstStyle>
-            <a:lvl1pPr algn="l" defTabSz="914400" rtl="0" eaLnBrk="1" fontAlgn="auto" latinLnBrk="0" hangingPunct="1">
-              <a:lnSpc>
-                <a:spcPct val="100000"/>
-              </a:lnSpc>
-              <a:spcBef>
-                <a:spcPct val="0"/>
-              </a:spcBef>
-              <a:buNone/>
-              <a:defRPr lang="zh-CN" altLang="en-US" sz="2800" b="1" u="none" strike="noStrike" kern="1200" cap="none" spc="300" normalizeH="0" baseline="0">
-                <a:solidFill>
-                  <a:schemeClr val="accent1"/>
-                </a:solidFill>
-                <a:uFillTx/>
-                <a:latin typeface="+mn-lt"/>
-                <a:ea typeface="+mn-ea"/>
-                <a:cs typeface="+mn-cs"/>
-              </a:defRPr>
-            </a:lvl1pPr>
-          </a:lstStyle>
-          <a:p>
-            <a:r>
-              <a:rPr lang="en-US" altLang="zh-CN" sz="3200" spc="0" dirty="0">
-                <a:solidFill>
-                  <a:schemeClr val="tx1"/>
-                </a:solidFill>
-                <a:effectLst>
-                  <a:outerShdw blurRad="38100" dist="38100" dir="2700000" algn="tl">
-                    <a:srgbClr val="000000">
-                      <a:alpha val="43137"/>
-                    </a:srgbClr>
-                  </a:outerShdw>
-                </a:effectLst>
-                <a:latin typeface="Arial" panose="020B0604020202020204" pitchFamily="34" charset="0"/>
-                <a:ea typeface="黑体" panose="02010609060101010101" pitchFamily="49" charset="-122"/>
-                <a:cs typeface="Times New Roman" panose="02020603050405020304" pitchFamily="18" charset="0"/>
-                <a:sym typeface="+mn-ea"/>
-              </a:rPr>
-              <a:t>3.1 </a:t>
-            </a:r>
-            <a:r>
-              <a:rPr lang="zh-CN" altLang="en-US" sz="3200" spc="0" dirty="0">
-                <a:solidFill>
-                  <a:schemeClr val="tx1"/>
-                </a:solidFill>
-                <a:effectLst>
-                  <a:outerShdw blurRad="38100" dist="38100" dir="2700000" algn="tl">
-                    <a:srgbClr val="000000">
-                      <a:alpha val="43137"/>
-                    </a:srgbClr>
-                  </a:outerShdw>
-                </a:effectLst>
-                <a:latin typeface="Arial" panose="020B0604020202020204" pitchFamily="34" charset="0"/>
-                <a:ea typeface="黑体" panose="02010609060101010101" pitchFamily="49" charset="-122"/>
-                <a:cs typeface="Times New Roman" panose="02020603050405020304" pitchFamily="18" charset="0"/>
-                <a:sym typeface="+mn-ea"/>
-              </a:rPr>
-              <a:t>抗碰撞哈希函数</a:t>
-            </a:r>
-            <a:r>
-              <a:rPr lang="en-US" altLang="zh-CN" sz="3200" spc="0" dirty="0">
-                <a:solidFill>
-                  <a:schemeClr val="tx1"/>
-                </a:solidFill>
-                <a:effectLst>
-                  <a:outerShdw blurRad="38100" dist="38100" dir="2700000" algn="tl">
-                    <a:srgbClr val="000000">
-                      <a:alpha val="43137"/>
-                    </a:srgbClr>
-                  </a:outerShdw>
-                </a:effectLst>
-                <a:latin typeface="Arial" panose="020B0604020202020204" pitchFamily="34" charset="0"/>
-                <a:ea typeface="黑体" panose="02010609060101010101" pitchFamily="49" charset="-122"/>
-                <a:cs typeface="Times New Roman" panose="02020603050405020304" pitchFamily="18" charset="0"/>
-                <a:sym typeface="+mn-ea"/>
-              </a:rPr>
-              <a:t>SHA-2</a:t>
-            </a:r>
+            <a:endParaRPr lang="en-US" altLang="zh-CN" sz="3200" spc="0" dirty="0">
+              <a:solidFill>
+                <a:schemeClr val="tx1"/>
+              </a:solidFill>
+              <a:effectLst>
+                <a:outerShdw blurRad="38100" dist="38100" dir="2700000" algn="tl">
+                  <a:srgbClr val="000000">
+                    <a:alpha val="43137"/>
+                  </a:srgbClr>
+                </a:outerShdw>
+              </a:effectLst>
+              <a:latin typeface="Arial" panose="020B0604020202020204" pitchFamily="34" charset="0"/>
+              <a:ea typeface="黑体" panose="02010609060101010101" pitchFamily="49" charset="-122"/>
+              <a:cs typeface="Times New Roman" panose="02020603050405020304" pitchFamily="18" charset="0"/>
+              <a:sym typeface="+mn-ea"/>
+            </a:endParaRPr>
           </a:p>
         </p:txBody>
       </p:sp>
@@ -18337,10 +17973,10 @@
               <a:prstGeom prst="rect">
                 <a:avLst/>
               </a:prstGeom>
-              <a:blipFill>
-                <a:blip r:embed="rId3"/>
+              <a:blipFill rotWithShape="1">
+                <a:blip r:embed="rId2"/>
                 <a:stretch>
-                  <a:fillRect l="-614"/>
+                  <a:fillRect l="-5" t="-5" r="1" b="17"/>
                 </a:stretch>
               </a:blipFill>
             </p:spPr>
@@ -18364,11 +18000,458 @@
   <p:clrMapOvr>
     <a:masterClrMapping/>
   </p:clrMapOvr>
-  <mc:AlternateContent xmlns:mc="http://schemas.openxmlformats.org/markup-compatibility/2006" xmlns:p14="http://schemas.microsoft.com/office/powerpoint/2010/main">
-    <mc:Choice Requires="p14">
+  <mc:AlternateContent xmlns:mc="http://schemas.openxmlformats.org/markup-compatibility/2006">
+    <mc:Choice xmlns:p14="http://schemas.microsoft.com/office/powerpoint/2010/main" Requires="p14">
       <p:transition p14:dur="0" advClick="0"/>
     </mc:Choice>
-    <mc:Fallback xmlns="">
+    <mc:Fallback>
+      <p:transition advClick="0"/>
+    </mc:Fallback>
+  </mc:AlternateContent>
+</p:sld>
+</file>
+
+<file path=ppt/slides/slide9.xml><?xml version="1.0" encoding="utf-8"?>
+<p:sld xmlns:a="http://schemas.openxmlformats.org/drawingml/2006/main" xmlns:r="http://schemas.openxmlformats.org/officeDocument/2006/relationships" xmlns:p="http://schemas.openxmlformats.org/presentationml/2006/main">
+  <p:cSld>
+    <p:spTree>
+      <p:nvGrpSpPr>
+        <p:cNvPr id="1" name=""/>
+        <p:cNvGrpSpPr/>
+        <p:nvPr/>
+      </p:nvGrpSpPr>
+      <p:grpSpPr>
+        <a:xfrm>
+          <a:off x="0" y="0"/>
+          <a:ext cx="0" cy="0"/>
+          <a:chOff x="0" y="0"/>
+          <a:chExt cx="0" cy="0"/>
+        </a:xfrm>
+      </p:grpSpPr>
+      <p:sp>
+        <p:nvSpPr>
+          <p:cNvPr id="5" name="Title 17"/>
+          <p:cNvSpPr>
+            <a:spLocks noGrp="1"/>
+          </p:cNvSpPr>
+          <p:nvPr>
+            <p:custDataLst>
+              <p:tags r:id="rId1"/>
+            </p:custDataLst>
+          </p:nvPr>
+        </p:nvSpPr>
+        <p:spPr>
+          <a:xfrm>
+            <a:off x="631129" y="513026"/>
+            <a:ext cx="2083435" cy="586105"/>
+          </a:xfrm>
+          <a:prstGeom prst="rect">
+            <a:avLst/>
+          </a:prstGeom>
+          <a:noFill/>
+        </p:spPr>
+        <p:txBody>
+          <a:bodyPr vert="horz" wrap="none" lIns="90170" tIns="46990" rIns="90170" bIns="46990" rtlCol="0" anchor="ctr" anchorCtr="0">
+            <a:spAutoFit/>
+          </a:bodyPr>
+          <a:lstStyle>
+            <a:lvl1pPr algn="l" defTabSz="914400" rtl="0" eaLnBrk="1" fontAlgn="auto" latinLnBrk="0" hangingPunct="1">
+              <a:lnSpc>
+                <a:spcPct val="100000"/>
+              </a:lnSpc>
+              <a:spcBef>
+                <a:spcPct val="0"/>
+              </a:spcBef>
+              <a:buNone/>
+              <a:defRPr lang="zh-CN" altLang="en-US" sz="2800" b="1" u="none" strike="noStrike" kern="1200" cap="none" spc="300" normalizeH="0" baseline="0">
+                <a:solidFill>
+                  <a:schemeClr val="accent1"/>
+                </a:solidFill>
+                <a:uFillTx/>
+                <a:latin typeface="+mn-lt"/>
+                <a:ea typeface="+mn-ea"/>
+                <a:cs typeface="+mn-cs"/>
+              </a:defRPr>
+            </a:lvl1pPr>
+          </a:lstStyle>
+          <a:p>
+            <a:r>
+              <a:rPr lang="en-US" altLang="zh-CN" sz="3200" spc="0" dirty="0">
+                <a:solidFill>
+                  <a:schemeClr val="tx1"/>
+                </a:solidFill>
+                <a:effectLst>
+                  <a:outerShdw blurRad="38100" dist="38100" dir="2700000" algn="tl">
+                    <a:srgbClr val="000000">
+                      <a:alpha val="43137"/>
+                    </a:srgbClr>
+                  </a:outerShdw>
+                </a:effectLst>
+                <a:latin typeface="Arial" panose="020B0604020202020204" pitchFamily="34" charset="0"/>
+                <a:ea typeface="黑体" panose="02010609060101010101" pitchFamily="49" charset="-122"/>
+                <a:cs typeface="Times New Roman" panose="02020603050405020304" pitchFamily="18" charset="0"/>
+                <a:sym typeface="+mn-ea"/>
+              </a:rPr>
+              <a:t>3.2 </a:t>
+            </a:r>
+            <a:r>
+              <a:rPr lang="zh-CN" altLang="en-US" sz="3200" spc="0">
+                <a:solidFill>
+                  <a:schemeClr val="tx1"/>
+                </a:solidFill>
+                <a:effectLst>
+                  <a:outerShdw blurRad="38100" dist="38100" dir="2700000" algn="tl">
+                    <a:srgbClr val="000000">
+                      <a:alpha val="43137"/>
+                    </a:srgbClr>
+                  </a:outerShdw>
+                </a:effectLst>
+                <a:latin typeface="Arial" panose="020B0604020202020204" pitchFamily="34" charset="0"/>
+                <a:ea typeface="黑体" panose="02010609060101010101" pitchFamily="49" charset="-122"/>
+                <a:cs typeface="Times New Roman" panose="02020603050405020304" pitchFamily="18" charset="0"/>
+                <a:sym typeface="+mn-ea"/>
+              </a:rPr>
+              <a:t>任务一</a:t>
+            </a:r>
+            <a:endParaRPr lang="en-US" altLang="zh-CN" sz="3200" spc="0" dirty="0">
+              <a:solidFill>
+                <a:schemeClr val="tx1"/>
+              </a:solidFill>
+              <a:effectLst>
+                <a:outerShdw blurRad="38100" dist="38100" dir="2700000" algn="tl">
+                  <a:srgbClr val="000000">
+                    <a:alpha val="43137"/>
+                  </a:srgbClr>
+                </a:outerShdw>
+              </a:effectLst>
+              <a:latin typeface="Arial" panose="020B0604020202020204" pitchFamily="34" charset="0"/>
+              <a:ea typeface="黑体" panose="02010609060101010101" pitchFamily="49" charset="-122"/>
+              <a:cs typeface="Times New Roman" panose="02020603050405020304" pitchFamily="18" charset="0"/>
+              <a:sym typeface="+mn-ea"/>
+            </a:endParaRPr>
+          </a:p>
+        </p:txBody>
+      </p:sp>
+      <mc:AlternateContent xmlns:mc="http://schemas.openxmlformats.org/markup-compatibility/2006">
+        <mc:Choice xmlns:a14="http://schemas.microsoft.com/office/drawing/2010/main" Requires="a14">
+          <p:sp>
+            <p:nvSpPr>
+              <p:cNvPr id="2" name="文本框 1"/>
+              <p:cNvSpPr txBox="1"/>
+              <p:nvPr/>
+            </p:nvSpPr>
+            <p:spPr>
+              <a:xfrm>
+                <a:off x="631129" y="1120752"/>
+                <a:ext cx="10924674" cy="955903"/>
+              </a:xfrm>
+              <a:prstGeom prst="rect">
+                <a:avLst/>
+              </a:prstGeom>
+              <a:noFill/>
+            </p:spPr>
+            <p:txBody>
+              <a:bodyPr wrap="square" rtlCol="0">
+                <a:spAutoFit/>
+              </a:bodyPr>
+              <a:lstStyle/>
+              <a:p>
+                <a:pPr algn="just">
+                  <a:lnSpc>
+                    <a:spcPct val="150000"/>
+                  </a:lnSpc>
+                </a:pPr>
+                <a14:m>
+                  <m:oMath xmlns:m="http://schemas.openxmlformats.org/officeDocument/2006/math">
+                    <m:r>
+                      <a:rPr lang="zh-CN" altLang="en-US" sz="2000" i="1" smtClean="0">
+                        <a:effectLst/>
+                        <a:latin typeface="Cambria Math" panose="02040503050406030204" pitchFamily="18" charset="0"/>
+                        <a:cs typeface="Times New Roman" panose="02020603050405020304" pitchFamily="18" charset="0"/>
+                      </a:rPr>
+                      <m:t>完成</m:t>
+                    </m:r>
+                  </m:oMath>
+                </a14:m>
+                <a:r>
+                  <a:rPr lang="zh-CN" altLang="en-US" sz="2000" dirty="0">
+                    <a:effectLst/>
+                    <a:cs typeface="Times New Roman" panose="02020603050405020304" pitchFamily="18" charset="0"/>
+                  </a:rPr>
+                  <a:t>分组压缩中的部分代码</a:t>
+                </a:r>
+                <a:r>
+                  <a:rPr lang="zh-CN" altLang="en-US" sz="2000" dirty="0">
+                    <a:cs typeface="Times New Roman" panose="02020603050405020304" pitchFamily="18" charset="0"/>
+                    <a:sym typeface="+mn-ea"/>
+                  </a:rPr>
+                  <a:t>（其余代码见 </a:t>
+                </a:r>
+                <a:r>
+                  <a:rPr lang="en-US" altLang="zh-CN" sz="2000" dirty="0">
+                    <a:cs typeface="Times New Roman" panose="02020603050405020304" pitchFamily="18" charset="0"/>
+                    <a:sym typeface="+mn-ea"/>
+                  </a:rPr>
+                  <a:t>txt</a:t>
+                </a:r>
+                <a:r>
+                  <a:rPr lang="zh-CN" altLang="en-US" sz="2000" dirty="0">
+                    <a:cs typeface="Times New Roman" panose="02020603050405020304" pitchFamily="18" charset="0"/>
+                    <a:sym typeface="+mn-ea"/>
+                  </a:rPr>
+                  <a:t>）并进行测试</a:t>
+                </a:r>
+                <a:endParaRPr lang="zh-CN" altLang="en-US" sz="2000" dirty="0">
+                  <a:effectLst/>
+                  <a:cs typeface="Times New Roman" panose="02020603050405020304" pitchFamily="18" charset="0"/>
+                </a:endParaRPr>
+              </a:p>
+              <a:p>
+                <a:pPr algn="just">
+                  <a:lnSpc>
+                    <a:spcPct val="150000"/>
+                  </a:lnSpc>
+                </a:pPr>
+                <a:r>
+                  <a:rPr lang="zh-CN" altLang="zh-CN" sz="2000" dirty="0">
+                    <a:effectLst/>
+                    <a:cs typeface="Times New Roman" panose="02020603050405020304" pitchFamily="18" charset="0"/>
+                  </a:rPr>
+                  <a:t>对</a:t>
+                </a:r>
+                <a:r>
+                  <a:rPr lang="en-US" altLang="zh-CN" sz="2000" dirty="0">
+                    <a:effectLst/>
+                    <a:cs typeface="Times New Roman" panose="02020603050405020304" pitchFamily="18" charset="0"/>
+                  </a:rPr>
+                  <a:t> SHA2 </a:t>
+                </a:r>
+                <a:r>
+                  <a:rPr lang="zh-CN" altLang="en-US" sz="2000" dirty="0">
+                    <a:effectLst/>
+                    <a:cs typeface="Times New Roman" panose="02020603050405020304" pitchFamily="18" charset="0"/>
+                  </a:rPr>
+                  <a:t>系列算法进行比较</a:t>
+                </a:r>
+                <a:endParaRPr lang="zh-CN" altLang="en-US" sz="2000" dirty="0">
+                  <a:effectLst/>
+                  <a:cs typeface="Times New Roman" panose="02020603050405020304" pitchFamily="18" charset="0"/>
+                </a:endParaRPr>
+              </a:p>
+            </p:txBody>
+          </p:sp>
+        </mc:Choice>
+        <mc:Fallback>
+          <p:sp>
+            <p:nvSpPr>
+              <p:cNvPr id="2" name="文本框 1"/>
+              <p:cNvSpPr txBox="1">
+                <a:spLocks noRot="1" noChangeAspect="1" noMove="1" noResize="1" noEditPoints="1" noAdjustHandles="1" noChangeArrowheads="1" noChangeShapeType="1" noTextEdit="1"/>
+              </p:cNvSpPr>
+              <p:nvPr/>
+            </p:nvSpPr>
+            <p:spPr>
+              <a:xfrm>
+                <a:off x="631129" y="1120752"/>
+                <a:ext cx="10924674" cy="955903"/>
+              </a:xfrm>
+              <a:prstGeom prst="rect">
+                <a:avLst/>
+              </a:prstGeom>
+              <a:blipFill rotWithShape="1">
+                <a:blip r:embed="rId2"/>
+                <a:stretch>
+                  <a:fillRect l="-5" t="-64" r="1" b="-2038"/>
+                </a:stretch>
+              </a:blipFill>
+            </p:spPr>
+            <p:txBody>
+              <a:bodyPr/>
+              <a:lstStyle/>
+              <a:p>
+                <a:r>
+                  <a:rPr lang="zh-CN" altLang="en-US">
+                    <a:noFill/>
+                  </a:rPr>
+                  <a:t> </a:t>
+                </a:r>
+              </a:p>
+            </p:txBody>
+          </p:sp>
+        </mc:Fallback>
+      </mc:AlternateContent>
+      <p:sp>
+        <p:nvSpPr>
+          <p:cNvPr id="4" name="文本框 3"/>
+          <p:cNvSpPr txBox="1"/>
+          <p:nvPr/>
+        </p:nvSpPr>
+        <p:spPr>
+          <a:xfrm>
+            <a:off x="511012" y="2098276"/>
+            <a:ext cx="3254706" cy="496996"/>
+          </a:xfrm>
+          <a:prstGeom prst="rect">
+            <a:avLst/>
+          </a:prstGeom>
+          <a:noFill/>
+        </p:spPr>
+        <p:txBody>
+          <a:bodyPr wrap="square" rtlCol="0">
+            <a:spAutoFit/>
+          </a:bodyPr>
+          <a:lstStyle/>
+          <a:p>
+            <a:pPr algn="ctr">
+              <a:lnSpc>
+                <a:spcPct val="150000"/>
+              </a:lnSpc>
+            </a:pPr>
+            <a:r>
+              <a:rPr lang="en-US" altLang="zh-CN" sz="2000" dirty="0">
+                <a:effectLst/>
+                <a:cs typeface="Times New Roman" panose="02020603050405020304" pitchFamily="18" charset="0"/>
+              </a:rPr>
+              <a:t>SHA-256 // SHA-224</a:t>
+            </a:r>
+            <a:endParaRPr lang="zh-CN" altLang="zh-CN" sz="2000" dirty="0">
+              <a:effectLst/>
+              <a:cs typeface="Times New Roman" panose="02020603050405020304" pitchFamily="18" charset="0"/>
+            </a:endParaRPr>
+          </a:p>
+        </p:txBody>
+      </p:sp>
+      <p:pic>
+        <p:nvPicPr>
+          <p:cNvPr id="8" name="图片 7"/>
+          <p:cNvPicPr>
+            <a:picLocks noChangeAspect="1"/>
+          </p:cNvPicPr>
+          <p:nvPr/>
+        </p:nvPicPr>
+        <p:blipFill>
+          <a:blip r:embed="rId3"/>
+          <a:stretch>
+            <a:fillRect/>
+          </a:stretch>
+        </p:blipFill>
+        <p:spPr>
+          <a:xfrm>
+            <a:off x="844387" y="2690653"/>
+            <a:ext cx="4155516" cy="3856708"/>
+          </a:xfrm>
+          <a:prstGeom prst="rect">
+            <a:avLst/>
+          </a:prstGeom>
+        </p:spPr>
+      </p:pic>
+      <p:sp>
+        <p:nvSpPr>
+          <p:cNvPr id="9" name="文本框 8"/>
+          <p:cNvSpPr txBox="1"/>
+          <p:nvPr/>
+        </p:nvSpPr>
+        <p:spPr>
+          <a:xfrm>
+            <a:off x="5347028" y="2076617"/>
+            <a:ext cx="6440784" cy="496996"/>
+          </a:xfrm>
+          <a:prstGeom prst="rect">
+            <a:avLst/>
+          </a:prstGeom>
+          <a:noFill/>
+        </p:spPr>
+        <p:txBody>
+          <a:bodyPr wrap="square" rtlCol="0">
+            <a:spAutoFit/>
+          </a:bodyPr>
+          <a:lstStyle/>
+          <a:p>
+            <a:pPr algn="ctr">
+              <a:lnSpc>
+                <a:spcPct val="150000"/>
+              </a:lnSpc>
+            </a:pPr>
+            <a:r>
+              <a:rPr lang="en-US" altLang="zh-CN" sz="2000" dirty="0">
+                <a:effectLst/>
+                <a:cs typeface="Times New Roman" panose="02020603050405020304" pitchFamily="18" charset="0"/>
+              </a:rPr>
+              <a:t>SHA-384 // SHA-512 /</a:t>
+            </a:r>
+            <a:r>
+              <a:rPr lang="en-US" altLang="zh-CN" sz="2000" dirty="0">
+                <a:cs typeface="Times New Roman" panose="02020603050405020304" pitchFamily="18" charset="0"/>
+              </a:rPr>
+              <a:t>/ </a:t>
+            </a:r>
+            <a:r>
+              <a:rPr lang="en-US" altLang="zh-CN" sz="2000" dirty="0">
+                <a:solidFill>
+                  <a:srgbClr val="000000"/>
+                </a:solidFill>
+                <a:effectLst/>
+                <a:latin typeface="Arial" panose="020B0604020202020204" pitchFamily="34" charset="0"/>
+              </a:rPr>
+              <a:t>SHA-512/224 /</a:t>
+            </a:r>
+            <a:r>
+              <a:rPr lang="en-US" altLang="zh-CN" sz="2000" dirty="0">
+                <a:cs typeface="Times New Roman" panose="02020603050405020304" pitchFamily="18" charset="0"/>
+              </a:rPr>
+              <a:t>/ </a:t>
+            </a:r>
+            <a:r>
+              <a:rPr lang="en-US" altLang="zh-CN" sz="2000" dirty="0">
+                <a:solidFill>
+                  <a:srgbClr val="000000"/>
+                </a:solidFill>
+                <a:effectLst/>
+                <a:latin typeface="Arial" panose="020B0604020202020204" pitchFamily="34" charset="0"/>
+              </a:rPr>
+              <a:t>SHA-512/256</a:t>
+            </a:r>
+            <a:endParaRPr lang="zh-CN" altLang="zh-CN" sz="2000" dirty="0">
+              <a:effectLst/>
+              <a:cs typeface="Times New Roman" panose="02020603050405020304" pitchFamily="18" charset="0"/>
+            </a:endParaRPr>
+          </a:p>
+        </p:txBody>
+      </p:sp>
+      <p:pic>
+        <p:nvPicPr>
+          <p:cNvPr id="11" name="图片 10"/>
+          <p:cNvPicPr>
+            <a:picLocks noChangeAspect="1"/>
+          </p:cNvPicPr>
+          <p:nvPr/>
+        </p:nvPicPr>
+        <p:blipFill>
+          <a:blip r:embed="rId4"/>
+          <a:stretch>
+            <a:fillRect/>
+          </a:stretch>
+        </p:blipFill>
+        <p:spPr>
+          <a:xfrm>
+            <a:off x="5967663" y="2690653"/>
+            <a:ext cx="3837817" cy="3871306"/>
+          </a:xfrm>
+          <a:prstGeom prst="rect">
+            <a:avLst/>
+          </a:prstGeom>
+        </p:spPr>
+      </p:pic>
+    </p:spTree>
+  </p:cSld>
+  <p:clrMapOvr>
+    <a:masterClrMapping/>
+  </p:clrMapOvr>
+  <mc:AlternateContent xmlns:mc="http://schemas.openxmlformats.org/markup-compatibility/2006">
+    <mc:Choice xmlns:p14="http://schemas.microsoft.com/office/powerpoint/2010/main" Requires="p14">
+      <p:transition p14:dur="0" advClick="0"/>
+    </mc:Choice>
+    <mc:Fallback>
       <p:transition advClick="0"/>
     </mc:Fallback>
   </mc:AlternateContent>
@@ -18376,7 +18459,7 @@
 </file>
 
 <file path=ppt/tags/tag1.xml><?xml version="1.0" encoding="utf-8"?>
-<p:tagLst xmlns:a="http://schemas.openxmlformats.org/drawingml/2006/main" xmlns:r="http://schemas.openxmlformats.org/officeDocument/2006/relationships" xmlns:p="http://schemas.openxmlformats.org/presentationml/2006/main">
+<p:tagLst xmlns:p="http://schemas.openxmlformats.org/presentationml/2006/main">
   <p:tag name="KSO_WM_UNIT_TEXT_FILL_FORE_SCHEMECOLOR_INDEX_BRIGHTNESS" val="0"/>
   <p:tag name="KSO_WM_UNIT_TEXT_FILL_FORE_SCHEMECOLOR_INDEX" val="5"/>
   <p:tag name="KSO_WM_UNIT_TEXT_FILL_TYPE" val="1"/>
@@ -18384,7 +18467,7 @@
 </file>
 
 <file path=ppt/tags/tag10.xml><?xml version="1.0" encoding="utf-8"?>
-<p:tagLst xmlns:a="http://schemas.openxmlformats.org/drawingml/2006/main" xmlns:r="http://schemas.openxmlformats.org/officeDocument/2006/relationships" xmlns:p="http://schemas.openxmlformats.org/presentationml/2006/main">
+<p:tagLst xmlns:p="http://schemas.openxmlformats.org/presentationml/2006/main">
   <p:tag name="KSO_WM_UNIT_TEXT_FILL_FORE_SCHEMECOLOR_INDEX_BRIGHTNESS" val="0"/>
   <p:tag name="KSO_WM_UNIT_TEXT_FILL_FORE_SCHEMECOLOR_INDEX" val="5"/>
   <p:tag name="KSO_WM_UNIT_TEXT_FILL_TYPE" val="1"/>
@@ -18392,7 +18475,7 @@
 </file>
 
 <file path=ppt/tags/tag11.xml><?xml version="1.0" encoding="utf-8"?>
-<p:tagLst xmlns:a="http://schemas.openxmlformats.org/drawingml/2006/main" xmlns:r="http://schemas.openxmlformats.org/officeDocument/2006/relationships" xmlns:p="http://schemas.openxmlformats.org/presentationml/2006/main">
+<p:tagLst xmlns:p="http://schemas.openxmlformats.org/presentationml/2006/main">
   <p:tag name="KSO_WM_UNIT_TEXT_FILL_FORE_SCHEMECOLOR_INDEX_BRIGHTNESS" val="0"/>
   <p:tag name="KSO_WM_UNIT_TEXT_FILL_FORE_SCHEMECOLOR_INDEX" val="5"/>
   <p:tag name="KSO_WM_UNIT_TEXT_FILL_TYPE" val="1"/>
@@ -18400,15 +18483,7 @@
 </file>
 
 <file path=ppt/tags/tag12.xml><?xml version="1.0" encoding="utf-8"?>
-<p:tagLst xmlns:a="http://schemas.openxmlformats.org/drawingml/2006/main" xmlns:r="http://schemas.openxmlformats.org/officeDocument/2006/relationships" xmlns:p="http://schemas.openxmlformats.org/presentationml/2006/main">
-  <p:tag name="KSO_WM_UNIT_TEXT_FILL_FORE_SCHEMECOLOR_INDEX_BRIGHTNESS" val="0"/>
-  <p:tag name="KSO_WM_UNIT_TEXT_FILL_FORE_SCHEMECOLOR_INDEX" val="5"/>
-  <p:tag name="KSO_WM_UNIT_TEXT_FILL_TYPE" val="1"/>
-</p:tagLst>
-</file>
-
-<file path=ppt/tags/tag13.xml><?xml version="1.0" encoding="utf-8"?>
-<p:tagLst xmlns:a="http://schemas.openxmlformats.org/drawingml/2006/main" xmlns:r="http://schemas.openxmlformats.org/officeDocument/2006/relationships" xmlns:p="http://schemas.openxmlformats.org/presentationml/2006/main">
+<p:tagLst xmlns:p="http://schemas.openxmlformats.org/presentationml/2006/main">
   <p:tag name="KSO_WM_UNIT_TEXT_FILL_FORE_SCHEMECOLOR_INDEX_BRIGHTNESS" val="0"/>
   <p:tag name="KSO_WM_UNIT_TEXT_FILL_FORE_SCHEMECOLOR_INDEX" val="5"/>
   <p:tag name="KSO_WM_UNIT_TEXT_FILL_TYPE" val="1"/>
@@ -18416,7 +18491,7 @@
 </file>
 
 <file path=ppt/tags/tag2.xml><?xml version="1.0" encoding="utf-8"?>
-<p:tagLst xmlns:a="http://schemas.openxmlformats.org/drawingml/2006/main" xmlns:r="http://schemas.openxmlformats.org/officeDocument/2006/relationships" xmlns:p="http://schemas.openxmlformats.org/presentationml/2006/main">
+<p:tagLst xmlns:p="http://schemas.openxmlformats.org/presentationml/2006/main">
   <p:tag name="KSO_WM_UNIT_TEXT_FILL_FORE_SCHEMECOLOR_INDEX_BRIGHTNESS" val="0"/>
   <p:tag name="KSO_WM_UNIT_TEXT_FILL_FORE_SCHEMECOLOR_INDEX" val="5"/>
   <p:tag name="KSO_WM_UNIT_TEXT_FILL_TYPE" val="1"/>
@@ -18424,7 +18499,7 @@
 </file>
 
 <file path=ppt/tags/tag3.xml><?xml version="1.0" encoding="utf-8"?>
-<p:tagLst xmlns:a="http://schemas.openxmlformats.org/drawingml/2006/main" xmlns:r="http://schemas.openxmlformats.org/officeDocument/2006/relationships" xmlns:p="http://schemas.openxmlformats.org/presentationml/2006/main">
+<p:tagLst xmlns:p="http://schemas.openxmlformats.org/presentationml/2006/main">
   <p:tag name="KSO_WM_UNIT_TEXT_FILL_FORE_SCHEMECOLOR_INDEX_BRIGHTNESS" val="0"/>
   <p:tag name="KSO_WM_UNIT_TEXT_FILL_FORE_SCHEMECOLOR_INDEX" val="5"/>
   <p:tag name="KSO_WM_UNIT_TEXT_FILL_TYPE" val="1"/>
@@ -18432,7 +18507,7 @@
 </file>
 
 <file path=ppt/tags/tag4.xml><?xml version="1.0" encoding="utf-8"?>
-<p:tagLst xmlns:a="http://schemas.openxmlformats.org/drawingml/2006/main" xmlns:r="http://schemas.openxmlformats.org/officeDocument/2006/relationships" xmlns:p="http://schemas.openxmlformats.org/presentationml/2006/main">
+<p:tagLst xmlns:p="http://schemas.openxmlformats.org/presentationml/2006/main">
   <p:tag name="KSO_WM_UNIT_TEXT_FILL_FORE_SCHEMECOLOR_INDEX_BRIGHTNESS" val="0"/>
   <p:tag name="KSO_WM_UNIT_TEXT_FILL_FORE_SCHEMECOLOR_INDEX" val="5"/>
   <p:tag name="KSO_WM_UNIT_TEXT_FILL_TYPE" val="1"/>
@@ -18440,7 +18515,7 @@
 </file>
 
 <file path=ppt/tags/tag5.xml><?xml version="1.0" encoding="utf-8"?>
-<p:tagLst xmlns:a="http://schemas.openxmlformats.org/drawingml/2006/main" xmlns:r="http://schemas.openxmlformats.org/officeDocument/2006/relationships" xmlns:p="http://schemas.openxmlformats.org/presentationml/2006/main">
+<p:tagLst xmlns:p="http://schemas.openxmlformats.org/presentationml/2006/main">
   <p:tag name="KSO_WM_UNIT_TEXT_FILL_FORE_SCHEMECOLOR_INDEX_BRIGHTNESS" val="0"/>
   <p:tag name="KSO_WM_UNIT_TEXT_FILL_FORE_SCHEMECOLOR_INDEX" val="5"/>
   <p:tag name="KSO_WM_UNIT_TEXT_FILL_TYPE" val="1"/>
@@ -18448,7 +18523,7 @@
 </file>
 
 <file path=ppt/tags/tag6.xml><?xml version="1.0" encoding="utf-8"?>
-<p:tagLst xmlns:a="http://schemas.openxmlformats.org/drawingml/2006/main" xmlns:r="http://schemas.openxmlformats.org/officeDocument/2006/relationships" xmlns:p="http://schemas.openxmlformats.org/presentationml/2006/main">
+<p:tagLst xmlns:p="http://schemas.openxmlformats.org/presentationml/2006/main">
   <p:tag name="KSO_WM_UNIT_TEXT_FILL_FORE_SCHEMECOLOR_INDEX_BRIGHTNESS" val="0"/>
   <p:tag name="KSO_WM_UNIT_TEXT_FILL_FORE_SCHEMECOLOR_INDEX" val="5"/>
   <p:tag name="KSO_WM_UNIT_TEXT_FILL_TYPE" val="1"/>
@@ -18456,7 +18531,7 @@
 </file>
 
 <file path=ppt/tags/tag7.xml><?xml version="1.0" encoding="utf-8"?>
-<p:tagLst xmlns:a="http://schemas.openxmlformats.org/drawingml/2006/main" xmlns:r="http://schemas.openxmlformats.org/officeDocument/2006/relationships" xmlns:p="http://schemas.openxmlformats.org/presentationml/2006/main">
+<p:tagLst xmlns:p="http://schemas.openxmlformats.org/presentationml/2006/main">
   <p:tag name="KSO_WM_UNIT_TEXT_FILL_FORE_SCHEMECOLOR_INDEX_BRIGHTNESS" val="0"/>
   <p:tag name="KSO_WM_UNIT_TEXT_FILL_FORE_SCHEMECOLOR_INDEX" val="5"/>
   <p:tag name="KSO_WM_UNIT_TEXT_FILL_TYPE" val="1"/>
@@ -18464,7 +18539,7 @@
 </file>
 
 <file path=ppt/tags/tag8.xml><?xml version="1.0" encoding="utf-8"?>
-<p:tagLst xmlns:a="http://schemas.openxmlformats.org/drawingml/2006/main" xmlns:r="http://schemas.openxmlformats.org/officeDocument/2006/relationships" xmlns:p="http://schemas.openxmlformats.org/presentationml/2006/main">
+<p:tagLst xmlns:p="http://schemas.openxmlformats.org/presentationml/2006/main">
   <p:tag name="KSO_WM_UNIT_TEXT_FILL_FORE_SCHEMECOLOR_INDEX_BRIGHTNESS" val="0"/>
   <p:tag name="KSO_WM_UNIT_TEXT_FILL_FORE_SCHEMECOLOR_INDEX" val="5"/>
   <p:tag name="KSO_WM_UNIT_TEXT_FILL_TYPE" val="1"/>
@@ -18472,7 +18547,7 @@
 </file>
 
 <file path=ppt/tags/tag9.xml><?xml version="1.0" encoding="utf-8"?>
-<p:tagLst xmlns:a="http://schemas.openxmlformats.org/drawingml/2006/main" xmlns:r="http://schemas.openxmlformats.org/officeDocument/2006/relationships" xmlns:p="http://schemas.openxmlformats.org/presentationml/2006/main">
+<p:tagLst xmlns:p="http://schemas.openxmlformats.org/presentationml/2006/main">
   <p:tag name="KSO_WM_UNIT_TEXT_FILL_FORE_SCHEMECOLOR_INDEX_BRIGHTNESS" val="0"/>
   <p:tag name="KSO_WM_UNIT_TEXT_FILL_FORE_SCHEMECOLOR_INDEX" val="5"/>
   <p:tag name="KSO_WM_UNIT_TEXT_FILL_TYPE" val="1"/>
@@ -18691,7 +18766,6 @@
       </a:style>
     </a:lnDef>
   </a:objectDefaults>
-  <a:extraClrSchemeLst/>
   <a:extLst>
     <a:ext uri="{05A4C25C-085E-4340-85A3-A5531E510DB2}">
       <thm15:themeFamily xmlns:thm15="http://schemas.microsoft.com/office/thememl/2012/main" name="Office Theme" id="{62F939B6-93AF-4DB8-9C6B-D6C7DFDC589F}" vid="{4A3C46E8-61CC-4603-A589-7422A47A8E4A}"/>
@@ -18972,7 +19046,6 @@
       </a:style>
     </a:lnDef>
   </a:objectDefaults>
-  <a:extraClrSchemeLst/>
   <a:extLst>
     <a:ext uri="{05A4C25C-085E-4340-85A3-A5531E510DB2}">
       <thm15:themeFamily xmlns:thm15="http://schemas.microsoft.com/office/thememl/2012/main" name="Office Theme" id="{62F939B6-93AF-4DB8-9C6B-D6C7DFDC589F}" vid="{4A3C46E8-61CC-4603-A589-7422A47A8E4A}"/>
